--- a/Tasarımdesenleri.pptx
+++ b/Tasarımdesenleri.pptx
@@ -6,15 +6,25 @@
   </p:sldMasterIdLst>
   <p:sldIdLst>
     <p:sldId id="256" r:id="rId2"/>
-    <p:sldId id="257" r:id="rId3"/>
+    <p:sldId id="267" r:id="rId3"/>
     <p:sldId id="259" r:id="rId4"/>
     <p:sldId id="260" r:id="rId5"/>
     <p:sldId id="262" r:id="rId6"/>
-    <p:sldId id="261" r:id="rId7"/>
-    <p:sldId id="263" r:id="rId8"/>
-    <p:sldId id="264" r:id="rId9"/>
-    <p:sldId id="265" r:id="rId10"/>
-    <p:sldId id="258" r:id="rId11"/>
+    <p:sldId id="266" r:id="rId7"/>
+    <p:sldId id="261" r:id="rId8"/>
+    <p:sldId id="268" r:id="rId9"/>
+    <p:sldId id="263" r:id="rId10"/>
+    <p:sldId id="264" r:id="rId11"/>
+    <p:sldId id="265" r:id="rId12"/>
+    <p:sldId id="277" r:id="rId13"/>
+    <p:sldId id="269" r:id="rId14"/>
+    <p:sldId id="273" r:id="rId15"/>
+    <p:sldId id="270" r:id="rId16"/>
+    <p:sldId id="272" r:id="rId17"/>
+    <p:sldId id="276" r:id="rId18"/>
+    <p:sldId id="274" r:id="rId19"/>
+    <p:sldId id="275" r:id="rId20"/>
+    <p:sldId id="258" r:id="rId21"/>
   </p:sldIdLst>
   <p:sldSz cx="12192000" cy="6858000"/>
   <p:notesSz cx="6858000" cy="9144000"/>
@@ -113,6 +123,11 @@
       </a:defRPr>
     </a:lvl9pPr>
   </p:defaultTextStyle>
+  <p:extLst>
+    <p:ext uri="{EFAFB233-063F-42B5-8137-9DF3F51BA10A}">
+      <p15:sldGuideLst xmlns:p15="http://schemas.microsoft.com/office/powerpoint/2012/main"/>
+    </p:ext>
+  </p:extLst>
 </p:presentation>
 </file>
 
@@ -265,7 +280,7 @@
           <a:p>
             <a:fld id="{8EB7B78A-CD2F-054B-9591-8F4C28D48A16}" type="datetimeFigureOut">
               <a:rPr lang="en-TR" smtClean="0"/>
-              <a:t>28.10.2023</a:t>
+              <a:t>9.02.2024</a:t>
             </a:fld>
             <a:endParaRPr lang="en-TR"/>
           </a:p>
@@ -465,7 +480,7 @@
           <a:p>
             <a:fld id="{8EB7B78A-CD2F-054B-9591-8F4C28D48A16}" type="datetimeFigureOut">
               <a:rPr lang="en-TR" smtClean="0"/>
-              <a:t>28.10.2023</a:t>
+              <a:t>9.02.2024</a:t>
             </a:fld>
             <a:endParaRPr lang="en-TR"/>
           </a:p>
@@ -675,7 +690,7 @@
           <a:p>
             <a:fld id="{8EB7B78A-CD2F-054B-9591-8F4C28D48A16}" type="datetimeFigureOut">
               <a:rPr lang="en-TR" smtClean="0"/>
-              <a:t>28.10.2023</a:t>
+              <a:t>9.02.2024</a:t>
             </a:fld>
             <a:endParaRPr lang="en-TR"/>
           </a:p>
@@ -875,7 +890,7 @@
           <a:p>
             <a:fld id="{8EB7B78A-CD2F-054B-9591-8F4C28D48A16}" type="datetimeFigureOut">
               <a:rPr lang="en-TR" smtClean="0"/>
-              <a:t>28.10.2023</a:t>
+              <a:t>9.02.2024</a:t>
             </a:fld>
             <a:endParaRPr lang="en-TR"/>
           </a:p>
@@ -1151,7 +1166,7 @@
           <a:p>
             <a:fld id="{8EB7B78A-CD2F-054B-9591-8F4C28D48A16}" type="datetimeFigureOut">
               <a:rPr lang="en-TR" smtClean="0"/>
-              <a:t>28.10.2023</a:t>
+              <a:t>9.02.2024</a:t>
             </a:fld>
             <a:endParaRPr lang="en-TR"/>
           </a:p>
@@ -1419,7 +1434,7 @@
           <a:p>
             <a:fld id="{8EB7B78A-CD2F-054B-9591-8F4C28D48A16}" type="datetimeFigureOut">
               <a:rPr lang="en-TR" smtClean="0"/>
-              <a:t>28.10.2023</a:t>
+              <a:t>9.02.2024</a:t>
             </a:fld>
             <a:endParaRPr lang="en-TR"/>
           </a:p>
@@ -1834,7 +1849,7 @@
           <a:p>
             <a:fld id="{8EB7B78A-CD2F-054B-9591-8F4C28D48A16}" type="datetimeFigureOut">
               <a:rPr lang="en-TR" smtClean="0"/>
-              <a:t>28.10.2023</a:t>
+              <a:t>9.02.2024</a:t>
             </a:fld>
             <a:endParaRPr lang="en-TR"/>
           </a:p>
@@ -1976,7 +1991,7 @@
           <a:p>
             <a:fld id="{8EB7B78A-CD2F-054B-9591-8F4C28D48A16}" type="datetimeFigureOut">
               <a:rPr lang="en-TR" smtClean="0"/>
-              <a:t>28.10.2023</a:t>
+              <a:t>9.02.2024</a:t>
             </a:fld>
             <a:endParaRPr lang="en-TR"/>
           </a:p>
@@ -2089,7 +2104,7 @@
           <a:p>
             <a:fld id="{8EB7B78A-CD2F-054B-9591-8F4C28D48A16}" type="datetimeFigureOut">
               <a:rPr lang="en-TR" smtClean="0"/>
-              <a:t>28.10.2023</a:t>
+              <a:t>9.02.2024</a:t>
             </a:fld>
             <a:endParaRPr lang="en-TR"/>
           </a:p>
@@ -2402,7 +2417,7 @@
           <a:p>
             <a:fld id="{8EB7B78A-CD2F-054B-9591-8F4C28D48A16}" type="datetimeFigureOut">
               <a:rPr lang="en-TR" smtClean="0"/>
-              <a:t>28.10.2023</a:t>
+              <a:t>9.02.2024</a:t>
             </a:fld>
             <a:endParaRPr lang="en-TR"/>
           </a:p>
@@ -2691,7 +2706,7 @@
           <a:p>
             <a:fld id="{8EB7B78A-CD2F-054B-9591-8F4C28D48A16}" type="datetimeFigureOut">
               <a:rPr lang="en-TR" smtClean="0"/>
-              <a:t>28.10.2023</a:t>
+              <a:t>9.02.2024</a:t>
             </a:fld>
             <a:endParaRPr lang="en-TR"/>
           </a:p>
@@ -2934,7 +2949,7 @@
           <a:p>
             <a:fld id="{8EB7B78A-CD2F-054B-9591-8F4C28D48A16}" type="datetimeFigureOut">
               <a:rPr lang="en-TR" smtClean="0"/>
-              <a:t>28.10.2023</a:t>
+              <a:t>9.02.2024</a:t>
             </a:fld>
             <a:endParaRPr lang="en-TR"/>
           </a:p>
@@ -3367,15 +3382,26 @@
             <p:ph type="ctrTitle"/>
           </p:nvPr>
         </p:nvSpPr>
-        <p:spPr/>
-        <p:txBody>
-          <a:bodyPr/>
+        <p:spPr>
+          <a:xfrm>
+            <a:off x="1524000" y="1122363"/>
+            <a:ext cx="9144000" cy="2133599"/>
+          </a:xfrm>
+        </p:spPr>
+        <p:txBody>
+          <a:bodyPr>
+            <a:normAutofit/>
+          </a:bodyPr>
           <a:lstStyle/>
           <a:p>
             <a:r>
               <a:rPr lang="en-TR" b="1" dirty="0"/>
               <a:t>Design Pattern</a:t>
             </a:r>
+            <a:br>
+              <a:rPr lang="en-TR" b="1" dirty="0"/>
+            </a:br>
+            <a:endParaRPr lang="en-TR" b="1" dirty="0"/>
           </a:p>
         </p:txBody>
       </p:sp>
@@ -3397,7 +3423,9 @@
         </p:nvSpPr>
         <p:spPr/>
         <p:txBody>
-          <a:bodyPr/>
+          <a:bodyPr>
+            <a:normAutofit lnSpcReduction="10000"/>
+          </a:bodyPr>
           <a:lstStyle/>
           <a:p>
             <a:r>
@@ -3405,8 +3433,59 @@
               <a:t>Creational (Yaratımsal), Structural (Yapısal), Behoviral (Davranışsal)</a:t>
             </a:r>
           </a:p>
-        </p:txBody>
-      </p:sp>
+          <a:p>
+            <a:endParaRPr lang="en-TR" dirty="0"/>
+          </a:p>
+          <a:p>
+            <a:endParaRPr lang="en-TR" b="1" dirty="0"/>
+          </a:p>
+          <a:p>
+            <a:r>
+              <a:rPr lang="en-TR" b="1" dirty="0"/>
+              <a:t>Someone has already solved your problems.</a:t>
+            </a:r>
+          </a:p>
+          <a:p>
+            <a:endParaRPr lang="en-TR" dirty="0"/>
+          </a:p>
+        </p:txBody>
+      </p:sp>
+      <p:cxnSp>
+        <p:nvCxnSpPr>
+          <p:cNvPr id="5" name="Straight Connector 4">
+            <a:extLst>
+              <a:ext uri="{FF2B5EF4-FFF2-40B4-BE49-F238E27FC236}">
+                <a16:creationId xmlns:a16="http://schemas.microsoft.com/office/drawing/2014/main" id="{2BAE20A6-E4AB-5A39-C5BE-BAD941C5B6ED}"/>
+              </a:ext>
+            </a:extLst>
+          </p:cNvPr>
+          <p:cNvCxnSpPr/>
+          <p:nvPr/>
+        </p:nvCxnSpPr>
+        <p:spPr>
+          <a:xfrm>
+            <a:off x="1701800" y="4419600"/>
+            <a:ext cx="8695267" cy="0"/>
+          </a:xfrm>
+          <a:prstGeom prst="line">
+            <a:avLst/>
+          </a:prstGeom>
+        </p:spPr>
+        <p:style>
+          <a:lnRef idx="1">
+            <a:schemeClr val="accent1"/>
+          </a:lnRef>
+          <a:fillRef idx="0">
+            <a:schemeClr val="accent1"/>
+          </a:fillRef>
+          <a:effectRef idx="0">
+            <a:schemeClr val="accent1"/>
+          </a:effectRef>
+          <a:fontRef idx="minor">
+            <a:schemeClr val="tx1"/>
+          </a:fontRef>
+        </p:style>
+      </p:cxnSp>
     </p:spTree>
     <p:extLst>
       <p:ext uri="{BB962C8B-B14F-4D97-AF65-F5344CB8AC3E}">
@@ -3442,7 +3521,7 @@
           <p:cNvPr id="2" name="Title 1">
             <a:extLst>
               <a:ext uri="{FF2B5EF4-FFF2-40B4-BE49-F238E27FC236}">
-                <a16:creationId xmlns:a16="http://schemas.microsoft.com/office/drawing/2014/main" id="{B5CDDCA4-7F0B-9313-1F6E-88860FF9F2B5}"/>
+                <a16:creationId xmlns:a16="http://schemas.microsoft.com/office/drawing/2014/main" id="{C9572167-8B63-36A1-C3A4-3CBF1FC85E51}"/>
               </a:ext>
             </a:extLst>
           </p:cNvPr>
@@ -3460,7 +3539,7 @@
           <a:p>
             <a:r>
               <a:rPr lang="en-TR" dirty="0"/>
-              <a:t>Kaynakça	</a:t>
+              <a:t>Çözüm..</a:t>
             </a:r>
           </a:p>
         </p:txBody>
@@ -3470,7 +3549,7 @@
           <p:cNvPr id="3" name="Content Placeholder 2">
             <a:extLst>
               <a:ext uri="{FF2B5EF4-FFF2-40B4-BE49-F238E27FC236}">
-                <a16:creationId xmlns:a16="http://schemas.microsoft.com/office/drawing/2014/main" id="{A627D4A8-F961-EDE5-F571-38DE43F57DC4}"/>
+                <a16:creationId xmlns:a16="http://schemas.microsoft.com/office/drawing/2014/main" id="{AAF2700B-DCF7-F687-6BF6-6DF42DAC3168}"/>
               </a:ext>
             </a:extLst>
           </p:cNvPr>
@@ -3483,58 +3562,37 @@
         </p:nvSpPr>
         <p:spPr/>
         <p:txBody>
-          <a:bodyPr/>
-          <a:lstStyle/>
-          <a:p>
-            <a:r>
-              <a:rPr lang="en-US" dirty="0">
-                <a:hlinkClick r:id="rId2"/>
-              </a:rPr>
-              <a:t>https://refactoring.guru/design-patterns/what-is-pattern</a:t>
-            </a:r>
-            <a:endParaRPr lang="en-US" dirty="0"/>
-          </a:p>
-          <a:p>
-            <a:r>
-              <a:rPr lang="en-US" dirty="0">
-                <a:hlinkClick r:id="rId3"/>
-              </a:rPr>
-              <a:t>https://www.udemy.com/course/designpatterns/</a:t>
-            </a:r>
-            <a:r>
-              <a:rPr lang="en-US" dirty="0"/>
-              <a:t> (</a:t>
-            </a:r>
-            <a:r>
-              <a:rPr lang="en-US" dirty="0" err="1"/>
-              <a:t>Akın</a:t>
-            </a:r>
-            <a:r>
-              <a:rPr lang="en-US" dirty="0"/>
-              <a:t> </a:t>
-            </a:r>
-            <a:r>
-              <a:rPr lang="en-US" dirty="0" err="1"/>
-              <a:t>Hoca</a:t>
-            </a:r>
-            <a:r>
-              <a:rPr lang="en-US" dirty="0"/>
-              <a:t>)</a:t>
-            </a:r>
-          </a:p>
-          <a:p>
-            <a:r>
-              <a:rPr lang="en-US" dirty="0"/>
-              <a:t>Head First Design Pattern</a:t>
-            </a:r>
-            <a:endParaRPr lang="en-TR" dirty="0"/>
+          <a:bodyPr>
+            <a:normAutofit/>
+          </a:bodyPr>
+          <a:lstStyle/>
+          <a:p>
+            <a:pPr marL="0" indent="0">
+              <a:buNone/>
+            </a:pPr>
+            <a:endParaRPr lang="en-TR" sz="5000" dirty="0"/>
+          </a:p>
+          <a:p>
+            <a:pPr marL="0" indent="0">
+              <a:buNone/>
+            </a:pPr>
+            <a:endParaRPr lang="en-TR" sz="5000" dirty="0"/>
+          </a:p>
+          <a:p>
+            <a:pPr marL="0" indent="0">
+              <a:buNone/>
+            </a:pPr>
+            <a:r>
+              <a:rPr lang="en-TR" sz="5000" dirty="0"/>
+              <a:t>Demo</a:t>
+            </a:r>
           </a:p>
         </p:txBody>
       </p:sp>
     </p:spTree>
     <p:extLst>
       <p:ext uri="{BB962C8B-B14F-4D97-AF65-F5344CB8AC3E}">
-        <p14:creationId xmlns:p14="http://schemas.microsoft.com/office/powerpoint/2010/main" val="4121786000"/>
+        <p14:creationId xmlns:p14="http://schemas.microsoft.com/office/powerpoint/2010/main" val="1995948730"/>
       </p:ext>
     </p:extLst>
   </p:cSld>
@@ -3544,7 +3602,7 @@
 </p:sld>
 </file>
 
-<file path=ppt/slides/slide2.xml><?xml version="1.0" encoding="utf-8"?>
+<file path=ppt/slides/slide11.xml><?xml version="1.0" encoding="utf-8"?>
 <p:sld xmlns:a="http://schemas.openxmlformats.org/drawingml/2006/main" xmlns:r="http://schemas.openxmlformats.org/officeDocument/2006/relationships" xmlns:p="http://schemas.openxmlformats.org/presentationml/2006/main">
   <p:cSld>
     <p:spTree>
@@ -3566,7 +3624,7 @@
           <p:cNvPr id="2" name="Title 1">
             <a:extLst>
               <a:ext uri="{FF2B5EF4-FFF2-40B4-BE49-F238E27FC236}">
-                <a16:creationId xmlns:a16="http://schemas.microsoft.com/office/drawing/2014/main" id="{2E9D660D-2A27-7660-35ED-5AC80FB79D1C}"/>
+                <a16:creationId xmlns:a16="http://schemas.microsoft.com/office/drawing/2014/main" id="{C9572167-8B63-36A1-C3A4-3CBF1FC85E51}"/>
               </a:ext>
             </a:extLst>
           </p:cNvPr>
@@ -3584,7 +3642,7 @@
           <a:p>
             <a:r>
               <a:rPr lang="en-TR" b="1" dirty="0"/>
-              <a:t>Creational - Yaratımsal</a:t>
+              <a:t>Strategy Pattern ile</a:t>
             </a:r>
           </a:p>
         </p:txBody>
@@ -3594,7 +3652,7 @@
           <p:cNvPr id="3" name="Content Placeholder 2">
             <a:extLst>
               <a:ext uri="{FF2B5EF4-FFF2-40B4-BE49-F238E27FC236}">
-                <a16:creationId xmlns:a16="http://schemas.microsoft.com/office/drawing/2014/main" id="{EDDA0E33-8ADD-36F6-80EC-4E2DED701DBF}"/>
+                <a16:creationId xmlns:a16="http://schemas.microsoft.com/office/drawing/2014/main" id="{AAF2700B-DCF7-F687-6BF6-6DF42DAC3168}"/>
               </a:ext>
             </a:extLst>
           </p:cNvPr>
@@ -3605,46 +3663,3204 @@
             <p:ph idx="1"/>
           </p:nvPr>
         </p:nvSpPr>
-        <p:spPr/>
-        <p:txBody>
-          <a:bodyPr/>
+        <p:spPr>
+          <a:xfrm>
+            <a:off x="838200" y="1825625"/>
+            <a:ext cx="10515600" cy="1777111"/>
+          </a:xfrm>
+        </p:spPr>
+        <p:txBody>
+          <a:bodyPr>
+            <a:normAutofit/>
+          </a:bodyPr>
           <a:lstStyle/>
           <a:p>
             <a:r>
               <a:rPr lang="en-TR" dirty="0"/>
-              <a:t>Singleton</a:t>
+              <a:t>Değişimi kolaylıkla yönetebiliyoruz.</a:t>
             </a:r>
           </a:p>
           <a:p>
             <a:r>
               <a:rPr lang="en-TR" dirty="0"/>
-              <a:t>Factory Method</a:t>
+              <a:t>Yazılım Prensiplerinden SRP ve OCP uygun hale getirebiliyoruz.</a:t>
             </a:r>
           </a:p>
           <a:p>
             <a:r>
               <a:rPr lang="en-TR" dirty="0"/>
-              <a:t>Abstract Factory</a:t>
-            </a:r>
-          </a:p>
+              <a:t>Daha az if-else, switch-case yazıyoruz.</a:t>
+            </a:r>
+          </a:p>
+          <a:p>
+            <a:pPr marL="0" indent="0">
+              <a:buNone/>
+            </a:pPr>
+            <a:endParaRPr lang="en-TR" dirty="0"/>
+          </a:p>
+          <a:p>
+            <a:pPr marL="0" indent="0">
+              <a:buNone/>
+            </a:pPr>
+            <a:endParaRPr lang="en-TR" dirty="0"/>
+          </a:p>
+          <a:p>
+            <a:pPr marL="0" indent="0">
+              <a:buNone/>
+            </a:pPr>
+            <a:endParaRPr lang="en-TR" dirty="0"/>
+          </a:p>
+          <a:p>
+            <a:pPr marL="0" indent="0">
+              <a:buNone/>
+            </a:pPr>
+            <a:endParaRPr lang="en-TR" dirty="0"/>
+          </a:p>
+          <a:p>
+            <a:pPr marL="0" indent="0">
+              <a:buNone/>
+            </a:pPr>
+            <a:endParaRPr lang="en-TR" dirty="0"/>
+          </a:p>
+          <a:p>
+            <a:endParaRPr lang="en-TR" dirty="0"/>
+          </a:p>
+        </p:txBody>
+      </p:sp>
+      <p:sp>
+        <p:nvSpPr>
+          <p:cNvPr id="4" name="Content Placeholder 2">
+            <a:extLst>
+              <a:ext uri="{FF2B5EF4-FFF2-40B4-BE49-F238E27FC236}">
+                <a16:creationId xmlns:a16="http://schemas.microsoft.com/office/drawing/2014/main" id="{8BD80633-1105-E05A-A897-075C6CB2A2A3}"/>
+              </a:ext>
+            </a:extLst>
+          </p:cNvPr>
+          <p:cNvSpPr txBox="1">
+            <a:spLocks/>
+          </p:cNvSpPr>
+          <p:nvPr/>
+        </p:nvSpPr>
+        <p:spPr>
+          <a:xfrm>
+            <a:off x="838200" y="3825113"/>
+            <a:ext cx="10515600" cy="2667762"/>
+          </a:xfrm>
+          <a:prstGeom prst="rect">
+            <a:avLst/>
+          </a:prstGeom>
+        </p:spPr>
+        <p:txBody>
+          <a:bodyPr vert="horz" lIns="91440" tIns="45720" rIns="91440" bIns="45720" rtlCol="0">
+            <a:normAutofit/>
+          </a:bodyPr>
+          <a:lstStyle>
+            <a:lvl1pPr marL="228600" indent="-228600" algn="l" defTabSz="914400" rtl="0" eaLnBrk="1" latinLnBrk="0" hangingPunct="1">
+              <a:lnSpc>
+                <a:spcPct val="90000"/>
+              </a:lnSpc>
+              <a:spcBef>
+                <a:spcPts val="1000"/>
+              </a:spcBef>
+              <a:buFont typeface="Arial" panose="020B0604020202020204" pitchFamily="34" charset="0"/>
+              <a:buChar char="•"/>
+              <a:defRPr sz="2800" kern="1200">
+                <a:solidFill>
+                  <a:schemeClr val="tx1"/>
+                </a:solidFill>
+                <a:latin typeface="+mn-lt"/>
+                <a:ea typeface="+mn-ea"/>
+                <a:cs typeface="+mn-cs"/>
+              </a:defRPr>
+            </a:lvl1pPr>
+            <a:lvl2pPr marL="685800" indent="-228600" algn="l" defTabSz="914400" rtl="0" eaLnBrk="1" latinLnBrk="0" hangingPunct="1">
+              <a:lnSpc>
+                <a:spcPct val="90000"/>
+              </a:lnSpc>
+              <a:spcBef>
+                <a:spcPts val="500"/>
+              </a:spcBef>
+              <a:buFont typeface="Arial" panose="020B0604020202020204" pitchFamily="34" charset="0"/>
+              <a:buChar char="•"/>
+              <a:defRPr sz="2400" kern="1200">
+                <a:solidFill>
+                  <a:schemeClr val="tx1"/>
+                </a:solidFill>
+                <a:latin typeface="+mn-lt"/>
+                <a:ea typeface="+mn-ea"/>
+                <a:cs typeface="+mn-cs"/>
+              </a:defRPr>
+            </a:lvl2pPr>
+            <a:lvl3pPr marL="1143000" indent="-228600" algn="l" defTabSz="914400" rtl="0" eaLnBrk="1" latinLnBrk="0" hangingPunct="1">
+              <a:lnSpc>
+                <a:spcPct val="90000"/>
+              </a:lnSpc>
+              <a:spcBef>
+                <a:spcPts val="500"/>
+              </a:spcBef>
+              <a:buFont typeface="Arial" panose="020B0604020202020204" pitchFamily="34" charset="0"/>
+              <a:buChar char="•"/>
+              <a:defRPr sz="2000" kern="1200">
+                <a:solidFill>
+                  <a:schemeClr val="tx1"/>
+                </a:solidFill>
+                <a:latin typeface="+mn-lt"/>
+                <a:ea typeface="+mn-ea"/>
+                <a:cs typeface="+mn-cs"/>
+              </a:defRPr>
+            </a:lvl3pPr>
+            <a:lvl4pPr marL="1600200" indent="-228600" algn="l" defTabSz="914400" rtl="0" eaLnBrk="1" latinLnBrk="0" hangingPunct="1">
+              <a:lnSpc>
+                <a:spcPct val="90000"/>
+              </a:lnSpc>
+              <a:spcBef>
+                <a:spcPts val="500"/>
+              </a:spcBef>
+              <a:buFont typeface="Arial" panose="020B0604020202020204" pitchFamily="34" charset="0"/>
+              <a:buChar char="•"/>
+              <a:defRPr sz="1800" kern="1200">
+                <a:solidFill>
+                  <a:schemeClr val="tx1"/>
+                </a:solidFill>
+                <a:latin typeface="+mn-lt"/>
+                <a:ea typeface="+mn-ea"/>
+                <a:cs typeface="+mn-cs"/>
+              </a:defRPr>
+            </a:lvl4pPr>
+            <a:lvl5pPr marL="2057400" indent="-228600" algn="l" defTabSz="914400" rtl="0" eaLnBrk="1" latinLnBrk="0" hangingPunct="1">
+              <a:lnSpc>
+                <a:spcPct val="90000"/>
+              </a:lnSpc>
+              <a:spcBef>
+                <a:spcPts val="500"/>
+              </a:spcBef>
+              <a:buFont typeface="Arial" panose="020B0604020202020204" pitchFamily="34" charset="0"/>
+              <a:buChar char="•"/>
+              <a:defRPr sz="1800" kern="1200">
+                <a:solidFill>
+                  <a:schemeClr val="tx1"/>
+                </a:solidFill>
+                <a:latin typeface="+mn-lt"/>
+                <a:ea typeface="+mn-ea"/>
+                <a:cs typeface="+mn-cs"/>
+              </a:defRPr>
+            </a:lvl5pPr>
+            <a:lvl6pPr marL="2514600" indent="-228600" algn="l" defTabSz="914400" rtl="0" eaLnBrk="1" latinLnBrk="0" hangingPunct="1">
+              <a:lnSpc>
+                <a:spcPct val="90000"/>
+              </a:lnSpc>
+              <a:spcBef>
+                <a:spcPts val="500"/>
+              </a:spcBef>
+              <a:buFont typeface="Arial" panose="020B0604020202020204" pitchFamily="34" charset="0"/>
+              <a:buChar char="•"/>
+              <a:defRPr sz="1800" kern="1200">
+                <a:solidFill>
+                  <a:schemeClr val="tx1"/>
+                </a:solidFill>
+                <a:latin typeface="+mn-lt"/>
+                <a:ea typeface="+mn-ea"/>
+                <a:cs typeface="+mn-cs"/>
+              </a:defRPr>
+            </a:lvl6pPr>
+            <a:lvl7pPr marL="2971800" indent="-228600" algn="l" defTabSz="914400" rtl="0" eaLnBrk="1" latinLnBrk="0" hangingPunct="1">
+              <a:lnSpc>
+                <a:spcPct val="90000"/>
+              </a:lnSpc>
+              <a:spcBef>
+                <a:spcPts val="500"/>
+              </a:spcBef>
+              <a:buFont typeface="Arial" panose="020B0604020202020204" pitchFamily="34" charset="0"/>
+              <a:buChar char="•"/>
+              <a:defRPr sz="1800" kern="1200">
+                <a:solidFill>
+                  <a:schemeClr val="tx1"/>
+                </a:solidFill>
+                <a:latin typeface="+mn-lt"/>
+                <a:ea typeface="+mn-ea"/>
+                <a:cs typeface="+mn-cs"/>
+              </a:defRPr>
+            </a:lvl7pPr>
+            <a:lvl8pPr marL="3429000" indent="-228600" algn="l" defTabSz="914400" rtl="0" eaLnBrk="1" latinLnBrk="0" hangingPunct="1">
+              <a:lnSpc>
+                <a:spcPct val="90000"/>
+              </a:lnSpc>
+              <a:spcBef>
+                <a:spcPts val="500"/>
+              </a:spcBef>
+              <a:buFont typeface="Arial" panose="020B0604020202020204" pitchFamily="34" charset="0"/>
+              <a:buChar char="•"/>
+              <a:defRPr sz="1800" kern="1200">
+                <a:solidFill>
+                  <a:schemeClr val="tx1"/>
+                </a:solidFill>
+                <a:latin typeface="+mn-lt"/>
+                <a:ea typeface="+mn-ea"/>
+                <a:cs typeface="+mn-cs"/>
+              </a:defRPr>
+            </a:lvl8pPr>
+            <a:lvl9pPr marL="3886200" indent="-228600" algn="l" defTabSz="914400" rtl="0" eaLnBrk="1" latinLnBrk="0" hangingPunct="1">
+              <a:lnSpc>
+                <a:spcPct val="90000"/>
+              </a:lnSpc>
+              <a:spcBef>
+                <a:spcPts val="500"/>
+              </a:spcBef>
+              <a:buFont typeface="Arial" panose="020B0604020202020204" pitchFamily="34" charset="0"/>
+              <a:buChar char="•"/>
+              <a:defRPr sz="1800" kern="1200">
+                <a:solidFill>
+                  <a:schemeClr val="tx1"/>
+                </a:solidFill>
+                <a:latin typeface="+mn-lt"/>
+                <a:ea typeface="+mn-ea"/>
+                <a:cs typeface="+mn-cs"/>
+              </a:defRPr>
+            </a:lvl9pPr>
+          </a:lstStyle>
           <a:p>
             <a:r>
               <a:rPr lang="en-TR" dirty="0"/>
-              <a:t>Prototype</a:t>
-            </a:r>
-          </a:p>
-          <a:p>
-            <a:r>
-              <a:rPr lang="en-TR" dirty="0"/>
-              <a:t>Builder</a:t>
-            </a:r>
+              <a:t>Java Kullanılan yerler:</a:t>
+            </a:r>
+          </a:p>
+          <a:p>
+            <a:pPr lvl="1"/>
+            <a:r>
+              <a:rPr lang="en-US" b="1" i="0" u="none" strike="noStrike" dirty="0">
+                <a:solidFill>
+                  <a:srgbClr val="444444"/>
+                </a:solidFill>
+                <a:effectLst/>
+                <a:latin typeface="PT Sans" panose="020B0503020203020204" pitchFamily="34" charset="77"/>
+                <a:hlinkClick r:id="rId2"/>
+              </a:rPr>
+              <a:t>java.util.Comparator#compare()</a:t>
+            </a:r>
+            <a:r>
+              <a:rPr lang="en-US" b="0" i="0" dirty="0">
+                <a:solidFill>
+                  <a:srgbClr val="444444"/>
+                </a:solidFill>
+                <a:effectLst/>
+                <a:latin typeface="PT Sans" panose="020B0503020203020204" pitchFamily="34" charset="77"/>
+              </a:rPr>
+              <a:t> called from </a:t>
+            </a:r>
+            <a:r>
+              <a:rPr lang="en-US" b="0" i="0" dirty="0" err="1">
+                <a:solidFill>
+                  <a:srgbClr val="444444"/>
+                </a:solidFill>
+                <a:effectLst/>
+                <a:latin typeface="PT Sans" panose="020B0503020203020204" pitchFamily="34" charset="77"/>
+              </a:rPr>
+              <a:t>Collections#sort</a:t>
+            </a:r>
+            <a:r>
+              <a:rPr lang="en-US" b="0" i="0" dirty="0">
+                <a:solidFill>
+                  <a:srgbClr val="444444"/>
+                </a:solidFill>
+                <a:effectLst/>
+                <a:latin typeface="PT Sans" panose="020B0503020203020204" pitchFamily="34" charset="77"/>
+              </a:rPr>
+              <a:t>().</a:t>
+            </a:r>
+          </a:p>
+          <a:p>
+            <a:pPr lvl="1"/>
+            <a:r>
+              <a:rPr lang="en-US" b="1" i="0" u="none" strike="noStrike" dirty="0">
+                <a:solidFill>
+                  <a:srgbClr val="444444"/>
+                </a:solidFill>
+                <a:effectLst/>
+                <a:latin typeface="PT Sans" panose="020B0503020203020204" pitchFamily="34" charset="77"/>
+                <a:hlinkClick r:id="rId3"/>
+              </a:rPr>
+              <a:t>javax.servlet.http.HttpServlet</a:t>
+            </a:r>
+            <a:r>
+              <a:rPr lang="en-US" b="0" i="0" dirty="0">
+                <a:solidFill>
+                  <a:srgbClr val="444444"/>
+                </a:solidFill>
+                <a:effectLst/>
+                <a:latin typeface="PT Sans" panose="020B0503020203020204" pitchFamily="34" charset="77"/>
+              </a:rPr>
+              <a:t>: service() method, plus all of the </a:t>
+            </a:r>
+            <a:r>
+              <a:rPr lang="en-US" b="0" i="0" dirty="0" err="1">
+                <a:solidFill>
+                  <a:srgbClr val="444444"/>
+                </a:solidFill>
+                <a:effectLst/>
+                <a:latin typeface="PT Sans" panose="020B0503020203020204" pitchFamily="34" charset="77"/>
+              </a:rPr>
+              <a:t>doXXX</a:t>
+            </a:r>
+            <a:r>
+              <a:rPr lang="en-US" b="0" i="0" dirty="0">
+                <a:solidFill>
+                  <a:srgbClr val="444444"/>
+                </a:solidFill>
+                <a:effectLst/>
+                <a:latin typeface="PT Sans" panose="020B0503020203020204" pitchFamily="34" charset="77"/>
+              </a:rPr>
+              <a:t>() methods that accept </a:t>
+            </a:r>
+            <a:r>
+              <a:rPr lang="en-US" b="0" i="0" dirty="0" err="1">
+                <a:solidFill>
+                  <a:srgbClr val="444444"/>
+                </a:solidFill>
+                <a:effectLst/>
+                <a:latin typeface="PT Sans" panose="020B0503020203020204" pitchFamily="34" charset="77"/>
+              </a:rPr>
+              <a:t>HttpServletRequest</a:t>
+            </a:r>
+            <a:r>
+              <a:rPr lang="en-US" b="0" i="0" dirty="0">
+                <a:solidFill>
+                  <a:srgbClr val="444444"/>
+                </a:solidFill>
+                <a:effectLst/>
+                <a:latin typeface="PT Sans" panose="020B0503020203020204" pitchFamily="34" charset="77"/>
+              </a:rPr>
+              <a:t> and </a:t>
+            </a:r>
+            <a:r>
+              <a:rPr lang="en-US" b="0" i="0" dirty="0" err="1">
+                <a:solidFill>
+                  <a:srgbClr val="444444"/>
+                </a:solidFill>
+                <a:effectLst/>
+                <a:latin typeface="PT Sans" panose="020B0503020203020204" pitchFamily="34" charset="77"/>
+              </a:rPr>
+              <a:t>HttpServletResponse</a:t>
+            </a:r>
+            <a:r>
+              <a:rPr lang="en-US" b="0" i="0" dirty="0">
+                <a:solidFill>
+                  <a:srgbClr val="444444"/>
+                </a:solidFill>
+                <a:effectLst/>
+                <a:latin typeface="PT Sans" panose="020B0503020203020204" pitchFamily="34" charset="77"/>
+              </a:rPr>
+              <a:t> objects as arguments.</a:t>
+            </a:r>
+          </a:p>
+          <a:p>
+            <a:pPr lvl="1"/>
+            <a:r>
+              <a:rPr lang="en-US" b="1" i="0" u="none" strike="noStrike" dirty="0">
+                <a:solidFill>
+                  <a:srgbClr val="444444"/>
+                </a:solidFill>
+                <a:effectLst/>
+                <a:latin typeface="PT Sans" panose="020B0503020203020204" pitchFamily="34" charset="77"/>
+                <a:hlinkClick r:id="rId4"/>
+              </a:rPr>
+              <a:t>javax.servlet.Filter#doFilter()</a:t>
+            </a:r>
+            <a:endParaRPr lang="en-US" b="0" i="0" dirty="0">
+              <a:solidFill>
+                <a:srgbClr val="444444"/>
+              </a:solidFill>
+              <a:effectLst/>
+              <a:latin typeface="PT Sans" panose="020B0503020203020204" pitchFamily="34" charset="77"/>
+            </a:endParaRPr>
+          </a:p>
+          <a:p>
+            <a:endParaRPr lang="en-TR" dirty="0"/>
           </a:p>
         </p:txBody>
       </p:sp>
     </p:spTree>
     <p:extLst>
       <p:ext uri="{BB962C8B-B14F-4D97-AF65-F5344CB8AC3E}">
-        <p14:creationId xmlns:p14="http://schemas.microsoft.com/office/powerpoint/2010/main" val="574713289"/>
+        <p14:creationId xmlns:p14="http://schemas.microsoft.com/office/powerpoint/2010/main" val="856385174"/>
+      </p:ext>
+    </p:extLst>
+  </p:cSld>
+  <p:clrMapOvr>
+    <a:masterClrMapping/>
+  </p:clrMapOvr>
+</p:sld>
+</file>
+
+<file path=ppt/slides/slide12.xml><?xml version="1.0" encoding="utf-8"?>
+<p:sld xmlns:a="http://schemas.openxmlformats.org/drawingml/2006/main" xmlns:r="http://schemas.openxmlformats.org/officeDocument/2006/relationships" xmlns:p="http://schemas.openxmlformats.org/presentationml/2006/main">
+  <p:cSld>
+    <p:spTree>
+      <p:nvGrpSpPr>
+        <p:cNvPr id="1" name="">
+          <a:extLst>
+            <a:ext uri="{FF2B5EF4-FFF2-40B4-BE49-F238E27FC236}">
+              <a16:creationId xmlns:a16="http://schemas.microsoft.com/office/drawing/2014/main" id="{EA304C2E-C85D-94C6-2604-71990400BC64}"/>
+            </a:ext>
+          </a:extLst>
+        </p:cNvPr>
+        <p:cNvGrpSpPr/>
+        <p:nvPr/>
+      </p:nvGrpSpPr>
+      <p:grpSpPr>
+        <a:xfrm>
+          <a:off x="0" y="0"/>
+          <a:ext cx="0" cy="0"/>
+          <a:chOff x="0" y="0"/>
+          <a:chExt cx="0" cy="0"/>
+        </a:xfrm>
+      </p:grpSpPr>
+      <p:sp>
+        <p:nvSpPr>
+          <p:cNvPr id="2" name="Title 1">
+            <a:extLst>
+              <a:ext uri="{FF2B5EF4-FFF2-40B4-BE49-F238E27FC236}">
+                <a16:creationId xmlns:a16="http://schemas.microsoft.com/office/drawing/2014/main" id="{4B338C2C-37D4-3C93-053D-901BFB07D218}"/>
+              </a:ext>
+            </a:extLst>
+          </p:cNvPr>
+          <p:cNvSpPr>
+            <a:spLocks noGrp="1"/>
+          </p:cNvSpPr>
+          <p:nvPr>
+            <p:ph type="ctrTitle"/>
+          </p:nvPr>
+        </p:nvSpPr>
+        <p:spPr>
+          <a:xfrm>
+            <a:off x="1524000" y="1122363"/>
+            <a:ext cx="9144000" cy="2133599"/>
+          </a:xfrm>
+        </p:spPr>
+        <p:txBody>
+          <a:bodyPr>
+            <a:normAutofit/>
+          </a:bodyPr>
+          <a:lstStyle/>
+          <a:p>
+            <a:r>
+              <a:rPr lang="en-TR" b="1" dirty="0"/>
+              <a:t>Design Pattern</a:t>
+            </a:r>
+            <a:br>
+              <a:rPr lang="en-TR" b="1" dirty="0"/>
+            </a:br>
+            <a:endParaRPr lang="en-TR" b="1" dirty="0"/>
+          </a:p>
+        </p:txBody>
+      </p:sp>
+      <p:sp>
+        <p:nvSpPr>
+          <p:cNvPr id="3" name="Subtitle 2">
+            <a:extLst>
+              <a:ext uri="{FF2B5EF4-FFF2-40B4-BE49-F238E27FC236}">
+                <a16:creationId xmlns:a16="http://schemas.microsoft.com/office/drawing/2014/main" id="{95C9CA24-B4F6-B7DE-2786-6AF326183470}"/>
+              </a:ext>
+            </a:extLst>
+          </p:cNvPr>
+          <p:cNvSpPr>
+            <a:spLocks noGrp="1"/>
+          </p:cNvSpPr>
+          <p:nvPr>
+            <p:ph type="subTitle" idx="1"/>
+          </p:nvPr>
+        </p:nvSpPr>
+        <p:spPr/>
+        <p:txBody>
+          <a:bodyPr>
+            <a:normAutofit lnSpcReduction="10000"/>
+          </a:bodyPr>
+          <a:lstStyle/>
+          <a:p>
+            <a:r>
+              <a:rPr lang="en-TR" dirty="0"/>
+              <a:t>Creational (Yaratımsal), Structural (Yapısal), Behoviral (Davranışsal)</a:t>
+            </a:r>
+          </a:p>
+          <a:p>
+            <a:endParaRPr lang="en-TR" dirty="0"/>
+          </a:p>
+          <a:p>
+            <a:endParaRPr lang="en-TR" b="1" dirty="0"/>
+          </a:p>
+          <a:p>
+            <a:r>
+              <a:rPr lang="en-TR" b="1" dirty="0"/>
+              <a:t>Someone has already solved your problems.</a:t>
+            </a:r>
+          </a:p>
+          <a:p>
+            <a:endParaRPr lang="en-TR" dirty="0"/>
+          </a:p>
+        </p:txBody>
+      </p:sp>
+      <p:cxnSp>
+        <p:nvCxnSpPr>
+          <p:cNvPr id="5" name="Straight Connector 4">
+            <a:extLst>
+              <a:ext uri="{FF2B5EF4-FFF2-40B4-BE49-F238E27FC236}">
+                <a16:creationId xmlns:a16="http://schemas.microsoft.com/office/drawing/2014/main" id="{A3B7EFEE-88F0-2AF2-975C-0257BCB8F605}"/>
+              </a:ext>
+            </a:extLst>
+          </p:cNvPr>
+          <p:cNvCxnSpPr/>
+          <p:nvPr/>
+        </p:nvCxnSpPr>
+        <p:spPr>
+          <a:xfrm>
+            <a:off x="1701800" y="4419600"/>
+            <a:ext cx="8695267" cy="0"/>
+          </a:xfrm>
+          <a:prstGeom prst="line">
+            <a:avLst/>
+          </a:prstGeom>
+        </p:spPr>
+        <p:style>
+          <a:lnRef idx="1">
+            <a:schemeClr val="accent1"/>
+          </a:lnRef>
+          <a:fillRef idx="0">
+            <a:schemeClr val="accent1"/>
+          </a:fillRef>
+          <a:effectRef idx="0">
+            <a:schemeClr val="accent1"/>
+          </a:effectRef>
+          <a:fontRef idx="minor">
+            <a:schemeClr val="tx1"/>
+          </a:fontRef>
+        </p:style>
+      </p:cxnSp>
+    </p:spTree>
+    <p:extLst>
+      <p:ext uri="{BB962C8B-B14F-4D97-AF65-F5344CB8AC3E}">
+        <p14:creationId xmlns:p14="http://schemas.microsoft.com/office/powerpoint/2010/main" val="3029469045"/>
+      </p:ext>
+    </p:extLst>
+  </p:cSld>
+  <p:clrMapOvr>
+    <a:masterClrMapping/>
+  </p:clrMapOvr>
+</p:sld>
+</file>
+
+<file path=ppt/slides/slide13.xml><?xml version="1.0" encoding="utf-8"?>
+<p:sld xmlns:a="http://schemas.openxmlformats.org/drawingml/2006/main" xmlns:r="http://schemas.openxmlformats.org/officeDocument/2006/relationships" xmlns:p="http://schemas.openxmlformats.org/presentationml/2006/main">
+  <p:cSld>
+    <p:spTree>
+      <p:nvGrpSpPr>
+        <p:cNvPr id="1" name="">
+          <a:extLst>
+            <a:ext uri="{FF2B5EF4-FFF2-40B4-BE49-F238E27FC236}">
+              <a16:creationId xmlns:a16="http://schemas.microsoft.com/office/drawing/2014/main" id="{78297248-79B0-F15F-4FD3-46D51A0D0542}"/>
+            </a:ext>
+          </a:extLst>
+        </p:cNvPr>
+        <p:cNvGrpSpPr/>
+        <p:nvPr/>
+      </p:nvGrpSpPr>
+      <p:grpSpPr>
+        <a:xfrm>
+          <a:off x="0" y="0"/>
+          <a:ext cx="0" cy="0"/>
+          <a:chOff x="0" y="0"/>
+          <a:chExt cx="0" cy="0"/>
+        </a:xfrm>
+      </p:grpSpPr>
+      <p:sp>
+        <p:nvSpPr>
+          <p:cNvPr id="2" name="Title 1">
+            <a:extLst>
+              <a:ext uri="{FF2B5EF4-FFF2-40B4-BE49-F238E27FC236}">
+                <a16:creationId xmlns:a16="http://schemas.microsoft.com/office/drawing/2014/main" id="{5511482B-2B50-8FC9-3F3F-683BF33DAA39}"/>
+              </a:ext>
+            </a:extLst>
+          </p:cNvPr>
+          <p:cNvSpPr>
+            <a:spLocks noGrp="1"/>
+          </p:cNvSpPr>
+          <p:nvPr>
+            <p:ph type="title"/>
+          </p:nvPr>
+        </p:nvSpPr>
+        <p:spPr/>
+        <p:txBody>
+          <a:bodyPr/>
+          <a:lstStyle/>
+          <a:p>
+            <a:r>
+              <a:rPr lang="en-TR" b="1" dirty="0"/>
+              <a:t>Behoviral - Davranışsal</a:t>
+            </a:r>
+          </a:p>
+        </p:txBody>
+      </p:sp>
+      <p:sp>
+        <p:nvSpPr>
+          <p:cNvPr id="3" name="Content Placeholder 2">
+            <a:extLst>
+              <a:ext uri="{FF2B5EF4-FFF2-40B4-BE49-F238E27FC236}">
+                <a16:creationId xmlns:a16="http://schemas.microsoft.com/office/drawing/2014/main" id="{7F1DFA61-4491-A3FE-F99C-5C5F99AA29C9}"/>
+              </a:ext>
+            </a:extLst>
+          </p:cNvPr>
+          <p:cNvSpPr>
+            <a:spLocks noGrp="1"/>
+          </p:cNvSpPr>
+          <p:nvPr>
+            <p:ph idx="1"/>
+          </p:nvPr>
+        </p:nvSpPr>
+        <p:spPr/>
+        <p:txBody>
+          <a:bodyPr>
+            <a:normAutofit lnSpcReduction="10000"/>
+          </a:bodyPr>
+          <a:lstStyle/>
+          <a:p>
+            <a:r>
+              <a:rPr lang="en-TR" dirty="0"/>
+              <a:t>Strategy</a:t>
+            </a:r>
+          </a:p>
+          <a:p>
+            <a:r>
+              <a:rPr lang="en-TR" dirty="0"/>
+              <a:t>Command</a:t>
+            </a:r>
+          </a:p>
+          <a:p>
+            <a:r>
+              <a:rPr lang="en-TR" dirty="0"/>
+              <a:t>Template Method</a:t>
+            </a:r>
+          </a:p>
+          <a:p>
+            <a:r>
+              <a:rPr lang="en-TR" b="1" dirty="0"/>
+              <a:t>Observer</a:t>
+            </a:r>
+          </a:p>
+          <a:p>
+            <a:r>
+              <a:rPr lang="en-TR" dirty="0"/>
+              <a:t>Memento</a:t>
+            </a:r>
+          </a:p>
+          <a:p>
+            <a:r>
+              <a:rPr lang="en-TR" dirty="0"/>
+              <a:t>Mediator</a:t>
+            </a:r>
+          </a:p>
+          <a:p>
+            <a:r>
+              <a:rPr lang="en-TR" dirty="0"/>
+              <a:t>Chain Of Responsibility</a:t>
+            </a:r>
+          </a:p>
+          <a:p>
+            <a:r>
+              <a:rPr lang="en-TR" dirty="0"/>
+              <a:t>Visitor</a:t>
+            </a:r>
+          </a:p>
+          <a:p>
+            <a:r>
+              <a:rPr lang="en-TR" dirty="0"/>
+              <a:t>State</a:t>
+            </a:r>
+          </a:p>
+        </p:txBody>
+      </p:sp>
+    </p:spTree>
+    <p:extLst>
+      <p:ext uri="{BB962C8B-B14F-4D97-AF65-F5344CB8AC3E}">
+        <p14:creationId xmlns:p14="http://schemas.microsoft.com/office/powerpoint/2010/main" val="1937693465"/>
+      </p:ext>
+    </p:extLst>
+  </p:cSld>
+  <p:clrMapOvr>
+    <a:masterClrMapping/>
+  </p:clrMapOvr>
+</p:sld>
+</file>
+
+<file path=ppt/slides/slide14.xml><?xml version="1.0" encoding="utf-8"?>
+<p:sld xmlns:a="http://schemas.openxmlformats.org/drawingml/2006/main" xmlns:r="http://schemas.openxmlformats.org/officeDocument/2006/relationships" xmlns:p="http://schemas.openxmlformats.org/presentationml/2006/main">
+  <p:cSld>
+    <p:spTree>
+      <p:nvGrpSpPr>
+        <p:cNvPr id="1" name="">
+          <a:extLst>
+            <a:ext uri="{FF2B5EF4-FFF2-40B4-BE49-F238E27FC236}">
+              <a16:creationId xmlns:a16="http://schemas.microsoft.com/office/drawing/2014/main" id="{55303FEE-C6A4-869D-1A66-D515C8D93B87}"/>
+            </a:ext>
+          </a:extLst>
+        </p:cNvPr>
+        <p:cNvGrpSpPr/>
+        <p:nvPr/>
+      </p:nvGrpSpPr>
+      <p:grpSpPr>
+        <a:xfrm>
+          <a:off x="0" y="0"/>
+          <a:ext cx="0" cy="0"/>
+          <a:chOff x="0" y="0"/>
+          <a:chExt cx="0" cy="0"/>
+        </a:xfrm>
+      </p:grpSpPr>
+      <p:sp>
+        <p:nvSpPr>
+          <p:cNvPr id="2" name="Title 1">
+            <a:extLst>
+              <a:ext uri="{FF2B5EF4-FFF2-40B4-BE49-F238E27FC236}">
+                <a16:creationId xmlns:a16="http://schemas.microsoft.com/office/drawing/2014/main" id="{812694E7-6705-1EE3-4372-9E1DB8D58645}"/>
+              </a:ext>
+            </a:extLst>
+          </p:cNvPr>
+          <p:cNvSpPr>
+            <a:spLocks noGrp="1"/>
+          </p:cNvSpPr>
+          <p:nvPr>
+            <p:ph type="title"/>
+          </p:nvPr>
+        </p:nvSpPr>
+        <p:spPr/>
+        <p:txBody>
+          <a:bodyPr/>
+          <a:lstStyle/>
+          <a:p>
+            <a:r>
+              <a:rPr lang="en-TR" b="1" dirty="0"/>
+              <a:t>Sorun</a:t>
+            </a:r>
+          </a:p>
+        </p:txBody>
+      </p:sp>
+      <p:sp>
+        <p:nvSpPr>
+          <p:cNvPr id="3" name="Content Placeholder 2">
+            <a:extLst>
+              <a:ext uri="{FF2B5EF4-FFF2-40B4-BE49-F238E27FC236}">
+                <a16:creationId xmlns:a16="http://schemas.microsoft.com/office/drawing/2014/main" id="{A78C9F88-1036-C5A9-6DB7-ED1AB70432BA}"/>
+              </a:ext>
+            </a:extLst>
+          </p:cNvPr>
+          <p:cNvSpPr>
+            <a:spLocks noGrp="1"/>
+          </p:cNvSpPr>
+          <p:nvPr>
+            <p:ph idx="1"/>
+          </p:nvPr>
+        </p:nvSpPr>
+        <p:spPr/>
+        <p:txBody>
+          <a:bodyPr/>
+          <a:lstStyle/>
+          <a:p>
+            <a:pPr algn="just"/>
+            <a:r>
+              <a:rPr lang="en-US" dirty="0" err="1"/>
+              <a:t>Bazı</a:t>
+            </a:r>
+            <a:r>
+              <a:rPr lang="en-US" dirty="0"/>
+              <a:t> </a:t>
+            </a:r>
+            <a:r>
+              <a:rPr lang="en-US" dirty="0" err="1"/>
+              <a:t>durumlarda</a:t>
+            </a:r>
+            <a:r>
+              <a:rPr lang="en-US" dirty="0"/>
+              <a:t> </a:t>
+            </a:r>
+            <a:r>
+              <a:rPr lang="en-US" dirty="0" err="1"/>
+              <a:t>bir</a:t>
+            </a:r>
+            <a:r>
+              <a:rPr lang="en-US" dirty="0"/>
+              <a:t> </a:t>
+            </a:r>
+            <a:r>
+              <a:rPr lang="en-US" dirty="0" err="1"/>
+              <a:t>nesne</a:t>
+            </a:r>
+            <a:r>
+              <a:rPr lang="en-US" dirty="0"/>
+              <a:t> </a:t>
+            </a:r>
+            <a:r>
+              <a:rPr lang="en-US" dirty="0" err="1"/>
+              <a:t>güncellendiğinda</a:t>
+            </a:r>
+            <a:r>
+              <a:rPr lang="en-US" dirty="0"/>
+              <a:t>, </a:t>
+            </a:r>
+            <a:r>
+              <a:rPr lang="en-US" dirty="0" err="1"/>
+              <a:t>nesneyi</a:t>
+            </a:r>
+            <a:r>
+              <a:rPr lang="en-US" dirty="0"/>
+              <a:t> </a:t>
+            </a:r>
+            <a:r>
+              <a:rPr lang="en-US" dirty="0" err="1"/>
+              <a:t>dinleyenlerin</a:t>
+            </a:r>
+            <a:r>
+              <a:rPr lang="en-US" dirty="0"/>
+              <a:t> </a:t>
+            </a:r>
+            <a:r>
+              <a:rPr lang="en-US" dirty="0" err="1"/>
+              <a:t>değişiklikten</a:t>
+            </a:r>
+            <a:r>
+              <a:rPr lang="en-US" dirty="0"/>
+              <a:t> </a:t>
+            </a:r>
+            <a:r>
+              <a:rPr lang="en-US" dirty="0" err="1"/>
+              <a:t>haberdar</a:t>
+            </a:r>
+            <a:r>
+              <a:rPr lang="en-US" dirty="0"/>
+              <a:t> </a:t>
+            </a:r>
+            <a:r>
+              <a:rPr lang="en-US" dirty="0" err="1"/>
+              <a:t>olmasını</a:t>
+            </a:r>
+            <a:r>
+              <a:rPr lang="en-US" dirty="0"/>
+              <a:t> </a:t>
+            </a:r>
+            <a:r>
+              <a:rPr lang="en-US" dirty="0" err="1"/>
+              <a:t>isteyebilirler</a:t>
+            </a:r>
+            <a:r>
+              <a:rPr lang="en-US" dirty="0"/>
+              <a:t>. </a:t>
+            </a:r>
+          </a:p>
+          <a:p>
+            <a:pPr algn="just"/>
+            <a:r>
+              <a:rPr lang="en-US" dirty="0" err="1"/>
+              <a:t>Belirli</a:t>
+            </a:r>
+            <a:r>
+              <a:rPr lang="en-US" dirty="0"/>
+              <a:t> </a:t>
+            </a:r>
+            <a:r>
+              <a:rPr lang="en-US" dirty="0" err="1"/>
+              <a:t>aralıklarla</a:t>
+            </a:r>
+            <a:r>
+              <a:rPr lang="en-US" dirty="0"/>
+              <a:t> </a:t>
+            </a:r>
+            <a:r>
+              <a:rPr lang="en-US" dirty="0" err="1"/>
+              <a:t>nesneyi</a:t>
+            </a:r>
+            <a:r>
+              <a:rPr lang="en-US" dirty="0"/>
+              <a:t> </a:t>
+            </a:r>
+            <a:r>
+              <a:rPr lang="en-US" dirty="0" err="1"/>
+              <a:t>dinlemek</a:t>
+            </a:r>
+            <a:r>
+              <a:rPr lang="en-US" dirty="0"/>
+              <a:t>, </a:t>
+            </a:r>
+            <a:r>
+              <a:rPr lang="en-US" dirty="0" err="1"/>
+              <a:t>nesnenin</a:t>
+            </a:r>
+            <a:r>
+              <a:rPr lang="en-US" dirty="0"/>
+              <a:t> </a:t>
+            </a:r>
+            <a:r>
+              <a:rPr lang="en-US" dirty="0" err="1"/>
+              <a:t>durumuyla</a:t>
+            </a:r>
+            <a:r>
+              <a:rPr lang="en-US" dirty="0"/>
+              <a:t> </a:t>
+            </a:r>
+            <a:r>
+              <a:rPr lang="en-US" dirty="0" err="1"/>
+              <a:t>ilgili</a:t>
+            </a:r>
+            <a:r>
+              <a:rPr lang="en-US" dirty="0"/>
+              <a:t> </a:t>
+            </a:r>
+            <a:r>
+              <a:rPr lang="en-US" dirty="0" err="1"/>
+              <a:t>gecikmelere</a:t>
+            </a:r>
+            <a:r>
+              <a:rPr lang="en-US" dirty="0"/>
+              <a:t> </a:t>
+            </a:r>
+            <a:r>
+              <a:rPr lang="en-US" dirty="0" err="1"/>
+              <a:t>veya</a:t>
+            </a:r>
+            <a:r>
+              <a:rPr lang="en-US" dirty="0"/>
+              <a:t> </a:t>
+            </a:r>
+            <a:r>
+              <a:rPr lang="en-US" dirty="0" err="1"/>
+              <a:t>hatalar</a:t>
+            </a:r>
+            <a:r>
+              <a:rPr lang="en-US" dirty="0"/>
+              <a:t> </a:t>
+            </a:r>
+            <a:r>
+              <a:rPr lang="en-US" dirty="0" err="1"/>
+              <a:t>olmasına</a:t>
+            </a:r>
+            <a:r>
+              <a:rPr lang="en-US" dirty="0"/>
+              <a:t> </a:t>
+            </a:r>
+            <a:r>
+              <a:rPr lang="en-US" dirty="0" err="1"/>
+              <a:t>neden</a:t>
+            </a:r>
+            <a:r>
+              <a:rPr lang="en-US" dirty="0"/>
+              <a:t> </a:t>
+            </a:r>
+            <a:r>
+              <a:rPr lang="en-US" dirty="0" err="1"/>
+              <a:t>olacaktır</a:t>
+            </a:r>
+            <a:r>
+              <a:rPr lang="en-US" dirty="0"/>
+              <a:t>.</a:t>
+            </a:r>
+          </a:p>
+          <a:p>
+            <a:pPr algn="just"/>
+            <a:endParaRPr lang="en-US" dirty="0"/>
+          </a:p>
+          <a:p>
+            <a:endParaRPr lang="en-US" dirty="0"/>
+          </a:p>
+          <a:p>
+            <a:pPr marL="0" indent="0">
+              <a:buNone/>
+            </a:pPr>
+            <a:endParaRPr lang="en-TR" dirty="0"/>
+          </a:p>
+          <a:p>
+            <a:pPr marL="0" indent="0">
+              <a:buNone/>
+            </a:pPr>
+            <a:endParaRPr lang="en-TR" dirty="0"/>
+          </a:p>
+        </p:txBody>
+      </p:sp>
+    </p:spTree>
+    <p:extLst>
+      <p:ext uri="{BB962C8B-B14F-4D97-AF65-F5344CB8AC3E}">
+        <p14:creationId xmlns:p14="http://schemas.microsoft.com/office/powerpoint/2010/main" val="1991524002"/>
+      </p:ext>
+    </p:extLst>
+  </p:cSld>
+  <p:clrMapOvr>
+    <a:masterClrMapping/>
+  </p:clrMapOvr>
+</p:sld>
+</file>
+
+<file path=ppt/slides/slide15.xml><?xml version="1.0" encoding="utf-8"?>
+<p:sld xmlns:a="http://schemas.openxmlformats.org/drawingml/2006/main" xmlns:r="http://schemas.openxmlformats.org/officeDocument/2006/relationships" xmlns:p="http://schemas.openxmlformats.org/presentationml/2006/main">
+  <p:cSld>
+    <p:spTree>
+      <p:nvGrpSpPr>
+        <p:cNvPr id="1" name="">
+          <a:extLst>
+            <a:ext uri="{FF2B5EF4-FFF2-40B4-BE49-F238E27FC236}">
+              <a16:creationId xmlns:a16="http://schemas.microsoft.com/office/drawing/2014/main" id="{EC741100-0079-F9D9-6C59-38CBB8785788}"/>
+            </a:ext>
+          </a:extLst>
+        </p:cNvPr>
+        <p:cNvGrpSpPr/>
+        <p:nvPr/>
+      </p:nvGrpSpPr>
+      <p:grpSpPr>
+        <a:xfrm>
+          <a:off x="0" y="0"/>
+          <a:ext cx="0" cy="0"/>
+          <a:chOff x="0" y="0"/>
+          <a:chExt cx="0" cy="0"/>
+        </a:xfrm>
+      </p:grpSpPr>
+      <p:sp>
+        <p:nvSpPr>
+          <p:cNvPr id="2" name="Title 1">
+            <a:extLst>
+              <a:ext uri="{FF2B5EF4-FFF2-40B4-BE49-F238E27FC236}">
+                <a16:creationId xmlns:a16="http://schemas.microsoft.com/office/drawing/2014/main" id="{276BE1B3-E9AD-6380-B274-BBFCD1E598C5}"/>
+              </a:ext>
+            </a:extLst>
+          </p:cNvPr>
+          <p:cNvSpPr>
+            <a:spLocks noGrp="1"/>
+          </p:cNvSpPr>
+          <p:nvPr>
+            <p:ph type="title"/>
+          </p:nvPr>
+        </p:nvSpPr>
+        <p:spPr/>
+        <p:txBody>
+          <a:bodyPr/>
+          <a:lstStyle/>
+          <a:p>
+            <a:r>
+              <a:rPr lang="en-TR" b="1" dirty="0"/>
+              <a:t>Observer Pattern</a:t>
+            </a:r>
+          </a:p>
+        </p:txBody>
+      </p:sp>
+      <p:sp>
+        <p:nvSpPr>
+          <p:cNvPr id="3" name="Content Placeholder 2">
+            <a:extLst>
+              <a:ext uri="{FF2B5EF4-FFF2-40B4-BE49-F238E27FC236}">
+                <a16:creationId xmlns:a16="http://schemas.microsoft.com/office/drawing/2014/main" id="{E55904A7-DB7A-26DA-EEF1-107C78E7A9C0}"/>
+              </a:ext>
+            </a:extLst>
+          </p:cNvPr>
+          <p:cNvSpPr>
+            <a:spLocks noGrp="1"/>
+          </p:cNvSpPr>
+          <p:nvPr>
+            <p:ph idx="1"/>
+          </p:nvPr>
+        </p:nvSpPr>
+        <p:spPr/>
+        <p:txBody>
+          <a:bodyPr/>
+          <a:lstStyle/>
+          <a:p>
+            <a:r>
+              <a:rPr lang="en-US" dirty="0"/>
+              <a:t>Define a one-to-many dependency between objects so that when one object changes state, all its dependents are notified and updated automatically.</a:t>
+            </a:r>
+          </a:p>
+          <a:p>
+            <a:endParaRPr lang="en-US" dirty="0"/>
+          </a:p>
+          <a:p>
+            <a:r>
+              <a:rPr lang="en-US" dirty="0"/>
+              <a:t>Bir </a:t>
+            </a:r>
+            <a:r>
+              <a:rPr lang="en-US" dirty="0" err="1"/>
+              <a:t>nesnenin</a:t>
+            </a:r>
+            <a:r>
+              <a:rPr lang="en-US" dirty="0"/>
+              <a:t> </a:t>
+            </a:r>
+            <a:r>
+              <a:rPr lang="en-US" dirty="0" err="1"/>
+              <a:t>durumu</a:t>
+            </a:r>
+            <a:r>
+              <a:rPr lang="en-US" dirty="0"/>
+              <a:t> </a:t>
+            </a:r>
+            <a:r>
+              <a:rPr lang="en-US" dirty="0" err="1"/>
+              <a:t>değiştiğinde</a:t>
+            </a:r>
+            <a:r>
+              <a:rPr lang="en-US" dirty="0"/>
+              <a:t> </a:t>
+            </a:r>
+            <a:r>
+              <a:rPr lang="en-US" dirty="0" err="1"/>
+              <a:t>bütün</a:t>
+            </a:r>
+            <a:r>
+              <a:rPr lang="en-US" dirty="0"/>
+              <a:t> </a:t>
+            </a:r>
+            <a:r>
+              <a:rPr lang="en-US" dirty="0" err="1"/>
+              <a:t>bağımlılarının</a:t>
+            </a:r>
+            <a:r>
+              <a:rPr lang="en-US" dirty="0"/>
+              <a:t> </a:t>
+            </a:r>
+            <a:r>
+              <a:rPr lang="en-US" dirty="0" err="1"/>
+              <a:t>otomatik</a:t>
+            </a:r>
+            <a:r>
+              <a:rPr lang="en-US" dirty="0"/>
+              <a:t> </a:t>
+            </a:r>
+            <a:r>
+              <a:rPr lang="en-US" dirty="0" err="1"/>
+              <a:t>olarak</a:t>
+            </a:r>
+            <a:r>
+              <a:rPr lang="en-US" dirty="0"/>
+              <a:t> </a:t>
+            </a:r>
+            <a:r>
+              <a:rPr lang="en-US" dirty="0" err="1"/>
+              <a:t>bilgilendirilmesi</a:t>
+            </a:r>
+            <a:r>
+              <a:rPr lang="en-US" dirty="0"/>
+              <a:t> </a:t>
+            </a:r>
+            <a:r>
+              <a:rPr lang="en-US" dirty="0" err="1"/>
+              <a:t>ve</a:t>
+            </a:r>
+            <a:r>
+              <a:rPr lang="en-US" dirty="0"/>
+              <a:t> </a:t>
+            </a:r>
+            <a:r>
+              <a:rPr lang="en-US" dirty="0" err="1"/>
+              <a:t>güncellenmesi</a:t>
+            </a:r>
+            <a:r>
+              <a:rPr lang="en-US" dirty="0"/>
+              <a:t> </a:t>
+            </a:r>
+            <a:r>
+              <a:rPr lang="en-US" dirty="0" err="1"/>
+              <a:t>için</a:t>
+            </a:r>
+            <a:r>
+              <a:rPr lang="en-US" dirty="0"/>
+              <a:t> </a:t>
+            </a:r>
+            <a:r>
+              <a:rPr lang="en-US" dirty="0" err="1"/>
+              <a:t>nesneler</a:t>
+            </a:r>
+            <a:r>
+              <a:rPr lang="en-US" dirty="0"/>
+              <a:t> </a:t>
+            </a:r>
+            <a:r>
+              <a:rPr lang="en-US" dirty="0" err="1"/>
+              <a:t>arasında</a:t>
+            </a:r>
+            <a:r>
+              <a:rPr lang="en-US" dirty="0"/>
+              <a:t> </a:t>
+            </a:r>
+            <a:r>
+              <a:rPr lang="en-US" dirty="0" err="1"/>
+              <a:t>birden</a:t>
+            </a:r>
+            <a:r>
+              <a:rPr lang="en-US" dirty="0"/>
+              <a:t> </a:t>
+            </a:r>
+            <a:r>
+              <a:rPr lang="en-US" dirty="0" err="1"/>
+              <a:t>çoğa</a:t>
+            </a:r>
+            <a:r>
+              <a:rPr lang="en-US" dirty="0"/>
+              <a:t> </a:t>
+            </a:r>
+            <a:r>
+              <a:rPr lang="en-US" dirty="0" err="1"/>
+              <a:t>bağımlılık</a:t>
+            </a:r>
+            <a:r>
+              <a:rPr lang="en-US" dirty="0"/>
+              <a:t> </a:t>
+            </a:r>
+            <a:r>
+              <a:rPr lang="en-US" dirty="0" err="1"/>
+              <a:t>tanımlayın</a:t>
+            </a:r>
+            <a:r>
+              <a:rPr lang="en-US" dirty="0"/>
+              <a:t>.</a:t>
+            </a:r>
+          </a:p>
+          <a:p>
+            <a:endParaRPr lang="en-TR" dirty="0"/>
+          </a:p>
+          <a:p>
+            <a:pPr marL="0" indent="0">
+              <a:buNone/>
+            </a:pPr>
+            <a:endParaRPr lang="en-TR" dirty="0"/>
+          </a:p>
+          <a:p>
+            <a:pPr marL="0" indent="0">
+              <a:buNone/>
+            </a:pPr>
+            <a:endParaRPr lang="en-TR" dirty="0"/>
+          </a:p>
+        </p:txBody>
+      </p:sp>
+    </p:spTree>
+    <p:extLst>
+      <p:ext uri="{BB962C8B-B14F-4D97-AF65-F5344CB8AC3E}">
+        <p14:creationId xmlns:p14="http://schemas.microsoft.com/office/powerpoint/2010/main" val="2013255665"/>
+      </p:ext>
+    </p:extLst>
+  </p:cSld>
+  <p:clrMapOvr>
+    <a:masterClrMapping/>
+  </p:clrMapOvr>
+</p:sld>
+</file>
+
+<file path=ppt/slides/slide16.xml><?xml version="1.0" encoding="utf-8"?>
+<p:sld xmlns:a="http://schemas.openxmlformats.org/drawingml/2006/main" xmlns:r="http://schemas.openxmlformats.org/officeDocument/2006/relationships" xmlns:p="http://schemas.openxmlformats.org/presentationml/2006/main">
+  <p:cSld>
+    <p:spTree>
+      <p:nvGrpSpPr>
+        <p:cNvPr id="1" name="">
+          <a:extLst>
+            <a:ext uri="{FF2B5EF4-FFF2-40B4-BE49-F238E27FC236}">
+              <a16:creationId xmlns:a16="http://schemas.microsoft.com/office/drawing/2014/main" id="{915A42EB-F1C8-D942-1B84-5E7F3649AE4B}"/>
+            </a:ext>
+          </a:extLst>
+        </p:cNvPr>
+        <p:cNvGrpSpPr/>
+        <p:nvPr/>
+      </p:nvGrpSpPr>
+      <p:grpSpPr>
+        <a:xfrm>
+          <a:off x="0" y="0"/>
+          <a:ext cx="0" cy="0"/>
+          <a:chOff x="0" y="0"/>
+          <a:chExt cx="0" cy="0"/>
+        </a:xfrm>
+      </p:grpSpPr>
+      <p:sp>
+        <p:nvSpPr>
+          <p:cNvPr id="2" name="Title 1">
+            <a:extLst>
+              <a:ext uri="{FF2B5EF4-FFF2-40B4-BE49-F238E27FC236}">
+                <a16:creationId xmlns:a16="http://schemas.microsoft.com/office/drawing/2014/main" id="{8BACF87F-ABBC-C093-0645-D19042E1C49D}"/>
+              </a:ext>
+            </a:extLst>
+          </p:cNvPr>
+          <p:cNvSpPr>
+            <a:spLocks noGrp="1"/>
+          </p:cNvSpPr>
+          <p:nvPr>
+            <p:ph type="title"/>
+          </p:nvPr>
+        </p:nvSpPr>
+        <p:spPr>
+          <a:xfrm>
+            <a:off x="838200" y="176768"/>
+            <a:ext cx="9966434" cy="591316"/>
+          </a:xfrm>
+        </p:spPr>
+        <p:txBody>
+          <a:bodyPr>
+            <a:normAutofit fontScale="90000"/>
+          </a:bodyPr>
+          <a:lstStyle/>
+          <a:p>
+            <a:r>
+              <a:rPr lang="en-TR" b="1" dirty="0"/>
+              <a:t>Observer Pattern</a:t>
+            </a:r>
+          </a:p>
+        </p:txBody>
+      </p:sp>
+      <p:sp>
+        <p:nvSpPr>
+          <p:cNvPr id="6" name="TextBox 5">
+            <a:extLst>
+              <a:ext uri="{FF2B5EF4-FFF2-40B4-BE49-F238E27FC236}">
+                <a16:creationId xmlns:a16="http://schemas.microsoft.com/office/drawing/2014/main" id="{B71322B1-B88C-B4FD-5DC3-EFE4A8B5799F}"/>
+              </a:ext>
+            </a:extLst>
+          </p:cNvPr>
+          <p:cNvSpPr txBox="1"/>
+          <p:nvPr/>
+        </p:nvSpPr>
+        <p:spPr>
+          <a:xfrm>
+            <a:off x="8219089" y="6311900"/>
+            <a:ext cx="3415862" cy="369332"/>
+          </a:xfrm>
+          <a:prstGeom prst="rect">
+            <a:avLst/>
+          </a:prstGeom>
+          <a:noFill/>
+        </p:spPr>
+        <p:txBody>
+          <a:bodyPr wrap="square">
+            <a:spAutoFit/>
+          </a:bodyPr>
+          <a:lstStyle/>
+          <a:p>
+            <a:r>
+              <a:rPr lang="en-US" b="1" dirty="0">
+                <a:effectLst/>
+                <a:latin typeface="Helvetica" pitchFamily="2" charset="0"/>
+              </a:rPr>
+              <a:t>Don’t call us, we’ll call you! </a:t>
+            </a:r>
+            <a:endParaRPr lang="en-US" dirty="0">
+              <a:effectLst/>
+              <a:latin typeface="Helvetica" pitchFamily="2" charset="0"/>
+            </a:endParaRPr>
+          </a:p>
+        </p:txBody>
+      </p:sp>
+      <p:sp>
+        <p:nvSpPr>
+          <p:cNvPr id="9" name="Content Placeholder 8">
+            <a:extLst>
+              <a:ext uri="{FF2B5EF4-FFF2-40B4-BE49-F238E27FC236}">
+                <a16:creationId xmlns:a16="http://schemas.microsoft.com/office/drawing/2014/main" id="{6485109D-50A1-2D6F-BDCE-F81533559603}"/>
+              </a:ext>
+            </a:extLst>
+          </p:cNvPr>
+          <p:cNvSpPr>
+            <a:spLocks noGrp="1"/>
+          </p:cNvSpPr>
+          <p:nvPr>
+            <p:ph idx="1"/>
+          </p:nvPr>
+        </p:nvSpPr>
+        <p:spPr>
+          <a:xfrm>
+            <a:off x="838200" y="4477407"/>
+            <a:ext cx="10515600" cy="1699556"/>
+          </a:xfrm>
+        </p:spPr>
+        <p:txBody>
+          <a:bodyPr>
+            <a:normAutofit fontScale="92500"/>
+          </a:bodyPr>
+          <a:lstStyle/>
+          <a:p>
+            <a:r>
+              <a:rPr lang="en-US" b="1" dirty="0">
+                <a:effectLst/>
+                <a:latin typeface="Courier" panose="02070309020205020404" pitchFamily="49" charset="0"/>
+              </a:rPr>
+              <a:t>Observer </a:t>
+            </a:r>
+            <a:r>
+              <a:rPr lang="en-US" b="1" dirty="0">
+                <a:effectLst/>
+                <a:latin typeface="Helvetica" pitchFamily="2" charset="0"/>
+              </a:rPr>
+              <a:t>(</a:t>
+            </a:r>
+            <a:r>
+              <a:rPr lang="en-US" b="1" dirty="0" err="1">
+                <a:effectLst/>
+                <a:latin typeface="Helvetica" pitchFamily="2" charset="0"/>
+              </a:rPr>
+              <a:t>Gözlemci</a:t>
+            </a:r>
+            <a:r>
+              <a:rPr lang="en-US" b="1" dirty="0">
+                <a:effectLst/>
+                <a:latin typeface="Helvetica" pitchFamily="2" charset="0"/>
+              </a:rPr>
+              <a:t>)</a:t>
+            </a:r>
+            <a:r>
+              <a:rPr lang="en-US" dirty="0">
+                <a:effectLst/>
+                <a:latin typeface="Helvetica" pitchFamily="2" charset="0"/>
+              </a:rPr>
+              <a:t>: Publisher </a:t>
+            </a:r>
+            <a:r>
+              <a:rPr lang="en-US" dirty="0" err="1">
+                <a:effectLst/>
+                <a:latin typeface="Helvetica" pitchFamily="2" charset="0"/>
+              </a:rPr>
+              <a:t>nesneye</a:t>
+            </a:r>
+            <a:r>
+              <a:rPr lang="en-US" dirty="0">
+                <a:effectLst/>
+                <a:latin typeface="Helvetica" pitchFamily="2" charset="0"/>
+              </a:rPr>
+              <a:t> </a:t>
+            </a:r>
+            <a:r>
+              <a:rPr lang="en-US" dirty="0" err="1">
+                <a:effectLst/>
+                <a:latin typeface="Helvetica" pitchFamily="2" charset="0"/>
+              </a:rPr>
+              <a:t>abone</a:t>
+            </a:r>
+            <a:r>
+              <a:rPr lang="en-US" dirty="0">
+                <a:effectLst/>
+                <a:latin typeface="Helvetica" pitchFamily="2" charset="0"/>
+              </a:rPr>
+              <a:t> </a:t>
+            </a:r>
+            <a:r>
+              <a:rPr lang="en-US" dirty="0" err="1">
+                <a:effectLst/>
+                <a:latin typeface="Helvetica" pitchFamily="2" charset="0"/>
+              </a:rPr>
+              <a:t>olan</a:t>
+            </a:r>
+            <a:r>
+              <a:rPr lang="en-US" dirty="0">
+                <a:effectLst/>
+                <a:latin typeface="Helvetica" pitchFamily="2" charset="0"/>
+              </a:rPr>
+              <a:t>, </a:t>
+            </a:r>
+            <a:r>
+              <a:rPr lang="en-US" dirty="0" err="1">
+                <a:effectLst/>
+                <a:latin typeface="Helvetica" pitchFamily="2" charset="0"/>
+              </a:rPr>
+              <a:t>nesnedeki</a:t>
+            </a:r>
+            <a:r>
+              <a:rPr lang="en-US" dirty="0">
+                <a:effectLst/>
+                <a:latin typeface="Helvetica" pitchFamily="2" charset="0"/>
+              </a:rPr>
+              <a:t> </a:t>
+            </a:r>
+            <a:r>
+              <a:rPr lang="en-US" dirty="0" err="1">
+                <a:effectLst/>
+                <a:latin typeface="Helvetica" pitchFamily="2" charset="0"/>
+              </a:rPr>
+              <a:t>değişikliklerden</a:t>
+            </a:r>
+            <a:r>
+              <a:rPr lang="en-US" dirty="0">
+                <a:effectLst/>
+                <a:latin typeface="Helvetica" pitchFamily="2" charset="0"/>
+              </a:rPr>
+              <a:t> </a:t>
+            </a:r>
+            <a:r>
+              <a:rPr lang="en-US" dirty="0" err="1">
+                <a:effectLst/>
+                <a:latin typeface="Helvetica" pitchFamily="2" charset="0"/>
+              </a:rPr>
+              <a:t>haberdar</a:t>
+            </a:r>
+            <a:r>
+              <a:rPr lang="en-US" dirty="0">
+                <a:effectLst/>
+                <a:latin typeface="Helvetica" pitchFamily="2" charset="0"/>
+              </a:rPr>
+              <a:t> </a:t>
+            </a:r>
+            <a:r>
+              <a:rPr lang="en-US" dirty="0" err="1">
+                <a:effectLst/>
+                <a:latin typeface="Helvetica" pitchFamily="2" charset="0"/>
+              </a:rPr>
+              <a:t>olmak</a:t>
+            </a:r>
+            <a:r>
+              <a:rPr lang="en-US" dirty="0">
+                <a:effectLst/>
+                <a:latin typeface="Helvetica" pitchFamily="2" charset="0"/>
+              </a:rPr>
+              <a:t> </a:t>
+            </a:r>
+            <a:r>
+              <a:rPr lang="en-US" dirty="0" err="1">
+                <a:effectLst/>
+                <a:latin typeface="Helvetica" pitchFamily="2" charset="0"/>
+              </a:rPr>
+              <a:t>isteyen</a:t>
+            </a:r>
+            <a:r>
+              <a:rPr lang="en-US" dirty="0">
+                <a:effectLst/>
+                <a:latin typeface="Helvetica" pitchFamily="2" charset="0"/>
+              </a:rPr>
+              <a:t> </a:t>
+            </a:r>
+            <a:r>
+              <a:rPr lang="en-US" dirty="0" err="1">
+                <a:effectLst/>
+                <a:latin typeface="Helvetica" pitchFamily="2" charset="0"/>
+              </a:rPr>
+              <a:t>abone</a:t>
+            </a:r>
+            <a:r>
+              <a:rPr lang="en-US" dirty="0">
+                <a:effectLst/>
+                <a:latin typeface="Helvetica" pitchFamily="2" charset="0"/>
+              </a:rPr>
+              <a:t> (subscriber). </a:t>
+            </a:r>
+          </a:p>
+          <a:p>
+            <a:r>
+              <a:rPr lang="en-US" b="1" dirty="0">
+                <a:effectLst/>
+                <a:latin typeface="Courier" panose="02070309020205020404" pitchFamily="49" charset="0"/>
+              </a:rPr>
+              <a:t>Observable </a:t>
+            </a:r>
+            <a:r>
+              <a:rPr lang="en-US" b="1" dirty="0">
+                <a:effectLst/>
+                <a:latin typeface="Helvetica" pitchFamily="2" charset="0"/>
+              </a:rPr>
+              <a:t>(</a:t>
+            </a:r>
+            <a:r>
+              <a:rPr lang="en-US" b="1" dirty="0" err="1">
+                <a:effectLst/>
+                <a:latin typeface="Helvetica" pitchFamily="2" charset="0"/>
+              </a:rPr>
+              <a:t>Gözlemlenebilir</a:t>
+            </a:r>
+            <a:r>
+              <a:rPr lang="en-US" b="1" dirty="0">
+                <a:effectLst/>
+                <a:latin typeface="Helvetica" pitchFamily="2" charset="0"/>
+              </a:rPr>
+              <a:t>)</a:t>
+            </a:r>
+            <a:r>
+              <a:rPr lang="en-US" dirty="0">
+                <a:effectLst/>
+                <a:latin typeface="Helvetica" pitchFamily="2" charset="0"/>
+              </a:rPr>
+              <a:t>: </a:t>
+            </a:r>
+            <a:r>
+              <a:rPr lang="en-US" dirty="0" err="1">
+                <a:effectLst/>
+                <a:latin typeface="Helvetica" pitchFamily="2" charset="0"/>
+              </a:rPr>
+              <a:t>Durumundaki</a:t>
+            </a:r>
+            <a:r>
+              <a:rPr lang="en-US" dirty="0">
+                <a:effectLst/>
+                <a:latin typeface="Helvetica" pitchFamily="2" charset="0"/>
+              </a:rPr>
+              <a:t> </a:t>
+            </a:r>
+            <a:r>
+              <a:rPr lang="en-US" dirty="0" err="1">
+                <a:effectLst/>
+                <a:latin typeface="Helvetica" pitchFamily="2" charset="0"/>
+              </a:rPr>
+              <a:t>değişikliklerin</a:t>
+            </a:r>
+            <a:r>
+              <a:rPr lang="en-US" dirty="0">
+                <a:effectLst/>
+                <a:latin typeface="Helvetica" pitchFamily="2" charset="0"/>
+              </a:rPr>
+              <a:t> </a:t>
+            </a:r>
+            <a:r>
+              <a:rPr lang="en-US" dirty="0" err="1">
+                <a:effectLst/>
+                <a:latin typeface="Helvetica" pitchFamily="2" charset="0"/>
+              </a:rPr>
+              <a:t>takip</a:t>
+            </a:r>
+            <a:r>
+              <a:rPr lang="en-US" dirty="0">
+                <a:effectLst/>
+                <a:latin typeface="Helvetica" pitchFamily="2" charset="0"/>
+              </a:rPr>
+              <a:t> </a:t>
+            </a:r>
+            <a:r>
+              <a:rPr lang="en-US" dirty="0" err="1">
+                <a:effectLst/>
+                <a:latin typeface="Helvetica" pitchFamily="2" charset="0"/>
+              </a:rPr>
+              <a:t>edildiği</a:t>
+            </a:r>
+            <a:r>
+              <a:rPr lang="en-US" dirty="0">
+                <a:effectLst/>
+                <a:latin typeface="Helvetica" pitchFamily="2" charset="0"/>
+              </a:rPr>
+              <a:t> </a:t>
+            </a:r>
+            <a:r>
+              <a:rPr lang="en-US" dirty="0" err="1">
+                <a:effectLst/>
+                <a:latin typeface="Helvetica" pitchFamily="2" charset="0"/>
+              </a:rPr>
+              <a:t>nesne</a:t>
+            </a:r>
+            <a:r>
+              <a:rPr lang="en-US" dirty="0">
+                <a:effectLst/>
+                <a:latin typeface="Helvetica" pitchFamily="2" charset="0"/>
+              </a:rPr>
+              <a:t>, </a:t>
+            </a:r>
+            <a:r>
+              <a:rPr lang="en-US" dirty="0" err="1">
+                <a:effectLst/>
+                <a:latin typeface="Helvetica" pitchFamily="2" charset="0"/>
+              </a:rPr>
+              <a:t>konu</a:t>
+            </a:r>
+            <a:r>
+              <a:rPr lang="en-US" dirty="0">
+                <a:effectLst/>
+                <a:latin typeface="Helvetica" pitchFamily="2" charset="0"/>
+              </a:rPr>
+              <a:t> </a:t>
+            </a:r>
+            <a:r>
+              <a:rPr lang="en-US" dirty="0" err="1">
+                <a:effectLst/>
+                <a:latin typeface="Helvetica" pitchFamily="2" charset="0"/>
+              </a:rPr>
+              <a:t>ya</a:t>
+            </a:r>
+            <a:r>
+              <a:rPr lang="en-US" dirty="0">
+                <a:effectLst/>
+                <a:latin typeface="Helvetica" pitchFamily="2" charset="0"/>
+              </a:rPr>
+              <a:t> da subject, publisher. </a:t>
+            </a:r>
+          </a:p>
+          <a:p>
+            <a:endParaRPr lang="en-TR" dirty="0"/>
+          </a:p>
+        </p:txBody>
+      </p:sp>
+      <p:pic>
+        <p:nvPicPr>
+          <p:cNvPr id="11" name="Picture 10">
+            <a:extLst>
+              <a:ext uri="{FF2B5EF4-FFF2-40B4-BE49-F238E27FC236}">
+                <a16:creationId xmlns:a16="http://schemas.microsoft.com/office/drawing/2014/main" id="{E1480371-01A0-D36F-1BE1-E643E2A2AB7F}"/>
+              </a:ext>
+            </a:extLst>
+          </p:cNvPr>
+          <p:cNvPicPr>
+            <a:picLocks noChangeAspect="1"/>
+          </p:cNvPicPr>
+          <p:nvPr/>
+        </p:nvPicPr>
+        <p:blipFill>
+          <a:blip r:embed="rId2"/>
+          <a:stretch>
+            <a:fillRect/>
+          </a:stretch>
+        </p:blipFill>
+        <p:spPr>
+          <a:xfrm>
+            <a:off x="2720099" y="768084"/>
+            <a:ext cx="6751802" cy="3226364"/>
+          </a:xfrm>
+          <a:prstGeom prst="rect">
+            <a:avLst/>
+          </a:prstGeom>
+        </p:spPr>
+      </p:pic>
+    </p:spTree>
+    <p:extLst>
+      <p:ext uri="{BB962C8B-B14F-4D97-AF65-F5344CB8AC3E}">
+        <p14:creationId xmlns:p14="http://schemas.microsoft.com/office/powerpoint/2010/main" val="892482432"/>
+      </p:ext>
+    </p:extLst>
+  </p:cSld>
+  <p:clrMapOvr>
+    <a:masterClrMapping/>
+  </p:clrMapOvr>
+</p:sld>
+</file>
+
+<file path=ppt/slides/slide17.xml><?xml version="1.0" encoding="utf-8"?>
+<p:sld xmlns:a="http://schemas.openxmlformats.org/drawingml/2006/main" xmlns:r="http://schemas.openxmlformats.org/officeDocument/2006/relationships" xmlns:p="http://schemas.openxmlformats.org/presentationml/2006/main">
+  <p:cSld>
+    <p:spTree>
+      <p:nvGrpSpPr>
+        <p:cNvPr id="1" name="">
+          <a:extLst>
+            <a:ext uri="{FF2B5EF4-FFF2-40B4-BE49-F238E27FC236}">
+              <a16:creationId xmlns:a16="http://schemas.microsoft.com/office/drawing/2014/main" id="{A0D05702-3EAA-E0EC-D1A2-1E705B16452F}"/>
+            </a:ext>
+          </a:extLst>
+        </p:cNvPr>
+        <p:cNvGrpSpPr/>
+        <p:nvPr/>
+      </p:nvGrpSpPr>
+      <p:grpSpPr>
+        <a:xfrm>
+          <a:off x="0" y="0"/>
+          <a:ext cx="0" cy="0"/>
+          <a:chOff x="0" y="0"/>
+          <a:chExt cx="0" cy="0"/>
+        </a:xfrm>
+      </p:grpSpPr>
+      <p:sp>
+        <p:nvSpPr>
+          <p:cNvPr id="2" name="Title 1">
+            <a:extLst>
+              <a:ext uri="{FF2B5EF4-FFF2-40B4-BE49-F238E27FC236}">
+                <a16:creationId xmlns:a16="http://schemas.microsoft.com/office/drawing/2014/main" id="{DB68C90E-E78E-80A0-8B21-4477923AEA5C}"/>
+              </a:ext>
+            </a:extLst>
+          </p:cNvPr>
+          <p:cNvSpPr>
+            <a:spLocks noGrp="1"/>
+          </p:cNvSpPr>
+          <p:nvPr>
+            <p:ph type="title"/>
+          </p:nvPr>
+        </p:nvSpPr>
+        <p:spPr/>
+        <p:txBody>
+          <a:bodyPr/>
+          <a:lstStyle/>
+          <a:p>
+            <a:r>
+              <a:rPr lang="en-TR" b="1" dirty="0"/>
+              <a:t>Tasarım Prensipleri</a:t>
+            </a:r>
+          </a:p>
+        </p:txBody>
+      </p:sp>
+      <p:sp>
+        <p:nvSpPr>
+          <p:cNvPr id="3" name="Content Placeholder 2">
+            <a:extLst>
+              <a:ext uri="{FF2B5EF4-FFF2-40B4-BE49-F238E27FC236}">
+                <a16:creationId xmlns:a16="http://schemas.microsoft.com/office/drawing/2014/main" id="{DA7B3171-83B5-EF78-9C5E-D81A303869AB}"/>
+              </a:ext>
+            </a:extLst>
+          </p:cNvPr>
+          <p:cNvSpPr>
+            <a:spLocks noGrp="1"/>
+          </p:cNvSpPr>
+          <p:nvPr>
+            <p:ph idx="1"/>
+          </p:nvPr>
+        </p:nvSpPr>
+        <p:spPr/>
+        <p:txBody>
+          <a:bodyPr>
+            <a:normAutofit fontScale="92500" lnSpcReduction="10000"/>
+          </a:bodyPr>
+          <a:lstStyle/>
+          <a:p>
+            <a:r>
+              <a:rPr lang="en-TR" b="1" dirty="0"/>
+              <a:t>Loosely Coupling :</a:t>
+            </a:r>
+            <a:r>
+              <a:rPr lang="en-TR" dirty="0"/>
+              <a:t> </a:t>
+            </a:r>
+            <a:r>
+              <a:rPr lang="en-US" b="0" i="0" dirty="0" err="1">
+                <a:solidFill>
+                  <a:srgbClr val="242424"/>
+                </a:solidFill>
+                <a:effectLst/>
+                <a:latin typeface="source-serif-pro"/>
+              </a:rPr>
+              <a:t>İki</a:t>
+            </a:r>
+            <a:r>
+              <a:rPr lang="en-US" b="0" i="0" dirty="0">
+                <a:solidFill>
+                  <a:srgbClr val="242424"/>
+                </a:solidFill>
+                <a:effectLst/>
+                <a:latin typeface="source-serif-pro"/>
+              </a:rPr>
+              <a:t> </a:t>
+            </a:r>
+            <a:r>
+              <a:rPr lang="en-US" b="0" i="0" dirty="0" err="1">
+                <a:solidFill>
+                  <a:srgbClr val="242424"/>
+                </a:solidFill>
+                <a:effectLst/>
+                <a:latin typeface="source-serif-pro"/>
+              </a:rPr>
+              <a:t>obje</a:t>
+            </a:r>
+            <a:r>
+              <a:rPr lang="en-US" b="0" i="0" dirty="0">
+                <a:solidFill>
+                  <a:srgbClr val="242424"/>
+                </a:solidFill>
+                <a:effectLst/>
+                <a:latin typeface="source-serif-pro"/>
+              </a:rPr>
+              <a:t> </a:t>
+            </a:r>
+            <a:r>
+              <a:rPr lang="en-US" b="0" i="0" dirty="0" err="1">
+                <a:solidFill>
+                  <a:srgbClr val="242424"/>
+                </a:solidFill>
+                <a:effectLst/>
+                <a:latin typeface="source-serif-pro"/>
+              </a:rPr>
+              <a:t>birbiriyle</a:t>
+            </a:r>
+            <a:r>
+              <a:rPr lang="en-US" b="0" i="0" dirty="0">
+                <a:solidFill>
+                  <a:srgbClr val="242424"/>
+                </a:solidFill>
+                <a:effectLst/>
+                <a:latin typeface="source-serif-pro"/>
+              </a:rPr>
+              <a:t> </a:t>
+            </a:r>
+            <a:r>
+              <a:rPr lang="en-US" b="0" i="0" dirty="0" err="1">
+                <a:solidFill>
+                  <a:srgbClr val="242424"/>
+                </a:solidFill>
+                <a:effectLst/>
+                <a:latin typeface="source-serif-pro"/>
+              </a:rPr>
+              <a:t>ilişkilidir</a:t>
+            </a:r>
+            <a:r>
+              <a:rPr lang="en-US" b="0" i="0" dirty="0">
+                <a:solidFill>
+                  <a:srgbClr val="242424"/>
+                </a:solidFill>
+                <a:effectLst/>
+                <a:latin typeface="source-serif-pro"/>
+              </a:rPr>
+              <a:t> ama </a:t>
+            </a:r>
+            <a:r>
+              <a:rPr lang="en-US" b="1" i="0" dirty="0" err="1">
+                <a:solidFill>
+                  <a:srgbClr val="242424"/>
+                </a:solidFill>
+                <a:effectLst/>
+                <a:latin typeface="source-serif-pro"/>
+              </a:rPr>
+              <a:t>birbiri</a:t>
+            </a:r>
+            <a:r>
+              <a:rPr lang="en-US" b="1" i="0" dirty="0">
+                <a:solidFill>
+                  <a:srgbClr val="242424"/>
+                </a:solidFill>
+                <a:effectLst/>
+                <a:latin typeface="source-serif-pro"/>
+              </a:rPr>
+              <a:t> </a:t>
+            </a:r>
+            <a:r>
+              <a:rPr lang="en-US" b="1" i="0" dirty="0" err="1">
+                <a:solidFill>
+                  <a:srgbClr val="242424"/>
+                </a:solidFill>
+                <a:effectLst/>
+                <a:latin typeface="source-serif-pro"/>
+              </a:rPr>
+              <a:t>hakkında</a:t>
+            </a:r>
+            <a:r>
+              <a:rPr lang="en-US" b="1" i="0" dirty="0">
+                <a:solidFill>
+                  <a:srgbClr val="242424"/>
+                </a:solidFill>
+                <a:effectLst/>
+                <a:latin typeface="source-serif-pro"/>
+              </a:rPr>
+              <a:t> </a:t>
+            </a:r>
+            <a:r>
+              <a:rPr lang="en-US" b="1" i="0" dirty="0" err="1">
+                <a:solidFill>
+                  <a:srgbClr val="242424"/>
+                </a:solidFill>
+                <a:effectLst/>
+                <a:latin typeface="source-serif-pro"/>
+              </a:rPr>
+              <a:t>çok</a:t>
+            </a:r>
+            <a:r>
+              <a:rPr lang="en-US" b="1" i="0" dirty="0">
+                <a:solidFill>
+                  <a:srgbClr val="242424"/>
+                </a:solidFill>
+                <a:effectLst/>
+                <a:latin typeface="source-serif-pro"/>
+              </a:rPr>
+              <a:t> </a:t>
+            </a:r>
+            <a:r>
+              <a:rPr lang="en-US" b="1" i="0" dirty="0" err="1">
+                <a:solidFill>
+                  <a:srgbClr val="242424"/>
+                </a:solidFill>
+                <a:effectLst/>
+                <a:latin typeface="source-serif-pro"/>
+              </a:rPr>
+              <a:t>az</a:t>
+            </a:r>
+            <a:r>
+              <a:rPr lang="en-US" b="1" i="0" dirty="0">
+                <a:solidFill>
+                  <a:srgbClr val="242424"/>
+                </a:solidFill>
+                <a:effectLst/>
+                <a:latin typeface="source-serif-pro"/>
+              </a:rPr>
+              <a:t> </a:t>
+            </a:r>
+            <a:r>
+              <a:rPr lang="en-US" b="1" i="0" dirty="0" err="1">
+                <a:solidFill>
+                  <a:srgbClr val="242424"/>
+                </a:solidFill>
+                <a:effectLst/>
+                <a:latin typeface="source-serif-pro"/>
+              </a:rPr>
+              <a:t>şey</a:t>
+            </a:r>
+            <a:r>
+              <a:rPr lang="en-US" b="1" i="0" dirty="0">
+                <a:solidFill>
+                  <a:srgbClr val="242424"/>
+                </a:solidFill>
+                <a:effectLst/>
+                <a:latin typeface="source-serif-pro"/>
+              </a:rPr>
+              <a:t> </a:t>
+            </a:r>
+            <a:r>
+              <a:rPr lang="en-US" b="1" i="0" dirty="0" err="1">
+                <a:solidFill>
+                  <a:srgbClr val="242424"/>
+                </a:solidFill>
+                <a:effectLst/>
+                <a:latin typeface="source-serif-pro"/>
+              </a:rPr>
+              <a:t>bilirler</a:t>
+            </a:r>
+            <a:r>
+              <a:rPr lang="en-US" b="1" i="0" dirty="0">
+                <a:solidFill>
+                  <a:srgbClr val="242424"/>
+                </a:solidFill>
+                <a:effectLst/>
+                <a:latin typeface="source-serif-pro"/>
+              </a:rPr>
+              <a:t>. </a:t>
+            </a:r>
+            <a:r>
+              <a:rPr lang="en-US" b="0" i="0" dirty="0" err="1">
+                <a:solidFill>
+                  <a:srgbClr val="242424"/>
+                </a:solidFill>
+                <a:effectLst/>
+                <a:latin typeface="source-serif-pro"/>
+              </a:rPr>
+              <a:t>Birinde</a:t>
+            </a:r>
+            <a:r>
+              <a:rPr lang="en-US" b="0" i="0" dirty="0">
+                <a:solidFill>
+                  <a:srgbClr val="242424"/>
+                </a:solidFill>
+                <a:effectLst/>
+                <a:latin typeface="source-serif-pro"/>
+              </a:rPr>
+              <a:t> </a:t>
+            </a:r>
+            <a:r>
+              <a:rPr lang="en-US" b="0" i="0" dirty="0" err="1">
+                <a:solidFill>
+                  <a:srgbClr val="242424"/>
+                </a:solidFill>
+                <a:effectLst/>
+                <a:latin typeface="source-serif-pro"/>
+              </a:rPr>
+              <a:t>yaptığımız</a:t>
+            </a:r>
+            <a:r>
+              <a:rPr lang="en-US" b="0" i="0" dirty="0">
+                <a:solidFill>
+                  <a:srgbClr val="242424"/>
+                </a:solidFill>
+                <a:effectLst/>
+                <a:latin typeface="source-serif-pro"/>
+              </a:rPr>
+              <a:t> </a:t>
+            </a:r>
+            <a:r>
+              <a:rPr lang="en-US" b="0" i="0" dirty="0" err="1">
+                <a:solidFill>
+                  <a:srgbClr val="242424"/>
+                </a:solidFill>
+                <a:effectLst/>
+                <a:latin typeface="source-serif-pro"/>
+              </a:rPr>
+              <a:t>değişlik</a:t>
+            </a:r>
+            <a:r>
+              <a:rPr lang="en-US" b="0" i="0" dirty="0">
+                <a:solidFill>
+                  <a:srgbClr val="242424"/>
+                </a:solidFill>
+                <a:effectLst/>
+                <a:latin typeface="source-serif-pro"/>
+              </a:rPr>
+              <a:t> </a:t>
+            </a:r>
+            <a:r>
+              <a:rPr lang="en-US" b="0" i="0" dirty="0" err="1">
+                <a:solidFill>
+                  <a:srgbClr val="242424"/>
+                </a:solidFill>
+                <a:effectLst/>
+                <a:latin typeface="source-serif-pro"/>
+              </a:rPr>
+              <a:t>diğerini</a:t>
+            </a:r>
+            <a:r>
+              <a:rPr lang="en-US" b="0" i="0" dirty="0">
+                <a:solidFill>
+                  <a:srgbClr val="242424"/>
+                </a:solidFill>
+                <a:effectLst/>
+                <a:latin typeface="source-serif-pro"/>
+              </a:rPr>
+              <a:t> </a:t>
+            </a:r>
+            <a:r>
+              <a:rPr lang="en-US" b="0" i="0" dirty="0" err="1">
+                <a:solidFill>
+                  <a:srgbClr val="242424"/>
+                </a:solidFill>
+                <a:effectLst/>
+                <a:latin typeface="source-serif-pro"/>
+              </a:rPr>
+              <a:t>etkilemez</a:t>
+            </a:r>
+            <a:r>
+              <a:rPr lang="en-US" b="0" i="0" dirty="0">
+                <a:solidFill>
+                  <a:srgbClr val="242424"/>
+                </a:solidFill>
+                <a:effectLst/>
+                <a:latin typeface="source-serif-pro"/>
+              </a:rPr>
+              <a:t>.</a:t>
+            </a:r>
+            <a:endParaRPr lang="en-TR" dirty="0"/>
+          </a:p>
+          <a:p>
+            <a:r>
+              <a:rPr lang="en-TR" b="1" dirty="0"/>
+              <a:t>Program to interface, not implementation !</a:t>
+            </a:r>
+          </a:p>
+          <a:p>
+            <a:pPr lvl="1"/>
+            <a:r>
+              <a:rPr lang="en-TR" dirty="0"/>
+              <a:t>Program Arayüzdür, uygulama değil !</a:t>
+            </a:r>
+          </a:p>
+          <a:p>
+            <a:r>
+              <a:rPr lang="en-TR" b="1" dirty="0"/>
+              <a:t>Favor object composition over class inheritance..</a:t>
+            </a:r>
+          </a:p>
+          <a:p>
+            <a:pPr lvl="1"/>
+            <a:r>
+              <a:rPr lang="en-TR" dirty="0"/>
+              <a:t>Kalıtım yerine Kompozisyon tercih et..</a:t>
+            </a:r>
+          </a:p>
+          <a:p>
+            <a:r>
+              <a:rPr lang="en-TR" b="1" dirty="0"/>
+              <a:t>Identify the aspects of your application that vary and sep</a:t>
+            </a:r>
+            <a:r>
+              <a:rPr lang="en-US" b="1" dirty="0"/>
+              <a:t>a</a:t>
+            </a:r>
+            <a:r>
+              <a:rPr lang="en-TR" b="1" dirty="0"/>
+              <a:t>rate them from what stays the same</a:t>
+            </a:r>
+          </a:p>
+          <a:p>
+            <a:pPr lvl="1"/>
+            <a:r>
+              <a:rPr lang="en-TR" dirty="0"/>
+              <a:t>Uygulamanın değişen yönlerini belirleyin ve bunları aynı kalanlardan ayırın.</a:t>
+            </a:r>
+            <a:endParaRPr lang="en-TR" b="1" dirty="0"/>
+          </a:p>
+          <a:p>
+            <a:r>
+              <a:rPr lang="en-US" b="1" dirty="0"/>
+              <a:t>Strive for loosely coupled designs between objects that interface</a:t>
+            </a:r>
+          </a:p>
+          <a:p>
+            <a:pPr lvl="1"/>
+            <a:r>
+              <a:rPr lang="en-US" dirty="0" err="1"/>
+              <a:t>Arayüz</a:t>
+            </a:r>
+            <a:r>
+              <a:rPr lang="en-US" dirty="0"/>
+              <a:t> </a:t>
+            </a:r>
+            <a:r>
+              <a:rPr lang="en-US" dirty="0" err="1"/>
+              <a:t>oluşturan</a:t>
+            </a:r>
+            <a:r>
+              <a:rPr lang="en-US" dirty="0"/>
+              <a:t> </a:t>
+            </a:r>
+            <a:r>
+              <a:rPr lang="en-US" dirty="0" err="1"/>
+              <a:t>objeler</a:t>
+            </a:r>
+            <a:r>
+              <a:rPr lang="en-US" dirty="0"/>
+              <a:t> </a:t>
+            </a:r>
+            <a:r>
+              <a:rPr lang="en-US" dirty="0" err="1"/>
+              <a:t>arasında</a:t>
+            </a:r>
+            <a:r>
+              <a:rPr lang="en-US" dirty="0"/>
+              <a:t> loosely coupled </a:t>
+            </a:r>
+            <a:r>
+              <a:rPr lang="en-US" dirty="0" err="1"/>
+              <a:t>tasarım</a:t>
+            </a:r>
+            <a:r>
+              <a:rPr lang="en-US" dirty="0"/>
+              <a:t> </a:t>
+            </a:r>
+            <a:r>
+              <a:rPr lang="en-US" dirty="0" err="1"/>
+              <a:t>için</a:t>
+            </a:r>
+            <a:r>
+              <a:rPr lang="en-US" dirty="0"/>
+              <a:t> </a:t>
+            </a:r>
+            <a:r>
+              <a:rPr lang="en-US" dirty="0" err="1"/>
+              <a:t>çabalayın</a:t>
+            </a:r>
+            <a:r>
+              <a:rPr lang="en-US" dirty="0"/>
+              <a:t>.</a:t>
+            </a:r>
+            <a:endParaRPr lang="en-TR" dirty="0"/>
+          </a:p>
+          <a:p>
+            <a:pPr lvl="1"/>
+            <a:endParaRPr lang="en-TR" dirty="0"/>
+          </a:p>
+          <a:p>
+            <a:pPr lvl="1"/>
+            <a:endParaRPr lang="en-TR" dirty="0"/>
+          </a:p>
+          <a:p>
+            <a:endParaRPr lang="en-TR" dirty="0"/>
+          </a:p>
+        </p:txBody>
+      </p:sp>
+    </p:spTree>
+    <p:extLst>
+      <p:ext uri="{BB962C8B-B14F-4D97-AF65-F5344CB8AC3E}">
+        <p14:creationId xmlns:p14="http://schemas.microsoft.com/office/powerpoint/2010/main" val="1743131794"/>
+      </p:ext>
+    </p:extLst>
+  </p:cSld>
+  <p:clrMapOvr>
+    <a:masterClrMapping/>
+  </p:clrMapOvr>
+</p:sld>
+</file>
+
+<file path=ppt/slides/slide18.xml><?xml version="1.0" encoding="utf-8"?>
+<p:sld xmlns:a="http://schemas.openxmlformats.org/drawingml/2006/main" xmlns:r="http://schemas.openxmlformats.org/officeDocument/2006/relationships" xmlns:p="http://schemas.openxmlformats.org/presentationml/2006/main">
+  <p:cSld>
+    <p:spTree>
+      <p:nvGrpSpPr>
+        <p:cNvPr id="1" name="">
+          <a:extLst>
+            <a:ext uri="{FF2B5EF4-FFF2-40B4-BE49-F238E27FC236}">
+              <a16:creationId xmlns:a16="http://schemas.microsoft.com/office/drawing/2014/main" id="{76BF0D83-944C-3783-0A25-49CFBE974394}"/>
+            </a:ext>
+          </a:extLst>
+        </p:cNvPr>
+        <p:cNvGrpSpPr/>
+        <p:nvPr/>
+      </p:nvGrpSpPr>
+      <p:grpSpPr>
+        <a:xfrm>
+          <a:off x="0" y="0"/>
+          <a:ext cx="0" cy="0"/>
+          <a:chOff x="0" y="0"/>
+          <a:chExt cx="0" cy="0"/>
+        </a:xfrm>
+      </p:grpSpPr>
+      <p:sp>
+        <p:nvSpPr>
+          <p:cNvPr id="2" name="Title 1">
+            <a:extLst>
+              <a:ext uri="{FF2B5EF4-FFF2-40B4-BE49-F238E27FC236}">
+                <a16:creationId xmlns:a16="http://schemas.microsoft.com/office/drawing/2014/main" id="{F195CABB-EB93-CEEB-95C0-8701DF8CB133}"/>
+              </a:ext>
+            </a:extLst>
+          </p:cNvPr>
+          <p:cNvSpPr>
+            <a:spLocks noGrp="1"/>
+          </p:cNvSpPr>
+          <p:nvPr>
+            <p:ph type="title"/>
+          </p:nvPr>
+        </p:nvSpPr>
+        <p:spPr/>
+        <p:txBody>
+          <a:bodyPr/>
+          <a:lstStyle/>
+          <a:p>
+            <a:r>
+              <a:rPr lang="en-TR" dirty="0"/>
+              <a:t>Çözüm..</a:t>
+            </a:r>
+          </a:p>
+        </p:txBody>
+      </p:sp>
+      <p:sp>
+        <p:nvSpPr>
+          <p:cNvPr id="3" name="Content Placeholder 2">
+            <a:extLst>
+              <a:ext uri="{FF2B5EF4-FFF2-40B4-BE49-F238E27FC236}">
+                <a16:creationId xmlns:a16="http://schemas.microsoft.com/office/drawing/2014/main" id="{4E0730FA-74F9-16B7-C518-A0473DEA5A45}"/>
+              </a:ext>
+            </a:extLst>
+          </p:cNvPr>
+          <p:cNvSpPr>
+            <a:spLocks noGrp="1"/>
+          </p:cNvSpPr>
+          <p:nvPr>
+            <p:ph idx="1"/>
+          </p:nvPr>
+        </p:nvSpPr>
+        <p:spPr/>
+        <p:txBody>
+          <a:bodyPr>
+            <a:normAutofit/>
+          </a:bodyPr>
+          <a:lstStyle/>
+          <a:p>
+            <a:pPr marL="0" indent="0">
+              <a:buNone/>
+            </a:pPr>
+            <a:endParaRPr lang="en-TR" sz="5000" dirty="0"/>
+          </a:p>
+          <a:p>
+            <a:pPr marL="0" indent="0">
+              <a:buNone/>
+            </a:pPr>
+            <a:endParaRPr lang="en-TR" sz="5000" dirty="0"/>
+          </a:p>
+          <a:p>
+            <a:pPr marL="0" indent="0">
+              <a:buNone/>
+            </a:pPr>
+            <a:r>
+              <a:rPr lang="en-TR" sz="5000" dirty="0"/>
+              <a:t>Demo</a:t>
+            </a:r>
+          </a:p>
+        </p:txBody>
+      </p:sp>
+    </p:spTree>
+    <p:extLst>
+      <p:ext uri="{BB962C8B-B14F-4D97-AF65-F5344CB8AC3E}">
+        <p14:creationId xmlns:p14="http://schemas.microsoft.com/office/powerpoint/2010/main" val="3401397984"/>
+      </p:ext>
+    </p:extLst>
+  </p:cSld>
+  <p:clrMapOvr>
+    <a:masterClrMapping/>
+  </p:clrMapOvr>
+</p:sld>
+</file>
+
+<file path=ppt/slides/slide19.xml><?xml version="1.0" encoding="utf-8"?>
+<p:sld xmlns:a="http://schemas.openxmlformats.org/drawingml/2006/main" xmlns:r="http://schemas.openxmlformats.org/officeDocument/2006/relationships" xmlns:p="http://schemas.openxmlformats.org/presentationml/2006/main">
+  <p:cSld>
+    <p:spTree>
+      <p:nvGrpSpPr>
+        <p:cNvPr id="1" name="">
+          <a:extLst>
+            <a:ext uri="{FF2B5EF4-FFF2-40B4-BE49-F238E27FC236}">
+              <a16:creationId xmlns:a16="http://schemas.microsoft.com/office/drawing/2014/main" id="{35C47B91-606C-1819-A0C6-C96897921ED4}"/>
+            </a:ext>
+          </a:extLst>
+        </p:cNvPr>
+        <p:cNvGrpSpPr/>
+        <p:nvPr/>
+      </p:nvGrpSpPr>
+      <p:grpSpPr>
+        <a:xfrm>
+          <a:off x="0" y="0"/>
+          <a:ext cx="0" cy="0"/>
+          <a:chOff x="0" y="0"/>
+          <a:chExt cx="0" cy="0"/>
+        </a:xfrm>
+      </p:grpSpPr>
+      <p:sp>
+        <p:nvSpPr>
+          <p:cNvPr id="2" name="Title 1">
+            <a:extLst>
+              <a:ext uri="{FF2B5EF4-FFF2-40B4-BE49-F238E27FC236}">
+                <a16:creationId xmlns:a16="http://schemas.microsoft.com/office/drawing/2014/main" id="{8ED48942-EC8E-C965-158E-5D400107D5E2}"/>
+              </a:ext>
+            </a:extLst>
+          </p:cNvPr>
+          <p:cNvSpPr>
+            <a:spLocks noGrp="1"/>
+          </p:cNvSpPr>
+          <p:nvPr>
+            <p:ph type="title"/>
+          </p:nvPr>
+        </p:nvSpPr>
+        <p:spPr/>
+        <p:txBody>
+          <a:bodyPr/>
+          <a:lstStyle/>
+          <a:p>
+            <a:r>
+              <a:rPr lang="en-TR" b="1" dirty="0"/>
+              <a:t>Observer Pattern ile</a:t>
+            </a:r>
+          </a:p>
+        </p:txBody>
+      </p:sp>
+      <p:sp>
+        <p:nvSpPr>
+          <p:cNvPr id="3" name="Content Placeholder 2">
+            <a:extLst>
+              <a:ext uri="{FF2B5EF4-FFF2-40B4-BE49-F238E27FC236}">
+                <a16:creationId xmlns:a16="http://schemas.microsoft.com/office/drawing/2014/main" id="{260F79AE-B471-35D8-EC6D-948BA79F4A55}"/>
+              </a:ext>
+            </a:extLst>
+          </p:cNvPr>
+          <p:cNvSpPr>
+            <a:spLocks noGrp="1"/>
+          </p:cNvSpPr>
+          <p:nvPr>
+            <p:ph idx="1"/>
+          </p:nvPr>
+        </p:nvSpPr>
+        <p:spPr>
+          <a:xfrm>
+            <a:off x="838200" y="1478784"/>
+            <a:ext cx="10515600" cy="1777111"/>
+          </a:xfrm>
+        </p:spPr>
+        <p:txBody>
+          <a:bodyPr>
+            <a:normAutofit/>
+          </a:bodyPr>
+          <a:lstStyle/>
+          <a:p>
+            <a:r>
+              <a:rPr lang="en-TR" dirty="0"/>
+              <a:t>Bir nesnenin durumundan haberdar olmak istediğimizde bu tasarım deseni kullanılır.</a:t>
+            </a:r>
+          </a:p>
+          <a:p>
+            <a:r>
+              <a:rPr lang="en-TR" dirty="0"/>
+              <a:t>Loosely coupling yapı</a:t>
+            </a:r>
+          </a:p>
+          <a:p>
+            <a:pPr marL="0" indent="0">
+              <a:buNone/>
+            </a:pPr>
+            <a:endParaRPr lang="en-TR" dirty="0"/>
+          </a:p>
+          <a:p>
+            <a:pPr marL="0" indent="0">
+              <a:buNone/>
+            </a:pPr>
+            <a:endParaRPr lang="en-TR" dirty="0"/>
+          </a:p>
+          <a:p>
+            <a:pPr marL="0" indent="0">
+              <a:buNone/>
+            </a:pPr>
+            <a:endParaRPr lang="en-TR" dirty="0"/>
+          </a:p>
+          <a:p>
+            <a:pPr marL="0" indent="0">
+              <a:buNone/>
+            </a:pPr>
+            <a:endParaRPr lang="en-TR" dirty="0"/>
+          </a:p>
+          <a:p>
+            <a:pPr marL="0" indent="0">
+              <a:buNone/>
+            </a:pPr>
+            <a:endParaRPr lang="en-TR" dirty="0"/>
+          </a:p>
+          <a:p>
+            <a:endParaRPr lang="en-TR" dirty="0"/>
+          </a:p>
+        </p:txBody>
+      </p:sp>
+      <p:sp>
+        <p:nvSpPr>
+          <p:cNvPr id="4" name="Content Placeholder 2">
+            <a:extLst>
+              <a:ext uri="{FF2B5EF4-FFF2-40B4-BE49-F238E27FC236}">
+                <a16:creationId xmlns:a16="http://schemas.microsoft.com/office/drawing/2014/main" id="{9CDCAB63-5A1D-A215-4F3C-77319CF42103}"/>
+              </a:ext>
+            </a:extLst>
+          </p:cNvPr>
+          <p:cNvSpPr txBox="1">
+            <a:spLocks/>
+          </p:cNvSpPr>
+          <p:nvPr/>
+        </p:nvSpPr>
+        <p:spPr>
+          <a:xfrm>
+            <a:off x="838200" y="5202621"/>
+            <a:ext cx="10515600" cy="1290254"/>
+          </a:xfrm>
+          <a:prstGeom prst="rect">
+            <a:avLst/>
+          </a:prstGeom>
+        </p:spPr>
+        <p:txBody>
+          <a:bodyPr vert="horz" lIns="91440" tIns="45720" rIns="91440" bIns="45720" rtlCol="0">
+            <a:normAutofit/>
+          </a:bodyPr>
+          <a:lstStyle>
+            <a:lvl1pPr marL="228600" indent="-228600" algn="l" defTabSz="914400" rtl="0" eaLnBrk="1" latinLnBrk="0" hangingPunct="1">
+              <a:lnSpc>
+                <a:spcPct val="90000"/>
+              </a:lnSpc>
+              <a:spcBef>
+                <a:spcPts val="1000"/>
+              </a:spcBef>
+              <a:buFont typeface="Arial" panose="020B0604020202020204" pitchFamily="34" charset="0"/>
+              <a:buChar char="•"/>
+              <a:defRPr sz="2800" kern="1200">
+                <a:solidFill>
+                  <a:schemeClr val="tx1"/>
+                </a:solidFill>
+                <a:latin typeface="+mn-lt"/>
+                <a:ea typeface="+mn-ea"/>
+                <a:cs typeface="+mn-cs"/>
+              </a:defRPr>
+            </a:lvl1pPr>
+            <a:lvl2pPr marL="685800" indent="-228600" algn="l" defTabSz="914400" rtl="0" eaLnBrk="1" latinLnBrk="0" hangingPunct="1">
+              <a:lnSpc>
+                <a:spcPct val="90000"/>
+              </a:lnSpc>
+              <a:spcBef>
+                <a:spcPts val="500"/>
+              </a:spcBef>
+              <a:buFont typeface="Arial" panose="020B0604020202020204" pitchFamily="34" charset="0"/>
+              <a:buChar char="•"/>
+              <a:defRPr sz="2400" kern="1200">
+                <a:solidFill>
+                  <a:schemeClr val="tx1"/>
+                </a:solidFill>
+                <a:latin typeface="+mn-lt"/>
+                <a:ea typeface="+mn-ea"/>
+                <a:cs typeface="+mn-cs"/>
+              </a:defRPr>
+            </a:lvl2pPr>
+            <a:lvl3pPr marL="1143000" indent="-228600" algn="l" defTabSz="914400" rtl="0" eaLnBrk="1" latinLnBrk="0" hangingPunct="1">
+              <a:lnSpc>
+                <a:spcPct val="90000"/>
+              </a:lnSpc>
+              <a:spcBef>
+                <a:spcPts val="500"/>
+              </a:spcBef>
+              <a:buFont typeface="Arial" panose="020B0604020202020204" pitchFamily="34" charset="0"/>
+              <a:buChar char="•"/>
+              <a:defRPr sz="2000" kern="1200">
+                <a:solidFill>
+                  <a:schemeClr val="tx1"/>
+                </a:solidFill>
+                <a:latin typeface="+mn-lt"/>
+                <a:ea typeface="+mn-ea"/>
+                <a:cs typeface="+mn-cs"/>
+              </a:defRPr>
+            </a:lvl3pPr>
+            <a:lvl4pPr marL="1600200" indent="-228600" algn="l" defTabSz="914400" rtl="0" eaLnBrk="1" latinLnBrk="0" hangingPunct="1">
+              <a:lnSpc>
+                <a:spcPct val="90000"/>
+              </a:lnSpc>
+              <a:spcBef>
+                <a:spcPts val="500"/>
+              </a:spcBef>
+              <a:buFont typeface="Arial" panose="020B0604020202020204" pitchFamily="34" charset="0"/>
+              <a:buChar char="•"/>
+              <a:defRPr sz="1800" kern="1200">
+                <a:solidFill>
+                  <a:schemeClr val="tx1"/>
+                </a:solidFill>
+                <a:latin typeface="+mn-lt"/>
+                <a:ea typeface="+mn-ea"/>
+                <a:cs typeface="+mn-cs"/>
+              </a:defRPr>
+            </a:lvl4pPr>
+            <a:lvl5pPr marL="2057400" indent="-228600" algn="l" defTabSz="914400" rtl="0" eaLnBrk="1" latinLnBrk="0" hangingPunct="1">
+              <a:lnSpc>
+                <a:spcPct val="90000"/>
+              </a:lnSpc>
+              <a:spcBef>
+                <a:spcPts val="500"/>
+              </a:spcBef>
+              <a:buFont typeface="Arial" panose="020B0604020202020204" pitchFamily="34" charset="0"/>
+              <a:buChar char="•"/>
+              <a:defRPr sz="1800" kern="1200">
+                <a:solidFill>
+                  <a:schemeClr val="tx1"/>
+                </a:solidFill>
+                <a:latin typeface="+mn-lt"/>
+                <a:ea typeface="+mn-ea"/>
+                <a:cs typeface="+mn-cs"/>
+              </a:defRPr>
+            </a:lvl5pPr>
+            <a:lvl6pPr marL="2514600" indent="-228600" algn="l" defTabSz="914400" rtl="0" eaLnBrk="1" latinLnBrk="0" hangingPunct="1">
+              <a:lnSpc>
+                <a:spcPct val="90000"/>
+              </a:lnSpc>
+              <a:spcBef>
+                <a:spcPts val="500"/>
+              </a:spcBef>
+              <a:buFont typeface="Arial" panose="020B0604020202020204" pitchFamily="34" charset="0"/>
+              <a:buChar char="•"/>
+              <a:defRPr sz="1800" kern="1200">
+                <a:solidFill>
+                  <a:schemeClr val="tx1"/>
+                </a:solidFill>
+                <a:latin typeface="+mn-lt"/>
+                <a:ea typeface="+mn-ea"/>
+                <a:cs typeface="+mn-cs"/>
+              </a:defRPr>
+            </a:lvl6pPr>
+            <a:lvl7pPr marL="2971800" indent="-228600" algn="l" defTabSz="914400" rtl="0" eaLnBrk="1" latinLnBrk="0" hangingPunct="1">
+              <a:lnSpc>
+                <a:spcPct val="90000"/>
+              </a:lnSpc>
+              <a:spcBef>
+                <a:spcPts val="500"/>
+              </a:spcBef>
+              <a:buFont typeface="Arial" panose="020B0604020202020204" pitchFamily="34" charset="0"/>
+              <a:buChar char="•"/>
+              <a:defRPr sz="1800" kern="1200">
+                <a:solidFill>
+                  <a:schemeClr val="tx1"/>
+                </a:solidFill>
+                <a:latin typeface="+mn-lt"/>
+                <a:ea typeface="+mn-ea"/>
+                <a:cs typeface="+mn-cs"/>
+              </a:defRPr>
+            </a:lvl7pPr>
+            <a:lvl8pPr marL="3429000" indent="-228600" algn="l" defTabSz="914400" rtl="0" eaLnBrk="1" latinLnBrk="0" hangingPunct="1">
+              <a:lnSpc>
+                <a:spcPct val="90000"/>
+              </a:lnSpc>
+              <a:spcBef>
+                <a:spcPts val="500"/>
+              </a:spcBef>
+              <a:buFont typeface="Arial" panose="020B0604020202020204" pitchFamily="34" charset="0"/>
+              <a:buChar char="•"/>
+              <a:defRPr sz="1800" kern="1200">
+                <a:solidFill>
+                  <a:schemeClr val="tx1"/>
+                </a:solidFill>
+                <a:latin typeface="+mn-lt"/>
+                <a:ea typeface="+mn-ea"/>
+                <a:cs typeface="+mn-cs"/>
+              </a:defRPr>
+            </a:lvl8pPr>
+            <a:lvl9pPr marL="3886200" indent="-228600" algn="l" defTabSz="914400" rtl="0" eaLnBrk="1" latinLnBrk="0" hangingPunct="1">
+              <a:lnSpc>
+                <a:spcPct val="90000"/>
+              </a:lnSpc>
+              <a:spcBef>
+                <a:spcPts val="500"/>
+              </a:spcBef>
+              <a:buFont typeface="Arial" panose="020B0604020202020204" pitchFamily="34" charset="0"/>
+              <a:buChar char="•"/>
+              <a:defRPr sz="1800" kern="1200">
+                <a:solidFill>
+                  <a:schemeClr val="tx1"/>
+                </a:solidFill>
+                <a:latin typeface="+mn-lt"/>
+                <a:ea typeface="+mn-ea"/>
+                <a:cs typeface="+mn-cs"/>
+              </a:defRPr>
+            </a:lvl9pPr>
+          </a:lstStyle>
+          <a:p>
+            <a:r>
+              <a:rPr lang="en-TR" dirty="0"/>
+              <a:t>Java Kullanılan yerler:</a:t>
+            </a:r>
+          </a:p>
+          <a:p>
+            <a:pPr lvl="1"/>
+            <a:r>
+              <a:rPr lang="en-US" b="1" i="0" u="none" strike="noStrike" dirty="0" err="1">
+                <a:solidFill>
+                  <a:srgbClr val="444444"/>
+                </a:solidFill>
+                <a:effectLst/>
+                <a:latin typeface="PT Sans" panose="020B0503020203020204" pitchFamily="34" charset="77"/>
+              </a:rPr>
+              <a:t>Java.util</a:t>
+            </a:r>
+            <a:r>
+              <a:rPr lang="en-US" b="1" i="0" u="none" strike="noStrike" dirty="0">
+                <a:solidFill>
+                  <a:srgbClr val="444444"/>
+                </a:solidFill>
+                <a:effectLst/>
+                <a:latin typeface="PT Sans" panose="020B0503020203020204" pitchFamily="34" charset="77"/>
+              </a:rPr>
+              <a:t> </a:t>
+            </a:r>
+            <a:r>
+              <a:rPr lang="en-US" b="1" i="0" u="none" strike="noStrike" dirty="0" err="1">
+                <a:solidFill>
+                  <a:srgbClr val="444444"/>
+                </a:solidFill>
+                <a:effectLst/>
+                <a:latin typeface="PT Sans" panose="020B0503020203020204" pitchFamily="34" charset="77"/>
+              </a:rPr>
+              <a:t>paketinde</a:t>
+            </a:r>
+            <a:r>
+              <a:rPr lang="en-US" b="1" i="0" u="none" strike="noStrike" dirty="0">
+                <a:solidFill>
+                  <a:srgbClr val="444444"/>
+                </a:solidFill>
+                <a:effectLst/>
+                <a:latin typeface="PT Sans" panose="020B0503020203020204" pitchFamily="34" charset="77"/>
+              </a:rPr>
+              <a:t> Observable </a:t>
+            </a:r>
+            <a:r>
+              <a:rPr lang="en-US" b="1" i="0" u="none" strike="noStrike" dirty="0" err="1">
+                <a:solidFill>
+                  <a:srgbClr val="444444"/>
+                </a:solidFill>
+                <a:effectLst/>
+                <a:latin typeface="PT Sans" panose="020B0503020203020204" pitchFamily="34" charset="77"/>
+              </a:rPr>
+              <a:t>sınıfı</a:t>
+            </a:r>
+            <a:r>
+              <a:rPr lang="en-US" b="1" i="0" u="none" strike="noStrike" dirty="0">
+                <a:solidFill>
+                  <a:srgbClr val="444444"/>
+                </a:solidFill>
+                <a:effectLst/>
+                <a:latin typeface="PT Sans" panose="020B0503020203020204" pitchFamily="34" charset="77"/>
+              </a:rPr>
+              <a:t> </a:t>
+            </a:r>
+            <a:r>
+              <a:rPr lang="en-US" b="1" i="0" u="none" strike="noStrike" dirty="0" err="1">
+                <a:solidFill>
+                  <a:srgbClr val="444444"/>
+                </a:solidFill>
+                <a:effectLst/>
+                <a:latin typeface="PT Sans" panose="020B0503020203020204" pitchFamily="34" charset="77"/>
+              </a:rPr>
+              <a:t>ve</a:t>
+            </a:r>
+            <a:r>
+              <a:rPr lang="en-US" b="1" i="0" u="none" strike="noStrike" dirty="0">
+                <a:solidFill>
+                  <a:srgbClr val="444444"/>
+                </a:solidFill>
+                <a:effectLst/>
+                <a:latin typeface="PT Sans" panose="020B0503020203020204" pitchFamily="34" charset="77"/>
+              </a:rPr>
+              <a:t> Observer </a:t>
+            </a:r>
+            <a:r>
+              <a:rPr lang="en-US" b="1" i="0" u="none" strike="noStrike" dirty="0" err="1">
+                <a:solidFill>
+                  <a:srgbClr val="444444"/>
+                </a:solidFill>
+                <a:effectLst/>
+                <a:latin typeface="PT Sans" panose="020B0503020203020204" pitchFamily="34" charset="77"/>
+              </a:rPr>
+              <a:t>arayüzü</a:t>
+            </a:r>
+            <a:r>
+              <a:rPr lang="en-US" b="1" i="0" u="none" strike="noStrike" dirty="0">
+                <a:solidFill>
+                  <a:srgbClr val="444444"/>
+                </a:solidFill>
+                <a:effectLst/>
+                <a:latin typeface="PT Sans" panose="020B0503020203020204" pitchFamily="34" charset="77"/>
+              </a:rPr>
+              <a:t> </a:t>
+            </a:r>
+            <a:r>
+              <a:rPr lang="en-US" b="1" i="0" u="none" strike="noStrike" dirty="0" err="1">
+                <a:solidFill>
+                  <a:srgbClr val="444444"/>
+                </a:solidFill>
+                <a:effectLst/>
+                <a:latin typeface="PT Sans" panose="020B0503020203020204" pitchFamily="34" charset="77"/>
+              </a:rPr>
+              <a:t>mevcuttu</a:t>
+            </a:r>
+            <a:r>
+              <a:rPr lang="en-US" b="1" i="0" u="none" strike="noStrike" dirty="0">
+                <a:solidFill>
+                  <a:srgbClr val="444444"/>
+                </a:solidFill>
+                <a:effectLst/>
+                <a:latin typeface="PT Sans" panose="020B0503020203020204" pitchFamily="34" charset="77"/>
+              </a:rPr>
+              <a:t>. Java9 ‘da deprecated </a:t>
+            </a:r>
+            <a:r>
+              <a:rPr lang="en-US" b="1" i="0" u="none" strike="noStrike" dirty="0" err="1">
+                <a:solidFill>
+                  <a:srgbClr val="444444"/>
+                </a:solidFill>
+                <a:effectLst/>
+                <a:latin typeface="PT Sans" panose="020B0503020203020204" pitchFamily="34" charset="77"/>
+              </a:rPr>
+              <a:t>olmuştur</a:t>
+            </a:r>
+            <a:r>
+              <a:rPr lang="en-US" b="0" i="0" dirty="0">
+                <a:solidFill>
+                  <a:srgbClr val="444444"/>
+                </a:solidFill>
+                <a:effectLst/>
+                <a:latin typeface="PT Sans" panose="020B0503020203020204" pitchFamily="34" charset="77"/>
+              </a:rPr>
+              <a:t>.</a:t>
+            </a:r>
+          </a:p>
+          <a:p>
+            <a:endParaRPr lang="en-TR" dirty="0"/>
+          </a:p>
+        </p:txBody>
+      </p:sp>
+    </p:spTree>
+    <p:extLst>
+      <p:ext uri="{BB962C8B-B14F-4D97-AF65-F5344CB8AC3E}">
+        <p14:creationId xmlns:p14="http://schemas.microsoft.com/office/powerpoint/2010/main" val="1354386345"/>
+      </p:ext>
+    </p:extLst>
+  </p:cSld>
+  <p:clrMapOvr>
+    <a:masterClrMapping/>
+  </p:clrMapOvr>
+</p:sld>
+</file>
+
+<file path=ppt/slides/slide2.xml><?xml version="1.0" encoding="utf-8"?>
+<p:sld xmlns:a="http://schemas.openxmlformats.org/drawingml/2006/main" xmlns:r="http://schemas.openxmlformats.org/officeDocument/2006/relationships" xmlns:p="http://schemas.openxmlformats.org/presentationml/2006/main">
+  <p:cSld>
+    <p:spTree>
+      <p:nvGrpSpPr>
+        <p:cNvPr id="1" name="">
+          <a:extLst>
+            <a:ext uri="{FF2B5EF4-FFF2-40B4-BE49-F238E27FC236}">
+              <a16:creationId xmlns:a16="http://schemas.microsoft.com/office/drawing/2014/main" id="{EA6A2C62-445B-D52D-F1AA-3937B755BD0B}"/>
+            </a:ext>
+          </a:extLst>
+        </p:cNvPr>
+        <p:cNvGrpSpPr/>
+        <p:nvPr/>
+      </p:nvGrpSpPr>
+      <p:grpSpPr>
+        <a:xfrm>
+          <a:off x="0" y="0"/>
+          <a:ext cx="0" cy="0"/>
+          <a:chOff x="0" y="0"/>
+          <a:chExt cx="0" cy="0"/>
+        </a:xfrm>
+      </p:grpSpPr>
+      <p:sp>
+        <p:nvSpPr>
+          <p:cNvPr id="2" name="Title 1">
+            <a:extLst>
+              <a:ext uri="{FF2B5EF4-FFF2-40B4-BE49-F238E27FC236}">
+                <a16:creationId xmlns:a16="http://schemas.microsoft.com/office/drawing/2014/main" id="{708744E2-EF79-5490-3FD0-56FA27BEDFE4}"/>
+              </a:ext>
+            </a:extLst>
+          </p:cNvPr>
+          <p:cNvSpPr>
+            <a:spLocks noGrp="1"/>
+          </p:cNvSpPr>
+          <p:nvPr>
+            <p:ph type="title"/>
+          </p:nvPr>
+        </p:nvSpPr>
+        <p:spPr>
+          <a:xfrm>
+            <a:off x="838200" y="417377"/>
+            <a:ext cx="10515600" cy="1325563"/>
+          </a:xfrm>
+        </p:spPr>
+        <p:txBody>
+          <a:bodyPr/>
+          <a:lstStyle/>
+          <a:p>
+            <a:r>
+              <a:rPr lang="en-TR" b="1" dirty="0"/>
+              <a:t>Creational - Yaratımsal</a:t>
+            </a:r>
+          </a:p>
+        </p:txBody>
+      </p:sp>
+      <p:sp>
+        <p:nvSpPr>
+          <p:cNvPr id="3" name="Content Placeholder 2">
+            <a:extLst>
+              <a:ext uri="{FF2B5EF4-FFF2-40B4-BE49-F238E27FC236}">
+                <a16:creationId xmlns:a16="http://schemas.microsoft.com/office/drawing/2014/main" id="{39B9246B-9A36-CA26-DE56-2F7008360C30}"/>
+              </a:ext>
+            </a:extLst>
+          </p:cNvPr>
+          <p:cNvSpPr>
+            <a:spLocks noGrp="1"/>
+          </p:cNvSpPr>
+          <p:nvPr>
+            <p:ph idx="1"/>
+          </p:nvPr>
+        </p:nvSpPr>
+        <p:spPr/>
+        <p:txBody>
+          <a:bodyPr/>
+          <a:lstStyle/>
+          <a:p>
+            <a:r>
+              <a:rPr lang="en-TR" dirty="0"/>
+              <a:t>Singleton</a:t>
+            </a:r>
+          </a:p>
+          <a:p>
+            <a:r>
+              <a:rPr lang="en-TR" dirty="0"/>
+              <a:t>Factory Method</a:t>
+            </a:r>
+          </a:p>
+          <a:p>
+            <a:r>
+              <a:rPr lang="en-TR" dirty="0"/>
+              <a:t>Abstract Factory</a:t>
+            </a:r>
+          </a:p>
+          <a:p>
+            <a:r>
+              <a:rPr lang="en-TR" dirty="0"/>
+              <a:t>Prototype</a:t>
+            </a:r>
+          </a:p>
+          <a:p>
+            <a:r>
+              <a:rPr lang="en-TR" dirty="0"/>
+              <a:t>Builder</a:t>
+            </a:r>
+          </a:p>
+        </p:txBody>
+      </p:sp>
+    </p:spTree>
+    <p:extLst>
+      <p:ext uri="{BB962C8B-B14F-4D97-AF65-F5344CB8AC3E}">
+        <p14:creationId xmlns:p14="http://schemas.microsoft.com/office/powerpoint/2010/main" val="880374190"/>
+      </p:ext>
+    </p:extLst>
+  </p:cSld>
+  <p:clrMapOvr>
+    <a:masterClrMapping/>
+  </p:clrMapOvr>
+</p:sld>
+</file>
+
+<file path=ppt/slides/slide20.xml><?xml version="1.0" encoding="utf-8"?>
+<p:sld xmlns:a="http://schemas.openxmlformats.org/drawingml/2006/main" xmlns:r="http://schemas.openxmlformats.org/officeDocument/2006/relationships" xmlns:p="http://schemas.openxmlformats.org/presentationml/2006/main">
+  <p:cSld>
+    <p:spTree>
+      <p:nvGrpSpPr>
+        <p:cNvPr id="1" name=""/>
+        <p:cNvGrpSpPr/>
+        <p:nvPr/>
+      </p:nvGrpSpPr>
+      <p:grpSpPr>
+        <a:xfrm>
+          <a:off x="0" y="0"/>
+          <a:ext cx="0" cy="0"/>
+          <a:chOff x="0" y="0"/>
+          <a:chExt cx="0" cy="0"/>
+        </a:xfrm>
+      </p:grpSpPr>
+      <p:sp>
+        <p:nvSpPr>
+          <p:cNvPr id="2" name="Title 1">
+            <a:extLst>
+              <a:ext uri="{FF2B5EF4-FFF2-40B4-BE49-F238E27FC236}">
+                <a16:creationId xmlns:a16="http://schemas.microsoft.com/office/drawing/2014/main" id="{B5CDDCA4-7F0B-9313-1F6E-88860FF9F2B5}"/>
+              </a:ext>
+            </a:extLst>
+          </p:cNvPr>
+          <p:cNvSpPr>
+            <a:spLocks noGrp="1"/>
+          </p:cNvSpPr>
+          <p:nvPr>
+            <p:ph type="title"/>
+          </p:nvPr>
+        </p:nvSpPr>
+        <p:spPr/>
+        <p:txBody>
+          <a:bodyPr/>
+          <a:lstStyle/>
+          <a:p>
+            <a:r>
+              <a:rPr lang="en-TR" dirty="0"/>
+              <a:t>Kaynakça	</a:t>
+            </a:r>
+          </a:p>
+        </p:txBody>
+      </p:sp>
+      <p:sp>
+        <p:nvSpPr>
+          <p:cNvPr id="3" name="Content Placeholder 2">
+            <a:extLst>
+              <a:ext uri="{FF2B5EF4-FFF2-40B4-BE49-F238E27FC236}">
+                <a16:creationId xmlns:a16="http://schemas.microsoft.com/office/drawing/2014/main" id="{A627D4A8-F961-EDE5-F571-38DE43F57DC4}"/>
+              </a:ext>
+            </a:extLst>
+          </p:cNvPr>
+          <p:cNvSpPr>
+            <a:spLocks noGrp="1"/>
+          </p:cNvSpPr>
+          <p:nvPr>
+            <p:ph idx="1"/>
+          </p:nvPr>
+        </p:nvSpPr>
+        <p:spPr/>
+        <p:txBody>
+          <a:bodyPr>
+            <a:normAutofit fontScale="92500"/>
+          </a:bodyPr>
+          <a:lstStyle/>
+          <a:p>
+            <a:r>
+              <a:rPr lang="en-US" b="0" i="0" dirty="0">
+                <a:solidFill>
+                  <a:srgbClr val="202122"/>
+                </a:solidFill>
+                <a:effectLst/>
+                <a:latin typeface="Arial" panose="020B0604020202020204" pitchFamily="34" charset="0"/>
+              </a:rPr>
+              <a:t>Design Patterns: Elements of Reusable Object-Oriented Software</a:t>
+            </a:r>
+            <a:endParaRPr lang="en-US" dirty="0">
+              <a:hlinkClick r:id="rId2"/>
+            </a:endParaRPr>
+          </a:p>
+          <a:p>
+            <a:r>
+              <a:rPr lang="en-US" dirty="0">
+                <a:hlinkClick r:id="rId2"/>
+              </a:rPr>
+              <a:t>https://refactoring.guru/design-patterns/what-is-pattern</a:t>
+            </a:r>
+            <a:endParaRPr lang="en-US" dirty="0"/>
+          </a:p>
+          <a:p>
+            <a:r>
+              <a:rPr lang="en-US" dirty="0">
+                <a:hlinkClick r:id="rId3"/>
+              </a:rPr>
+              <a:t>https://www.udemy.com/course/designpatterns/</a:t>
+            </a:r>
+            <a:r>
+              <a:rPr lang="en-US" dirty="0"/>
+              <a:t> (</a:t>
+            </a:r>
+            <a:r>
+              <a:rPr lang="en-US" dirty="0" err="1"/>
+              <a:t>Akın</a:t>
+            </a:r>
+            <a:r>
+              <a:rPr lang="en-US" dirty="0"/>
+              <a:t> </a:t>
+            </a:r>
+            <a:r>
+              <a:rPr lang="en-US" dirty="0" err="1"/>
+              <a:t>Hoca</a:t>
+            </a:r>
+            <a:r>
+              <a:rPr lang="en-US" dirty="0"/>
+              <a:t>)</a:t>
+            </a:r>
+          </a:p>
+          <a:p>
+            <a:r>
+              <a:rPr lang="en-US" dirty="0"/>
+              <a:t>Head First Design Pattern</a:t>
+            </a:r>
+          </a:p>
+          <a:p>
+            <a:r>
+              <a:rPr lang="en-US" dirty="0">
+                <a:hlinkClick r:id="rId4"/>
+              </a:rPr>
+              <a:t>https://www.youtube.com/watch?v=5upBcx8Z7FM</a:t>
+            </a:r>
+            <a:r>
+              <a:rPr lang="en-US" dirty="0"/>
+              <a:t> -&gt; </a:t>
+            </a:r>
+            <a:r>
+              <a:rPr lang="en-US" dirty="0" err="1"/>
+              <a:t>Sadık</a:t>
+            </a:r>
+            <a:r>
+              <a:rPr lang="en-US" dirty="0"/>
+              <a:t> </a:t>
+            </a:r>
+            <a:r>
+              <a:rPr lang="en-US" dirty="0" err="1"/>
+              <a:t>Barış</a:t>
+            </a:r>
+            <a:r>
+              <a:rPr lang="en-US" dirty="0"/>
+              <a:t> MEMİŞ</a:t>
+            </a:r>
+          </a:p>
+          <a:p>
+            <a:r>
+              <a:rPr lang="en-TR" dirty="0"/>
+              <a:t>Türkçe Pdf Kitap için Özcan ACAR-&gt; </a:t>
+            </a:r>
+            <a:r>
+              <a:rPr lang="en-US" dirty="0">
+                <a:hlinkClick r:id="rId5"/>
+              </a:rPr>
+              <a:t>https://www.pratikprogramci.com/urun/design-patterns/</a:t>
+            </a:r>
+            <a:endParaRPr lang="en-US" dirty="0"/>
+          </a:p>
+          <a:p>
+            <a:r>
+              <a:rPr lang="en-US" dirty="0" err="1"/>
+              <a:t>Örneklerle</a:t>
+            </a:r>
+            <a:r>
+              <a:rPr lang="en-US" dirty="0"/>
+              <a:t> </a:t>
+            </a:r>
+            <a:r>
+              <a:rPr lang="en-US" dirty="0" err="1"/>
+              <a:t>ilgili</a:t>
+            </a:r>
+            <a:r>
+              <a:rPr lang="en-US" dirty="0"/>
+              <a:t> repo -&gt; https://</a:t>
+            </a:r>
+            <a:r>
+              <a:rPr lang="en-US" dirty="0" err="1"/>
+              <a:t>github.com</a:t>
+            </a:r>
+            <a:r>
+              <a:rPr lang="en-US" dirty="0"/>
+              <a:t>/</a:t>
+            </a:r>
+            <a:r>
+              <a:rPr lang="en-US" dirty="0" err="1"/>
+              <a:t>bethrobson</a:t>
+            </a:r>
+            <a:r>
+              <a:rPr lang="en-US" dirty="0"/>
+              <a:t>/Head-First-Design-Patterns</a:t>
+            </a:r>
+            <a:endParaRPr lang="en-TR" dirty="0"/>
+          </a:p>
+        </p:txBody>
+      </p:sp>
+    </p:spTree>
+    <p:extLst>
+      <p:ext uri="{BB962C8B-B14F-4D97-AF65-F5344CB8AC3E}">
+        <p14:creationId xmlns:p14="http://schemas.microsoft.com/office/powerpoint/2010/main" val="4121786000"/>
       </p:ext>
     </p:extLst>
   </p:cSld>
@@ -4061,7 +7277,13 @@
   <p:cSld>
     <p:spTree>
       <p:nvGrpSpPr>
-        <p:cNvPr id="1" name=""/>
+        <p:cNvPr id="1" name="">
+          <a:extLst>
+            <a:ext uri="{FF2B5EF4-FFF2-40B4-BE49-F238E27FC236}">
+              <a16:creationId xmlns:a16="http://schemas.microsoft.com/office/drawing/2014/main" id="{5447D95E-7C78-D254-5333-E2DFFE65EFBA}"/>
+            </a:ext>
+          </a:extLst>
+        </p:cNvPr>
         <p:cNvGrpSpPr/>
         <p:nvPr/>
       </p:nvGrpSpPr>
@@ -4078,7 +7300,7 @@
           <p:cNvPr id="2" name="Title 1">
             <a:extLst>
               <a:ext uri="{FF2B5EF4-FFF2-40B4-BE49-F238E27FC236}">
-                <a16:creationId xmlns:a16="http://schemas.microsoft.com/office/drawing/2014/main" id="{9BC21849-AED4-F139-F9CF-5B250D7C095F}"/>
+                <a16:creationId xmlns:a16="http://schemas.microsoft.com/office/drawing/2014/main" id="{CCCABEDC-D51E-2064-590C-2D05785471F1}"/>
               </a:ext>
             </a:extLst>
           </p:cNvPr>
@@ -4096,7 +7318,7 @@
           <a:p>
             <a:r>
               <a:rPr lang="en-TR" b="1" dirty="0"/>
-              <a:t>Strategy Pattern</a:t>
+              <a:t>Behoviral - Davranışsal</a:t>
             </a:r>
           </a:p>
         </p:txBody>
@@ -4106,7 +7328,7 @@
           <p:cNvPr id="3" name="Content Placeholder 2">
             <a:extLst>
               <a:ext uri="{FF2B5EF4-FFF2-40B4-BE49-F238E27FC236}">
-                <a16:creationId xmlns:a16="http://schemas.microsoft.com/office/drawing/2014/main" id="{B85B55E4-522A-078F-0591-2E48F642A4D3}"/>
+                <a16:creationId xmlns:a16="http://schemas.microsoft.com/office/drawing/2014/main" id="{46F91C17-C9F8-50A4-86E5-ABB2BB5B08A9}"/>
               </a:ext>
             </a:extLst>
           </p:cNvPr>
@@ -4119,57 +7341,70 @@
         </p:nvSpPr>
         <p:spPr/>
         <p:txBody>
-          <a:bodyPr/>
-          <a:lstStyle/>
+          <a:bodyPr>
+            <a:normAutofit lnSpcReduction="10000"/>
+          </a:bodyPr>
+          <a:lstStyle/>
+          <a:p>
+            <a:r>
+              <a:rPr lang="en-TR" b="1" dirty="0"/>
+              <a:t>Strategy</a:t>
+            </a:r>
+          </a:p>
           <a:p>
             <a:r>
               <a:rPr lang="en-TR" dirty="0"/>
-              <a:t>The Strategy Pattern defines a family of algorithms, encapsulates each one and makes them interchangeable. Strategy lets the algorithm vary independently from clients that use it.</a:t>
-            </a:r>
-          </a:p>
-          <a:p>
-            <a:pPr lvl="1"/>
+              <a:t>Command</a:t>
+            </a:r>
+          </a:p>
+          <a:p>
             <a:r>
               <a:rPr lang="en-TR" dirty="0"/>
-              <a:t>Strateji pattern algoritmaların ailesini tanımlar ve her birini kapsar ve birbirleri yerine kullanılabilir hale getirir.</a:t>
-            </a:r>
-          </a:p>
-        </p:txBody>
-      </p:sp>
-      <p:pic>
-        <p:nvPicPr>
-          <p:cNvPr id="7" name="Picture 6">
-            <a:extLst>
-              <a:ext uri="{FF2B5EF4-FFF2-40B4-BE49-F238E27FC236}">
-                <a16:creationId xmlns:a16="http://schemas.microsoft.com/office/drawing/2014/main" id="{FB31CFB8-50A5-EA70-B358-74CF53161F8A}"/>
-              </a:ext>
-            </a:extLst>
-          </p:cNvPr>
-          <p:cNvPicPr>
-            <a:picLocks noChangeAspect="1"/>
-          </p:cNvPicPr>
-          <p:nvPr/>
-        </p:nvPicPr>
-        <p:blipFill>
-          <a:blip r:embed="rId2"/>
-          <a:stretch>
-            <a:fillRect/>
-          </a:stretch>
-        </p:blipFill>
-        <p:spPr>
-          <a:xfrm>
-            <a:off x="2717292" y="3878147"/>
-            <a:ext cx="6509004" cy="2614728"/>
-          </a:xfrm>
-          <a:prstGeom prst="rect">
-            <a:avLst/>
-          </a:prstGeom>
-        </p:spPr>
-      </p:pic>
+              <a:t>Template Method</a:t>
+            </a:r>
+          </a:p>
+          <a:p>
+            <a:r>
+              <a:rPr lang="en-TR" dirty="0"/>
+              <a:t>Observer</a:t>
+            </a:r>
+          </a:p>
+          <a:p>
+            <a:r>
+              <a:rPr lang="en-TR" dirty="0"/>
+              <a:t>Memento</a:t>
+            </a:r>
+          </a:p>
+          <a:p>
+            <a:r>
+              <a:rPr lang="en-TR" dirty="0"/>
+              <a:t>Mediator</a:t>
+            </a:r>
+          </a:p>
+          <a:p>
+            <a:r>
+              <a:rPr lang="en-TR" dirty="0"/>
+              <a:t>Chain Of Responsibility</a:t>
+            </a:r>
+          </a:p>
+          <a:p>
+            <a:r>
+              <a:rPr lang="en-TR" dirty="0"/>
+              <a:t>Visitor</a:t>
+            </a:r>
+          </a:p>
+          <a:p>
+            <a:r>
+              <a:rPr lang="en-TR" dirty="0"/>
+              <a:t>State</a:t>
+            </a:r>
+          </a:p>
+        </p:txBody>
+      </p:sp>
     </p:spTree>
     <p:extLst>
       <p:ext uri="{BB962C8B-B14F-4D97-AF65-F5344CB8AC3E}">
-        <p14:creationId xmlns:p14="http://schemas.microsoft.com/office/powerpoint/2010/main" val="2543663199"/>
+        <p14:creationId xmlns:p14="http://schemas.microsoft.com/office/powerpoint/2010/main" val="160121368"/>
       </p:ext>
     </p:extLst>
   </p:cSld>
@@ -4201,7 +7436,7 @@
           <p:cNvPr id="2" name="Title 1">
             <a:extLst>
               <a:ext uri="{FF2B5EF4-FFF2-40B4-BE49-F238E27FC236}">
-                <a16:creationId xmlns:a16="http://schemas.microsoft.com/office/drawing/2014/main" id="{C9572167-8B63-36A1-C3A4-3CBF1FC85E51}"/>
+                <a16:creationId xmlns:a16="http://schemas.microsoft.com/office/drawing/2014/main" id="{9BC21849-AED4-F139-F9CF-5B250D7C095F}"/>
               </a:ext>
             </a:extLst>
           </p:cNvPr>
@@ -4218,45 +7453,132 @@
           <a:lstStyle/>
           <a:p>
             <a:r>
+              <a:rPr lang="en-TR" b="1" dirty="0"/>
+              <a:t>Strategy Pattern</a:t>
+            </a:r>
+          </a:p>
+        </p:txBody>
+      </p:sp>
+      <p:sp>
+        <p:nvSpPr>
+          <p:cNvPr id="3" name="Content Placeholder 2">
+            <a:extLst>
+              <a:ext uri="{FF2B5EF4-FFF2-40B4-BE49-F238E27FC236}">
+                <a16:creationId xmlns:a16="http://schemas.microsoft.com/office/drawing/2014/main" id="{B85B55E4-522A-078F-0591-2E48F642A4D3}"/>
+              </a:ext>
+            </a:extLst>
+          </p:cNvPr>
+          <p:cNvSpPr>
+            <a:spLocks noGrp="1"/>
+          </p:cNvSpPr>
+          <p:nvPr>
+            <p:ph idx="1"/>
+          </p:nvPr>
+        </p:nvSpPr>
+        <p:spPr/>
+        <p:txBody>
+          <a:bodyPr/>
+          <a:lstStyle/>
+          <a:p>
+            <a:r>
               <a:rPr lang="en-TR" dirty="0"/>
-              <a:t>Sorun</a:t>
-            </a:r>
-          </a:p>
-        </p:txBody>
-      </p:sp>
-      <p:sp>
-        <p:nvSpPr>
-          <p:cNvPr id="3" name="Content Placeholder 2">
-            <a:extLst>
-              <a:ext uri="{FF2B5EF4-FFF2-40B4-BE49-F238E27FC236}">
-                <a16:creationId xmlns:a16="http://schemas.microsoft.com/office/drawing/2014/main" id="{AAF2700B-DCF7-F687-6BF6-6DF42DAC3168}"/>
-              </a:ext>
-            </a:extLst>
-          </p:cNvPr>
-          <p:cNvSpPr>
-            <a:spLocks noGrp="1"/>
-          </p:cNvSpPr>
-          <p:nvPr>
-            <p:ph idx="1"/>
-          </p:nvPr>
-        </p:nvSpPr>
-        <p:spPr/>
-        <p:txBody>
-          <a:bodyPr/>
-          <a:lstStyle/>
+              <a:t>The Strategy Pattern defines a family of algorithms, encapsulates each one and makes them interchangeable. Strategy lets the algorithm vary independently from clients that use it.</a:t>
+            </a:r>
+          </a:p>
+          <a:p>
+            <a:endParaRPr lang="en-TR" dirty="0"/>
+          </a:p>
+          <a:p>
+            <a:pPr marL="0" indent="0">
+              <a:buNone/>
+            </a:pPr>
+            <a:endParaRPr lang="en-TR" dirty="0"/>
+          </a:p>
           <a:p>
             <a:r>
               <a:rPr lang="en-TR" dirty="0"/>
-              <a:t>Tasarım prensiplerinde değişim dediğimiz konu yazılımcı tarafından unutulabiliyor. If – else veya switch – case ile çözümler sağlanabiliyor.</a:t>
-            </a:r>
-          </a:p>
-          <a:p>
-            <a:r>
-              <a:rPr lang="en-TR" dirty="0"/>
-              <a:t>Unutulan konu ise bu durumun hep Yazılım prensiplerini ihlal ettiği (SRP,OCP) hemde yazılımın değişmesini zorlaştırmasıdır.</a:t>
-            </a:r>
-          </a:p>
-          <a:p>
+              <a:t>Strateji pattern algoritmaların ailesini tanımlar, her birini kapsar ve birbirleri yerine kullanılabilir hale getirir. </a:t>
+            </a:r>
+            <a:r>
+              <a:rPr lang="en-US" dirty="0" err="1"/>
+              <a:t>Strateji</a:t>
+            </a:r>
+            <a:r>
+              <a:rPr lang="en-US" dirty="0"/>
+              <a:t>, </a:t>
+            </a:r>
+            <a:r>
+              <a:rPr lang="en-US" dirty="0" err="1"/>
+              <a:t>algoritmanın</a:t>
+            </a:r>
+            <a:r>
+              <a:rPr lang="en-US" dirty="0"/>
+              <a:t> </a:t>
+            </a:r>
+            <a:r>
+              <a:rPr lang="en-US" dirty="0" err="1"/>
+              <a:t>onu</a:t>
+            </a:r>
+            <a:r>
+              <a:rPr lang="en-US" dirty="0"/>
+              <a:t> </a:t>
+            </a:r>
+            <a:r>
+              <a:rPr lang="en-US" dirty="0" err="1"/>
+              <a:t>kullanan</a:t>
+            </a:r>
+            <a:r>
+              <a:rPr lang="en-US" dirty="0"/>
+              <a:t> </a:t>
+            </a:r>
+            <a:r>
+              <a:rPr lang="en-US" dirty="0" err="1"/>
+              <a:t>istemcilerden</a:t>
+            </a:r>
+            <a:r>
+              <a:rPr lang="en-US" dirty="0"/>
+              <a:t> </a:t>
+            </a:r>
+            <a:r>
+              <a:rPr lang="en-US" dirty="0" err="1"/>
+              <a:t>bağımsız</a:t>
+            </a:r>
+            <a:r>
+              <a:rPr lang="en-US" dirty="0"/>
+              <a:t> </a:t>
+            </a:r>
+            <a:r>
+              <a:rPr lang="en-US" dirty="0" err="1"/>
+              <a:t>olarak</a:t>
+            </a:r>
+            <a:r>
+              <a:rPr lang="en-US" dirty="0"/>
+              <a:t> </a:t>
+            </a:r>
+            <a:r>
+              <a:rPr lang="en-US" dirty="0" err="1"/>
+              <a:t>değişmesine</a:t>
+            </a:r>
+            <a:r>
+              <a:rPr lang="en-US" dirty="0"/>
+              <a:t> </a:t>
+            </a:r>
+            <a:r>
+              <a:rPr lang="en-US" dirty="0" err="1"/>
+              <a:t>olanak</a:t>
+            </a:r>
+            <a:r>
+              <a:rPr lang="en-US" dirty="0"/>
+              <a:t> </a:t>
+            </a:r>
+            <a:r>
+              <a:rPr lang="en-US" dirty="0" err="1"/>
+              <a:t>tanır</a:t>
+            </a:r>
+            <a:r>
+              <a:rPr lang="en-US" dirty="0"/>
+              <a:t>.</a:t>
+            </a:r>
             <a:endParaRPr lang="en-TR" dirty="0"/>
           </a:p>
         </p:txBody>
@@ -4264,7 +7586,7 @@
     </p:spTree>
     <p:extLst>
       <p:ext uri="{BB962C8B-B14F-4D97-AF65-F5344CB8AC3E}">
-        <p14:creationId xmlns:p14="http://schemas.microsoft.com/office/powerpoint/2010/main" val="220227220"/>
+        <p14:creationId xmlns:p14="http://schemas.microsoft.com/office/powerpoint/2010/main" val="2543663199"/>
       </p:ext>
     </p:extLst>
   </p:cSld>
@@ -4279,7 +7601,13 @@
   <p:cSld>
     <p:spTree>
       <p:nvGrpSpPr>
-        <p:cNvPr id="1" name=""/>
+        <p:cNvPr id="1" name="">
+          <a:extLst>
+            <a:ext uri="{FF2B5EF4-FFF2-40B4-BE49-F238E27FC236}">
+              <a16:creationId xmlns:a16="http://schemas.microsoft.com/office/drawing/2014/main" id="{FFF9A25E-92D2-A393-4E8A-CF92394A79BF}"/>
+            </a:ext>
+          </a:extLst>
+        </p:cNvPr>
         <p:cNvGrpSpPr/>
         <p:nvPr/>
       </p:nvGrpSpPr>
@@ -4296,7 +7624,7 @@
           <p:cNvPr id="2" name="Title 1">
             <a:extLst>
               <a:ext uri="{FF2B5EF4-FFF2-40B4-BE49-F238E27FC236}">
-                <a16:creationId xmlns:a16="http://schemas.microsoft.com/office/drawing/2014/main" id="{C9572167-8B63-36A1-C3A4-3CBF1FC85E51}"/>
+                <a16:creationId xmlns:a16="http://schemas.microsoft.com/office/drawing/2014/main" id="{CABC3150-4C7B-FBE0-61D1-CBC7371BABC6}"/>
               </a:ext>
             </a:extLst>
           </p:cNvPr>
@@ -4313,8 +7641,8 @@
           <a:lstStyle/>
           <a:p>
             <a:r>
-              <a:rPr lang="en-TR" dirty="0"/>
-              <a:t>Çözüm..</a:t>
+              <a:rPr lang="en-TR" b="1" dirty="0"/>
+              <a:t>Strategy Pattern</a:t>
             </a:r>
           </a:p>
         </p:txBody>
@@ -4324,7 +7652,7 @@
           <p:cNvPr id="3" name="Content Placeholder 2">
             <a:extLst>
               <a:ext uri="{FF2B5EF4-FFF2-40B4-BE49-F238E27FC236}">
-                <a16:creationId xmlns:a16="http://schemas.microsoft.com/office/drawing/2014/main" id="{AAF2700B-DCF7-F687-6BF6-6DF42DAC3168}"/>
+                <a16:creationId xmlns:a16="http://schemas.microsoft.com/office/drawing/2014/main" id="{1429F2EF-A5FF-2A64-95F2-838B9B21B70F}"/>
               </a:ext>
             </a:extLst>
           </p:cNvPr>
@@ -4335,39 +7663,650 @@
             <p:ph idx="1"/>
           </p:nvPr>
         </p:nvSpPr>
-        <p:spPr/>
+        <p:spPr>
+          <a:xfrm>
+            <a:off x="838199" y="4001293"/>
+            <a:ext cx="10583333" cy="2175669"/>
+          </a:xfrm>
+        </p:spPr>
         <p:txBody>
           <a:bodyPr>
-            <a:normAutofit/>
+            <a:normAutofit fontScale="92500" lnSpcReduction="20000"/>
           </a:bodyPr>
           <a:lstStyle/>
           <a:p>
-            <a:pPr marL="0" indent="0">
-              <a:buNone/>
-            </a:pPr>
-            <a:endParaRPr lang="en-TR" sz="5000" dirty="0"/>
-          </a:p>
-          <a:p>
-            <a:pPr marL="0" indent="0">
-              <a:buNone/>
-            </a:pPr>
-            <a:endParaRPr lang="en-TR" sz="5000" dirty="0"/>
-          </a:p>
-          <a:p>
-            <a:pPr marL="0" indent="0">
-              <a:buNone/>
-            </a:pPr>
-            <a:r>
-              <a:rPr lang="en-TR" sz="5000" dirty="0"/>
-              <a:t>Demo</a:t>
-            </a:r>
-          </a:p>
-        </p:txBody>
-      </p:sp>
+            <a:pPr algn="l"/>
+            <a:r>
+              <a:rPr lang="en-US" b="1" i="1" dirty="0">
+                <a:solidFill>
+                  <a:srgbClr val="242424"/>
+                </a:solidFill>
+                <a:effectLst/>
+                <a:latin typeface="Calibri" panose="020F0502020204030204" pitchFamily="34" charset="0"/>
+                <a:cs typeface="Calibri" panose="020F0502020204030204" pitchFamily="34" charset="0"/>
+              </a:rPr>
+              <a:t>Context</a:t>
+            </a:r>
+            <a:r>
+              <a:rPr lang="en-US" b="0" i="1" dirty="0">
+                <a:solidFill>
+                  <a:srgbClr val="242424"/>
+                </a:solidFill>
+                <a:effectLst/>
+                <a:latin typeface="Calibri" panose="020F0502020204030204" pitchFamily="34" charset="0"/>
+                <a:cs typeface="Calibri" panose="020F0502020204030204" pitchFamily="34" charset="0"/>
+              </a:rPr>
+              <a:t>: </a:t>
+            </a:r>
+            <a:r>
+              <a:rPr lang="en-US" b="0" i="1" dirty="0" err="1">
+                <a:solidFill>
+                  <a:srgbClr val="242424"/>
+                </a:solidFill>
+                <a:effectLst/>
+                <a:latin typeface="Calibri" panose="020F0502020204030204" pitchFamily="34" charset="0"/>
+                <a:cs typeface="Calibri" panose="020F0502020204030204" pitchFamily="34" charset="0"/>
+              </a:rPr>
+              <a:t>Oluşturacağımız</a:t>
+            </a:r>
+            <a:r>
+              <a:rPr lang="en-US" b="0" i="1" dirty="0">
+                <a:solidFill>
+                  <a:srgbClr val="242424"/>
+                </a:solidFill>
+                <a:effectLst/>
+                <a:latin typeface="Calibri" panose="020F0502020204030204" pitchFamily="34" charset="0"/>
+                <a:cs typeface="Calibri" panose="020F0502020204030204" pitchFamily="34" charset="0"/>
+              </a:rPr>
+              <a:t> transfer </a:t>
+            </a:r>
+            <a:r>
+              <a:rPr lang="en-US" b="0" i="1" dirty="0" err="1">
+                <a:solidFill>
+                  <a:srgbClr val="242424"/>
+                </a:solidFill>
+                <a:effectLst/>
+                <a:latin typeface="Calibri" panose="020F0502020204030204" pitchFamily="34" charset="0"/>
+                <a:cs typeface="Calibri" panose="020F0502020204030204" pitchFamily="34" charset="0"/>
+              </a:rPr>
+              <a:t>nesnesi</a:t>
+            </a:r>
+            <a:r>
+              <a:rPr lang="en-US" b="0" i="1" dirty="0">
+                <a:solidFill>
+                  <a:srgbClr val="242424"/>
+                </a:solidFill>
+                <a:effectLst/>
+                <a:latin typeface="Calibri" panose="020F0502020204030204" pitchFamily="34" charset="0"/>
+                <a:cs typeface="Calibri" panose="020F0502020204030204" pitchFamily="34" charset="0"/>
+              </a:rPr>
+              <a:t> </a:t>
+            </a:r>
+            <a:r>
+              <a:rPr lang="en-US" b="0" i="1" dirty="0" err="1">
+                <a:solidFill>
+                  <a:srgbClr val="242424"/>
+                </a:solidFill>
+                <a:effectLst/>
+                <a:latin typeface="Calibri" panose="020F0502020204030204" pitchFamily="34" charset="0"/>
+                <a:cs typeface="Calibri" panose="020F0502020204030204" pitchFamily="34" charset="0"/>
+              </a:rPr>
+              <a:t>için</a:t>
+            </a:r>
+            <a:r>
+              <a:rPr lang="en-US" b="0" i="1" dirty="0">
+                <a:solidFill>
+                  <a:srgbClr val="242424"/>
+                </a:solidFill>
+                <a:effectLst/>
+                <a:latin typeface="Calibri" panose="020F0502020204030204" pitchFamily="34" charset="0"/>
+                <a:cs typeface="Calibri" panose="020F0502020204030204" pitchFamily="34" charset="0"/>
+              </a:rPr>
+              <a:t> </a:t>
+            </a:r>
+            <a:r>
+              <a:rPr lang="en-US" b="0" i="1" dirty="0" err="1">
+                <a:solidFill>
+                  <a:srgbClr val="242424"/>
+                </a:solidFill>
+                <a:effectLst/>
+                <a:latin typeface="Calibri" panose="020F0502020204030204" pitchFamily="34" charset="0"/>
+                <a:cs typeface="Calibri" panose="020F0502020204030204" pitchFamily="34" charset="0"/>
+              </a:rPr>
+              <a:t>kolaylık</a:t>
+            </a:r>
+            <a:r>
+              <a:rPr lang="en-US" b="0" i="1" dirty="0">
+                <a:solidFill>
+                  <a:srgbClr val="242424"/>
+                </a:solidFill>
+                <a:effectLst/>
+                <a:latin typeface="Calibri" panose="020F0502020204030204" pitchFamily="34" charset="0"/>
+                <a:cs typeface="Calibri" panose="020F0502020204030204" pitchFamily="34" charset="0"/>
+              </a:rPr>
+              <a:t> </a:t>
+            </a:r>
+            <a:r>
+              <a:rPr lang="en-US" b="0" i="1" dirty="0" err="1">
+                <a:solidFill>
+                  <a:srgbClr val="242424"/>
+                </a:solidFill>
+                <a:effectLst/>
+                <a:latin typeface="Calibri" panose="020F0502020204030204" pitchFamily="34" charset="0"/>
+                <a:cs typeface="Calibri" panose="020F0502020204030204" pitchFamily="34" charset="0"/>
+              </a:rPr>
+              <a:t>sağlayan</a:t>
+            </a:r>
+            <a:r>
+              <a:rPr lang="en-US" b="0" i="1" dirty="0">
+                <a:solidFill>
+                  <a:srgbClr val="242424"/>
+                </a:solidFill>
+                <a:effectLst/>
+                <a:latin typeface="Calibri" panose="020F0502020204030204" pitchFamily="34" charset="0"/>
+                <a:cs typeface="Calibri" panose="020F0502020204030204" pitchFamily="34" charset="0"/>
+              </a:rPr>
+              <a:t> wrapper </a:t>
+            </a:r>
+            <a:r>
+              <a:rPr lang="en-US" b="0" i="1" dirty="0" err="1">
+                <a:solidFill>
+                  <a:srgbClr val="242424"/>
+                </a:solidFill>
+                <a:effectLst/>
+                <a:latin typeface="Calibri" panose="020F0502020204030204" pitchFamily="34" charset="0"/>
+                <a:cs typeface="Calibri" panose="020F0502020204030204" pitchFamily="34" charset="0"/>
+              </a:rPr>
+              <a:t>yapımız</a:t>
+            </a:r>
+            <a:endParaRPr lang="en-US" b="0" i="1" dirty="0">
+              <a:solidFill>
+                <a:srgbClr val="242424"/>
+              </a:solidFill>
+              <a:effectLst/>
+              <a:latin typeface="Calibri" panose="020F0502020204030204" pitchFamily="34" charset="0"/>
+              <a:cs typeface="Calibri" panose="020F0502020204030204" pitchFamily="34" charset="0"/>
+            </a:endParaRPr>
+          </a:p>
+          <a:p>
+            <a:pPr algn="l"/>
+            <a:r>
+              <a:rPr lang="en-US" b="1" i="1" dirty="0">
+                <a:solidFill>
+                  <a:srgbClr val="242424"/>
+                </a:solidFill>
+                <a:effectLst/>
+                <a:latin typeface="Calibri" panose="020F0502020204030204" pitchFamily="34" charset="0"/>
+                <a:cs typeface="Calibri" panose="020F0502020204030204" pitchFamily="34" charset="0"/>
+              </a:rPr>
+              <a:t>Strategy</a:t>
+            </a:r>
+            <a:r>
+              <a:rPr lang="en-US" b="0" i="1" dirty="0">
+                <a:solidFill>
+                  <a:srgbClr val="242424"/>
+                </a:solidFill>
+                <a:effectLst/>
+                <a:latin typeface="Calibri" panose="020F0502020204030204" pitchFamily="34" charset="0"/>
+                <a:cs typeface="Calibri" panose="020F0502020204030204" pitchFamily="34" charset="0"/>
+              </a:rPr>
+              <a:t>: </a:t>
+            </a:r>
+            <a:r>
+              <a:rPr lang="en-US" b="0" i="1" dirty="0" err="1">
+                <a:solidFill>
+                  <a:srgbClr val="242424"/>
+                </a:solidFill>
+                <a:effectLst/>
+                <a:latin typeface="Calibri" panose="020F0502020204030204" pitchFamily="34" charset="0"/>
+                <a:cs typeface="Calibri" panose="020F0502020204030204" pitchFamily="34" charset="0"/>
+              </a:rPr>
+              <a:t>Desteklenen</a:t>
+            </a:r>
+            <a:r>
+              <a:rPr lang="en-US" b="0" i="1" dirty="0">
+                <a:solidFill>
+                  <a:srgbClr val="242424"/>
+                </a:solidFill>
+                <a:effectLst/>
+                <a:latin typeface="Calibri" panose="020F0502020204030204" pitchFamily="34" charset="0"/>
+                <a:cs typeface="Calibri" panose="020F0502020204030204" pitchFamily="34" charset="0"/>
+              </a:rPr>
+              <a:t> </a:t>
+            </a:r>
+            <a:r>
+              <a:rPr lang="en-US" b="0" i="1" dirty="0" err="1">
+                <a:solidFill>
+                  <a:srgbClr val="242424"/>
+                </a:solidFill>
+                <a:effectLst/>
+                <a:latin typeface="Calibri" panose="020F0502020204030204" pitchFamily="34" charset="0"/>
+                <a:cs typeface="Calibri" panose="020F0502020204030204" pitchFamily="34" charset="0"/>
+              </a:rPr>
+              <a:t>algoritmaları</a:t>
+            </a:r>
+            <a:r>
+              <a:rPr lang="en-US" b="0" i="1" dirty="0">
+                <a:solidFill>
+                  <a:srgbClr val="242424"/>
+                </a:solidFill>
+                <a:effectLst/>
+                <a:latin typeface="Calibri" panose="020F0502020204030204" pitchFamily="34" charset="0"/>
+                <a:cs typeface="Calibri" panose="020F0502020204030204" pitchFamily="34" charset="0"/>
+              </a:rPr>
+              <a:t> </a:t>
+            </a:r>
+            <a:r>
+              <a:rPr lang="en-US" b="0" i="1" dirty="0" err="1">
+                <a:solidFill>
+                  <a:srgbClr val="242424"/>
+                </a:solidFill>
+                <a:effectLst/>
+                <a:latin typeface="Calibri" panose="020F0502020204030204" pitchFamily="34" charset="0"/>
+                <a:cs typeface="Calibri" panose="020F0502020204030204" pitchFamily="34" charset="0"/>
+              </a:rPr>
+              <a:t>ifade</a:t>
+            </a:r>
+            <a:r>
+              <a:rPr lang="en-US" b="0" i="1" dirty="0">
+                <a:solidFill>
+                  <a:srgbClr val="242424"/>
+                </a:solidFill>
+                <a:effectLst/>
+                <a:latin typeface="Calibri" panose="020F0502020204030204" pitchFamily="34" charset="0"/>
+                <a:cs typeface="Calibri" panose="020F0502020204030204" pitchFamily="34" charset="0"/>
+              </a:rPr>
+              <a:t> </a:t>
+            </a:r>
+            <a:r>
+              <a:rPr lang="en-US" b="0" i="1" dirty="0" err="1">
+                <a:solidFill>
+                  <a:srgbClr val="242424"/>
+                </a:solidFill>
+                <a:effectLst/>
+                <a:latin typeface="Calibri" panose="020F0502020204030204" pitchFamily="34" charset="0"/>
+                <a:cs typeface="Calibri" panose="020F0502020204030204" pitchFamily="34" charset="0"/>
+              </a:rPr>
+              <a:t>eden</a:t>
+            </a:r>
+            <a:r>
+              <a:rPr lang="en-US" b="0" i="1" dirty="0">
+                <a:solidFill>
+                  <a:srgbClr val="242424"/>
+                </a:solidFill>
+                <a:effectLst/>
+                <a:latin typeface="Calibri" panose="020F0502020204030204" pitchFamily="34" charset="0"/>
+                <a:cs typeface="Calibri" panose="020F0502020204030204" pitchFamily="34" charset="0"/>
+              </a:rPr>
+              <a:t> </a:t>
+            </a:r>
+            <a:r>
+              <a:rPr lang="en-US" b="0" i="1" dirty="0" err="1">
+                <a:solidFill>
+                  <a:srgbClr val="242424"/>
+                </a:solidFill>
+                <a:effectLst/>
+                <a:latin typeface="Calibri" panose="020F0502020204030204" pitchFamily="34" charset="0"/>
+                <a:cs typeface="Calibri" panose="020F0502020204030204" pitchFamily="34" charset="0"/>
+              </a:rPr>
+              <a:t>arayüz</a:t>
+            </a:r>
+            <a:r>
+              <a:rPr lang="en-US" b="0" i="1" dirty="0">
+                <a:solidFill>
+                  <a:srgbClr val="242424"/>
+                </a:solidFill>
+                <a:effectLst/>
+                <a:latin typeface="Calibri" panose="020F0502020204030204" pitchFamily="34" charset="0"/>
+                <a:cs typeface="Calibri" panose="020F0502020204030204" pitchFamily="34" charset="0"/>
+              </a:rPr>
+              <a:t>. Context, </a:t>
+            </a:r>
+            <a:r>
+              <a:rPr lang="en-US" b="0" i="1" dirty="0" err="1">
+                <a:solidFill>
+                  <a:srgbClr val="242424"/>
+                </a:solidFill>
+                <a:effectLst/>
+                <a:latin typeface="Calibri" panose="020F0502020204030204" pitchFamily="34" charset="0"/>
+                <a:cs typeface="Calibri" panose="020F0502020204030204" pitchFamily="34" charset="0"/>
+              </a:rPr>
+              <a:t>ConcreteStrategy</a:t>
+            </a:r>
+            <a:r>
+              <a:rPr lang="en-US" b="0" i="1" dirty="0">
+                <a:solidFill>
+                  <a:srgbClr val="242424"/>
+                </a:solidFill>
+                <a:effectLst/>
+                <a:latin typeface="Calibri" panose="020F0502020204030204" pitchFamily="34" charset="0"/>
+                <a:cs typeface="Calibri" panose="020F0502020204030204" pitchFamily="34" charset="0"/>
+              </a:rPr>
+              <a:t> </a:t>
+            </a:r>
+            <a:r>
+              <a:rPr lang="en-US" b="0" i="1" dirty="0" err="1">
+                <a:solidFill>
+                  <a:srgbClr val="242424"/>
+                </a:solidFill>
+                <a:effectLst/>
+                <a:latin typeface="Calibri" panose="020F0502020204030204" pitchFamily="34" charset="0"/>
+                <a:cs typeface="Calibri" panose="020F0502020204030204" pitchFamily="34" charset="0"/>
+              </a:rPr>
+              <a:t>tarafından</a:t>
+            </a:r>
+            <a:r>
+              <a:rPr lang="en-US" b="0" i="1" dirty="0">
+                <a:solidFill>
+                  <a:srgbClr val="242424"/>
+                </a:solidFill>
+                <a:effectLst/>
+                <a:latin typeface="Calibri" panose="020F0502020204030204" pitchFamily="34" charset="0"/>
+                <a:cs typeface="Calibri" panose="020F0502020204030204" pitchFamily="34" charset="0"/>
+              </a:rPr>
+              <a:t> </a:t>
+            </a:r>
+            <a:r>
+              <a:rPr lang="en-US" b="0" i="1" dirty="0" err="1">
+                <a:solidFill>
+                  <a:srgbClr val="242424"/>
+                </a:solidFill>
+                <a:effectLst/>
+                <a:latin typeface="Calibri" panose="020F0502020204030204" pitchFamily="34" charset="0"/>
+                <a:cs typeface="Calibri" panose="020F0502020204030204" pitchFamily="34" charset="0"/>
+              </a:rPr>
+              <a:t>tanımlanan</a:t>
+            </a:r>
+            <a:r>
+              <a:rPr lang="en-US" b="0" i="1" dirty="0">
+                <a:solidFill>
+                  <a:srgbClr val="242424"/>
+                </a:solidFill>
+                <a:effectLst/>
+                <a:latin typeface="Calibri" panose="020F0502020204030204" pitchFamily="34" charset="0"/>
+                <a:cs typeface="Calibri" panose="020F0502020204030204" pitchFamily="34" charset="0"/>
+              </a:rPr>
+              <a:t> </a:t>
+            </a:r>
+            <a:r>
+              <a:rPr lang="en-US" b="0" i="1" dirty="0" err="1">
+                <a:solidFill>
+                  <a:srgbClr val="242424"/>
+                </a:solidFill>
+                <a:effectLst/>
+                <a:latin typeface="Calibri" panose="020F0502020204030204" pitchFamily="34" charset="0"/>
+                <a:cs typeface="Calibri" panose="020F0502020204030204" pitchFamily="34" charset="0"/>
+              </a:rPr>
+              <a:t>algoritmayı</a:t>
+            </a:r>
+            <a:r>
+              <a:rPr lang="en-US" b="0" i="1" dirty="0">
+                <a:solidFill>
+                  <a:srgbClr val="242424"/>
+                </a:solidFill>
+                <a:effectLst/>
+                <a:latin typeface="Calibri" panose="020F0502020204030204" pitchFamily="34" charset="0"/>
+                <a:cs typeface="Calibri" panose="020F0502020204030204" pitchFamily="34" charset="0"/>
+              </a:rPr>
+              <a:t> </a:t>
+            </a:r>
+            <a:r>
+              <a:rPr lang="en-US" b="0" i="1" dirty="0" err="1">
+                <a:solidFill>
+                  <a:srgbClr val="242424"/>
+                </a:solidFill>
+                <a:effectLst/>
+                <a:latin typeface="Calibri" panose="020F0502020204030204" pitchFamily="34" charset="0"/>
+                <a:cs typeface="Calibri" panose="020F0502020204030204" pitchFamily="34" charset="0"/>
+              </a:rPr>
+              <a:t>çağırmak</a:t>
+            </a:r>
+            <a:r>
+              <a:rPr lang="en-US" b="0" i="1" dirty="0">
+                <a:solidFill>
+                  <a:srgbClr val="242424"/>
+                </a:solidFill>
+                <a:effectLst/>
+                <a:latin typeface="Calibri" panose="020F0502020204030204" pitchFamily="34" charset="0"/>
+                <a:cs typeface="Calibri" panose="020F0502020204030204" pitchFamily="34" charset="0"/>
+              </a:rPr>
+              <a:t> </a:t>
+            </a:r>
+            <a:r>
+              <a:rPr lang="en-US" b="0" i="1" dirty="0" err="1">
+                <a:solidFill>
+                  <a:srgbClr val="242424"/>
+                </a:solidFill>
+                <a:effectLst/>
+                <a:latin typeface="Calibri" panose="020F0502020204030204" pitchFamily="34" charset="0"/>
+                <a:cs typeface="Calibri" panose="020F0502020204030204" pitchFamily="34" charset="0"/>
+              </a:rPr>
+              <a:t>için</a:t>
+            </a:r>
+            <a:r>
+              <a:rPr lang="en-US" b="0" i="1" dirty="0">
+                <a:solidFill>
+                  <a:srgbClr val="242424"/>
+                </a:solidFill>
+                <a:effectLst/>
+                <a:latin typeface="Calibri" panose="020F0502020204030204" pitchFamily="34" charset="0"/>
+                <a:cs typeface="Calibri" panose="020F0502020204030204" pitchFamily="34" charset="0"/>
+              </a:rPr>
+              <a:t> </a:t>
+            </a:r>
+            <a:r>
+              <a:rPr lang="en-US" b="0" i="1" dirty="0" err="1">
+                <a:solidFill>
+                  <a:srgbClr val="242424"/>
+                </a:solidFill>
+                <a:effectLst/>
+                <a:latin typeface="Calibri" panose="020F0502020204030204" pitchFamily="34" charset="0"/>
+                <a:cs typeface="Calibri" panose="020F0502020204030204" pitchFamily="34" charset="0"/>
+              </a:rPr>
+              <a:t>bu</a:t>
+            </a:r>
+            <a:r>
+              <a:rPr lang="en-US" b="0" i="1" dirty="0">
+                <a:solidFill>
+                  <a:srgbClr val="242424"/>
+                </a:solidFill>
+                <a:effectLst/>
+                <a:latin typeface="Calibri" panose="020F0502020204030204" pitchFamily="34" charset="0"/>
+                <a:cs typeface="Calibri" panose="020F0502020204030204" pitchFamily="34" charset="0"/>
+              </a:rPr>
+              <a:t> </a:t>
+            </a:r>
+            <a:r>
+              <a:rPr lang="en-US" b="0" i="1" dirty="0" err="1">
+                <a:solidFill>
+                  <a:srgbClr val="242424"/>
+                </a:solidFill>
+                <a:effectLst/>
+                <a:latin typeface="Calibri" panose="020F0502020204030204" pitchFamily="34" charset="0"/>
+                <a:cs typeface="Calibri" panose="020F0502020204030204" pitchFamily="34" charset="0"/>
+              </a:rPr>
+              <a:t>arayüzü</a:t>
+            </a:r>
+            <a:r>
+              <a:rPr lang="en-US" b="0" i="1" dirty="0">
+                <a:solidFill>
+                  <a:srgbClr val="242424"/>
+                </a:solidFill>
+                <a:effectLst/>
+                <a:latin typeface="Calibri" panose="020F0502020204030204" pitchFamily="34" charset="0"/>
+                <a:cs typeface="Calibri" panose="020F0502020204030204" pitchFamily="34" charset="0"/>
+              </a:rPr>
+              <a:t> </a:t>
+            </a:r>
+            <a:r>
+              <a:rPr lang="en-US" b="0" i="1" dirty="0" err="1">
+                <a:solidFill>
+                  <a:srgbClr val="242424"/>
+                </a:solidFill>
+                <a:effectLst/>
+                <a:latin typeface="Calibri" panose="020F0502020204030204" pitchFamily="34" charset="0"/>
+                <a:cs typeface="Calibri" panose="020F0502020204030204" pitchFamily="34" charset="0"/>
+              </a:rPr>
+              <a:t>kullanır</a:t>
+            </a:r>
+            <a:r>
+              <a:rPr lang="en-US" b="0" i="1" dirty="0">
+                <a:solidFill>
+                  <a:srgbClr val="242424"/>
+                </a:solidFill>
+                <a:effectLst/>
+                <a:latin typeface="Calibri" panose="020F0502020204030204" pitchFamily="34" charset="0"/>
+                <a:cs typeface="Calibri" panose="020F0502020204030204" pitchFamily="34" charset="0"/>
+              </a:rPr>
+              <a:t>.</a:t>
+            </a:r>
+          </a:p>
+          <a:p>
+            <a:pPr algn="l"/>
+            <a:r>
+              <a:rPr lang="en-US" b="1" i="1" dirty="0" err="1">
+                <a:solidFill>
+                  <a:srgbClr val="242424"/>
+                </a:solidFill>
+                <a:effectLst/>
+                <a:latin typeface="Calibri" panose="020F0502020204030204" pitchFamily="34" charset="0"/>
+                <a:cs typeface="Calibri" panose="020F0502020204030204" pitchFamily="34" charset="0"/>
+              </a:rPr>
+              <a:t>ConcreteStrategy</a:t>
+            </a:r>
+            <a:r>
+              <a:rPr lang="en-US" b="0" i="1" dirty="0">
+                <a:solidFill>
+                  <a:srgbClr val="242424"/>
+                </a:solidFill>
+                <a:effectLst/>
+                <a:latin typeface="Calibri" panose="020F0502020204030204" pitchFamily="34" charset="0"/>
+                <a:cs typeface="Calibri" panose="020F0502020204030204" pitchFamily="34" charset="0"/>
+              </a:rPr>
+              <a:t>: Her </a:t>
+            </a:r>
+            <a:r>
+              <a:rPr lang="en-US" b="0" i="1" dirty="0" err="1">
+                <a:solidFill>
+                  <a:srgbClr val="242424"/>
+                </a:solidFill>
+                <a:effectLst/>
+                <a:latin typeface="Calibri" panose="020F0502020204030204" pitchFamily="34" charset="0"/>
+                <a:cs typeface="Calibri" panose="020F0502020204030204" pitchFamily="34" charset="0"/>
+              </a:rPr>
+              <a:t>bir</a:t>
+            </a:r>
+            <a:r>
+              <a:rPr lang="en-US" b="0" i="1" dirty="0">
+                <a:solidFill>
+                  <a:srgbClr val="242424"/>
+                </a:solidFill>
+                <a:effectLst/>
+                <a:latin typeface="Calibri" panose="020F0502020204030204" pitchFamily="34" charset="0"/>
+                <a:cs typeface="Calibri" panose="020F0502020204030204" pitchFamily="34" charset="0"/>
+              </a:rPr>
+              <a:t> </a:t>
+            </a:r>
+            <a:r>
+              <a:rPr lang="en-US" b="0" i="1" dirty="0" err="1">
+                <a:solidFill>
+                  <a:srgbClr val="242424"/>
+                </a:solidFill>
+                <a:effectLst/>
+                <a:latin typeface="Calibri" panose="020F0502020204030204" pitchFamily="34" charset="0"/>
+                <a:cs typeface="Calibri" panose="020F0502020204030204" pitchFamily="34" charset="0"/>
+              </a:rPr>
+              <a:t>algoritmayı</a:t>
+            </a:r>
+            <a:r>
+              <a:rPr lang="en-US" b="0" i="1" dirty="0">
+                <a:solidFill>
+                  <a:srgbClr val="242424"/>
+                </a:solidFill>
+                <a:effectLst/>
+                <a:latin typeface="Calibri" panose="020F0502020204030204" pitchFamily="34" charset="0"/>
+                <a:cs typeface="Calibri" panose="020F0502020204030204" pitchFamily="34" charset="0"/>
+              </a:rPr>
+              <a:t> </a:t>
+            </a:r>
+            <a:r>
+              <a:rPr lang="en-US" b="0" i="1" dirty="0" err="1">
+                <a:solidFill>
+                  <a:srgbClr val="242424"/>
+                </a:solidFill>
+                <a:effectLst/>
+                <a:latin typeface="Calibri" panose="020F0502020204030204" pitchFamily="34" charset="0"/>
+                <a:cs typeface="Calibri" panose="020F0502020204030204" pitchFamily="34" charset="0"/>
+              </a:rPr>
+              <a:t>gerçekleştirecek</a:t>
+            </a:r>
+            <a:r>
+              <a:rPr lang="en-US" b="0" i="1" dirty="0">
+                <a:solidFill>
+                  <a:srgbClr val="242424"/>
+                </a:solidFill>
+                <a:effectLst/>
+                <a:latin typeface="Calibri" panose="020F0502020204030204" pitchFamily="34" charset="0"/>
+                <a:cs typeface="Calibri" panose="020F0502020204030204" pitchFamily="34" charset="0"/>
+              </a:rPr>
+              <a:t> </a:t>
+            </a:r>
+            <a:r>
+              <a:rPr lang="en-US" b="0" i="1" dirty="0" err="1">
+                <a:solidFill>
+                  <a:srgbClr val="242424"/>
+                </a:solidFill>
+                <a:effectLst/>
+                <a:latin typeface="Calibri" panose="020F0502020204030204" pitchFamily="34" charset="0"/>
+                <a:cs typeface="Calibri" panose="020F0502020204030204" pitchFamily="34" charset="0"/>
+              </a:rPr>
+              <a:t>sınıfımız</a:t>
+            </a:r>
+            <a:endParaRPr lang="en-US" b="0" i="1" dirty="0">
+              <a:solidFill>
+                <a:srgbClr val="242424"/>
+              </a:solidFill>
+              <a:effectLst/>
+              <a:latin typeface="Calibri" panose="020F0502020204030204" pitchFamily="34" charset="0"/>
+              <a:cs typeface="Calibri" panose="020F0502020204030204" pitchFamily="34" charset="0"/>
+            </a:endParaRPr>
+          </a:p>
+        </p:txBody>
+      </p:sp>
+      <p:pic>
+        <p:nvPicPr>
+          <p:cNvPr id="7" name="Picture 6">
+            <a:extLst>
+              <a:ext uri="{FF2B5EF4-FFF2-40B4-BE49-F238E27FC236}">
+                <a16:creationId xmlns:a16="http://schemas.microsoft.com/office/drawing/2014/main" id="{A3BF62F4-B155-1E91-1C32-11E5C3E2FFF8}"/>
+              </a:ext>
+            </a:extLst>
+          </p:cNvPr>
+          <p:cNvPicPr>
+            <a:picLocks noChangeAspect="1"/>
+          </p:cNvPicPr>
+          <p:nvPr/>
+        </p:nvPicPr>
+        <p:blipFill>
+          <a:blip r:embed="rId2"/>
+          <a:stretch>
+            <a:fillRect/>
+          </a:stretch>
+        </p:blipFill>
+        <p:spPr>
+          <a:xfrm>
+            <a:off x="2875363" y="1276499"/>
+            <a:ext cx="6509004" cy="2614728"/>
+          </a:xfrm>
+          <a:prstGeom prst="rect">
+            <a:avLst/>
+          </a:prstGeom>
+        </p:spPr>
+      </p:pic>
     </p:spTree>
     <p:extLst>
       <p:ext uri="{BB962C8B-B14F-4D97-AF65-F5344CB8AC3E}">
-        <p14:creationId xmlns:p14="http://schemas.microsoft.com/office/powerpoint/2010/main" val="1995948730"/>
+        <p14:creationId xmlns:p14="http://schemas.microsoft.com/office/powerpoint/2010/main" val="3511637717"/>
       </p:ext>
     </p:extLst>
   </p:cSld>
@@ -4416,8 +8355,8 @@
           <a:lstStyle/>
           <a:p>
             <a:r>
-              <a:rPr lang="en-TR" b="1" dirty="0"/>
-              <a:t>Strategy Pattern ile</a:t>
+              <a:rPr lang="en-TR" dirty="0"/>
+              <a:t>Sorun</a:t>
             </a:r>
           </a:p>
         </p:txBody>
@@ -4440,8 +8379,8 @@
         </p:nvSpPr>
         <p:spPr>
           <a:xfrm>
-            <a:off x="838200" y="1825625"/>
-            <a:ext cx="10515600" cy="1777111"/>
+            <a:off x="838200" y="1690687"/>
+            <a:ext cx="10515600" cy="3691209"/>
           </a:xfrm>
         </p:spPr>
         <p:txBody>
@@ -4452,401 +8391,17 @@
           <a:p>
             <a:r>
               <a:rPr lang="en-TR" dirty="0"/>
-              <a:t>Değişimi kolaylıkla yönetebiliyoruz.</a:t>
+              <a:t>Tasarım prensiplerinde değişim dediğimiz konu yazılımcı tarafından unutulabiliyor. If – else veya switch – case ile çözümler sağlanabiliyor.</a:t>
             </a:r>
           </a:p>
           <a:p>
             <a:r>
               <a:rPr lang="en-TR" dirty="0"/>
-              <a:t>Yazılım Prensiplerinden SRP ve OCP uygun hale getirebiliyoruz.</a:t>
-            </a:r>
-          </a:p>
-          <a:p>
-            <a:r>
-              <a:rPr lang="en-TR" dirty="0"/>
-              <a:t>Daha az if-else, switch-case yazıyoruz.</a:t>
-            </a:r>
-          </a:p>
-          <a:p>
-            <a:pPr marL="0" indent="0">
-              <a:buNone/>
-            </a:pPr>
+              <a:t>Unutulan konu ise bu durumun hem Yazılım prensiplerini ihlal ettiği (SRP,OCP) hemde yazılımın değişmesini zorlaştırmasıdır.</a:t>
+            </a:r>
+          </a:p>
+          <a:p>
             <a:endParaRPr lang="en-TR" dirty="0"/>
-          </a:p>
-          <a:p>
-            <a:pPr marL="0" indent="0">
-              <a:buNone/>
-            </a:pPr>
-            <a:endParaRPr lang="en-TR" dirty="0"/>
-          </a:p>
-          <a:p>
-            <a:pPr marL="0" indent="0">
-              <a:buNone/>
-            </a:pPr>
-            <a:endParaRPr lang="en-TR" dirty="0"/>
-          </a:p>
-          <a:p>
-            <a:pPr marL="0" indent="0">
-              <a:buNone/>
-            </a:pPr>
-            <a:endParaRPr lang="en-TR" dirty="0"/>
-          </a:p>
-          <a:p>
-            <a:pPr marL="0" indent="0">
-              <a:buNone/>
-            </a:pPr>
-            <a:endParaRPr lang="en-TR" dirty="0"/>
-          </a:p>
-          <a:p>
-            <a:endParaRPr lang="en-TR" dirty="0"/>
-          </a:p>
-        </p:txBody>
-      </p:sp>
-      <p:sp>
-        <p:nvSpPr>
-          <p:cNvPr id="4" name="Content Placeholder 2">
-            <a:extLst>
-              <a:ext uri="{FF2B5EF4-FFF2-40B4-BE49-F238E27FC236}">
-                <a16:creationId xmlns:a16="http://schemas.microsoft.com/office/drawing/2014/main" id="{8BD80633-1105-E05A-A897-075C6CB2A2A3}"/>
-              </a:ext>
-            </a:extLst>
-          </p:cNvPr>
-          <p:cNvSpPr txBox="1">
-            <a:spLocks/>
-          </p:cNvSpPr>
-          <p:nvPr/>
-        </p:nvSpPr>
-        <p:spPr>
-          <a:xfrm>
-            <a:off x="838200" y="3825113"/>
-            <a:ext cx="10515600" cy="2667762"/>
-          </a:xfrm>
-          <a:prstGeom prst="rect">
-            <a:avLst/>
-          </a:prstGeom>
-        </p:spPr>
-        <p:txBody>
-          <a:bodyPr vert="horz" lIns="91440" tIns="45720" rIns="91440" bIns="45720" rtlCol="0">
-            <a:normAutofit/>
-          </a:bodyPr>
-          <a:lstStyle>
-            <a:lvl1pPr marL="228600" indent="-228600" algn="l" defTabSz="914400" rtl="0" eaLnBrk="1" latinLnBrk="0" hangingPunct="1">
-              <a:lnSpc>
-                <a:spcPct val="90000"/>
-              </a:lnSpc>
-              <a:spcBef>
-                <a:spcPts val="1000"/>
-              </a:spcBef>
-              <a:buFont typeface="Arial" panose="020B0604020202020204" pitchFamily="34" charset="0"/>
-              <a:buChar char="•"/>
-              <a:defRPr sz="2800" kern="1200">
-                <a:solidFill>
-                  <a:schemeClr val="tx1"/>
-                </a:solidFill>
-                <a:latin typeface="+mn-lt"/>
-                <a:ea typeface="+mn-ea"/>
-                <a:cs typeface="+mn-cs"/>
-              </a:defRPr>
-            </a:lvl1pPr>
-            <a:lvl2pPr marL="685800" indent="-228600" algn="l" defTabSz="914400" rtl="0" eaLnBrk="1" latinLnBrk="0" hangingPunct="1">
-              <a:lnSpc>
-                <a:spcPct val="90000"/>
-              </a:lnSpc>
-              <a:spcBef>
-                <a:spcPts val="500"/>
-              </a:spcBef>
-              <a:buFont typeface="Arial" panose="020B0604020202020204" pitchFamily="34" charset="0"/>
-              <a:buChar char="•"/>
-              <a:defRPr sz="2400" kern="1200">
-                <a:solidFill>
-                  <a:schemeClr val="tx1"/>
-                </a:solidFill>
-                <a:latin typeface="+mn-lt"/>
-                <a:ea typeface="+mn-ea"/>
-                <a:cs typeface="+mn-cs"/>
-              </a:defRPr>
-            </a:lvl2pPr>
-            <a:lvl3pPr marL="1143000" indent="-228600" algn="l" defTabSz="914400" rtl="0" eaLnBrk="1" latinLnBrk="0" hangingPunct="1">
-              <a:lnSpc>
-                <a:spcPct val="90000"/>
-              </a:lnSpc>
-              <a:spcBef>
-                <a:spcPts val="500"/>
-              </a:spcBef>
-              <a:buFont typeface="Arial" panose="020B0604020202020204" pitchFamily="34" charset="0"/>
-              <a:buChar char="•"/>
-              <a:defRPr sz="2000" kern="1200">
-                <a:solidFill>
-                  <a:schemeClr val="tx1"/>
-                </a:solidFill>
-                <a:latin typeface="+mn-lt"/>
-                <a:ea typeface="+mn-ea"/>
-                <a:cs typeface="+mn-cs"/>
-              </a:defRPr>
-            </a:lvl3pPr>
-            <a:lvl4pPr marL="1600200" indent="-228600" algn="l" defTabSz="914400" rtl="0" eaLnBrk="1" latinLnBrk="0" hangingPunct="1">
-              <a:lnSpc>
-                <a:spcPct val="90000"/>
-              </a:lnSpc>
-              <a:spcBef>
-                <a:spcPts val="500"/>
-              </a:spcBef>
-              <a:buFont typeface="Arial" panose="020B0604020202020204" pitchFamily="34" charset="0"/>
-              <a:buChar char="•"/>
-              <a:defRPr sz="1800" kern="1200">
-                <a:solidFill>
-                  <a:schemeClr val="tx1"/>
-                </a:solidFill>
-                <a:latin typeface="+mn-lt"/>
-                <a:ea typeface="+mn-ea"/>
-                <a:cs typeface="+mn-cs"/>
-              </a:defRPr>
-            </a:lvl4pPr>
-            <a:lvl5pPr marL="2057400" indent="-228600" algn="l" defTabSz="914400" rtl="0" eaLnBrk="1" latinLnBrk="0" hangingPunct="1">
-              <a:lnSpc>
-                <a:spcPct val="90000"/>
-              </a:lnSpc>
-              <a:spcBef>
-                <a:spcPts val="500"/>
-              </a:spcBef>
-              <a:buFont typeface="Arial" panose="020B0604020202020204" pitchFamily="34" charset="0"/>
-              <a:buChar char="•"/>
-              <a:defRPr sz="1800" kern="1200">
-                <a:solidFill>
-                  <a:schemeClr val="tx1"/>
-                </a:solidFill>
-                <a:latin typeface="+mn-lt"/>
-                <a:ea typeface="+mn-ea"/>
-                <a:cs typeface="+mn-cs"/>
-              </a:defRPr>
-            </a:lvl5pPr>
-            <a:lvl6pPr marL="2514600" indent="-228600" algn="l" defTabSz="914400" rtl="0" eaLnBrk="1" latinLnBrk="0" hangingPunct="1">
-              <a:lnSpc>
-                <a:spcPct val="90000"/>
-              </a:lnSpc>
-              <a:spcBef>
-                <a:spcPts val="500"/>
-              </a:spcBef>
-              <a:buFont typeface="Arial" panose="020B0604020202020204" pitchFamily="34" charset="0"/>
-              <a:buChar char="•"/>
-              <a:defRPr sz="1800" kern="1200">
-                <a:solidFill>
-                  <a:schemeClr val="tx1"/>
-                </a:solidFill>
-                <a:latin typeface="+mn-lt"/>
-                <a:ea typeface="+mn-ea"/>
-                <a:cs typeface="+mn-cs"/>
-              </a:defRPr>
-            </a:lvl6pPr>
-            <a:lvl7pPr marL="2971800" indent="-228600" algn="l" defTabSz="914400" rtl="0" eaLnBrk="1" latinLnBrk="0" hangingPunct="1">
-              <a:lnSpc>
-                <a:spcPct val="90000"/>
-              </a:lnSpc>
-              <a:spcBef>
-                <a:spcPts val="500"/>
-              </a:spcBef>
-              <a:buFont typeface="Arial" panose="020B0604020202020204" pitchFamily="34" charset="0"/>
-              <a:buChar char="•"/>
-              <a:defRPr sz="1800" kern="1200">
-                <a:solidFill>
-                  <a:schemeClr val="tx1"/>
-                </a:solidFill>
-                <a:latin typeface="+mn-lt"/>
-                <a:ea typeface="+mn-ea"/>
-                <a:cs typeface="+mn-cs"/>
-              </a:defRPr>
-            </a:lvl7pPr>
-            <a:lvl8pPr marL="3429000" indent="-228600" algn="l" defTabSz="914400" rtl="0" eaLnBrk="1" latinLnBrk="0" hangingPunct="1">
-              <a:lnSpc>
-                <a:spcPct val="90000"/>
-              </a:lnSpc>
-              <a:spcBef>
-                <a:spcPts val="500"/>
-              </a:spcBef>
-              <a:buFont typeface="Arial" panose="020B0604020202020204" pitchFamily="34" charset="0"/>
-              <a:buChar char="•"/>
-              <a:defRPr sz="1800" kern="1200">
-                <a:solidFill>
-                  <a:schemeClr val="tx1"/>
-                </a:solidFill>
-                <a:latin typeface="+mn-lt"/>
-                <a:ea typeface="+mn-ea"/>
-                <a:cs typeface="+mn-cs"/>
-              </a:defRPr>
-            </a:lvl8pPr>
-            <a:lvl9pPr marL="3886200" indent="-228600" algn="l" defTabSz="914400" rtl="0" eaLnBrk="1" latinLnBrk="0" hangingPunct="1">
-              <a:lnSpc>
-                <a:spcPct val="90000"/>
-              </a:lnSpc>
-              <a:spcBef>
-                <a:spcPts val="500"/>
-              </a:spcBef>
-              <a:buFont typeface="Arial" panose="020B0604020202020204" pitchFamily="34" charset="0"/>
-              <a:buChar char="•"/>
-              <a:defRPr sz="1800" kern="1200">
-                <a:solidFill>
-                  <a:schemeClr val="tx1"/>
-                </a:solidFill>
-                <a:latin typeface="+mn-lt"/>
-                <a:ea typeface="+mn-ea"/>
-                <a:cs typeface="+mn-cs"/>
-              </a:defRPr>
-            </a:lvl9pPr>
-          </a:lstStyle>
-          <a:p>
-            <a:r>
-              <a:rPr lang="en-TR" dirty="0"/>
-              <a:t>Java Kullanılan yerler:</a:t>
-            </a:r>
-          </a:p>
-          <a:p>
-            <a:pPr lvl="1"/>
-            <a:r>
-              <a:rPr lang="en-US" b="1" i="0" u="none" strike="noStrike" dirty="0">
-                <a:solidFill>
-                  <a:srgbClr val="444444"/>
-                </a:solidFill>
-                <a:effectLst/>
-                <a:latin typeface="PT Sans" panose="020B0503020203020204" pitchFamily="34" charset="77"/>
-                <a:hlinkClick r:id="rId2"/>
-              </a:rPr>
-              <a:t>java.util.Comparator#compare()</a:t>
-            </a:r>
-            <a:r>
-              <a:rPr lang="en-US" b="0" i="0" dirty="0">
-                <a:solidFill>
-                  <a:srgbClr val="444444"/>
-                </a:solidFill>
-                <a:effectLst/>
-                <a:latin typeface="PT Sans" panose="020B0503020203020204" pitchFamily="34" charset="77"/>
-              </a:rPr>
-              <a:t> called from </a:t>
-            </a:r>
-            <a:r>
-              <a:rPr lang="en-US" b="0" i="0" dirty="0" err="1">
-                <a:solidFill>
-                  <a:srgbClr val="444444"/>
-                </a:solidFill>
-                <a:effectLst/>
-                <a:latin typeface="PT Sans" panose="020B0503020203020204" pitchFamily="34" charset="77"/>
-              </a:rPr>
-              <a:t>Collections#sort</a:t>
-            </a:r>
-            <a:r>
-              <a:rPr lang="en-US" b="0" i="0" dirty="0">
-                <a:solidFill>
-                  <a:srgbClr val="444444"/>
-                </a:solidFill>
-                <a:effectLst/>
-                <a:latin typeface="PT Sans" panose="020B0503020203020204" pitchFamily="34" charset="77"/>
-              </a:rPr>
-              <a:t>().</a:t>
-            </a:r>
-          </a:p>
-          <a:p>
-            <a:pPr lvl="1"/>
-            <a:r>
-              <a:rPr lang="en-US" b="1" i="0" u="none" strike="noStrike" dirty="0">
-                <a:solidFill>
-                  <a:srgbClr val="444444"/>
-                </a:solidFill>
-                <a:effectLst/>
-                <a:latin typeface="PT Sans" panose="020B0503020203020204" pitchFamily="34" charset="77"/>
-                <a:hlinkClick r:id="rId3"/>
-              </a:rPr>
-              <a:t>javax.servlet.http.HttpServlet</a:t>
-            </a:r>
-            <a:r>
-              <a:rPr lang="en-US" b="0" i="0" dirty="0">
-                <a:solidFill>
-                  <a:srgbClr val="444444"/>
-                </a:solidFill>
-                <a:effectLst/>
-                <a:latin typeface="PT Sans" panose="020B0503020203020204" pitchFamily="34" charset="77"/>
-              </a:rPr>
-              <a:t>: service() method, plus all of the </a:t>
-            </a:r>
-            <a:r>
-              <a:rPr lang="en-US" b="0" i="0" dirty="0" err="1">
-                <a:solidFill>
-                  <a:srgbClr val="444444"/>
-                </a:solidFill>
-                <a:effectLst/>
-                <a:latin typeface="PT Sans" panose="020B0503020203020204" pitchFamily="34" charset="77"/>
-              </a:rPr>
-              <a:t>doXXX</a:t>
-            </a:r>
-            <a:r>
-              <a:rPr lang="en-US" b="0" i="0" dirty="0">
-                <a:solidFill>
-                  <a:srgbClr val="444444"/>
-                </a:solidFill>
-                <a:effectLst/>
-                <a:latin typeface="PT Sans" panose="020B0503020203020204" pitchFamily="34" charset="77"/>
-              </a:rPr>
-              <a:t>() methods that accept </a:t>
-            </a:r>
-            <a:r>
-              <a:rPr lang="en-US" b="0" i="0" dirty="0" err="1">
-                <a:solidFill>
-                  <a:srgbClr val="444444"/>
-                </a:solidFill>
-                <a:effectLst/>
-                <a:latin typeface="PT Sans" panose="020B0503020203020204" pitchFamily="34" charset="77"/>
-              </a:rPr>
-              <a:t>HttpServletRequest</a:t>
-            </a:r>
-            <a:r>
-              <a:rPr lang="en-US" b="0" i="0" dirty="0">
-                <a:solidFill>
-                  <a:srgbClr val="444444"/>
-                </a:solidFill>
-                <a:effectLst/>
-                <a:latin typeface="PT Sans" panose="020B0503020203020204" pitchFamily="34" charset="77"/>
-              </a:rPr>
-              <a:t> and </a:t>
-            </a:r>
-            <a:r>
-              <a:rPr lang="en-US" b="0" i="0" dirty="0" err="1">
-                <a:solidFill>
-                  <a:srgbClr val="444444"/>
-                </a:solidFill>
-                <a:effectLst/>
-                <a:latin typeface="PT Sans" panose="020B0503020203020204" pitchFamily="34" charset="77"/>
-              </a:rPr>
-              <a:t>HttpServletResponse</a:t>
-            </a:r>
-            <a:r>
-              <a:rPr lang="en-US" b="0" i="0" dirty="0">
-                <a:solidFill>
-                  <a:srgbClr val="444444"/>
-                </a:solidFill>
-                <a:effectLst/>
-                <a:latin typeface="PT Sans" panose="020B0503020203020204" pitchFamily="34" charset="77"/>
-              </a:rPr>
-              <a:t> objects as arguments.</a:t>
-            </a:r>
-          </a:p>
-          <a:p>
-            <a:pPr lvl="1"/>
-            <a:r>
-              <a:rPr lang="en-US" b="1" i="0" u="none" strike="noStrike" dirty="0">
-                <a:solidFill>
-                  <a:srgbClr val="444444"/>
-                </a:solidFill>
-                <a:effectLst/>
-                <a:latin typeface="PT Sans" panose="020B0503020203020204" pitchFamily="34" charset="77"/>
-                <a:hlinkClick r:id="rId4"/>
-              </a:rPr>
-              <a:t>javax.servlet.Filter#doFilter()</a:t>
-            </a:r>
-            <a:endParaRPr lang="en-US" b="0" i="0" dirty="0">
-              <a:solidFill>
-                <a:srgbClr val="444444"/>
-              </a:solidFill>
-              <a:effectLst/>
-              <a:latin typeface="PT Sans" panose="020B0503020203020204" pitchFamily="34" charset="77"/>
-            </a:endParaRPr>
           </a:p>
           <a:p>
             <a:endParaRPr lang="en-TR" dirty="0"/>
@@ -4856,7 +8411,7 @@
     </p:spTree>
     <p:extLst>
       <p:ext uri="{BB962C8B-B14F-4D97-AF65-F5344CB8AC3E}">
-        <p14:creationId xmlns:p14="http://schemas.microsoft.com/office/powerpoint/2010/main" val="856385174"/>
+        <p14:creationId xmlns:p14="http://schemas.microsoft.com/office/powerpoint/2010/main" val="220227220"/>
       </p:ext>
     </p:extLst>
   </p:cSld>

--- a/Tasarımdesenleri.pptx
+++ b/Tasarımdesenleri.pptx
@@ -10,21 +10,27 @@
     <p:sldId id="259" r:id="rId4"/>
     <p:sldId id="260" r:id="rId5"/>
     <p:sldId id="262" r:id="rId6"/>
-    <p:sldId id="266" r:id="rId7"/>
+    <p:sldId id="278" r:id="rId7"/>
     <p:sldId id="261" r:id="rId8"/>
     <p:sldId id="268" r:id="rId9"/>
     <p:sldId id="263" r:id="rId10"/>
     <p:sldId id="264" r:id="rId11"/>
     <p:sldId id="265" r:id="rId12"/>
-    <p:sldId id="277" r:id="rId13"/>
-    <p:sldId id="269" r:id="rId14"/>
-    <p:sldId id="273" r:id="rId15"/>
-    <p:sldId id="270" r:id="rId16"/>
-    <p:sldId id="272" r:id="rId17"/>
-    <p:sldId id="276" r:id="rId18"/>
-    <p:sldId id="274" r:id="rId19"/>
-    <p:sldId id="275" r:id="rId20"/>
-    <p:sldId id="258" r:id="rId21"/>
+    <p:sldId id="279" r:id="rId13"/>
+    <p:sldId id="273" r:id="rId14"/>
+    <p:sldId id="270" r:id="rId15"/>
+    <p:sldId id="272" r:id="rId16"/>
+    <p:sldId id="276" r:id="rId17"/>
+    <p:sldId id="274" r:id="rId18"/>
+    <p:sldId id="275" r:id="rId19"/>
+    <p:sldId id="280" r:id="rId20"/>
+    <p:sldId id="282" r:id="rId21"/>
+    <p:sldId id="281" r:id="rId22"/>
+    <p:sldId id="284" r:id="rId23"/>
+    <p:sldId id="283" r:id="rId24"/>
+    <p:sldId id="285" r:id="rId25"/>
+    <p:sldId id="286" r:id="rId26"/>
+    <p:sldId id="258" r:id="rId27"/>
   </p:sldIdLst>
   <p:sldSz cx="12192000" cy="6858000"/>
   <p:notesSz cx="6858000" cy="9144000"/>
@@ -280,7 +286,7 @@
           <a:p>
             <a:fld id="{8EB7B78A-CD2F-054B-9591-8F4C28D48A16}" type="datetimeFigureOut">
               <a:rPr lang="en-TR" smtClean="0"/>
-              <a:t>9.02.2024</a:t>
+              <a:t>11.02.2024</a:t>
             </a:fld>
             <a:endParaRPr lang="en-TR"/>
           </a:p>
@@ -480,7 +486,7 @@
           <a:p>
             <a:fld id="{8EB7B78A-CD2F-054B-9591-8F4C28D48A16}" type="datetimeFigureOut">
               <a:rPr lang="en-TR" smtClean="0"/>
-              <a:t>9.02.2024</a:t>
+              <a:t>11.02.2024</a:t>
             </a:fld>
             <a:endParaRPr lang="en-TR"/>
           </a:p>
@@ -690,7 +696,7 @@
           <a:p>
             <a:fld id="{8EB7B78A-CD2F-054B-9591-8F4C28D48A16}" type="datetimeFigureOut">
               <a:rPr lang="en-TR" smtClean="0"/>
-              <a:t>9.02.2024</a:t>
+              <a:t>11.02.2024</a:t>
             </a:fld>
             <a:endParaRPr lang="en-TR"/>
           </a:p>
@@ -890,7 +896,7 @@
           <a:p>
             <a:fld id="{8EB7B78A-CD2F-054B-9591-8F4C28D48A16}" type="datetimeFigureOut">
               <a:rPr lang="en-TR" smtClean="0"/>
-              <a:t>9.02.2024</a:t>
+              <a:t>11.02.2024</a:t>
             </a:fld>
             <a:endParaRPr lang="en-TR"/>
           </a:p>
@@ -1166,7 +1172,7 @@
           <a:p>
             <a:fld id="{8EB7B78A-CD2F-054B-9591-8F4C28D48A16}" type="datetimeFigureOut">
               <a:rPr lang="en-TR" smtClean="0"/>
-              <a:t>9.02.2024</a:t>
+              <a:t>11.02.2024</a:t>
             </a:fld>
             <a:endParaRPr lang="en-TR"/>
           </a:p>
@@ -1434,7 +1440,7 @@
           <a:p>
             <a:fld id="{8EB7B78A-CD2F-054B-9591-8F4C28D48A16}" type="datetimeFigureOut">
               <a:rPr lang="en-TR" smtClean="0"/>
-              <a:t>9.02.2024</a:t>
+              <a:t>11.02.2024</a:t>
             </a:fld>
             <a:endParaRPr lang="en-TR"/>
           </a:p>
@@ -1849,7 +1855,7 @@
           <a:p>
             <a:fld id="{8EB7B78A-CD2F-054B-9591-8F4C28D48A16}" type="datetimeFigureOut">
               <a:rPr lang="en-TR" smtClean="0"/>
-              <a:t>9.02.2024</a:t>
+              <a:t>11.02.2024</a:t>
             </a:fld>
             <a:endParaRPr lang="en-TR"/>
           </a:p>
@@ -1991,7 +1997,7 @@
           <a:p>
             <a:fld id="{8EB7B78A-CD2F-054B-9591-8F4C28D48A16}" type="datetimeFigureOut">
               <a:rPr lang="en-TR" smtClean="0"/>
-              <a:t>9.02.2024</a:t>
+              <a:t>11.02.2024</a:t>
             </a:fld>
             <a:endParaRPr lang="en-TR"/>
           </a:p>
@@ -2104,7 +2110,7 @@
           <a:p>
             <a:fld id="{8EB7B78A-CD2F-054B-9591-8F4C28D48A16}" type="datetimeFigureOut">
               <a:rPr lang="en-TR" smtClean="0"/>
-              <a:t>9.02.2024</a:t>
+              <a:t>11.02.2024</a:t>
             </a:fld>
             <a:endParaRPr lang="en-TR"/>
           </a:p>
@@ -2417,7 +2423,7 @@
           <a:p>
             <a:fld id="{8EB7B78A-CD2F-054B-9591-8F4C28D48A16}" type="datetimeFigureOut">
               <a:rPr lang="en-TR" smtClean="0"/>
-              <a:t>9.02.2024</a:t>
+              <a:t>11.02.2024</a:t>
             </a:fld>
             <a:endParaRPr lang="en-TR"/>
           </a:p>
@@ -2706,7 +2712,7 @@
           <a:p>
             <a:fld id="{8EB7B78A-CD2F-054B-9591-8F4C28D48A16}" type="datetimeFigureOut">
               <a:rPr lang="en-TR" smtClean="0"/>
-              <a:t>9.02.2024</a:t>
+              <a:t>11.02.2024</a:t>
             </a:fld>
             <a:endParaRPr lang="en-TR"/>
           </a:p>
@@ -2949,7 +2955,7 @@
           <a:p>
             <a:fld id="{8EB7B78A-CD2F-054B-9591-8F4C28D48A16}" type="datetimeFigureOut">
               <a:rPr lang="en-TR" smtClean="0"/>
-              <a:t>9.02.2024</a:t>
+              <a:t>11.02.2024</a:t>
             </a:fld>
             <a:endParaRPr lang="en-TR"/>
           </a:p>
@@ -4099,7 +4105,7 @@
         <p:cNvPr id="1" name="">
           <a:extLst>
             <a:ext uri="{FF2B5EF4-FFF2-40B4-BE49-F238E27FC236}">
-              <a16:creationId xmlns:a16="http://schemas.microsoft.com/office/drawing/2014/main" id="{EA304C2E-C85D-94C6-2604-71990400BC64}"/>
+              <a16:creationId xmlns:a16="http://schemas.microsoft.com/office/drawing/2014/main" id="{D6E59942-D0F8-8BE6-B9D6-8DABF6E12DA5}"/>
             </a:ext>
           </a:extLst>
         </p:cNvPr>
@@ -4119,7 +4125,7 @@
           <p:cNvPr id="2" name="Title 1">
             <a:extLst>
               <a:ext uri="{FF2B5EF4-FFF2-40B4-BE49-F238E27FC236}">
-                <a16:creationId xmlns:a16="http://schemas.microsoft.com/office/drawing/2014/main" id="{4B338C2C-37D4-3C93-053D-901BFB07D218}"/>
+                <a16:creationId xmlns:a16="http://schemas.microsoft.com/office/drawing/2014/main" id="{235FEF23-DC2C-0C2C-153F-6BFA41CA19E8}"/>
               </a:ext>
             </a:extLst>
           </p:cNvPr>
@@ -4138,13 +4144,20 @@
         </p:spPr>
         <p:txBody>
           <a:bodyPr>
-            <a:normAutofit/>
+            <a:normAutofit fontScale="90000"/>
           </a:bodyPr>
           <a:lstStyle/>
           <a:p>
             <a:r>
               <a:rPr lang="en-TR" b="1" dirty="0"/>
-              <a:t>Design Pattern</a:t>
+              <a:t>Design Pattern Series</a:t>
+            </a:r>
+            <a:br>
+              <a:rPr lang="en-TR" b="1" dirty="0"/>
+            </a:br>
+            <a:r>
+              <a:rPr lang="en-TR" sz="4200" b="1" dirty="0"/>
+              <a:t>Observer Pattern</a:t>
             </a:r>
             <a:br>
               <a:rPr lang="en-TR" b="1" dirty="0"/>
@@ -4158,7 +4171,7 @@
           <p:cNvPr id="3" name="Subtitle 2">
             <a:extLst>
               <a:ext uri="{FF2B5EF4-FFF2-40B4-BE49-F238E27FC236}">
-                <a16:creationId xmlns:a16="http://schemas.microsoft.com/office/drawing/2014/main" id="{95C9CA24-B4F6-B7DE-2786-6AF326183470}"/>
+                <a16:creationId xmlns:a16="http://schemas.microsoft.com/office/drawing/2014/main" id="{4B304A93-230C-E0DF-5087-F9D823EAB9CF}"/>
               </a:ext>
             </a:extLst>
           </p:cNvPr>
@@ -4177,8 +4190,8 @@
           <a:lstStyle/>
           <a:p>
             <a:r>
-              <a:rPr lang="en-TR" dirty="0"/>
-              <a:t>Creational (Yaratımsal), Structural (Yapısal), Behoviral (Davranışsal)</a:t>
+              <a:rPr lang="en-TR" b="1" dirty="0"/>
+              <a:t>Behoviral (Davranışsal)</a:t>
             </a:r>
           </a:p>
           <a:p>
@@ -4203,7 +4216,7 @@
           <p:cNvPr id="5" name="Straight Connector 4">
             <a:extLst>
               <a:ext uri="{FF2B5EF4-FFF2-40B4-BE49-F238E27FC236}">
-                <a16:creationId xmlns:a16="http://schemas.microsoft.com/office/drawing/2014/main" id="{A3B7EFEE-88F0-2AF2-975C-0257BCB8F605}"/>
+                <a16:creationId xmlns:a16="http://schemas.microsoft.com/office/drawing/2014/main" id="{A73E17AD-68C8-55FF-AEDA-70629A3AACF8}"/>
               </a:ext>
             </a:extLst>
           </p:cNvPr>
@@ -4237,7 +4250,7 @@
     </p:spTree>
     <p:extLst>
       <p:ext uri="{BB962C8B-B14F-4D97-AF65-F5344CB8AC3E}">
-        <p14:creationId xmlns:p14="http://schemas.microsoft.com/office/powerpoint/2010/main" val="3029469045"/>
+        <p14:creationId xmlns:p14="http://schemas.microsoft.com/office/powerpoint/2010/main" val="1652395033"/>
       </p:ext>
     </p:extLst>
   </p:cSld>
@@ -4248,148 +4261,6 @@
 </file>
 
 <file path=ppt/slides/slide13.xml><?xml version="1.0" encoding="utf-8"?>
-<p:sld xmlns:a="http://schemas.openxmlformats.org/drawingml/2006/main" xmlns:r="http://schemas.openxmlformats.org/officeDocument/2006/relationships" xmlns:p="http://schemas.openxmlformats.org/presentationml/2006/main">
-  <p:cSld>
-    <p:spTree>
-      <p:nvGrpSpPr>
-        <p:cNvPr id="1" name="">
-          <a:extLst>
-            <a:ext uri="{FF2B5EF4-FFF2-40B4-BE49-F238E27FC236}">
-              <a16:creationId xmlns:a16="http://schemas.microsoft.com/office/drawing/2014/main" id="{78297248-79B0-F15F-4FD3-46D51A0D0542}"/>
-            </a:ext>
-          </a:extLst>
-        </p:cNvPr>
-        <p:cNvGrpSpPr/>
-        <p:nvPr/>
-      </p:nvGrpSpPr>
-      <p:grpSpPr>
-        <a:xfrm>
-          <a:off x="0" y="0"/>
-          <a:ext cx="0" cy="0"/>
-          <a:chOff x="0" y="0"/>
-          <a:chExt cx="0" cy="0"/>
-        </a:xfrm>
-      </p:grpSpPr>
-      <p:sp>
-        <p:nvSpPr>
-          <p:cNvPr id="2" name="Title 1">
-            <a:extLst>
-              <a:ext uri="{FF2B5EF4-FFF2-40B4-BE49-F238E27FC236}">
-                <a16:creationId xmlns:a16="http://schemas.microsoft.com/office/drawing/2014/main" id="{5511482B-2B50-8FC9-3F3F-683BF33DAA39}"/>
-              </a:ext>
-            </a:extLst>
-          </p:cNvPr>
-          <p:cNvSpPr>
-            <a:spLocks noGrp="1"/>
-          </p:cNvSpPr>
-          <p:nvPr>
-            <p:ph type="title"/>
-          </p:nvPr>
-        </p:nvSpPr>
-        <p:spPr/>
-        <p:txBody>
-          <a:bodyPr/>
-          <a:lstStyle/>
-          <a:p>
-            <a:r>
-              <a:rPr lang="en-TR" b="1" dirty="0"/>
-              <a:t>Behoviral - Davranışsal</a:t>
-            </a:r>
-          </a:p>
-        </p:txBody>
-      </p:sp>
-      <p:sp>
-        <p:nvSpPr>
-          <p:cNvPr id="3" name="Content Placeholder 2">
-            <a:extLst>
-              <a:ext uri="{FF2B5EF4-FFF2-40B4-BE49-F238E27FC236}">
-                <a16:creationId xmlns:a16="http://schemas.microsoft.com/office/drawing/2014/main" id="{7F1DFA61-4491-A3FE-F99C-5C5F99AA29C9}"/>
-              </a:ext>
-            </a:extLst>
-          </p:cNvPr>
-          <p:cNvSpPr>
-            <a:spLocks noGrp="1"/>
-          </p:cNvSpPr>
-          <p:nvPr>
-            <p:ph idx="1"/>
-          </p:nvPr>
-        </p:nvSpPr>
-        <p:spPr/>
-        <p:txBody>
-          <a:bodyPr>
-            <a:normAutofit lnSpcReduction="10000"/>
-          </a:bodyPr>
-          <a:lstStyle/>
-          <a:p>
-            <a:r>
-              <a:rPr lang="en-TR" dirty="0"/>
-              <a:t>Strategy</a:t>
-            </a:r>
-          </a:p>
-          <a:p>
-            <a:r>
-              <a:rPr lang="en-TR" dirty="0"/>
-              <a:t>Command</a:t>
-            </a:r>
-          </a:p>
-          <a:p>
-            <a:r>
-              <a:rPr lang="en-TR" dirty="0"/>
-              <a:t>Template Method</a:t>
-            </a:r>
-          </a:p>
-          <a:p>
-            <a:r>
-              <a:rPr lang="en-TR" b="1" dirty="0"/>
-              <a:t>Observer</a:t>
-            </a:r>
-          </a:p>
-          <a:p>
-            <a:r>
-              <a:rPr lang="en-TR" dirty="0"/>
-              <a:t>Memento</a:t>
-            </a:r>
-          </a:p>
-          <a:p>
-            <a:r>
-              <a:rPr lang="en-TR" dirty="0"/>
-              <a:t>Mediator</a:t>
-            </a:r>
-          </a:p>
-          <a:p>
-            <a:r>
-              <a:rPr lang="en-TR" dirty="0"/>
-              <a:t>Chain Of Responsibility</a:t>
-            </a:r>
-          </a:p>
-          <a:p>
-            <a:r>
-              <a:rPr lang="en-TR" dirty="0"/>
-              <a:t>Visitor</a:t>
-            </a:r>
-          </a:p>
-          <a:p>
-            <a:r>
-              <a:rPr lang="en-TR" dirty="0"/>
-              <a:t>State</a:t>
-            </a:r>
-          </a:p>
-        </p:txBody>
-      </p:sp>
-    </p:spTree>
-    <p:extLst>
-      <p:ext uri="{BB962C8B-B14F-4D97-AF65-F5344CB8AC3E}">
-        <p14:creationId xmlns:p14="http://schemas.microsoft.com/office/powerpoint/2010/main" val="1937693465"/>
-      </p:ext>
-    </p:extLst>
-  </p:cSld>
-  <p:clrMapOvr>
-    <a:masterClrMapping/>
-  </p:clrMapOvr>
-</p:sld>
-</file>
-
-<file path=ppt/slides/slide14.xml><?xml version="1.0" encoding="utf-8"?>
 <p:sld xmlns:a="http://schemas.openxmlformats.org/drawingml/2006/main" xmlns:r="http://schemas.openxmlformats.org/officeDocument/2006/relationships" xmlns:p="http://schemas.openxmlformats.org/presentationml/2006/main">
   <p:cSld>
     <p:spTree>
@@ -4692,7 +4563,7 @@
 </p:sld>
 </file>
 
-<file path=ppt/slides/slide15.xml><?xml version="1.0" encoding="utf-8"?>
+<file path=ppt/slides/slide14.xml><?xml version="1.0" encoding="utf-8"?>
 <p:sld xmlns:a="http://schemas.openxmlformats.org/drawingml/2006/main" xmlns:r="http://schemas.openxmlformats.org/officeDocument/2006/relationships" xmlns:p="http://schemas.openxmlformats.org/presentationml/2006/main">
   <p:cSld>
     <p:spTree>
@@ -4944,7 +4815,7 @@
 </p:sld>
 </file>
 
-<file path=ppt/slides/slide16.xml><?xml version="1.0" encoding="utf-8"?>
+<file path=ppt/slides/slide15.xml><?xml version="1.0" encoding="utf-8"?>
 <p:sld xmlns:a="http://schemas.openxmlformats.org/drawingml/2006/main" xmlns:r="http://schemas.openxmlformats.org/officeDocument/2006/relationships" xmlns:p="http://schemas.openxmlformats.org/presentationml/2006/main">
   <p:cSld>
     <p:spTree>
@@ -5417,7 +5288,7 @@
 </p:sld>
 </file>
 
-<file path=ppt/slides/slide17.xml><?xml version="1.0" encoding="utf-8"?>
+<file path=ppt/slides/slide16.xml><?xml version="1.0" encoding="utf-8"?>
 <p:sld xmlns:a="http://schemas.openxmlformats.org/drawingml/2006/main" xmlns:r="http://schemas.openxmlformats.org/officeDocument/2006/relationships" xmlns:p="http://schemas.openxmlformats.org/presentationml/2006/main">
   <p:cSld>
     <p:spTree>
@@ -5941,7 +5812,7 @@
 </p:sld>
 </file>
 
-<file path=ppt/slides/slide18.xml><?xml version="1.0" encoding="utf-8"?>
+<file path=ppt/slides/slide17.xml><?xml version="1.0" encoding="utf-8"?>
 <p:sld xmlns:a="http://schemas.openxmlformats.org/drawingml/2006/main" xmlns:r="http://schemas.openxmlformats.org/officeDocument/2006/relationships" xmlns:p="http://schemas.openxmlformats.org/presentationml/2006/main">
   <p:cSld>
     <p:spTree>
@@ -6050,7 +5921,7 @@
 </p:sld>
 </file>
 
-<file path=ppt/slides/slide19.xml><?xml version="1.0" encoding="utf-8"?>
+<file path=ppt/slides/slide18.xml><?xml version="1.0" encoding="utf-8"?>
 <p:sld xmlns:a="http://schemas.openxmlformats.org/drawingml/2006/main" xmlns:r="http://schemas.openxmlformats.org/officeDocument/2006/relationships" xmlns:p="http://schemas.openxmlformats.org/presentationml/2006/main">
   <p:cSld>
     <p:spTree>
@@ -6191,7 +6062,7 @@
         </p:nvSpPr>
         <p:spPr>
           <a:xfrm>
-            <a:off x="838200" y="5202621"/>
+            <a:off x="838200" y="3813768"/>
             <a:ext cx="10515600" cy="1290254"/>
           </a:xfrm>
           <a:prstGeom prst="rect">
@@ -6524,6 +6395,179 @@
     <p:extLst>
       <p:ext uri="{BB962C8B-B14F-4D97-AF65-F5344CB8AC3E}">
         <p14:creationId xmlns:p14="http://schemas.microsoft.com/office/powerpoint/2010/main" val="1354386345"/>
+      </p:ext>
+    </p:extLst>
+  </p:cSld>
+  <p:clrMapOvr>
+    <a:masterClrMapping/>
+  </p:clrMapOvr>
+</p:sld>
+</file>
+
+<file path=ppt/slides/slide19.xml><?xml version="1.0" encoding="utf-8"?>
+<p:sld xmlns:a="http://schemas.openxmlformats.org/drawingml/2006/main" xmlns:r="http://schemas.openxmlformats.org/officeDocument/2006/relationships" xmlns:p="http://schemas.openxmlformats.org/presentationml/2006/main">
+  <p:cSld>
+    <p:spTree>
+      <p:nvGrpSpPr>
+        <p:cNvPr id="1" name="">
+          <a:extLst>
+            <a:ext uri="{FF2B5EF4-FFF2-40B4-BE49-F238E27FC236}">
+              <a16:creationId xmlns:a16="http://schemas.microsoft.com/office/drawing/2014/main" id="{68E0843F-29AF-6D13-4B66-D254EB782FB8}"/>
+            </a:ext>
+          </a:extLst>
+        </p:cNvPr>
+        <p:cNvGrpSpPr/>
+        <p:nvPr/>
+      </p:nvGrpSpPr>
+      <p:grpSpPr>
+        <a:xfrm>
+          <a:off x="0" y="0"/>
+          <a:ext cx="0" cy="0"/>
+          <a:chOff x="0" y="0"/>
+          <a:chExt cx="0" cy="0"/>
+        </a:xfrm>
+      </p:grpSpPr>
+      <p:sp>
+        <p:nvSpPr>
+          <p:cNvPr id="2" name="Title 1">
+            <a:extLst>
+              <a:ext uri="{FF2B5EF4-FFF2-40B4-BE49-F238E27FC236}">
+                <a16:creationId xmlns:a16="http://schemas.microsoft.com/office/drawing/2014/main" id="{40D3277F-6D14-E6DC-D56D-6F500333759C}"/>
+              </a:ext>
+            </a:extLst>
+          </p:cNvPr>
+          <p:cNvSpPr>
+            <a:spLocks noGrp="1"/>
+          </p:cNvSpPr>
+          <p:nvPr>
+            <p:ph type="ctrTitle"/>
+          </p:nvPr>
+        </p:nvSpPr>
+        <p:spPr>
+          <a:xfrm>
+            <a:off x="1524000" y="1122363"/>
+            <a:ext cx="9144000" cy="2133599"/>
+          </a:xfrm>
+        </p:spPr>
+        <p:txBody>
+          <a:bodyPr>
+            <a:normAutofit fontScale="90000"/>
+          </a:bodyPr>
+          <a:lstStyle/>
+          <a:p>
+            <a:br>
+              <a:rPr lang="en-TR" b="1" dirty="0"/>
+            </a:br>
+            <a:br>
+              <a:rPr lang="en-TR" b="1" dirty="0"/>
+            </a:br>
+            <a:br>
+              <a:rPr lang="en-TR" b="1" dirty="0"/>
+            </a:br>
+            <a:br>
+              <a:rPr lang="en-TR" b="1" dirty="0"/>
+            </a:br>
+            <a:r>
+              <a:rPr lang="en-TR" b="1" dirty="0"/>
+              <a:t>Design Pattern Series</a:t>
+            </a:r>
+            <a:br>
+              <a:rPr lang="en-TR" b="1" dirty="0"/>
+            </a:br>
+            <a:r>
+              <a:rPr lang="en-TR" sz="4200" b="1" dirty="0"/>
+              <a:t>Decorator Pattern</a:t>
+            </a:r>
+            <a:br>
+              <a:rPr lang="en-TR" b="1" dirty="0"/>
+            </a:br>
+            <a:endParaRPr lang="en-TR" b="1" dirty="0"/>
+          </a:p>
+        </p:txBody>
+      </p:sp>
+      <p:sp>
+        <p:nvSpPr>
+          <p:cNvPr id="3" name="Subtitle 2">
+            <a:extLst>
+              <a:ext uri="{FF2B5EF4-FFF2-40B4-BE49-F238E27FC236}">
+                <a16:creationId xmlns:a16="http://schemas.microsoft.com/office/drawing/2014/main" id="{2AB83D59-98BC-7FF5-F76D-D36BD744943E}"/>
+              </a:ext>
+            </a:extLst>
+          </p:cNvPr>
+          <p:cNvSpPr>
+            <a:spLocks noGrp="1"/>
+          </p:cNvSpPr>
+          <p:nvPr>
+            <p:ph type="subTitle" idx="1"/>
+          </p:nvPr>
+        </p:nvSpPr>
+        <p:spPr/>
+        <p:txBody>
+          <a:bodyPr>
+            <a:normAutofit/>
+          </a:bodyPr>
+          <a:lstStyle/>
+          <a:p>
+            <a:r>
+              <a:rPr lang="en-TR" b="1" dirty="0"/>
+              <a:t>Structural – (Yapısal)</a:t>
+            </a:r>
+            <a:endParaRPr lang="en-TR" dirty="0"/>
+          </a:p>
+          <a:p>
+            <a:endParaRPr lang="en-TR" b="1" dirty="0"/>
+          </a:p>
+          <a:p>
+            <a:r>
+              <a:rPr lang="en-TR" b="1" dirty="0"/>
+              <a:t>Someone has already solved your problems.</a:t>
+            </a:r>
+          </a:p>
+          <a:p>
+            <a:endParaRPr lang="en-TR" dirty="0"/>
+          </a:p>
+        </p:txBody>
+      </p:sp>
+      <p:cxnSp>
+        <p:nvCxnSpPr>
+          <p:cNvPr id="5" name="Straight Connector 4">
+            <a:extLst>
+              <a:ext uri="{FF2B5EF4-FFF2-40B4-BE49-F238E27FC236}">
+                <a16:creationId xmlns:a16="http://schemas.microsoft.com/office/drawing/2014/main" id="{26D0836D-5210-AD83-FC8C-549591D48833}"/>
+              </a:ext>
+            </a:extLst>
+          </p:cNvPr>
+          <p:cNvCxnSpPr/>
+          <p:nvPr/>
+        </p:nvCxnSpPr>
+        <p:spPr>
+          <a:xfrm>
+            <a:off x="1701800" y="4419600"/>
+            <a:ext cx="8695267" cy="0"/>
+          </a:xfrm>
+          <a:prstGeom prst="line">
+            <a:avLst/>
+          </a:prstGeom>
+        </p:spPr>
+        <p:style>
+          <a:lnRef idx="1">
+            <a:schemeClr val="accent1"/>
+          </a:lnRef>
+          <a:fillRef idx="0">
+            <a:schemeClr val="accent1"/>
+          </a:fillRef>
+          <a:effectRef idx="0">
+            <a:schemeClr val="accent1"/>
+          </a:effectRef>
+          <a:fontRef idx="minor">
+            <a:schemeClr val="tx1"/>
+          </a:fontRef>
+        </p:style>
+      </p:cxnSp>
+    </p:spTree>
+    <p:extLst>
+      <p:ext uri="{BB962C8B-B14F-4D97-AF65-F5344CB8AC3E}">
+        <p14:creationId xmlns:p14="http://schemas.microsoft.com/office/powerpoint/2010/main" val="1217719778"/>
       </p:ext>
     </p:extLst>
   </p:cSld>
@@ -6659,6 +6703,1804 @@
   <p:cSld>
     <p:spTree>
       <p:nvGrpSpPr>
+        <p:cNvPr id="1" name="">
+          <a:extLst>
+            <a:ext uri="{FF2B5EF4-FFF2-40B4-BE49-F238E27FC236}">
+              <a16:creationId xmlns:a16="http://schemas.microsoft.com/office/drawing/2014/main" id="{7A25ADD9-4B43-2F5B-D758-05078DFAA718}"/>
+            </a:ext>
+          </a:extLst>
+        </p:cNvPr>
+        <p:cNvGrpSpPr/>
+        <p:nvPr/>
+      </p:nvGrpSpPr>
+      <p:grpSpPr>
+        <a:xfrm>
+          <a:off x="0" y="0"/>
+          <a:ext cx="0" cy="0"/>
+          <a:chOff x="0" y="0"/>
+          <a:chExt cx="0" cy="0"/>
+        </a:xfrm>
+      </p:grpSpPr>
+      <p:sp>
+        <p:nvSpPr>
+          <p:cNvPr id="2" name="Title 1">
+            <a:extLst>
+              <a:ext uri="{FF2B5EF4-FFF2-40B4-BE49-F238E27FC236}">
+                <a16:creationId xmlns:a16="http://schemas.microsoft.com/office/drawing/2014/main" id="{77CCE722-CA90-9871-FD89-2209F77D757D}"/>
+              </a:ext>
+            </a:extLst>
+          </p:cNvPr>
+          <p:cNvSpPr>
+            <a:spLocks noGrp="1"/>
+          </p:cNvSpPr>
+          <p:nvPr>
+            <p:ph type="title"/>
+          </p:nvPr>
+        </p:nvSpPr>
+        <p:spPr/>
+        <p:txBody>
+          <a:bodyPr/>
+          <a:lstStyle/>
+          <a:p>
+            <a:r>
+              <a:rPr lang="en-TR" b="1" dirty="0"/>
+              <a:t>Decorator Pattern</a:t>
+            </a:r>
+          </a:p>
+        </p:txBody>
+      </p:sp>
+      <p:sp>
+        <p:nvSpPr>
+          <p:cNvPr id="3" name="Content Placeholder 2">
+            <a:extLst>
+              <a:ext uri="{FF2B5EF4-FFF2-40B4-BE49-F238E27FC236}">
+                <a16:creationId xmlns:a16="http://schemas.microsoft.com/office/drawing/2014/main" id="{3373D8B0-4801-1C61-3861-75C9F56F090D}"/>
+              </a:ext>
+            </a:extLst>
+          </p:cNvPr>
+          <p:cNvSpPr>
+            <a:spLocks noGrp="1"/>
+          </p:cNvSpPr>
+          <p:nvPr>
+            <p:ph idx="1"/>
+          </p:nvPr>
+        </p:nvSpPr>
+        <p:spPr/>
+        <p:txBody>
+          <a:bodyPr/>
+          <a:lstStyle/>
+          <a:p>
+            <a:r>
+              <a:rPr lang="en-US" dirty="0">
+                <a:effectLst/>
+                <a:latin typeface="Helvetica" pitchFamily="2" charset="0"/>
+              </a:rPr>
+              <a:t>Attach additional responsibilities to an object dynamically. Decorators provide a flexible alternative to subclassing for extending functionality. </a:t>
+            </a:r>
+          </a:p>
+          <a:p>
+            <a:endParaRPr lang="en-US" dirty="0">
+              <a:latin typeface="Helvetica" pitchFamily="2" charset="0"/>
+            </a:endParaRPr>
+          </a:p>
+          <a:p>
+            <a:r>
+              <a:rPr lang="en-US" dirty="0" err="1">
+                <a:latin typeface="Helvetica" pitchFamily="2" charset="0"/>
+              </a:rPr>
+              <a:t>Nesneye</a:t>
+            </a:r>
+            <a:r>
+              <a:rPr lang="en-US" dirty="0">
+                <a:latin typeface="Helvetica" pitchFamily="2" charset="0"/>
+              </a:rPr>
+              <a:t> </a:t>
+            </a:r>
+            <a:r>
+              <a:rPr lang="en-US" dirty="0" err="1">
+                <a:latin typeface="Helvetica" pitchFamily="2" charset="0"/>
+              </a:rPr>
+              <a:t>dinamik</a:t>
+            </a:r>
+            <a:r>
+              <a:rPr lang="en-US" dirty="0">
+                <a:latin typeface="Helvetica" pitchFamily="2" charset="0"/>
+              </a:rPr>
+              <a:t> </a:t>
+            </a:r>
+            <a:r>
+              <a:rPr lang="en-US" dirty="0" err="1">
+                <a:latin typeface="Helvetica" pitchFamily="2" charset="0"/>
+              </a:rPr>
+              <a:t>olarak</a:t>
+            </a:r>
+            <a:r>
+              <a:rPr lang="en-US" dirty="0">
+                <a:latin typeface="Helvetica" pitchFamily="2" charset="0"/>
+              </a:rPr>
+              <a:t> ek </a:t>
+            </a:r>
+            <a:r>
+              <a:rPr lang="en-US" dirty="0" err="1">
+                <a:latin typeface="Helvetica" pitchFamily="2" charset="0"/>
+              </a:rPr>
+              <a:t>sorumluluklar</a:t>
+            </a:r>
+            <a:r>
+              <a:rPr lang="en-US" dirty="0">
+                <a:latin typeface="Helvetica" pitchFamily="2" charset="0"/>
+              </a:rPr>
+              <a:t> </a:t>
+            </a:r>
+            <a:r>
+              <a:rPr lang="en-US" dirty="0" err="1">
+                <a:latin typeface="Helvetica" pitchFamily="2" charset="0"/>
+              </a:rPr>
+              <a:t>ekleyin</a:t>
+            </a:r>
+            <a:r>
+              <a:rPr lang="en-US" dirty="0">
+                <a:latin typeface="Helvetica" pitchFamily="2" charset="0"/>
+              </a:rPr>
+              <a:t>. </a:t>
+            </a:r>
+            <a:r>
+              <a:rPr lang="en-US" dirty="0" err="1">
+                <a:latin typeface="Helvetica" pitchFamily="2" charset="0"/>
+              </a:rPr>
+              <a:t>Dekoratörler</a:t>
+            </a:r>
+            <a:r>
+              <a:rPr lang="en-US" dirty="0">
+                <a:latin typeface="Helvetica" pitchFamily="2" charset="0"/>
+              </a:rPr>
+              <a:t>, </a:t>
+            </a:r>
+            <a:r>
+              <a:rPr lang="en-US" dirty="0" err="1">
+                <a:latin typeface="Helvetica" pitchFamily="2" charset="0"/>
+              </a:rPr>
+              <a:t>işlevselliği</a:t>
+            </a:r>
+            <a:r>
+              <a:rPr lang="en-US" dirty="0">
+                <a:latin typeface="Helvetica" pitchFamily="2" charset="0"/>
+              </a:rPr>
+              <a:t> </a:t>
+            </a:r>
+            <a:r>
+              <a:rPr lang="en-US" dirty="0" err="1">
+                <a:latin typeface="Helvetica" pitchFamily="2" charset="0"/>
+              </a:rPr>
+              <a:t>genişletmek</a:t>
+            </a:r>
+            <a:r>
+              <a:rPr lang="en-US" dirty="0">
+                <a:latin typeface="Helvetica" pitchFamily="2" charset="0"/>
+              </a:rPr>
+              <a:t> </a:t>
+            </a:r>
+            <a:r>
+              <a:rPr lang="en-US" dirty="0" err="1">
+                <a:latin typeface="Helvetica" pitchFamily="2" charset="0"/>
+              </a:rPr>
+              <a:t>için</a:t>
+            </a:r>
+            <a:r>
+              <a:rPr lang="en-US" dirty="0">
+                <a:latin typeface="Helvetica" pitchFamily="2" charset="0"/>
+              </a:rPr>
+              <a:t> alt </a:t>
+            </a:r>
+            <a:r>
+              <a:rPr lang="en-US" dirty="0" err="1">
+                <a:latin typeface="Helvetica" pitchFamily="2" charset="0"/>
+              </a:rPr>
+              <a:t>sınıflandırmaya</a:t>
+            </a:r>
+            <a:r>
+              <a:rPr lang="en-US" dirty="0">
+                <a:latin typeface="Helvetica" pitchFamily="2" charset="0"/>
+              </a:rPr>
+              <a:t> </a:t>
+            </a:r>
+            <a:r>
+              <a:rPr lang="en-US" dirty="0" err="1">
+                <a:latin typeface="Helvetica" pitchFamily="2" charset="0"/>
+              </a:rPr>
+              <a:t>esnek</a:t>
+            </a:r>
+            <a:r>
+              <a:rPr lang="en-US" dirty="0">
+                <a:latin typeface="Helvetica" pitchFamily="2" charset="0"/>
+              </a:rPr>
+              <a:t> </a:t>
+            </a:r>
+            <a:r>
+              <a:rPr lang="en-US" dirty="0" err="1">
+                <a:latin typeface="Helvetica" pitchFamily="2" charset="0"/>
+              </a:rPr>
+              <a:t>bir</a:t>
+            </a:r>
+            <a:r>
+              <a:rPr lang="en-US" dirty="0">
+                <a:latin typeface="Helvetica" pitchFamily="2" charset="0"/>
+              </a:rPr>
+              <a:t> </a:t>
+            </a:r>
+            <a:r>
+              <a:rPr lang="en-US" dirty="0" err="1">
+                <a:latin typeface="Helvetica" pitchFamily="2" charset="0"/>
+              </a:rPr>
+              <a:t>alternatiflik</a:t>
+            </a:r>
+            <a:r>
+              <a:rPr lang="en-US" dirty="0">
+                <a:latin typeface="Helvetica" pitchFamily="2" charset="0"/>
+              </a:rPr>
+              <a:t> </a:t>
+            </a:r>
+            <a:r>
+              <a:rPr lang="en-US" dirty="0" err="1">
+                <a:latin typeface="Helvetica" pitchFamily="2" charset="0"/>
+              </a:rPr>
+              <a:t>sunar</a:t>
+            </a:r>
+            <a:r>
+              <a:rPr lang="en-US" dirty="0">
+                <a:latin typeface="Helvetica" pitchFamily="2" charset="0"/>
+              </a:rPr>
+              <a:t>.</a:t>
+            </a:r>
+          </a:p>
+        </p:txBody>
+      </p:sp>
+    </p:spTree>
+    <p:extLst>
+      <p:ext uri="{BB962C8B-B14F-4D97-AF65-F5344CB8AC3E}">
+        <p14:creationId xmlns:p14="http://schemas.microsoft.com/office/powerpoint/2010/main" val="834176029"/>
+      </p:ext>
+    </p:extLst>
+  </p:cSld>
+  <p:clrMapOvr>
+    <a:masterClrMapping/>
+  </p:clrMapOvr>
+</p:sld>
+</file>
+
+<file path=ppt/slides/slide21.xml><?xml version="1.0" encoding="utf-8"?>
+<p:sld xmlns:a="http://schemas.openxmlformats.org/drawingml/2006/main" xmlns:r="http://schemas.openxmlformats.org/officeDocument/2006/relationships" xmlns:p="http://schemas.openxmlformats.org/presentationml/2006/main">
+  <p:cSld>
+    <p:spTree>
+      <p:nvGrpSpPr>
+        <p:cNvPr id="1" name="">
+          <a:extLst>
+            <a:ext uri="{FF2B5EF4-FFF2-40B4-BE49-F238E27FC236}">
+              <a16:creationId xmlns:a16="http://schemas.microsoft.com/office/drawing/2014/main" id="{C83CEF1F-001C-D12F-AD44-CC004DD65576}"/>
+            </a:ext>
+          </a:extLst>
+        </p:cNvPr>
+        <p:cNvGrpSpPr/>
+        <p:nvPr/>
+      </p:nvGrpSpPr>
+      <p:grpSpPr>
+        <a:xfrm>
+          <a:off x="0" y="0"/>
+          <a:ext cx="0" cy="0"/>
+          <a:chOff x="0" y="0"/>
+          <a:chExt cx="0" cy="0"/>
+        </a:xfrm>
+      </p:grpSpPr>
+      <p:sp>
+        <p:nvSpPr>
+          <p:cNvPr id="2" name="Title 1">
+            <a:extLst>
+              <a:ext uri="{FF2B5EF4-FFF2-40B4-BE49-F238E27FC236}">
+                <a16:creationId xmlns:a16="http://schemas.microsoft.com/office/drawing/2014/main" id="{FB944EFD-3693-A271-0227-CCC0ECC5576A}"/>
+              </a:ext>
+            </a:extLst>
+          </p:cNvPr>
+          <p:cNvSpPr>
+            <a:spLocks noGrp="1"/>
+          </p:cNvSpPr>
+          <p:nvPr>
+            <p:ph type="title"/>
+          </p:nvPr>
+        </p:nvSpPr>
+        <p:spPr/>
+        <p:txBody>
+          <a:bodyPr/>
+          <a:lstStyle/>
+          <a:p>
+            <a:r>
+              <a:rPr lang="en-TR" b="1" dirty="0"/>
+              <a:t>Sorun</a:t>
+            </a:r>
+          </a:p>
+        </p:txBody>
+      </p:sp>
+      <p:sp>
+        <p:nvSpPr>
+          <p:cNvPr id="3" name="Content Placeholder 2">
+            <a:extLst>
+              <a:ext uri="{FF2B5EF4-FFF2-40B4-BE49-F238E27FC236}">
+                <a16:creationId xmlns:a16="http://schemas.microsoft.com/office/drawing/2014/main" id="{B51F1877-9A9B-742E-96C1-2B16B996E672}"/>
+              </a:ext>
+            </a:extLst>
+          </p:cNvPr>
+          <p:cNvSpPr>
+            <a:spLocks noGrp="1"/>
+          </p:cNvSpPr>
+          <p:nvPr>
+            <p:ph idx="1"/>
+          </p:nvPr>
+        </p:nvSpPr>
+        <p:spPr/>
+        <p:txBody>
+          <a:bodyPr/>
+          <a:lstStyle/>
+          <a:p>
+            <a:pPr algn="just"/>
+            <a:r>
+              <a:rPr lang="en-US" dirty="0"/>
+              <a:t>Class explosion ??</a:t>
+            </a:r>
+          </a:p>
+          <a:p>
+            <a:pPr algn="just"/>
+            <a:endParaRPr lang="en-US" dirty="0"/>
+          </a:p>
+          <a:p>
+            <a:pPr algn="just"/>
+            <a:endParaRPr lang="en-US" dirty="0"/>
+          </a:p>
+          <a:p>
+            <a:pPr marL="0" indent="0" algn="just">
+              <a:buNone/>
+            </a:pPr>
+            <a:endParaRPr lang="en-US" dirty="0"/>
+          </a:p>
+          <a:p>
+            <a:pPr algn="just"/>
+            <a:r>
+              <a:rPr lang="en-US" dirty="0" err="1"/>
+              <a:t>Farklı</a:t>
+            </a:r>
+            <a:r>
+              <a:rPr lang="en-US" dirty="0"/>
+              <a:t> </a:t>
+            </a:r>
+            <a:r>
+              <a:rPr lang="en-US" dirty="0" err="1"/>
+              <a:t>bir</a:t>
+            </a:r>
+            <a:r>
+              <a:rPr lang="en-US" dirty="0"/>
+              <a:t> </a:t>
+            </a:r>
+            <a:r>
+              <a:rPr lang="en-US" dirty="0" err="1"/>
+              <a:t>çözüm</a:t>
+            </a:r>
+            <a:r>
+              <a:rPr lang="en-US" dirty="0"/>
+              <a:t> </a:t>
+            </a:r>
+            <a:r>
+              <a:rPr lang="en-US" dirty="0" err="1"/>
+              <a:t>yeterli</a:t>
+            </a:r>
+            <a:r>
+              <a:rPr lang="en-US" dirty="0"/>
+              <a:t> </a:t>
+            </a:r>
+            <a:r>
+              <a:rPr lang="en-US" dirty="0" err="1"/>
+              <a:t>olacak</a:t>
+            </a:r>
+            <a:r>
+              <a:rPr lang="en-US" dirty="0"/>
+              <a:t> </a:t>
+            </a:r>
+            <a:r>
+              <a:rPr lang="en-US" dirty="0" err="1"/>
+              <a:t>mı</a:t>
+            </a:r>
+            <a:r>
+              <a:rPr lang="en-US" dirty="0"/>
+              <a:t>??</a:t>
+            </a:r>
+          </a:p>
+          <a:p>
+            <a:pPr algn="just"/>
+            <a:endParaRPr lang="en-US" dirty="0"/>
+          </a:p>
+          <a:p>
+            <a:pPr algn="just"/>
+            <a:endParaRPr lang="en-US" dirty="0"/>
+          </a:p>
+          <a:p>
+            <a:pPr algn="just"/>
+            <a:endParaRPr lang="en-US" dirty="0"/>
+          </a:p>
+          <a:p>
+            <a:endParaRPr lang="en-US" dirty="0"/>
+          </a:p>
+          <a:p>
+            <a:pPr marL="0" indent="0">
+              <a:buNone/>
+            </a:pPr>
+            <a:endParaRPr lang="en-TR" dirty="0"/>
+          </a:p>
+          <a:p>
+            <a:pPr marL="0" indent="0">
+              <a:buNone/>
+            </a:pPr>
+            <a:endParaRPr lang="en-TR" dirty="0"/>
+          </a:p>
+        </p:txBody>
+      </p:sp>
+      <p:pic>
+        <p:nvPicPr>
+          <p:cNvPr id="7" name="Picture 6">
+            <a:extLst>
+              <a:ext uri="{FF2B5EF4-FFF2-40B4-BE49-F238E27FC236}">
+                <a16:creationId xmlns:a16="http://schemas.microsoft.com/office/drawing/2014/main" id="{2D30ADEC-09A7-42E3-0F38-0846266FD820}"/>
+              </a:ext>
+            </a:extLst>
+          </p:cNvPr>
+          <p:cNvPicPr>
+            <a:picLocks noChangeAspect="1"/>
+          </p:cNvPicPr>
+          <p:nvPr/>
+        </p:nvPicPr>
+        <p:blipFill>
+          <a:blip r:embed="rId2"/>
+          <a:stretch>
+            <a:fillRect/>
+          </a:stretch>
+        </p:blipFill>
+        <p:spPr>
+          <a:xfrm>
+            <a:off x="838200" y="2409270"/>
+            <a:ext cx="10953228" cy="1416110"/>
+          </a:xfrm>
+          <a:prstGeom prst="rect">
+            <a:avLst/>
+          </a:prstGeom>
+        </p:spPr>
+      </p:pic>
+    </p:spTree>
+    <p:extLst>
+      <p:ext uri="{BB962C8B-B14F-4D97-AF65-F5344CB8AC3E}">
+        <p14:creationId xmlns:p14="http://schemas.microsoft.com/office/powerpoint/2010/main" val="2923422140"/>
+      </p:ext>
+    </p:extLst>
+  </p:cSld>
+  <p:clrMapOvr>
+    <a:masterClrMapping/>
+  </p:clrMapOvr>
+</p:sld>
+</file>
+
+<file path=ppt/slides/slide22.xml><?xml version="1.0" encoding="utf-8"?>
+<p:sld xmlns:a="http://schemas.openxmlformats.org/drawingml/2006/main" xmlns:r="http://schemas.openxmlformats.org/officeDocument/2006/relationships" xmlns:p="http://schemas.openxmlformats.org/presentationml/2006/main">
+  <p:cSld>
+    <p:spTree>
+      <p:nvGrpSpPr>
+        <p:cNvPr id="1" name="">
+          <a:extLst>
+            <a:ext uri="{FF2B5EF4-FFF2-40B4-BE49-F238E27FC236}">
+              <a16:creationId xmlns:a16="http://schemas.microsoft.com/office/drawing/2014/main" id="{3C075994-8D6F-7AD1-95FF-DB5F39F31331}"/>
+            </a:ext>
+          </a:extLst>
+        </p:cNvPr>
+        <p:cNvGrpSpPr/>
+        <p:nvPr/>
+      </p:nvGrpSpPr>
+      <p:grpSpPr>
+        <a:xfrm>
+          <a:off x="0" y="0"/>
+          <a:ext cx="0" cy="0"/>
+          <a:chOff x="0" y="0"/>
+          <a:chExt cx="0" cy="0"/>
+        </a:xfrm>
+      </p:grpSpPr>
+      <p:sp>
+        <p:nvSpPr>
+          <p:cNvPr id="2" name="Title 1">
+            <a:extLst>
+              <a:ext uri="{FF2B5EF4-FFF2-40B4-BE49-F238E27FC236}">
+                <a16:creationId xmlns:a16="http://schemas.microsoft.com/office/drawing/2014/main" id="{03592823-F49B-FE03-5B54-85011140F3C7}"/>
+              </a:ext>
+            </a:extLst>
+          </p:cNvPr>
+          <p:cNvSpPr>
+            <a:spLocks noGrp="1"/>
+          </p:cNvSpPr>
+          <p:nvPr>
+            <p:ph type="title"/>
+          </p:nvPr>
+        </p:nvSpPr>
+        <p:spPr/>
+        <p:txBody>
+          <a:bodyPr/>
+          <a:lstStyle/>
+          <a:p>
+            <a:r>
+              <a:rPr lang="en-TR" b="1" dirty="0"/>
+              <a:t>Tasarım Prensipleri</a:t>
+            </a:r>
+          </a:p>
+        </p:txBody>
+      </p:sp>
+      <p:sp>
+        <p:nvSpPr>
+          <p:cNvPr id="3" name="Content Placeholder 2">
+            <a:extLst>
+              <a:ext uri="{FF2B5EF4-FFF2-40B4-BE49-F238E27FC236}">
+                <a16:creationId xmlns:a16="http://schemas.microsoft.com/office/drawing/2014/main" id="{43D8601D-653D-6C8F-169B-47DEA067D877}"/>
+              </a:ext>
+            </a:extLst>
+          </p:cNvPr>
+          <p:cNvSpPr>
+            <a:spLocks noGrp="1"/>
+          </p:cNvSpPr>
+          <p:nvPr>
+            <p:ph idx="1"/>
+          </p:nvPr>
+        </p:nvSpPr>
+        <p:spPr/>
+        <p:txBody>
+          <a:bodyPr>
+            <a:normAutofit fontScale="92500" lnSpcReduction="10000"/>
+          </a:bodyPr>
+          <a:lstStyle/>
+          <a:p>
+            <a:r>
+              <a:rPr lang="en-TR" b="1" dirty="0"/>
+              <a:t>Program to interface, not implementation !</a:t>
+            </a:r>
+          </a:p>
+          <a:p>
+            <a:pPr lvl="1"/>
+            <a:r>
+              <a:rPr lang="en-TR" dirty="0"/>
+              <a:t>Program Arayüzdür, uygulama değil !</a:t>
+            </a:r>
+          </a:p>
+          <a:p>
+            <a:r>
+              <a:rPr lang="en-TR" b="1" dirty="0"/>
+              <a:t>Favor object composition over class inheritance..</a:t>
+            </a:r>
+          </a:p>
+          <a:p>
+            <a:pPr lvl="1"/>
+            <a:r>
+              <a:rPr lang="en-TR" dirty="0"/>
+              <a:t>Kalıtım yerine Kompozisyon tercih et..</a:t>
+            </a:r>
+          </a:p>
+          <a:p>
+            <a:r>
+              <a:rPr lang="en-TR" b="1" dirty="0"/>
+              <a:t>Identify the aspects of your application that vary and sep</a:t>
+            </a:r>
+            <a:r>
+              <a:rPr lang="en-US" b="1" dirty="0"/>
+              <a:t>a</a:t>
+            </a:r>
+            <a:r>
+              <a:rPr lang="en-TR" b="1" dirty="0"/>
+              <a:t>rate them from what stays the same</a:t>
+            </a:r>
+          </a:p>
+          <a:p>
+            <a:pPr lvl="1"/>
+            <a:r>
+              <a:rPr lang="en-TR" dirty="0"/>
+              <a:t>Uygulamanın değişen yönlerini belirleyin ve bunları aynı kalanlardan ayırın.</a:t>
+            </a:r>
+            <a:endParaRPr lang="en-TR" b="1" dirty="0"/>
+          </a:p>
+          <a:p>
+            <a:r>
+              <a:rPr lang="en-US" b="1" dirty="0"/>
+              <a:t>Strive for loosely coupled designs between objects that interface</a:t>
+            </a:r>
+          </a:p>
+          <a:p>
+            <a:pPr lvl="1"/>
+            <a:r>
+              <a:rPr lang="en-US" dirty="0" err="1"/>
+              <a:t>Arayüz</a:t>
+            </a:r>
+            <a:r>
+              <a:rPr lang="en-US" dirty="0"/>
+              <a:t> </a:t>
+            </a:r>
+            <a:r>
+              <a:rPr lang="en-US" dirty="0" err="1"/>
+              <a:t>oluşturan</a:t>
+            </a:r>
+            <a:r>
+              <a:rPr lang="en-US" dirty="0"/>
+              <a:t> </a:t>
+            </a:r>
+            <a:r>
+              <a:rPr lang="en-US" dirty="0" err="1"/>
+              <a:t>objeler</a:t>
+            </a:r>
+            <a:r>
+              <a:rPr lang="en-US" dirty="0"/>
+              <a:t> </a:t>
+            </a:r>
+            <a:r>
+              <a:rPr lang="en-US" dirty="0" err="1"/>
+              <a:t>arasında</a:t>
+            </a:r>
+            <a:r>
+              <a:rPr lang="en-US" dirty="0"/>
+              <a:t> loosely coupled </a:t>
+            </a:r>
+            <a:r>
+              <a:rPr lang="en-US" dirty="0" err="1"/>
+              <a:t>tasarım</a:t>
+            </a:r>
+            <a:r>
+              <a:rPr lang="en-US" dirty="0"/>
+              <a:t> </a:t>
+            </a:r>
+            <a:r>
+              <a:rPr lang="en-US" dirty="0" err="1"/>
+              <a:t>için</a:t>
+            </a:r>
+            <a:r>
+              <a:rPr lang="en-US" dirty="0"/>
+              <a:t> </a:t>
+            </a:r>
+            <a:r>
+              <a:rPr lang="en-US" dirty="0" err="1"/>
+              <a:t>çabalayın</a:t>
+            </a:r>
+            <a:r>
+              <a:rPr lang="en-US" dirty="0"/>
+              <a:t>.</a:t>
+            </a:r>
+            <a:endParaRPr lang="en-TR" dirty="0"/>
+          </a:p>
+          <a:p>
+            <a:r>
+              <a:rPr lang="en-US" b="1" dirty="0">
+                <a:effectLst/>
+              </a:rPr>
+              <a:t>Classes should be open for extension, but closed for modification</a:t>
+            </a:r>
+          </a:p>
+          <a:p>
+            <a:pPr lvl="1"/>
+            <a:r>
+              <a:rPr lang="en-TR" dirty="0"/>
+              <a:t>Sınıflar genişletilmeye açık fakat modifikasyona kapalı olmalıdır.</a:t>
+            </a:r>
+          </a:p>
+          <a:p>
+            <a:endParaRPr lang="en-TR" dirty="0"/>
+          </a:p>
+        </p:txBody>
+      </p:sp>
+    </p:spTree>
+    <p:extLst>
+      <p:ext uri="{BB962C8B-B14F-4D97-AF65-F5344CB8AC3E}">
+        <p14:creationId xmlns:p14="http://schemas.microsoft.com/office/powerpoint/2010/main" val="3410948956"/>
+      </p:ext>
+    </p:extLst>
+  </p:cSld>
+  <p:clrMapOvr>
+    <a:masterClrMapping/>
+  </p:clrMapOvr>
+</p:sld>
+</file>
+
+<file path=ppt/slides/slide23.xml><?xml version="1.0" encoding="utf-8"?>
+<p:sld xmlns:a="http://schemas.openxmlformats.org/drawingml/2006/main" xmlns:r="http://schemas.openxmlformats.org/officeDocument/2006/relationships" xmlns:p="http://schemas.openxmlformats.org/presentationml/2006/main">
+  <p:cSld>
+    <p:spTree>
+      <p:nvGrpSpPr>
+        <p:cNvPr id="1" name="">
+          <a:extLst>
+            <a:ext uri="{FF2B5EF4-FFF2-40B4-BE49-F238E27FC236}">
+              <a16:creationId xmlns:a16="http://schemas.microsoft.com/office/drawing/2014/main" id="{6A985687-8288-63F6-10A0-B35D2EBA852E}"/>
+            </a:ext>
+          </a:extLst>
+        </p:cNvPr>
+        <p:cNvGrpSpPr/>
+        <p:nvPr/>
+      </p:nvGrpSpPr>
+      <p:grpSpPr>
+        <a:xfrm>
+          <a:off x="0" y="0"/>
+          <a:ext cx="0" cy="0"/>
+          <a:chOff x="0" y="0"/>
+          <a:chExt cx="0" cy="0"/>
+        </a:xfrm>
+      </p:grpSpPr>
+      <p:sp>
+        <p:nvSpPr>
+          <p:cNvPr id="2" name="Title 1">
+            <a:extLst>
+              <a:ext uri="{FF2B5EF4-FFF2-40B4-BE49-F238E27FC236}">
+                <a16:creationId xmlns:a16="http://schemas.microsoft.com/office/drawing/2014/main" id="{9CC28E9B-71AE-5AE3-F94D-6DAB7113BDD7}"/>
+              </a:ext>
+            </a:extLst>
+          </p:cNvPr>
+          <p:cNvSpPr>
+            <a:spLocks noGrp="1"/>
+          </p:cNvSpPr>
+          <p:nvPr>
+            <p:ph type="title"/>
+          </p:nvPr>
+        </p:nvSpPr>
+        <p:spPr>
+          <a:xfrm>
+            <a:off x="838200" y="176768"/>
+            <a:ext cx="9966434" cy="591316"/>
+          </a:xfrm>
+        </p:spPr>
+        <p:txBody>
+          <a:bodyPr>
+            <a:normAutofit fontScale="90000"/>
+          </a:bodyPr>
+          <a:lstStyle/>
+          <a:p>
+            <a:r>
+              <a:rPr lang="en-TR" b="1" dirty="0"/>
+              <a:t>Decorator Pattern</a:t>
+            </a:r>
+          </a:p>
+        </p:txBody>
+      </p:sp>
+      <p:sp>
+        <p:nvSpPr>
+          <p:cNvPr id="6" name="TextBox 5">
+            <a:extLst>
+              <a:ext uri="{FF2B5EF4-FFF2-40B4-BE49-F238E27FC236}">
+                <a16:creationId xmlns:a16="http://schemas.microsoft.com/office/drawing/2014/main" id="{FA629B2B-1CF3-3A3C-064C-1BE8E627963B}"/>
+              </a:ext>
+            </a:extLst>
+          </p:cNvPr>
+          <p:cNvSpPr txBox="1"/>
+          <p:nvPr/>
+        </p:nvSpPr>
+        <p:spPr>
+          <a:xfrm>
+            <a:off x="838199" y="6389537"/>
+            <a:ext cx="8167777" cy="369332"/>
+          </a:xfrm>
+          <a:prstGeom prst="rect">
+            <a:avLst/>
+          </a:prstGeom>
+          <a:noFill/>
+        </p:spPr>
+        <p:txBody>
+          <a:bodyPr wrap="square">
+            <a:spAutoFit/>
+          </a:bodyPr>
+          <a:lstStyle/>
+          <a:p>
+            <a:r>
+              <a:rPr lang="en-US" b="1" dirty="0">
+                <a:effectLst/>
+                <a:latin typeface="Helvetica" pitchFamily="2" charset="0"/>
+              </a:rPr>
+              <a:t>Classes should be open for extension, but closed for modification</a:t>
+            </a:r>
+          </a:p>
+        </p:txBody>
+      </p:sp>
+      <p:sp>
+        <p:nvSpPr>
+          <p:cNvPr id="9" name="Content Placeholder 8">
+            <a:extLst>
+              <a:ext uri="{FF2B5EF4-FFF2-40B4-BE49-F238E27FC236}">
+                <a16:creationId xmlns:a16="http://schemas.microsoft.com/office/drawing/2014/main" id="{04500F8B-F542-45A9-C862-4FDF72BA0A77}"/>
+              </a:ext>
+            </a:extLst>
+          </p:cNvPr>
+          <p:cNvSpPr>
+            <a:spLocks noGrp="1"/>
+          </p:cNvSpPr>
+          <p:nvPr>
+            <p:ph idx="1"/>
+          </p:nvPr>
+        </p:nvSpPr>
+        <p:spPr>
+          <a:xfrm>
+            <a:off x="838200" y="3931541"/>
+            <a:ext cx="10515600" cy="2393757"/>
+          </a:xfrm>
+        </p:spPr>
+        <p:txBody>
+          <a:bodyPr>
+            <a:normAutofit fontScale="85000" lnSpcReduction="10000"/>
+          </a:bodyPr>
+          <a:lstStyle/>
+          <a:p>
+            <a:r>
+              <a:rPr lang="en-TR" b="1" dirty="0"/>
+              <a:t>Component: </a:t>
+            </a:r>
+            <a:r>
+              <a:rPr lang="en-US" dirty="0" err="1"/>
+              <a:t>Dinamik</a:t>
+            </a:r>
+            <a:r>
+              <a:rPr lang="en-US" dirty="0"/>
+              <a:t> </a:t>
+            </a:r>
+            <a:r>
+              <a:rPr lang="en-US" dirty="0" err="1"/>
+              <a:t>olarak</a:t>
+            </a:r>
+            <a:r>
+              <a:rPr lang="en-US" dirty="0"/>
+              <a:t> </a:t>
+            </a:r>
+            <a:r>
+              <a:rPr lang="en-US" dirty="0" err="1"/>
+              <a:t>sorumluluk</a:t>
+            </a:r>
+            <a:r>
+              <a:rPr lang="en-US" dirty="0"/>
+              <a:t> </a:t>
+            </a:r>
+            <a:r>
+              <a:rPr lang="en-US" dirty="0" err="1"/>
+              <a:t>eklenebilecek</a:t>
+            </a:r>
+            <a:r>
+              <a:rPr lang="en-US" dirty="0"/>
+              <a:t> </a:t>
+            </a:r>
+            <a:r>
+              <a:rPr lang="en-US" dirty="0" err="1"/>
+              <a:t>nesneler</a:t>
+            </a:r>
+            <a:r>
+              <a:rPr lang="en-US" dirty="0"/>
+              <a:t> </a:t>
+            </a:r>
+            <a:r>
+              <a:rPr lang="en-US" dirty="0" err="1"/>
+              <a:t>için</a:t>
+            </a:r>
+            <a:r>
+              <a:rPr lang="en-US" dirty="0"/>
+              <a:t> </a:t>
+            </a:r>
+            <a:r>
+              <a:rPr lang="en-US" dirty="0" err="1"/>
+              <a:t>arayüzü</a:t>
+            </a:r>
+            <a:r>
+              <a:rPr lang="en-US" dirty="0"/>
+              <a:t> </a:t>
+            </a:r>
+            <a:r>
+              <a:rPr lang="en-US" dirty="0" err="1"/>
+              <a:t>tanımlar</a:t>
+            </a:r>
+            <a:r>
+              <a:rPr lang="en-US" dirty="0"/>
+              <a:t>.</a:t>
+            </a:r>
+          </a:p>
+          <a:p>
+            <a:r>
+              <a:rPr lang="en-US" b="1" dirty="0" err="1"/>
+              <a:t>ConcreteComponent</a:t>
+            </a:r>
+            <a:r>
+              <a:rPr lang="en-US" b="1" dirty="0"/>
+              <a:t>:  </a:t>
+            </a:r>
+            <a:r>
+              <a:rPr lang="en-US" dirty="0"/>
+              <a:t>Ek </a:t>
+            </a:r>
+            <a:r>
+              <a:rPr lang="en-US" dirty="0" err="1"/>
+              <a:t>sorumlulukların</a:t>
+            </a:r>
+            <a:r>
+              <a:rPr lang="en-US" dirty="0"/>
+              <a:t> </a:t>
+            </a:r>
+            <a:r>
+              <a:rPr lang="en-US" dirty="0" err="1"/>
+              <a:t>yüklenebileceği</a:t>
+            </a:r>
+            <a:r>
+              <a:rPr lang="en-US" dirty="0"/>
+              <a:t> </a:t>
+            </a:r>
+            <a:r>
+              <a:rPr lang="en-US" dirty="0" err="1"/>
+              <a:t>bir</a:t>
+            </a:r>
+            <a:r>
+              <a:rPr lang="en-US" dirty="0"/>
+              <a:t> </a:t>
+            </a:r>
+            <a:r>
+              <a:rPr lang="en-US" dirty="0" err="1"/>
+              <a:t>nesneyi</a:t>
+            </a:r>
+            <a:r>
+              <a:rPr lang="en-US" dirty="0"/>
+              <a:t> </a:t>
+            </a:r>
+            <a:r>
+              <a:rPr lang="en-US" dirty="0" err="1"/>
+              <a:t>tanımlar</a:t>
+            </a:r>
+            <a:r>
+              <a:rPr lang="en-US" dirty="0"/>
+              <a:t>.</a:t>
+            </a:r>
+          </a:p>
+          <a:p>
+            <a:r>
+              <a:rPr lang="en-US" b="1" dirty="0"/>
+              <a:t>Decorator: </a:t>
+            </a:r>
+            <a:r>
+              <a:rPr lang="en-US" dirty="0"/>
+              <a:t>Bir Component </a:t>
+            </a:r>
+            <a:r>
+              <a:rPr lang="en-US" dirty="0" err="1"/>
+              <a:t>nesnesine</a:t>
+            </a:r>
+            <a:r>
+              <a:rPr lang="en-US" dirty="0"/>
+              <a:t> </a:t>
+            </a:r>
+            <a:r>
+              <a:rPr lang="en-US" dirty="0" err="1"/>
+              <a:t>olan</a:t>
+            </a:r>
+            <a:r>
+              <a:rPr lang="en-US" dirty="0"/>
+              <a:t> </a:t>
+            </a:r>
+            <a:r>
+              <a:rPr lang="en-US" dirty="0" err="1"/>
+              <a:t>referansı</a:t>
+            </a:r>
+            <a:r>
+              <a:rPr lang="en-US" dirty="0"/>
+              <a:t> </a:t>
+            </a:r>
+            <a:r>
+              <a:rPr lang="en-US" dirty="0" err="1"/>
+              <a:t>korur</a:t>
+            </a:r>
+            <a:r>
+              <a:rPr lang="en-US" dirty="0"/>
+              <a:t> </a:t>
+            </a:r>
+            <a:r>
+              <a:rPr lang="en-US" dirty="0" err="1"/>
+              <a:t>ve</a:t>
+            </a:r>
+            <a:r>
+              <a:rPr lang="en-US" dirty="0"/>
+              <a:t> </a:t>
+            </a:r>
+            <a:r>
+              <a:rPr lang="en-US" dirty="0" err="1"/>
+              <a:t>Component'in</a:t>
+            </a:r>
+            <a:r>
+              <a:rPr lang="en-US" dirty="0"/>
+              <a:t> </a:t>
+            </a:r>
+            <a:r>
+              <a:rPr lang="en-US" dirty="0" err="1"/>
+              <a:t>arayüzüne</a:t>
+            </a:r>
+            <a:r>
+              <a:rPr lang="en-US" dirty="0"/>
+              <a:t> </a:t>
+            </a:r>
+            <a:r>
+              <a:rPr lang="en-US" dirty="0" err="1"/>
+              <a:t>uygun</a:t>
+            </a:r>
+            <a:r>
+              <a:rPr lang="en-US" dirty="0"/>
+              <a:t> </a:t>
+            </a:r>
+            <a:r>
+              <a:rPr lang="en-US" dirty="0" err="1"/>
+              <a:t>bir</a:t>
+            </a:r>
+            <a:r>
+              <a:rPr lang="en-US" dirty="0"/>
+              <a:t> </a:t>
+            </a:r>
+            <a:r>
+              <a:rPr lang="en-US" dirty="0" err="1"/>
+              <a:t>arayüz</a:t>
+            </a:r>
+            <a:r>
+              <a:rPr lang="en-US" dirty="0"/>
+              <a:t> </a:t>
+            </a:r>
+            <a:r>
+              <a:rPr lang="en-US" dirty="0" err="1"/>
+              <a:t>tanımlar</a:t>
+            </a:r>
+            <a:r>
+              <a:rPr lang="en-US" dirty="0"/>
+              <a:t>.</a:t>
+            </a:r>
+          </a:p>
+          <a:p>
+            <a:r>
+              <a:rPr lang="en-TR" b="1" dirty="0"/>
+              <a:t>ConcreteDecarator: </a:t>
+            </a:r>
+            <a:r>
+              <a:rPr lang="en-TR" dirty="0"/>
+              <a:t>Bileşene sorumluluklar ekler.</a:t>
+            </a:r>
+            <a:endParaRPr lang="en-TR" b="1" dirty="0"/>
+          </a:p>
+        </p:txBody>
+      </p:sp>
+      <p:pic>
+        <p:nvPicPr>
+          <p:cNvPr id="4" name="Picture 3">
+            <a:extLst>
+              <a:ext uri="{FF2B5EF4-FFF2-40B4-BE49-F238E27FC236}">
+                <a16:creationId xmlns:a16="http://schemas.microsoft.com/office/drawing/2014/main" id="{016145E0-64B5-6E70-9EDF-49E6B3100CFC}"/>
+              </a:ext>
+            </a:extLst>
+          </p:cNvPr>
+          <p:cNvPicPr>
+            <a:picLocks noChangeAspect="1"/>
+          </p:cNvPicPr>
+          <p:nvPr/>
+        </p:nvPicPr>
+        <p:blipFill>
+          <a:blip r:embed="rId2"/>
+          <a:stretch>
+            <a:fillRect/>
+          </a:stretch>
+        </p:blipFill>
+        <p:spPr>
+          <a:xfrm>
+            <a:off x="3776368" y="877663"/>
+            <a:ext cx="3792882" cy="3005859"/>
+          </a:xfrm>
+          <a:prstGeom prst="rect">
+            <a:avLst/>
+          </a:prstGeom>
+        </p:spPr>
+      </p:pic>
+    </p:spTree>
+    <p:extLst>
+      <p:ext uri="{BB962C8B-B14F-4D97-AF65-F5344CB8AC3E}">
+        <p14:creationId xmlns:p14="http://schemas.microsoft.com/office/powerpoint/2010/main" val="2293489445"/>
+      </p:ext>
+    </p:extLst>
+  </p:cSld>
+  <p:clrMapOvr>
+    <a:masterClrMapping/>
+  </p:clrMapOvr>
+</p:sld>
+</file>
+
+<file path=ppt/slides/slide24.xml><?xml version="1.0" encoding="utf-8"?>
+<p:sld xmlns:a="http://schemas.openxmlformats.org/drawingml/2006/main" xmlns:r="http://schemas.openxmlformats.org/officeDocument/2006/relationships" xmlns:p="http://schemas.openxmlformats.org/presentationml/2006/main">
+  <p:cSld>
+    <p:spTree>
+      <p:nvGrpSpPr>
+        <p:cNvPr id="1" name="">
+          <a:extLst>
+            <a:ext uri="{FF2B5EF4-FFF2-40B4-BE49-F238E27FC236}">
+              <a16:creationId xmlns:a16="http://schemas.microsoft.com/office/drawing/2014/main" id="{E9EDCF9E-35DB-AB93-A63D-89AF06BEB12B}"/>
+            </a:ext>
+          </a:extLst>
+        </p:cNvPr>
+        <p:cNvGrpSpPr/>
+        <p:nvPr/>
+      </p:nvGrpSpPr>
+      <p:grpSpPr>
+        <a:xfrm>
+          <a:off x="0" y="0"/>
+          <a:ext cx="0" cy="0"/>
+          <a:chOff x="0" y="0"/>
+          <a:chExt cx="0" cy="0"/>
+        </a:xfrm>
+      </p:grpSpPr>
+      <p:sp>
+        <p:nvSpPr>
+          <p:cNvPr id="2" name="Title 1">
+            <a:extLst>
+              <a:ext uri="{FF2B5EF4-FFF2-40B4-BE49-F238E27FC236}">
+                <a16:creationId xmlns:a16="http://schemas.microsoft.com/office/drawing/2014/main" id="{2B4DC190-6381-2EC7-85F8-2534439F4D79}"/>
+              </a:ext>
+            </a:extLst>
+          </p:cNvPr>
+          <p:cNvSpPr>
+            <a:spLocks noGrp="1"/>
+          </p:cNvSpPr>
+          <p:nvPr>
+            <p:ph type="title"/>
+          </p:nvPr>
+        </p:nvSpPr>
+        <p:spPr/>
+        <p:txBody>
+          <a:bodyPr/>
+          <a:lstStyle/>
+          <a:p>
+            <a:r>
+              <a:rPr lang="en-TR" dirty="0"/>
+              <a:t>Çözüm..</a:t>
+            </a:r>
+          </a:p>
+        </p:txBody>
+      </p:sp>
+      <p:sp>
+        <p:nvSpPr>
+          <p:cNvPr id="3" name="Content Placeholder 2">
+            <a:extLst>
+              <a:ext uri="{FF2B5EF4-FFF2-40B4-BE49-F238E27FC236}">
+                <a16:creationId xmlns:a16="http://schemas.microsoft.com/office/drawing/2014/main" id="{3AC5DF98-CA46-1110-3978-7B49D755F0E3}"/>
+              </a:ext>
+            </a:extLst>
+          </p:cNvPr>
+          <p:cNvSpPr>
+            <a:spLocks noGrp="1"/>
+          </p:cNvSpPr>
+          <p:nvPr>
+            <p:ph idx="1"/>
+          </p:nvPr>
+        </p:nvSpPr>
+        <p:spPr/>
+        <p:txBody>
+          <a:bodyPr>
+            <a:normAutofit/>
+          </a:bodyPr>
+          <a:lstStyle/>
+          <a:p>
+            <a:pPr marL="0" indent="0">
+              <a:buNone/>
+            </a:pPr>
+            <a:endParaRPr lang="en-TR" sz="5000" dirty="0"/>
+          </a:p>
+          <a:p>
+            <a:pPr marL="0" indent="0">
+              <a:buNone/>
+            </a:pPr>
+            <a:endParaRPr lang="en-TR" sz="5000" dirty="0"/>
+          </a:p>
+          <a:p>
+            <a:pPr marL="0" indent="0">
+              <a:buNone/>
+            </a:pPr>
+            <a:r>
+              <a:rPr lang="en-TR" sz="5000" dirty="0"/>
+              <a:t>Demo</a:t>
+            </a:r>
+          </a:p>
+        </p:txBody>
+      </p:sp>
+    </p:spTree>
+    <p:extLst>
+      <p:ext uri="{BB962C8B-B14F-4D97-AF65-F5344CB8AC3E}">
+        <p14:creationId xmlns:p14="http://schemas.microsoft.com/office/powerpoint/2010/main" val="1965433629"/>
+      </p:ext>
+    </p:extLst>
+  </p:cSld>
+  <p:clrMapOvr>
+    <a:masterClrMapping/>
+  </p:clrMapOvr>
+</p:sld>
+</file>
+
+<file path=ppt/slides/slide25.xml><?xml version="1.0" encoding="utf-8"?>
+<p:sld xmlns:a="http://schemas.openxmlformats.org/drawingml/2006/main" xmlns:r="http://schemas.openxmlformats.org/officeDocument/2006/relationships" xmlns:p="http://schemas.openxmlformats.org/presentationml/2006/main">
+  <p:cSld>
+    <p:spTree>
+      <p:nvGrpSpPr>
+        <p:cNvPr id="1" name="">
+          <a:extLst>
+            <a:ext uri="{FF2B5EF4-FFF2-40B4-BE49-F238E27FC236}">
+              <a16:creationId xmlns:a16="http://schemas.microsoft.com/office/drawing/2014/main" id="{7CA5E3CC-DA8B-9E2B-D70A-B938C9BDDE3B}"/>
+            </a:ext>
+          </a:extLst>
+        </p:cNvPr>
+        <p:cNvGrpSpPr/>
+        <p:nvPr/>
+      </p:nvGrpSpPr>
+      <p:grpSpPr>
+        <a:xfrm>
+          <a:off x="0" y="0"/>
+          <a:ext cx="0" cy="0"/>
+          <a:chOff x="0" y="0"/>
+          <a:chExt cx="0" cy="0"/>
+        </a:xfrm>
+      </p:grpSpPr>
+      <p:sp>
+        <p:nvSpPr>
+          <p:cNvPr id="2" name="Title 1">
+            <a:extLst>
+              <a:ext uri="{FF2B5EF4-FFF2-40B4-BE49-F238E27FC236}">
+                <a16:creationId xmlns:a16="http://schemas.microsoft.com/office/drawing/2014/main" id="{46542E33-6035-6E90-C2AD-272FEC6C54E2}"/>
+              </a:ext>
+            </a:extLst>
+          </p:cNvPr>
+          <p:cNvSpPr>
+            <a:spLocks noGrp="1"/>
+          </p:cNvSpPr>
+          <p:nvPr>
+            <p:ph type="title"/>
+          </p:nvPr>
+        </p:nvSpPr>
+        <p:spPr/>
+        <p:txBody>
+          <a:bodyPr/>
+          <a:lstStyle/>
+          <a:p>
+            <a:r>
+              <a:rPr lang="en-TR" b="1" dirty="0"/>
+              <a:t>Decorator Pattern ile</a:t>
+            </a:r>
+          </a:p>
+        </p:txBody>
+      </p:sp>
+      <p:sp>
+        <p:nvSpPr>
+          <p:cNvPr id="3" name="Content Placeholder 2">
+            <a:extLst>
+              <a:ext uri="{FF2B5EF4-FFF2-40B4-BE49-F238E27FC236}">
+                <a16:creationId xmlns:a16="http://schemas.microsoft.com/office/drawing/2014/main" id="{FB9899F9-DC28-23FA-395F-F668F8865D4D}"/>
+              </a:ext>
+            </a:extLst>
+          </p:cNvPr>
+          <p:cNvSpPr>
+            <a:spLocks noGrp="1"/>
+          </p:cNvSpPr>
+          <p:nvPr>
+            <p:ph idx="1"/>
+          </p:nvPr>
+        </p:nvSpPr>
+        <p:spPr>
+          <a:xfrm>
+            <a:off x="838200" y="1478784"/>
+            <a:ext cx="10515600" cy="1777111"/>
+          </a:xfrm>
+        </p:spPr>
+        <p:txBody>
+          <a:bodyPr>
+            <a:normAutofit fontScale="92500" lnSpcReduction="20000"/>
+          </a:bodyPr>
+          <a:lstStyle/>
+          <a:p>
+            <a:r>
+              <a:rPr lang="en-TR" dirty="0"/>
+              <a:t>Kalıtım yerine Kompozisyon kullanarak, yazılıma esnekliği katmış olursunuz. </a:t>
+            </a:r>
+          </a:p>
+          <a:p>
+            <a:r>
+              <a:rPr lang="en-TR" dirty="0"/>
+              <a:t>Yeni bir özellik eklemek OCP ihlal etmeden, diğer nesneleri etkilemeden nesnelere dinamik bir yapı sağlanmaktadır.</a:t>
+            </a:r>
+          </a:p>
+          <a:p>
+            <a:r>
+              <a:rPr lang="en-TR" dirty="0"/>
+              <a:t>Nesneleri çalışma zamanında sadece değişiklikten etkilenecek şekilde tasarlamış olursunuz.</a:t>
+            </a:r>
+          </a:p>
+          <a:p>
+            <a:pPr marL="0" indent="0">
+              <a:buNone/>
+            </a:pPr>
+            <a:endParaRPr lang="en-TR" dirty="0"/>
+          </a:p>
+          <a:p>
+            <a:pPr marL="0" indent="0">
+              <a:buNone/>
+            </a:pPr>
+            <a:endParaRPr lang="en-TR" dirty="0"/>
+          </a:p>
+          <a:p>
+            <a:pPr marL="0" indent="0">
+              <a:buNone/>
+            </a:pPr>
+            <a:endParaRPr lang="en-TR" dirty="0"/>
+          </a:p>
+          <a:p>
+            <a:pPr marL="0" indent="0">
+              <a:buNone/>
+            </a:pPr>
+            <a:endParaRPr lang="en-TR" dirty="0"/>
+          </a:p>
+          <a:p>
+            <a:pPr marL="0" indent="0">
+              <a:buNone/>
+            </a:pPr>
+            <a:endParaRPr lang="en-TR" dirty="0"/>
+          </a:p>
+          <a:p>
+            <a:endParaRPr lang="en-TR" dirty="0"/>
+          </a:p>
+        </p:txBody>
+      </p:sp>
+      <p:sp>
+        <p:nvSpPr>
+          <p:cNvPr id="4" name="Content Placeholder 2">
+            <a:extLst>
+              <a:ext uri="{FF2B5EF4-FFF2-40B4-BE49-F238E27FC236}">
+                <a16:creationId xmlns:a16="http://schemas.microsoft.com/office/drawing/2014/main" id="{EB620FEE-FBC9-8B82-2EB7-8F49D19B1D68}"/>
+              </a:ext>
+            </a:extLst>
+          </p:cNvPr>
+          <p:cNvSpPr txBox="1">
+            <a:spLocks/>
+          </p:cNvSpPr>
+          <p:nvPr/>
+        </p:nvSpPr>
+        <p:spPr>
+          <a:xfrm>
+            <a:off x="838200" y="3895721"/>
+            <a:ext cx="10515600" cy="1290254"/>
+          </a:xfrm>
+          <a:prstGeom prst="rect">
+            <a:avLst/>
+          </a:prstGeom>
+        </p:spPr>
+        <p:txBody>
+          <a:bodyPr vert="horz" lIns="91440" tIns="45720" rIns="91440" bIns="45720" rtlCol="0">
+            <a:normAutofit fontScale="32500" lnSpcReduction="20000"/>
+          </a:bodyPr>
+          <a:lstStyle>
+            <a:lvl1pPr marL="228600" indent="-228600" algn="l" defTabSz="914400" rtl="0" eaLnBrk="1" latinLnBrk="0" hangingPunct="1">
+              <a:lnSpc>
+                <a:spcPct val="90000"/>
+              </a:lnSpc>
+              <a:spcBef>
+                <a:spcPts val="1000"/>
+              </a:spcBef>
+              <a:buFont typeface="Arial" panose="020B0604020202020204" pitchFamily="34" charset="0"/>
+              <a:buChar char="•"/>
+              <a:defRPr sz="2800" kern="1200">
+                <a:solidFill>
+                  <a:schemeClr val="tx1"/>
+                </a:solidFill>
+                <a:latin typeface="+mn-lt"/>
+                <a:ea typeface="+mn-ea"/>
+                <a:cs typeface="+mn-cs"/>
+              </a:defRPr>
+            </a:lvl1pPr>
+            <a:lvl2pPr marL="685800" indent="-228600" algn="l" defTabSz="914400" rtl="0" eaLnBrk="1" latinLnBrk="0" hangingPunct="1">
+              <a:lnSpc>
+                <a:spcPct val="90000"/>
+              </a:lnSpc>
+              <a:spcBef>
+                <a:spcPts val="500"/>
+              </a:spcBef>
+              <a:buFont typeface="Arial" panose="020B0604020202020204" pitchFamily="34" charset="0"/>
+              <a:buChar char="•"/>
+              <a:defRPr sz="2400" kern="1200">
+                <a:solidFill>
+                  <a:schemeClr val="tx1"/>
+                </a:solidFill>
+                <a:latin typeface="+mn-lt"/>
+                <a:ea typeface="+mn-ea"/>
+                <a:cs typeface="+mn-cs"/>
+              </a:defRPr>
+            </a:lvl2pPr>
+            <a:lvl3pPr marL="1143000" indent="-228600" algn="l" defTabSz="914400" rtl="0" eaLnBrk="1" latinLnBrk="0" hangingPunct="1">
+              <a:lnSpc>
+                <a:spcPct val="90000"/>
+              </a:lnSpc>
+              <a:spcBef>
+                <a:spcPts val="500"/>
+              </a:spcBef>
+              <a:buFont typeface="Arial" panose="020B0604020202020204" pitchFamily="34" charset="0"/>
+              <a:buChar char="•"/>
+              <a:defRPr sz="2000" kern="1200">
+                <a:solidFill>
+                  <a:schemeClr val="tx1"/>
+                </a:solidFill>
+                <a:latin typeface="+mn-lt"/>
+                <a:ea typeface="+mn-ea"/>
+                <a:cs typeface="+mn-cs"/>
+              </a:defRPr>
+            </a:lvl3pPr>
+            <a:lvl4pPr marL="1600200" indent="-228600" algn="l" defTabSz="914400" rtl="0" eaLnBrk="1" latinLnBrk="0" hangingPunct="1">
+              <a:lnSpc>
+                <a:spcPct val="90000"/>
+              </a:lnSpc>
+              <a:spcBef>
+                <a:spcPts val="500"/>
+              </a:spcBef>
+              <a:buFont typeface="Arial" panose="020B0604020202020204" pitchFamily="34" charset="0"/>
+              <a:buChar char="•"/>
+              <a:defRPr sz="1800" kern="1200">
+                <a:solidFill>
+                  <a:schemeClr val="tx1"/>
+                </a:solidFill>
+                <a:latin typeface="+mn-lt"/>
+                <a:ea typeface="+mn-ea"/>
+                <a:cs typeface="+mn-cs"/>
+              </a:defRPr>
+            </a:lvl4pPr>
+            <a:lvl5pPr marL="2057400" indent="-228600" algn="l" defTabSz="914400" rtl="0" eaLnBrk="1" latinLnBrk="0" hangingPunct="1">
+              <a:lnSpc>
+                <a:spcPct val="90000"/>
+              </a:lnSpc>
+              <a:spcBef>
+                <a:spcPts val="500"/>
+              </a:spcBef>
+              <a:buFont typeface="Arial" panose="020B0604020202020204" pitchFamily="34" charset="0"/>
+              <a:buChar char="•"/>
+              <a:defRPr sz="1800" kern="1200">
+                <a:solidFill>
+                  <a:schemeClr val="tx1"/>
+                </a:solidFill>
+                <a:latin typeface="+mn-lt"/>
+                <a:ea typeface="+mn-ea"/>
+                <a:cs typeface="+mn-cs"/>
+              </a:defRPr>
+            </a:lvl5pPr>
+            <a:lvl6pPr marL="2514600" indent="-228600" algn="l" defTabSz="914400" rtl="0" eaLnBrk="1" latinLnBrk="0" hangingPunct="1">
+              <a:lnSpc>
+                <a:spcPct val="90000"/>
+              </a:lnSpc>
+              <a:spcBef>
+                <a:spcPts val="500"/>
+              </a:spcBef>
+              <a:buFont typeface="Arial" panose="020B0604020202020204" pitchFamily="34" charset="0"/>
+              <a:buChar char="•"/>
+              <a:defRPr sz="1800" kern="1200">
+                <a:solidFill>
+                  <a:schemeClr val="tx1"/>
+                </a:solidFill>
+                <a:latin typeface="+mn-lt"/>
+                <a:ea typeface="+mn-ea"/>
+                <a:cs typeface="+mn-cs"/>
+              </a:defRPr>
+            </a:lvl6pPr>
+            <a:lvl7pPr marL="2971800" indent="-228600" algn="l" defTabSz="914400" rtl="0" eaLnBrk="1" latinLnBrk="0" hangingPunct="1">
+              <a:lnSpc>
+                <a:spcPct val="90000"/>
+              </a:lnSpc>
+              <a:spcBef>
+                <a:spcPts val="500"/>
+              </a:spcBef>
+              <a:buFont typeface="Arial" panose="020B0604020202020204" pitchFamily="34" charset="0"/>
+              <a:buChar char="•"/>
+              <a:defRPr sz="1800" kern="1200">
+                <a:solidFill>
+                  <a:schemeClr val="tx1"/>
+                </a:solidFill>
+                <a:latin typeface="+mn-lt"/>
+                <a:ea typeface="+mn-ea"/>
+                <a:cs typeface="+mn-cs"/>
+              </a:defRPr>
+            </a:lvl7pPr>
+            <a:lvl8pPr marL="3429000" indent="-228600" algn="l" defTabSz="914400" rtl="0" eaLnBrk="1" latinLnBrk="0" hangingPunct="1">
+              <a:lnSpc>
+                <a:spcPct val="90000"/>
+              </a:lnSpc>
+              <a:spcBef>
+                <a:spcPts val="500"/>
+              </a:spcBef>
+              <a:buFont typeface="Arial" panose="020B0604020202020204" pitchFamily="34" charset="0"/>
+              <a:buChar char="•"/>
+              <a:defRPr sz="1800" kern="1200">
+                <a:solidFill>
+                  <a:schemeClr val="tx1"/>
+                </a:solidFill>
+                <a:latin typeface="+mn-lt"/>
+                <a:ea typeface="+mn-ea"/>
+                <a:cs typeface="+mn-cs"/>
+              </a:defRPr>
+            </a:lvl8pPr>
+            <a:lvl9pPr marL="3886200" indent="-228600" algn="l" defTabSz="914400" rtl="0" eaLnBrk="1" latinLnBrk="0" hangingPunct="1">
+              <a:lnSpc>
+                <a:spcPct val="90000"/>
+              </a:lnSpc>
+              <a:spcBef>
+                <a:spcPts val="500"/>
+              </a:spcBef>
+              <a:buFont typeface="Arial" panose="020B0604020202020204" pitchFamily="34" charset="0"/>
+              <a:buChar char="•"/>
+              <a:defRPr sz="1800" kern="1200">
+                <a:solidFill>
+                  <a:schemeClr val="tx1"/>
+                </a:solidFill>
+                <a:latin typeface="+mn-lt"/>
+                <a:ea typeface="+mn-ea"/>
+                <a:cs typeface="+mn-cs"/>
+              </a:defRPr>
+            </a:lvl9pPr>
+          </a:lstStyle>
+          <a:p>
+            <a:pPr marL="0" indent="0" algn="l">
+              <a:buNone/>
+            </a:pPr>
+            <a:r>
+              <a:rPr lang="en-US" sz="5100" dirty="0" err="1"/>
+              <a:t>Nerede</a:t>
+            </a:r>
+            <a:r>
+              <a:rPr lang="en-US" sz="5100" dirty="0"/>
+              <a:t> </a:t>
+            </a:r>
+            <a:r>
+              <a:rPr lang="en-US" sz="5100" dirty="0" err="1"/>
+              <a:t>Kullanılıyor</a:t>
+            </a:r>
+            <a:r>
+              <a:rPr lang="en-US" sz="5100" dirty="0"/>
+              <a:t>?</a:t>
+            </a:r>
+          </a:p>
+          <a:p>
+            <a:pPr algn="l">
+              <a:buFont typeface="Arial" panose="020B0604020202020204" pitchFamily="34" charset="0"/>
+              <a:buChar char="•"/>
+            </a:pPr>
+            <a:r>
+              <a:rPr lang="en-US" sz="5100" dirty="0" err="1"/>
+              <a:t>Java.io</a:t>
+            </a:r>
+            <a:r>
+              <a:rPr lang="en-US" sz="5100" dirty="0"/>
+              <a:t> </a:t>
+            </a:r>
+            <a:r>
+              <a:rPr lang="en-US" sz="5100" dirty="0" err="1"/>
+              <a:t>içerisindeki</a:t>
+            </a:r>
+            <a:r>
+              <a:rPr lang="en-US" sz="5100" dirty="0"/>
+              <a:t> </a:t>
+            </a:r>
+            <a:r>
+              <a:rPr lang="en-US" sz="5100" dirty="0" err="1"/>
+              <a:t>InputStream</a:t>
+            </a:r>
+            <a:r>
+              <a:rPr lang="en-US" sz="5100" dirty="0"/>
+              <a:t> </a:t>
+            </a:r>
+            <a:r>
+              <a:rPr lang="en-US" sz="5100" dirty="0" err="1"/>
+              <a:t>sınıfı</a:t>
+            </a:r>
+            <a:endParaRPr lang="en-US" sz="5100" dirty="0"/>
+          </a:p>
+          <a:p>
+            <a:pPr algn="l">
+              <a:buFont typeface="Arial" panose="020B0604020202020204" pitchFamily="34" charset="0"/>
+              <a:buChar char="•"/>
+            </a:pPr>
+            <a:r>
+              <a:rPr lang="en-US" sz="5100" b="1" dirty="0">
+                <a:hlinkClick r:id="rId2">
+                  <a:extLst>
+                    <a:ext uri="{A12FA001-AC4F-418D-AE19-62706E023703}">
+                      <ahyp:hlinkClr xmlns:ahyp="http://schemas.microsoft.com/office/drawing/2018/hyperlinkcolor" val="tx"/>
+                    </a:ext>
+                  </a:extLst>
+                </a:hlinkClick>
+              </a:rPr>
+              <a:t>java.util.Collections</a:t>
+            </a:r>
+            <a:r>
+              <a:rPr lang="en-US" sz="5100" b="1" dirty="0"/>
+              <a:t>, ‘</a:t>
+            </a:r>
+            <a:r>
+              <a:rPr lang="en-US" sz="5100" b="1" dirty="0" err="1"/>
+              <a:t>daki</a:t>
+            </a:r>
+            <a:r>
+              <a:rPr lang="en-US" sz="5100" b="1" dirty="0"/>
+              <a:t> -&gt; </a:t>
+            </a:r>
+            <a:r>
+              <a:rPr lang="en-US" sz="5100" dirty="0"/>
+              <a:t> </a:t>
+            </a:r>
+            <a:r>
+              <a:rPr lang="en-US" sz="5100" b="1" dirty="0">
+                <a:hlinkClick r:id="rId3">
+                  <a:extLst>
+                    <a:ext uri="{A12FA001-AC4F-418D-AE19-62706E023703}">
+                      <ahyp:hlinkClr xmlns:ahyp="http://schemas.microsoft.com/office/drawing/2018/hyperlinkcolor" val="tx"/>
+                    </a:ext>
+                  </a:extLst>
+                </a:hlinkClick>
+              </a:rPr>
+              <a:t>checkedXXX</a:t>
+            </a:r>
+            <a:r>
+              <a:rPr lang="en-US" sz="5100" dirty="0">
+                <a:hlinkClick r:id="rId3">
+                  <a:extLst>
+                    <a:ext uri="{A12FA001-AC4F-418D-AE19-62706E023703}">
+                      <ahyp:hlinkClr xmlns:ahyp="http://schemas.microsoft.com/office/drawing/2018/hyperlinkcolor" val="tx"/>
+                    </a:ext>
+                  </a:extLst>
+                </a:hlinkClick>
+              </a:rPr>
+              <a:t>()</a:t>
+            </a:r>
+            <a:r>
+              <a:rPr lang="en-US" sz="5100" dirty="0"/>
+              <a:t>, </a:t>
+            </a:r>
+            <a:r>
+              <a:rPr lang="en-US" sz="5100" b="1" dirty="0">
+                <a:hlinkClick r:id="rId4">
+                  <a:extLst>
+                    <a:ext uri="{A12FA001-AC4F-418D-AE19-62706E023703}">
+                      <ahyp:hlinkClr xmlns:ahyp="http://schemas.microsoft.com/office/drawing/2018/hyperlinkcolor" val="tx"/>
+                    </a:ext>
+                  </a:extLst>
+                </a:hlinkClick>
+              </a:rPr>
+              <a:t>synchronizedXXX</a:t>
+            </a:r>
+            <a:r>
+              <a:rPr lang="en-US" sz="5100" dirty="0">
+                <a:hlinkClick r:id="rId4">
+                  <a:extLst>
+                    <a:ext uri="{A12FA001-AC4F-418D-AE19-62706E023703}">
+                      <ahyp:hlinkClr xmlns:ahyp="http://schemas.microsoft.com/office/drawing/2018/hyperlinkcolor" val="tx"/>
+                    </a:ext>
+                  </a:extLst>
+                </a:hlinkClick>
+              </a:rPr>
+              <a:t>()</a:t>
+            </a:r>
+            <a:r>
+              <a:rPr lang="en-US" sz="5100" dirty="0"/>
+              <a:t> and </a:t>
+            </a:r>
+            <a:r>
+              <a:rPr lang="en-US" sz="5100" b="1" dirty="0">
+                <a:hlinkClick r:id="rId5">
+                  <a:extLst>
+                    <a:ext uri="{A12FA001-AC4F-418D-AE19-62706E023703}">
+                      <ahyp:hlinkClr xmlns:ahyp="http://schemas.microsoft.com/office/drawing/2018/hyperlinkcolor" val="tx"/>
+                    </a:ext>
+                  </a:extLst>
+                </a:hlinkClick>
+              </a:rPr>
+              <a:t>unmodifiableXXX</a:t>
+            </a:r>
+            <a:r>
+              <a:rPr lang="en-US" sz="5100" dirty="0">
+                <a:hlinkClick r:id="rId5">
+                  <a:extLst>
+                    <a:ext uri="{A12FA001-AC4F-418D-AE19-62706E023703}">
+                      <ahyp:hlinkClr xmlns:ahyp="http://schemas.microsoft.com/office/drawing/2018/hyperlinkcolor" val="tx"/>
+                    </a:ext>
+                  </a:extLst>
+                </a:hlinkClick>
+              </a:rPr>
+              <a:t>()</a:t>
+            </a:r>
+            <a:r>
+              <a:rPr lang="en-US" sz="5100" dirty="0"/>
+              <a:t>.</a:t>
+            </a:r>
+          </a:p>
+          <a:p>
+            <a:pPr algn="l">
+              <a:buFont typeface="Arial" panose="020B0604020202020204" pitchFamily="34" charset="0"/>
+              <a:buChar char="•"/>
+            </a:pPr>
+            <a:r>
+              <a:rPr lang="en-US" sz="5100" b="1" dirty="0">
+                <a:hlinkClick r:id="rId6">
+                  <a:extLst>
+                    <a:ext uri="{A12FA001-AC4F-418D-AE19-62706E023703}">
+                      <ahyp:hlinkClr xmlns:ahyp="http://schemas.microsoft.com/office/drawing/2018/hyperlinkcolor" val="tx"/>
+                    </a:ext>
+                  </a:extLst>
+                </a:hlinkClick>
+              </a:rPr>
+              <a:t>javax.servlet.http.HttpServletRequestWrapper</a:t>
+            </a:r>
+            <a:r>
+              <a:rPr lang="en-US" sz="5100" b="1" dirty="0"/>
+              <a:t> </a:t>
+            </a:r>
+            <a:r>
+              <a:rPr lang="en-US" sz="5100" dirty="0"/>
+              <a:t>and </a:t>
+            </a:r>
+            <a:r>
+              <a:rPr lang="en-US" sz="5100" b="1" dirty="0">
+                <a:hlinkClick r:id="rId7">
+                  <a:extLst>
+                    <a:ext uri="{A12FA001-AC4F-418D-AE19-62706E023703}">
+                      <ahyp:hlinkClr xmlns:ahyp="http://schemas.microsoft.com/office/drawing/2018/hyperlinkcolor" val="tx"/>
+                    </a:ext>
+                  </a:extLst>
+                </a:hlinkClick>
+              </a:rPr>
+              <a:t>HttpServletResponseWrapper</a:t>
+            </a:r>
+            <a:endParaRPr lang="en-US" sz="5100" b="1" dirty="0"/>
+          </a:p>
+          <a:p>
+            <a:endParaRPr lang="en-TR" dirty="0"/>
+          </a:p>
+        </p:txBody>
+      </p:sp>
+      <p:pic>
+        <p:nvPicPr>
+          <p:cNvPr id="6" name="Picture 5">
+            <a:extLst>
+              <a:ext uri="{FF2B5EF4-FFF2-40B4-BE49-F238E27FC236}">
+                <a16:creationId xmlns:a16="http://schemas.microsoft.com/office/drawing/2014/main" id="{DD97525C-2E70-78EC-9BE4-D660AD364708}"/>
+              </a:ext>
+            </a:extLst>
+          </p:cNvPr>
+          <p:cNvPicPr>
+            <a:picLocks noChangeAspect="1"/>
+          </p:cNvPicPr>
+          <p:nvPr/>
+        </p:nvPicPr>
+        <p:blipFill>
+          <a:blip r:embed="rId8"/>
+          <a:stretch>
+            <a:fillRect/>
+          </a:stretch>
+        </p:blipFill>
+        <p:spPr>
+          <a:xfrm>
+            <a:off x="4000500" y="5185975"/>
+            <a:ext cx="4191000" cy="1625600"/>
+          </a:xfrm>
+          <a:prstGeom prst="rect">
+            <a:avLst/>
+          </a:prstGeom>
+        </p:spPr>
+      </p:pic>
+    </p:spTree>
+    <p:extLst>
+      <p:ext uri="{BB962C8B-B14F-4D97-AF65-F5344CB8AC3E}">
+        <p14:creationId xmlns:p14="http://schemas.microsoft.com/office/powerpoint/2010/main" val="1014722584"/>
+      </p:ext>
+    </p:extLst>
+  </p:cSld>
+  <p:clrMapOvr>
+    <a:masterClrMapping/>
+  </p:clrMapOvr>
+</p:sld>
+</file>
+
+<file path=ppt/slides/slide26.xml><?xml version="1.0" encoding="utf-8"?>
+<p:sld xmlns:a="http://schemas.openxmlformats.org/drawingml/2006/main" xmlns:r="http://schemas.openxmlformats.org/officeDocument/2006/relationships" xmlns:p="http://schemas.openxmlformats.org/presentationml/2006/main">
+  <p:cSld>
+    <p:spTree>
+      <p:nvGrpSpPr>
         <p:cNvPr id="1" name=""/>
         <p:cNvGrpSpPr/>
         <p:nvPr/>
@@ -7280,7 +9122,7 @@
         <p:cNvPr id="1" name="">
           <a:extLst>
             <a:ext uri="{FF2B5EF4-FFF2-40B4-BE49-F238E27FC236}">
-              <a16:creationId xmlns:a16="http://schemas.microsoft.com/office/drawing/2014/main" id="{5447D95E-7C78-D254-5333-E2DFFE65EFBA}"/>
+              <a16:creationId xmlns:a16="http://schemas.microsoft.com/office/drawing/2014/main" id="{8CDF887E-C996-20BE-0F88-B12E0940B32C}"/>
             </a:ext>
           </a:extLst>
         </p:cNvPr>
@@ -7300,43 +9142,61 @@
           <p:cNvPr id="2" name="Title 1">
             <a:extLst>
               <a:ext uri="{FF2B5EF4-FFF2-40B4-BE49-F238E27FC236}">
-                <a16:creationId xmlns:a16="http://schemas.microsoft.com/office/drawing/2014/main" id="{CCCABEDC-D51E-2064-590C-2D05785471F1}"/>
-              </a:ext>
-            </a:extLst>
-          </p:cNvPr>
-          <p:cNvSpPr>
-            <a:spLocks noGrp="1"/>
-          </p:cNvSpPr>
-          <p:nvPr>
-            <p:ph type="title"/>
-          </p:nvPr>
-        </p:nvSpPr>
-        <p:spPr/>
-        <p:txBody>
-          <a:bodyPr/>
+                <a16:creationId xmlns:a16="http://schemas.microsoft.com/office/drawing/2014/main" id="{2EA10908-0949-3712-36E0-DCE73674DA60}"/>
+              </a:ext>
+            </a:extLst>
+          </p:cNvPr>
+          <p:cNvSpPr>
+            <a:spLocks noGrp="1"/>
+          </p:cNvSpPr>
+          <p:nvPr>
+            <p:ph type="ctrTitle"/>
+          </p:nvPr>
+        </p:nvSpPr>
+        <p:spPr>
+          <a:xfrm>
+            <a:off x="1524000" y="1122363"/>
+            <a:ext cx="9144000" cy="2133599"/>
+          </a:xfrm>
+        </p:spPr>
+        <p:txBody>
+          <a:bodyPr>
+            <a:normAutofit fontScale="90000"/>
+          </a:bodyPr>
           <a:lstStyle/>
           <a:p>
             <a:r>
               <a:rPr lang="en-TR" b="1" dirty="0"/>
-              <a:t>Behoviral - Davranışsal</a:t>
-            </a:r>
-          </a:p>
-        </p:txBody>
-      </p:sp>
-      <p:sp>
-        <p:nvSpPr>
-          <p:cNvPr id="3" name="Content Placeholder 2">
-            <a:extLst>
-              <a:ext uri="{FF2B5EF4-FFF2-40B4-BE49-F238E27FC236}">
-                <a16:creationId xmlns:a16="http://schemas.microsoft.com/office/drawing/2014/main" id="{46F91C17-C9F8-50A4-86E5-ABB2BB5B08A9}"/>
-              </a:ext>
-            </a:extLst>
-          </p:cNvPr>
-          <p:cNvSpPr>
-            <a:spLocks noGrp="1"/>
-          </p:cNvSpPr>
-          <p:nvPr>
-            <p:ph idx="1"/>
+              <a:t>Design Pattern Series</a:t>
+            </a:r>
+            <a:br>
+              <a:rPr lang="en-TR" b="1" dirty="0"/>
+            </a:br>
+            <a:r>
+              <a:rPr lang="en-TR" sz="4200" b="1" dirty="0"/>
+              <a:t>Strategy Pattern</a:t>
+            </a:r>
+            <a:br>
+              <a:rPr lang="en-TR" b="1" dirty="0"/>
+            </a:br>
+            <a:endParaRPr lang="en-TR" b="1" dirty="0"/>
+          </a:p>
+        </p:txBody>
+      </p:sp>
+      <p:sp>
+        <p:nvSpPr>
+          <p:cNvPr id="3" name="Subtitle 2">
+            <a:extLst>
+              <a:ext uri="{FF2B5EF4-FFF2-40B4-BE49-F238E27FC236}">
+                <a16:creationId xmlns:a16="http://schemas.microsoft.com/office/drawing/2014/main" id="{F4352D19-79AA-171B-3EF7-7692DF695ADD}"/>
+              </a:ext>
+            </a:extLst>
+          </p:cNvPr>
+          <p:cNvSpPr>
+            <a:spLocks noGrp="1"/>
+          </p:cNvSpPr>
+          <p:nvPr>
+            <p:ph type="subTitle" idx="1"/>
           </p:nvPr>
         </p:nvSpPr>
         <p:spPr/>
@@ -7348,63 +9208,66 @@
           <a:p>
             <a:r>
               <a:rPr lang="en-TR" b="1" dirty="0"/>
-              <a:t>Strategy</a:t>
-            </a:r>
-          </a:p>
-          <a:p>
-            <a:r>
-              <a:rPr lang="en-TR" dirty="0"/>
-              <a:t>Command</a:t>
-            </a:r>
-          </a:p>
-          <a:p>
-            <a:r>
-              <a:rPr lang="en-TR" dirty="0"/>
-              <a:t>Template Method</a:t>
-            </a:r>
-          </a:p>
-          <a:p>
-            <a:r>
-              <a:rPr lang="en-TR" dirty="0"/>
-              <a:t>Observer</a:t>
-            </a:r>
-          </a:p>
-          <a:p>
-            <a:r>
-              <a:rPr lang="en-TR" dirty="0"/>
-              <a:t>Memento</a:t>
-            </a:r>
-          </a:p>
-          <a:p>
-            <a:r>
-              <a:rPr lang="en-TR" dirty="0"/>
-              <a:t>Mediator</a:t>
-            </a:r>
-          </a:p>
-          <a:p>
-            <a:r>
-              <a:rPr lang="en-TR" dirty="0"/>
-              <a:t>Chain Of Responsibility</a:t>
-            </a:r>
-          </a:p>
-          <a:p>
-            <a:r>
-              <a:rPr lang="en-TR" dirty="0"/>
-              <a:t>Visitor</a:t>
-            </a:r>
-          </a:p>
-          <a:p>
-            <a:r>
-              <a:rPr lang="en-TR" dirty="0"/>
-              <a:t>State</a:t>
-            </a:r>
-          </a:p>
-        </p:txBody>
-      </p:sp>
+              <a:t>Behoviral (Davranışsal)</a:t>
+            </a:r>
+          </a:p>
+          <a:p>
+            <a:endParaRPr lang="en-TR" dirty="0"/>
+          </a:p>
+          <a:p>
+            <a:endParaRPr lang="en-TR" b="1" dirty="0"/>
+          </a:p>
+          <a:p>
+            <a:r>
+              <a:rPr lang="en-TR" b="1" dirty="0"/>
+              <a:t>Someone has already solved your problems.</a:t>
+            </a:r>
+          </a:p>
+          <a:p>
+            <a:endParaRPr lang="en-TR" dirty="0"/>
+          </a:p>
+        </p:txBody>
+      </p:sp>
+      <p:cxnSp>
+        <p:nvCxnSpPr>
+          <p:cNvPr id="5" name="Straight Connector 4">
+            <a:extLst>
+              <a:ext uri="{FF2B5EF4-FFF2-40B4-BE49-F238E27FC236}">
+                <a16:creationId xmlns:a16="http://schemas.microsoft.com/office/drawing/2014/main" id="{03CC6E5E-7008-E81A-27DA-64F1ADE0B4BA}"/>
+              </a:ext>
+            </a:extLst>
+          </p:cNvPr>
+          <p:cNvCxnSpPr/>
+          <p:nvPr/>
+        </p:nvCxnSpPr>
+        <p:spPr>
+          <a:xfrm>
+            <a:off x="1701800" y="4419600"/>
+            <a:ext cx="8695267" cy="0"/>
+          </a:xfrm>
+          <a:prstGeom prst="line">
+            <a:avLst/>
+          </a:prstGeom>
+        </p:spPr>
+        <p:style>
+          <a:lnRef idx="1">
+            <a:schemeClr val="accent1"/>
+          </a:lnRef>
+          <a:fillRef idx="0">
+            <a:schemeClr val="accent1"/>
+          </a:fillRef>
+          <a:effectRef idx="0">
+            <a:schemeClr val="accent1"/>
+          </a:effectRef>
+          <a:fontRef idx="minor">
+            <a:schemeClr val="tx1"/>
+          </a:fontRef>
+        </p:style>
+      </p:cxnSp>
     </p:spTree>
     <p:extLst>
       <p:ext uri="{BB962C8B-B14F-4D97-AF65-F5344CB8AC3E}">
-        <p14:creationId xmlns:p14="http://schemas.microsoft.com/office/powerpoint/2010/main" val="160121368"/>
+        <p14:creationId xmlns:p14="http://schemas.microsoft.com/office/powerpoint/2010/main" val="1825336620"/>
       </p:ext>
     </p:extLst>
   </p:cSld>

--- a/Tasarımdesenleri.pptx
+++ b/Tasarımdesenleri.pptx
@@ -5,7 +5,7 @@
     <p:sldMasterId id="2147483648" r:id="rId1"/>
   </p:sldMasterIdLst>
   <p:notesMasterIdLst>
-    <p:notesMasterId r:id="rId55"/>
+    <p:notesMasterId r:id="rId77"/>
   </p:notesMasterIdLst>
   <p:sldIdLst>
     <p:sldId id="256" r:id="rId2"/>
@@ -45,22 +45,44 @@
     <p:sldId id="262" r:id="rId36"/>
     <p:sldId id="264" r:id="rId37"/>
     <p:sldId id="265" r:id="rId38"/>
-    <p:sldId id="279" r:id="rId39"/>
-    <p:sldId id="273" r:id="rId40"/>
-    <p:sldId id="270" r:id="rId41"/>
-    <p:sldId id="272" r:id="rId42"/>
-    <p:sldId id="276" r:id="rId43"/>
-    <p:sldId id="274" r:id="rId44"/>
-    <p:sldId id="275" r:id="rId45"/>
-    <p:sldId id="259" r:id="rId46"/>
-    <p:sldId id="280" r:id="rId47"/>
-    <p:sldId id="282" r:id="rId48"/>
-    <p:sldId id="281" r:id="rId49"/>
-    <p:sldId id="284" r:id="rId50"/>
-    <p:sldId id="283" r:id="rId51"/>
-    <p:sldId id="285" r:id="rId52"/>
-    <p:sldId id="286" r:id="rId53"/>
-    <p:sldId id="258" r:id="rId54"/>
+    <p:sldId id="318" r:id="rId39"/>
+    <p:sldId id="319" r:id="rId40"/>
+    <p:sldId id="320" r:id="rId41"/>
+    <p:sldId id="321" r:id="rId42"/>
+    <p:sldId id="322" r:id="rId43"/>
+    <p:sldId id="323" r:id="rId44"/>
+    <p:sldId id="324" r:id="rId45"/>
+    <p:sldId id="279" r:id="rId46"/>
+    <p:sldId id="273" r:id="rId47"/>
+    <p:sldId id="270" r:id="rId48"/>
+    <p:sldId id="272" r:id="rId49"/>
+    <p:sldId id="276" r:id="rId50"/>
+    <p:sldId id="274" r:id="rId51"/>
+    <p:sldId id="275" r:id="rId52"/>
+    <p:sldId id="259" r:id="rId53"/>
+    <p:sldId id="280" r:id="rId54"/>
+    <p:sldId id="282" r:id="rId55"/>
+    <p:sldId id="281" r:id="rId56"/>
+    <p:sldId id="284" r:id="rId57"/>
+    <p:sldId id="283" r:id="rId58"/>
+    <p:sldId id="285" r:id="rId59"/>
+    <p:sldId id="286" r:id="rId60"/>
+    <p:sldId id="258" r:id="rId61"/>
+    <p:sldId id="325" r:id="rId62"/>
+    <p:sldId id="326" r:id="rId63"/>
+    <p:sldId id="327" r:id="rId64"/>
+    <p:sldId id="328" r:id="rId65"/>
+    <p:sldId id="329" r:id="rId66"/>
+    <p:sldId id="330" r:id="rId67"/>
+    <p:sldId id="331" r:id="rId68"/>
+    <p:sldId id="333" r:id="rId69"/>
+    <p:sldId id="334" r:id="rId70"/>
+    <p:sldId id="335" r:id="rId71"/>
+    <p:sldId id="336" r:id="rId72"/>
+    <p:sldId id="337" r:id="rId73"/>
+    <p:sldId id="338" r:id="rId74"/>
+    <p:sldId id="339" r:id="rId75"/>
+    <p:sldId id="340" r:id="rId76"/>
   </p:sldIdLst>
   <p:sldSz cx="12192000" cy="6858000"/>
   <p:notesSz cx="6858000" cy="9144000"/>
@@ -249,7 +271,7 @@
           <a:p>
             <a:fld id="{ECB6E89D-D69C-9E41-876A-F25A81E534D5}" type="datetimeFigureOut">
               <a:rPr lang="en-TR" smtClean="0"/>
-              <a:t>25.02.2024</a:t>
+              <a:t>6.03.2024</a:t>
             </a:fld>
             <a:endParaRPr lang="en-TR"/>
           </a:p>
@@ -1140,7 +1162,7 @@
           <a:p>
             <a:fld id="{8EB7B78A-CD2F-054B-9591-8F4C28D48A16}" type="datetimeFigureOut">
               <a:rPr lang="en-TR" smtClean="0"/>
-              <a:t>25.02.2024</a:t>
+              <a:t>6.03.2024</a:t>
             </a:fld>
             <a:endParaRPr lang="en-TR"/>
           </a:p>
@@ -1340,7 +1362,7 @@
           <a:p>
             <a:fld id="{8EB7B78A-CD2F-054B-9591-8F4C28D48A16}" type="datetimeFigureOut">
               <a:rPr lang="en-TR" smtClean="0"/>
-              <a:t>25.02.2024</a:t>
+              <a:t>6.03.2024</a:t>
             </a:fld>
             <a:endParaRPr lang="en-TR"/>
           </a:p>
@@ -1550,7 +1572,7 @@
           <a:p>
             <a:fld id="{8EB7B78A-CD2F-054B-9591-8F4C28D48A16}" type="datetimeFigureOut">
               <a:rPr lang="en-TR" smtClean="0"/>
-              <a:t>25.02.2024</a:t>
+              <a:t>6.03.2024</a:t>
             </a:fld>
             <a:endParaRPr lang="en-TR"/>
           </a:p>
@@ -1750,7 +1772,7 @@
           <a:p>
             <a:fld id="{8EB7B78A-CD2F-054B-9591-8F4C28D48A16}" type="datetimeFigureOut">
               <a:rPr lang="en-TR" smtClean="0"/>
-              <a:t>25.02.2024</a:t>
+              <a:t>6.03.2024</a:t>
             </a:fld>
             <a:endParaRPr lang="en-TR"/>
           </a:p>
@@ -2026,7 +2048,7 @@
           <a:p>
             <a:fld id="{8EB7B78A-CD2F-054B-9591-8F4C28D48A16}" type="datetimeFigureOut">
               <a:rPr lang="en-TR" smtClean="0"/>
-              <a:t>25.02.2024</a:t>
+              <a:t>6.03.2024</a:t>
             </a:fld>
             <a:endParaRPr lang="en-TR"/>
           </a:p>
@@ -2294,7 +2316,7 @@
           <a:p>
             <a:fld id="{8EB7B78A-CD2F-054B-9591-8F4C28D48A16}" type="datetimeFigureOut">
               <a:rPr lang="en-TR" smtClean="0"/>
-              <a:t>25.02.2024</a:t>
+              <a:t>6.03.2024</a:t>
             </a:fld>
             <a:endParaRPr lang="en-TR"/>
           </a:p>
@@ -2709,7 +2731,7 @@
           <a:p>
             <a:fld id="{8EB7B78A-CD2F-054B-9591-8F4C28D48A16}" type="datetimeFigureOut">
               <a:rPr lang="en-TR" smtClean="0"/>
-              <a:t>25.02.2024</a:t>
+              <a:t>6.03.2024</a:t>
             </a:fld>
             <a:endParaRPr lang="en-TR"/>
           </a:p>
@@ -2851,7 +2873,7 @@
           <a:p>
             <a:fld id="{8EB7B78A-CD2F-054B-9591-8F4C28D48A16}" type="datetimeFigureOut">
               <a:rPr lang="en-TR" smtClean="0"/>
-              <a:t>25.02.2024</a:t>
+              <a:t>6.03.2024</a:t>
             </a:fld>
             <a:endParaRPr lang="en-TR"/>
           </a:p>
@@ -2964,7 +2986,7 @@
           <a:p>
             <a:fld id="{8EB7B78A-CD2F-054B-9591-8F4C28D48A16}" type="datetimeFigureOut">
               <a:rPr lang="en-TR" smtClean="0"/>
-              <a:t>25.02.2024</a:t>
+              <a:t>6.03.2024</a:t>
             </a:fld>
             <a:endParaRPr lang="en-TR"/>
           </a:p>
@@ -3277,7 +3299,7 @@
           <a:p>
             <a:fld id="{8EB7B78A-CD2F-054B-9591-8F4C28D48A16}" type="datetimeFigureOut">
               <a:rPr lang="en-TR" smtClean="0"/>
-              <a:t>25.02.2024</a:t>
+              <a:t>6.03.2024</a:t>
             </a:fld>
             <a:endParaRPr lang="en-TR"/>
           </a:p>
@@ -3566,7 +3588,7 @@
           <a:p>
             <a:fld id="{8EB7B78A-CD2F-054B-9591-8F4C28D48A16}" type="datetimeFigureOut">
               <a:rPr lang="en-TR" smtClean="0"/>
-              <a:t>25.02.2024</a:t>
+              <a:t>6.03.2024</a:t>
             </a:fld>
             <a:endParaRPr lang="en-TR"/>
           </a:p>
@@ -3809,7 +3831,7 @@
           <a:p>
             <a:fld id="{8EB7B78A-CD2F-054B-9591-8F4C28D48A16}" type="datetimeFigureOut">
               <a:rPr lang="en-TR" smtClean="0"/>
-              <a:t>25.02.2024</a:t>
+              <a:t>6.03.2024</a:t>
             </a:fld>
             <a:endParaRPr lang="en-TR"/>
           </a:p>
@@ -12889,6 +12911,1574 @@
         <p:cNvPr id="1" name="">
           <a:extLst>
             <a:ext uri="{FF2B5EF4-FFF2-40B4-BE49-F238E27FC236}">
+              <a16:creationId xmlns:a16="http://schemas.microsoft.com/office/drawing/2014/main" id="{A4DB9793-B10E-79AF-2F5E-6DB9FAF060CD}"/>
+            </a:ext>
+          </a:extLst>
+        </p:cNvPr>
+        <p:cNvGrpSpPr/>
+        <p:nvPr/>
+      </p:nvGrpSpPr>
+      <p:grpSpPr>
+        <a:xfrm>
+          <a:off x="0" y="0"/>
+          <a:ext cx="0" cy="0"/>
+          <a:chOff x="0" y="0"/>
+          <a:chExt cx="0" cy="0"/>
+        </a:xfrm>
+      </p:grpSpPr>
+      <p:sp>
+        <p:nvSpPr>
+          <p:cNvPr id="2" name="Title 1">
+            <a:extLst>
+              <a:ext uri="{FF2B5EF4-FFF2-40B4-BE49-F238E27FC236}">
+                <a16:creationId xmlns:a16="http://schemas.microsoft.com/office/drawing/2014/main" id="{875E6043-4C61-1B3A-963A-8BD40BD44571}"/>
+              </a:ext>
+            </a:extLst>
+          </p:cNvPr>
+          <p:cNvSpPr>
+            <a:spLocks noGrp="1"/>
+          </p:cNvSpPr>
+          <p:nvPr>
+            <p:ph type="ctrTitle"/>
+          </p:nvPr>
+        </p:nvSpPr>
+        <p:spPr>
+          <a:xfrm>
+            <a:off x="1524000" y="1122363"/>
+            <a:ext cx="9144000" cy="2133599"/>
+          </a:xfrm>
+        </p:spPr>
+        <p:txBody>
+          <a:bodyPr>
+            <a:normAutofit fontScale="90000"/>
+          </a:bodyPr>
+          <a:lstStyle/>
+          <a:p>
+            <a:r>
+              <a:rPr lang="en-TR" b="1" dirty="0"/>
+              <a:t>Design Pattern Series</a:t>
+            </a:r>
+            <a:br>
+              <a:rPr lang="en-TR" b="1" dirty="0"/>
+            </a:br>
+            <a:r>
+              <a:rPr lang="en-TR" sz="4200" b="1" dirty="0"/>
+              <a:t>Command Pattern</a:t>
+            </a:r>
+            <a:br>
+              <a:rPr lang="en-TR" b="1" dirty="0"/>
+            </a:br>
+            <a:endParaRPr lang="en-TR" b="1" dirty="0"/>
+          </a:p>
+        </p:txBody>
+      </p:sp>
+      <p:sp>
+        <p:nvSpPr>
+          <p:cNvPr id="3" name="Subtitle 2">
+            <a:extLst>
+              <a:ext uri="{FF2B5EF4-FFF2-40B4-BE49-F238E27FC236}">
+                <a16:creationId xmlns:a16="http://schemas.microsoft.com/office/drawing/2014/main" id="{1ECDA2F7-846B-6D49-11E3-48D7DDB0FAC8}"/>
+              </a:ext>
+            </a:extLst>
+          </p:cNvPr>
+          <p:cNvSpPr>
+            <a:spLocks noGrp="1"/>
+          </p:cNvSpPr>
+          <p:nvPr>
+            <p:ph type="subTitle" idx="1"/>
+          </p:nvPr>
+        </p:nvSpPr>
+        <p:spPr/>
+        <p:txBody>
+          <a:bodyPr>
+            <a:normAutofit lnSpcReduction="10000"/>
+          </a:bodyPr>
+          <a:lstStyle/>
+          <a:p>
+            <a:r>
+              <a:rPr lang="en-TR" b="1" dirty="0"/>
+              <a:t>Behoviral (Davranışsal)</a:t>
+            </a:r>
+          </a:p>
+          <a:p>
+            <a:endParaRPr lang="en-TR" dirty="0"/>
+          </a:p>
+          <a:p>
+            <a:endParaRPr lang="en-TR" b="1" dirty="0"/>
+          </a:p>
+          <a:p>
+            <a:r>
+              <a:rPr lang="en-TR" b="1" dirty="0"/>
+              <a:t>Someone has already solved your problems.</a:t>
+            </a:r>
+          </a:p>
+          <a:p>
+            <a:endParaRPr lang="en-TR" dirty="0"/>
+          </a:p>
+        </p:txBody>
+      </p:sp>
+      <p:cxnSp>
+        <p:nvCxnSpPr>
+          <p:cNvPr id="5" name="Straight Connector 4">
+            <a:extLst>
+              <a:ext uri="{FF2B5EF4-FFF2-40B4-BE49-F238E27FC236}">
+                <a16:creationId xmlns:a16="http://schemas.microsoft.com/office/drawing/2014/main" id="{280A9E12-1E3D-7F68-D6BA-4F716DE91D2C}"/>
+              </a:ext>
+            </a:extLst>
+          </p:cNvPr>
+          <p:cNvCxnSpPr/>
+          <p:nvPr/>
+        </p:nvCxnSpPr>
+        <p:spPr>
+          <a:xfrm>
+            <a:off x="1701800" y="4419600"/>
+            <a:ext cx="8695267" cy="0"/>
+          </a:xfrm>
+          <a:prstGeom prst="line">
+            <a:avLst/>
+          </a:prstGeom>
+        </p:spPr>
+        <p:style>
+          <a:lnRef idx="1">
+            <a:schemeClr val="accent1"/>
+          </a:lnRef>
+          <a:fillRef idx="0">
+            <a:schemeClr val="accent1"/>
+          </a:fillRef>
+          <a:effectRef idx="0">
+            <a:schemeClr val="accent1"/>
+          </a:effectRef>
+          <a:fontRef idx="minor">
+            <a:schemeClr val="tx1"/>
+          </a:fontRef>
+        </p:style>
+      </p:cxnSp>
+    </p:spTree>
+    <p:extLst>
+      <p:ext uri="{BB962C8B-B14F-4D97-AF65-F5344CB8AC3E}">
+        <p14:creationId xmlns:p14="http://schemas.microsoft.com/office/powerpoint/2010/main" val="513183173"/>
+      </p:ext>
+    </p:extLst>
+  </p:cSld>
+  <p:clrMapOvr>
+    <a:masterClrMapping/>
+  </p:clrMapOvr>
+</p:sld>
+</file>
+
+<file path=ppt/slides/slide39.xml><?xml version="1.0" encoding="utf-8"?>
+<p:sld xmlns:a="http://schemas.openxmlformats.org/drawingml/2006/main" xmlns:r="http://schemas.openxmlformats.org/officeDocument/2006/relationships" xmlns:p="http://schemas.openxmlformats.org/presentationml/2006/main">
+  <p:cSld>
+    <p:spTree>
+      <p:nvGrpSpPr>
+        <p:cNvPr id="1" name="">
+          <a:extLst>
+            <a:ext uri="{FF2B5EF4-FFF2-40B4-BE49-F238E27FC236}">
+              <a16:creationId xmlns:a16="http://schemas.microsoft.com/office/drawing/2014/main" id="{16F11815-B8E9-E390-F1BB-07C629585D9E}"/>
+            </a:ext>
+          </a:extLst>
+        </p:cNvPr>
+        <p:cNvGrpSpPr/>
+        <p:nvPr/>
+      </p:nvGrpSpPr>
+      <p:grpSpPr>
+        <a:xfrm>
+          <a:off x="0" y="0"/>
+          <a:ext cx="0" cy="0"/>
+          <a:chOff x="0" y="0"/>
+          <a:chExt cx="0" cy="0"/>
+        </a:xfrm>
+      </p:grpSpPr>
+      <p:sp>
+        <p:nvSpPr>
+          <p:cNvPr id="2" name="Title 1">
+            <a:extLst>
+              <a:ext uri="{FF2B5EF4-FFF2-40B4-BE49-F238E27FC236}">
+                <a16:creationId xmlns:a16="http://schemas.microsoft.com/office/drawing/2014/main" id="{4417B558-CD9E-DB2E-12D7-0FC8E2CF7B0B}"/>
+              </a:ext>
+            </a:extLst>
+          </p:cNvPr>
+          <p:cNvSpPr>
+            <a:spLocks noGrp="1"/>
+          </p:cNvSpPr>
+          <p:nvPr>
+            <p:ph type="title"/>
+          </p:nvPr>
+        </p:nvSpPr>
+        <p:spPr/>
+        <p:txBody>
+          <a:bodyPr/>
+          <a:lstStyle/>
+          <a:p>
+            <a:r>
+              <a:rPr lang="en-TR" b="1" dirty="0"/>
+              <a:t>Command Pattern</a:t>
+            </a:r>
+          </a:p>
+        </p:txBody>
+      </p:sp>
+      <p:sp>
+        <p:nvSpPr>
+          <p:cNvPr id="3" name="Content Placeholder 2">
+            <a:extLst>
+              <a:ext uri="{FF2B5EF4-FFF2-40B4-BE49-F238E27FC236}">
+                <a16:creationId xmlns:a16="http://schemas.microsoft.com/office/drawing/2014/main" id="{0FCFADB1-BC3F-8D15-A04D-1B51FB1635BB}"/>
+              </a:ext>
+            </a:extLst>
+          </p:cNvPr>
+          <p:cNvSpPr>
+            <a:spLocks noGrp="1"/>
+          </p:cNvSpPr>
+          <p:nvPr>
+            <p:ph idx="1"/>
+          </p:nvPr>
+        </p:nvSpPr>
+        <p:spPr/>
+        <p:txBody>
+          <a:bodyPr/>
+          <a:lstStyle/>
+          <a:p>
+            <a:r>
+              <a:rPr lang="en-US" dirty="0"/>
+              <a:t>The Command Pattern encapsulates a request as an object, thereby letting you parameterize other objects with different requests, queue or log requests, and support undoable operations.</a:t>
+            </a:r>
+            <a:endParaRPr lang="en-TR" dirty="0"/>
+          </a:p>
+          <a:p>
+            <a:pPr marL="0" indent="0">
+              <a:buNone/>
+            </a:pPr>
+            <a:endParaRPr lang="en-TR" dirty="0"/>
+          </a:p>
+          <a:p>
+            <a:r>
+              <a:rPr lang="en-US" dirty="0" err="1"/>
+              <a:t>Komut</a:t>
+            </a:r>
+            <a:r>
+              <a:rPr lang="en-US" dirty="0"/>
+              <a:t> </a:t>
+            </a:r>
+            <a:r>
+              <a:rPr lang="en-US" dirty="0" err="1"/>
+              <a:t>Kalıbı</a:t>
+            </a:r>
+            <a:r>
+              <a:rPr lang="en-US" dirty="0"/>
+              <a:t>, </a:t>
+            </a:r>
+            <a:r>
+              <a:rPr lang="en-US" dirty="0" err="1"/>
+              <a:t>bir</a:t>
+            </a:r>
+            <a:r>
+              <a:rPr lang="en-US" dirty="0"/>
+              <a:t> </a:t>
+            </a:r>
+            <a:r>
+              <a:rPr lang="en-US" dirty="0" err="1"/>
+              <a:t>isteği</a:t>
+            </a:r>
+            <a:r>
+              <a:rPr lang="en-US" dirty="0"/>
+              <a:t> </a:t>
+            </a:r>
+            <a:r>
+              <a:rPr lang="en-US" dirty="0" err="1"/>
+              <a:t>bir</a:t>
+            </a:r>
+            <a:r>
+              <a:rPr lang="en-US" dirty="0"/>
+              <a:t> </a:t>
+            </a:r>
+            <a:r>
+              <a:rPr lang="en-US" dirty="0" err="1"/>
+              <a:t>nesne</a:t>
+            </a:r>
+            <a:r>
+              <a:rPr lang="en-US" dirty="0"/>
+              <a:t> </a:t>
+            </a:r>
+            <a:r>
+              <a:rPr lang="en-US" dirty="0" err="1"/>
+              <a:t>olarak</a:t>
+            </a:r>
+            <a:r>
+              <a:rPr lang="en-US" dirty="0"/>
+              <a:t> </a:t>
+            </a:r>
+            <a:r>
+              <a:rPr lang="en-US" dirty="0" err="1"/>
+              <a:t>kapsülle</a:t>
+            </a:r>
+            <a:r>
+              <a:rPr lang="en-US" dirty="0"/>
+              <a:t>, </a:t>
+            </a:r>
+            <a:r>
+              <a:rPr lang="en-US" dirty="0" err="1"/>
+              <a:t>böylece</a:t>
+            </a:r>
+            <a:r>
+              <a:rPr lang="en-US" dirty="0"/>
+              <a:t> </a:t>
+            </a:r>
+            <a:r>
+              <a:rPr lang="en-US" dirty="0" err="1"/>
+              <a:t>diğer</a:t>
+            </a:r>
+            <a:r>
+              <a:rPr lang="en-US" dirty="0"/>
+              <a:t> </a:t>
+            </a:r>
+            <a:r>
+              <a:rPr lang="en-US" dirty="0" err="1"/>
+              <a:t>nesneleri</a:t>
+            </a:r>
+            <a:r>
+              <a:rPr lang="en-US" dirty="0"/>
+              <a:t> </a:t>
+            </a:r>
+            <a:r>
+              <a:rPr lang="en-US" dirty="0" err="1"/>
+              <a:t>farklı</a:t>
+            </a:r>
+            <a:r>
+              <a:rPr lang="en-US" dirty="0"/>
+              <a:t> </a:t>
+            </a:r>
+            <a:r>
+              <a:rPr lang="en-US" dirty="0" err="1"/>
+              <a:t>isteklerle</a:t>
+            </a:r>
+            <a:r>
+              <a:rPr lang="en-US" dirty="0"/>
+              <a:t>, </a:t>
+            </a:r>
+            <a:r>
+              <a:rPr lang="en-US" dirty="0" err="1"/>
+              <a:t>kuyruk</a:t>
+            </a:r>
+            <a:r>
+              <a:rPr lang="en-US" dirty="0"/>
+              <a:t> </a:t>
+            </a:r>
+            <a:r>
+              <a:rPr lang="en-US" dirty="0" err="1"/>
+              <a:t>veya</a:t>
+            </a:r>
+            <a:r>
+              <a:rPr lang="en-US" dirty="0"/>
+              <a:t> log </a:t>
+            </a:r>
+            <a:r>
+              <a:rPr lang="en-US" dirty="0" err="1"/>
+              <a:t>istekleriyle</a:t>
+            </a:r>
+            <a:r>
+              <a:rPr lang="en-US" dirty="0"/>
+              <a:t> </a:t>
+            </a:r>
+            <a:r>
+              <a:rPr lang="en-US" dirty="0" err="1"/>
+              <a:t>parametrik</a:t>
+            </a:r>
+            <a:r>
+              <a:rPr lang="en-US" dirty="0"/>
+              <a:t> hale </a:t>
+            </a:r>
+            <a:r>
+              <a:rPr lang="en-US" dirty="0" err="1"/>
+              <a:t>getirir</a:t>
+            </a:r>
+            <a:r>
+              <a:rPr lang="en-US" dirty="0"/>
+              <a:t> </a:t>
+            </a:r>
+            <a:r>
+              <a:rPr lang="en-US" dirty="0" err="1"/>
+              <a:t>ve</a:t>
+            </a:r>
+            <a:r>
+              <a:rPr lang="en-US" dirty="0"/>
+              <a:t> </a:t>
+            </a:r>
+            <a:r>
+              <a:rPr lang="en-US" dirty="0" err="1"/>
+              <a:t>geri</a:t>
+            </a:r>
+            <a:r>
+              <a:rPr lang="en-US" dirty="0"/>
+              <a:t> </a:t>
+            </a:r>
+            <a:r>
+              <a:rPr lang="en-US" dirty="0" err="1"/>
+              <a:t>alınamayan</a:t>
+            </a:r>
+            <a:r>
+              <a:rPr lang="en-US" dirty="0"/>
+              <a:t> </a:t>
+            </a:r>
+            <a:r>
+              <a:rPr lang="en-US" dirty="0" err="1"/>
+              <a:t>işlemlerin</a:t>
+            </a:r>
+            <a:r>
+              <a:rPr lang="en-US" dirty="0"/>
+              <a:t> </a:t>
+            </a:r>
+            <a:r>
+              <a:rPr lang="en-US" dirty="0" err="1"/>
+              <a:t>desteklenmesine</a:t>
+            </a:r>
+            <a:r>
+              <a:rPr lang="en-US" dirty="0"/>
+              <a:t> </a:t>
+            </a:r>
+            <a:r>
+              <a:rPr lang="en-US" dirty="0" err="1"/>
+              <a:t>olanak</a:t>
+            </a:r>
+            <a:r>
+              <a:rPr lang="en-US" dirty="0"/>
+              <a:t> </a:t>
+            </a:r>
+            <a:r>
+              <a:rPr lang="en-US" dirty="0" err="1"/>
+              <a:t>tanır</a:t>
+            </a:r>
+            <a:r>
+              <a:rPr lang="en-US" dirty="0"/>
+              <a:t>.</a:t>
+            </a:r>
+            <a:endParaRPr lang="en-TR" dirty="0"/>
+          </a:p>
+        </p:txBody>
+      </p:sp>
+    </p:spTree>
+    <p:extLst>
+      <p:ext uri="{BB962C8B-B14F-4D97-AF65-F5344CB8AC3E}">
+        <p14:creationId xmlns:p14="http://schemas.microsoft.com/office/powerpoint/2010/main" val="2086274788"/>
+      </p:ext>
+    </p:extLst>
+  </p:cSld>
+  <p:clrMapOvr>
+    <a:masterClrMapping/>
+  </p:clrMapOvr>
+</p:sld>
+</file>
+
+<file path=ppt/slides/slide4.xml><?xml version="1.0" encoding="utf-8"?>
+<p:sld xmlns:a="http://schemas.openxmlformats.org/drawingml/2006/main" xmlns:r="http://schemas.openxmlformats.org/officeDocument/2006/relationships" xmlns:p="http://schemas.openxmlformats.org/presentationml/2006/main">
+  <p:cSld>
+    <p:spTree>
+      <p:nvGrpSpPr>
+        <p:cNvPr id="1" name="">
+          <a:extLst>
+            <a:ext uri="{FF2B5EF4-FFF2-40B4-BE49-F238E27FC236}">
+              <a16:creationId xmlns:a16="http://schemas.microsoft.com/office/drawing/2014/main" id="{98443915-E84B-8BBF-6B3A-5D9EA8D64776}"/>
+            </a:ext>
+          </a:extLst>
+        </p:cNvPr>
+        <p:cNvGrpSpPr/>
+        <p:nvPr/>
+      </p:nvGrpSpPr>
+      <p:grpSpPr>
+        <a:xfrm>
+          <a:off x="0" y="0"/>
+          <a:ext cx="0" cy="0"/>
+          <a:chOff x="0" y="0"/>
+          <a:chExt cx="0" cy="0"/>
+        </a:xfrm>
+      </p:grpSpPr>
+      <p:sp>
+        <p:nvSpPr>
+          <p:cNvPr id="2" name="Title 1">
+            <a:extLst>
+              <a:ext uri="{FF2B5EF4-FFF2-40B4-BE49-F238E27FC236}">
+                <a16:creationId xmlns:a16="http://schemas.microsoft.com/office/drawing/2014/main" id="{7A154E5D-1A17-5AD9-799B-1405234F80E4}"/>
+              </a:ext>
+            </a:extLst>
+          </p:cNvPr>
+          <p:cNvSpPr>
+            <a:spLocks noGrp="1"/>
+          </p:cNvSpPr>
+          <p:nvPr>
+            <p:ph type="title"/>
+          </p:nvPr>
+        </p:nvSpPr>
+        <p:spPr/>
+        <p:txBody>
+          <a:bodyPr/>
+          <a:lstStyle/>
+          <a:p>
+            <a:r>
+              <a:rPr lang="en-US" b="1" dirty="0"/>
+              <a:t>Singleton</a:t>
+            </a:r>
+            <a:r>
+              <a:rPr lang="en-TR" b="1" dirty="0"/>
+              <a:t> Pattern</a:t>
+            </a:r>
+          </a:p>
+        </p:txBody>
+      </p:sp>
+      <p:sp>
+        <p:nvSpPr>
+          <p:cNvPr id="3" name="Content Placeholder 2">
+            <a:extLst>
+              <a:ext uri="{FF2B5EF4-FFF2-40B4-BE49-F238E27FC236}">
+                <a16:creationId xmlns:a16="http://schemas.microsoft.com/office/drawing/2014/main" id="{94DA18EE-6D80-17BF-49AB-9665012ABA9F}"/>
+              </a:ext>
+            </a:extLst>
+          </p:cNvPr>
+          <p:cNvSpPr>
+            <a:spLocks noGrp="1"/>
+          </p:cNvSpPr>
+          <p:nvPr>
+            <p:ph idx="1"/>
+          </p:nvPr>
+        </p:nvSpPr>
+        <p:spPr/>
+        <p:txBody>
+          <a:bodyPr/>
+          <a:lstStyle/>
+          <a:p>
+            <a:r>
+              <a:rPr lang="en-US" b="1" dirty="0">
+                <a:effectLst/>
+                <a:latin typeface="Helvetica" pitchFamily="2" charset="0"/>
+              </a:rPr>
+              <a:t>The Singleton Pattern </a:t>
+            </a:r>
+            <a:r>
+              <a:rPr lang="en-US" dirty="0">
+                <a:effectLst/>
+                <a:latin typeface="Helvetica" pitchFamily="2" charset="0"/>
+              </a:rPr>
+              <a:t>ensures a class has only one instance, and provides a global point of access to it.</a:t>
+            </a:r>
+            <a:endParaRPr lang="en-US" b="1" dirty="0">
+              <a:effectLst/>
+              <a:latin typeface="Helvetica" pitchFamily="2" charset="0"/>
+            </a:endParaRPr>
+          </a:p>
+          <a:p>
+            <a:endParaRPr lang="en-TR" dirty="0"/>
+          </a:p>
+          <a:p>
+            <a:pPr marL="0" indent="0">
+              <a:buNone/>
+            </a:pPr>
+            <a:endParaRPr lang="en-TR" dirty="0"/>
+          </a:p>
+          <a:p>
+            <a:r>
+              <a:rPr lang="tr-TR" dirty="0" err="1"/>
+              <a:t>Singleton</a:t>
+            </a:r>
+            <a:r>
+              <a:rPr lang="tr-TR" dirty="0"/>
+              <a:t> Modeli, bir sınıfın yalnızca bir nesnesinin oluşmasını sağla ve ona küresel bir erişim noktası sağlar</a:t>
+            </a:r>
+            <a:r>
+              <a:rPr lang="en-US" dirty="0">
+                <a:effectLst/>
+                <a:latin typeface="Helvetica" pitchFamily="2" charset="0"/>
+              </a:rPr>
+              <a:t>. </a:t>
+            </a:r>
+          </a:p>
+          <a:p>
+            <a:endParaRPr lang="en-TR" dirty="0"/>
+          </a:p>
+        </p:txBody>
+      </p:sp>
+    </p:spTree>
+    <p:extLst>
+      <p:ext uri="{BB962C8B-B14F-4D97-AF65-F5344CB8AC3E}">
+        <p14:creationId xmlns:p14="http://schemas.microsoft.com/office/powerpoint/2010/main" val="960659371"/>
+      </p:ext>
+    </p:extLst>
+  </p:cSld>
+  <p:clrMapOvr>
+    <a:masterClrMapping/>
+  </p:clrMapOvr>
+</p:sld>
+</file>
+
+<file path=ppt/slides/slide40.xml><?xml version="1.0" encoding="utf-8"?>
+<p:sld xmlns:a="http://schemas.openxmlformats.org/drawingml/2006/main" xmlns:r="http://schemas.openxmlformats.org/officeDocument/2006/relationships" xmlns:p="http://schemas.openxmlformats.org/presentationml/2006/main">
+  <p:cSld>
+    <p:spTree>
+      <p:nvGrpSpPr>
+        <p:cNvPr id="1" name="">
+          <a:extLst>
+            <a:ext uri="{FF2B5EF4-FFF2-40B4-BE49-F238E27FC236}">
+              <a16:creationId xmlns:a16="http://schemas.microsoft.com/office/drawing/2014/main" id="{FC366CB5-9073-3C8F-C02F-C26B479D7A19}"/>
+            </a:ext>
+          </a:extLst>
+        </p:cNvPr>
+        <p:cNvGrpSpPr/>
+        <p:nvPr/>
+      </p:nvGrpSpPr>
+      <p:grpSpPr>
+        <a:xfrm>
+          <a:off x="0" y="0"/>
+          <a:ext cx="0" cy="0"/>
+          <a:chOff x="0" y="0"/>
+          <a:chExt cx="0" cy="0"/>
+        </a:xfrm>
+      </p:grpSpPr>
+      <p:sp>
+        <p:nvSpPr>
+          <p:cNvPr id="2" name="Title 1">
+            <a:extLst>
+              <a:ext uri="{FF2B5EF4-FFF2-40B4-BE49-F238E27FC236}">
+                <a16:creationId xmlns:a16="http://schemas.microsoft.com/office/drawing/2014/main" id="{0AA4940C-10ED-FE9D-51E0-CAFEB472EDE8}"/>
+              </a:ext>
+            </a:extLst>
+          </p:cNvPr>
+          <p:cNvSpPr>
+            <a:spLocks noGrp="1"/>
+          </p:cNvSpPr>
+          <p:nvPr>
+            <p:ph type="title"/>
+          </p:nvPr>
+        </p:nvSpPr>
+        <p:spPr/>
+        <p:txBody>
+          <a:bodyPr/>
+          <a:lstStyle/>
+          <a:p>
+            <a:r>
+              <a:rPr lang="en-TR" dirty="0"/>
+              <a:t>Sorun</a:t>
+            </a:r>
+          </a:p>
+        </p:txBody>
+      </p:sp>
+      <p:sp>
+        <p:nvSpPr>
+          <p:cNvPr id="3" name="Content Placeholder 2">
+            <a:extLst>
+              <a:ext uri="{FF2B5EF4-FFF2-40B4-BE49-F238E27FC236}">
+                <a16:creationId xmlns:a16="http://schemas.microsoft.com/office/drawing/2014/main" id="{49234ABB-A5BE-475B-21BE-B8A2873A9D97}"/>
+              </a:ext>
+            </a:extLst>
+          </p:cNvPr>
+          <p:cNvSpPr>
+            <a:spLocks noGrp="1"/>
+          </p:cNvSpPr>
+          <p:nvPr>
+            <p:ph idx="1"/>
+          </p:nvPr>
+        </p:nvSpPr>
+        <p:spPr>
+          <a:xfrm>
+            <a:off x="838200" y="1690687"/>
+            <a:ext cx="10515600" cy="3691209"/>
+          </a:xfrm>
+        </p:spPr>
+        <p:txBody>
+          <a:bodyPr>
+            <a:normAutofit/>
+          </a:bodyPr>
+          <a:lstStyle/>
+          <a:p>
+            <a:r>
+              <a:rPr lang="en-TR" dirty="0"/>
+              <a:t>Tasarım prensiplerinde değişim dediğimiz konu yazılımcı tarafından unutulabiliyor. If – else veya switch – case ile çözümler sağlanabiliyor.</a:t>
+            </a:r>
+          </a:p>
+          <a:p>
+            <a:r>
+              <a:rPr lang="en-TR" dirty="0"/>
+              <a:t>Unutulan konu ise bu durumun hem Yazılım prensiplerini ihlal ettiği (SRP,OCP) hemde yazılımın değişmesini zorlaştırmasıdır.</a:t>
+            </a:r>
+          </a:p>
+          <a:p>
+            <a:endParaRPr lang="en-TR" dirty="0"/>
+          </a:p>
+          <a:p>
+            <a:endParaRPr lang="en-TR" dirty="0"/>
+          </a:p>
+        </p:txBody>
+      </p:sp>
+    </p:spTree>
+    <p:extLst>
+      <p:ext uri="{BB962C8B-B14F-4D97-AF65-F5344CB8AC3E}">
+        <p14:creationId xmlns:p14="http://schemas.microsoft.com/office/powerpoint/2010/main" val="1584851189"/>
+      </p:ext>
+    </p:extLst>
+  </p:cSld>
+  <p:clrMapOvr>
+    <a:masterClrMapping/>
+  </p:clrMapOvr>
+</p:sld>
+</file>
+
+<file path=ppt/slides/slide41.xml><?xml version="1.0" encoding="utf-8"?>
+<p:sld xmlns:a="http://schemas.openxmlformats.org/drawingml/2006/main" xmlns:r="http://schemas.openxmlformats.org/officeDocument/2006/relationships" xmlns:p="http://schemas.openxmlformats.org/presentationml/2006/main">
+  <p:cSld>
+    <p:spTree>
+      <p:nvGrpSpPr>
+        <p:cNvPr id="1" name="">
+          <a:extLst>
+            <a:ext uri="{FF2B5EF4-FFF2-40B4-BE49-F238E27FC236}">
+              <a16:creationId xmlns:a16="http://schemas.microsoft.com/office/drawing/2014/main" id="{5E181CC8-CA4E-41A8-D603-385C9AFF81FC}"/>
+            </a:ext>
+          </a:extLst>
+        </p:cNvPr>
+        <p:cNvGrpSpPr/>
+        <p:nvPr/>
+      </p:nvGrpSpPr>
+      <p:grpSpPr>
+        <a:xfrm>
+          <a:off x="0" y="0"/>
+          <a:ext cx="0" cy="0"/>
+          <a:chOff x="0" y="0"/>
+          <a:chExt cx="0" cy="0"/>
+        </a:xfrm>
+      </p:grpSpPr>
+      <p:sp>
+        <p:nvSpPr>
+          <p:cNvPr id="2" name="Title 1">
+            <a:extLst>
+              <a:ext uri="{FF2B5EF4-FFF2-40B4-BE49-F238E27FC236}">
+                <a16:creationId xmlns:a16="http://schemas.microsoft.com/office/drawing/2014/main" id="{FB223B6B-D37D-4D91-09F7-8733EA4D1F40}"/>
+              </a:ext>
+            </a:extLst>
+          </p:cNvPr>
+          <p:cNvSpPr>
+            <a:spLocks noGrp="1"/>
+          </p:cNvSpPr>
+          <p:nvPr>
+            <p:ph type="title"/>
+          </p:nvPr>
+        </p:nvSpPr>
+        <p:spPr>
+          <a:xfrm>
+            <a:off x="301305" y="0"/>
+            <a:ext cx="10515600" cy="1325563"/>
+          </a:xfrm>
+        </p:spPr>
+        <p:txBody>
+          <a:bodyPr/>
+          <a:lstStyle/>
+          <a:p>
+            <a:r>
+              <a:rPr lang="en-TR" b="1" dirty="0"/>
+              <a:t>Command Pattern</a:t>
+            </a:r>
+          </a:p>
+        </p:txBody>
+      </p:sp>
+      <p:pic>
+        <p:nvPicPr>
+          <p:cNvPr id="8" name="Picture 7">
+            <a:extLst>
+              <a:ext uri="{FF2B5EF4-FFF2-40B4-BE49-F238E27FC236}">
+                <a16:creationId xmlns:a16="http://schemas.microsoft.com/office/drawing/2014/main" id="{D073D7A5-CBF3-30D2-A11C-6AAA9B438292}"/>
+              </a:ext>
+            </a:extLst>
+          </p:cNvPr>
+          <p:cNvPicPr>
+            <a:picLocks noChangeAspect="1"/>
+          </p:cNvPicPr>
+          <p:nvPr/>
+        </p:nvPicPr>
+        <p:blipFill>
+          <a:blip r:embed="rId2"/>
+          <a:stretch>
+            <a:fillRect/>
+          </a:stretch>
+        </p:blipFill>
+        <p:spPr>
+          <a:xfrm>
+            <a:off x="1018912" y="1249960"/>
+            <a:ext cx="10154175" cy="5096312"/>
+          </a:xfrm>
+          <a:prstGeom prst="rect">
+            <a:avLst/>
+          </a:prstGeom>
+        </p:spPr>
+      </p:pic>
+    </p:spTree>
+    <p:extLst>
+      <p:ext uri="{BB962C8B-B14F-4D97-AF65-F5344CB8AC3E}">
+        <p14:creationId xmlns:p14="http://schemas.microsoft.com/office/powerpoint/2010/main" val="1712262348"/>
+      </p:ext>
+    </p:extLst>
+  </p:cSld>
+  <p:clrMapOvr>
+    <a:masterClrMapping/>
+  </p:clrMapOvr>
+</p:sld>
+</file>
+
+<file path=ppt/slides/slide42.xml><?xml version="1.0" encoding="utf-8"?>
+<p:sld xmlns:a="http://schemas.openxmlformats.org/drawingml/2006/main" xmlns:r="http://schemas.openxmlformats.org/officeDocument/2006/relationships" xmlns:p="http://schemas.openxmlformats.org/presentationml/2006/main">
+  <p:cSld>
+    <p:spTree>
+      <p:nvGrpSpPr>
+        <p:cNvPr id="1" name="">
+          <a:extLst>
+            <a:ext uri="{FF2B5EF4-FFF2-40B4-BE49-F238E27FC236}">
+              <a16:creationId xmlns:a16="http://schemas.microsoft.com/office/drawing/2014/main" id="{DC2ED682-C2EA-D9BE-02E8-EF382BABFC3F}"/>
+            </a:ext>
+          </a:extLst>
+        </p:cNvPr>
+        <p:cNvGrpSpPr/>
+        <p:nvPr/>
+      </p:nvGrpSpPr>
+      <p:grpSpPr>
+        <a:xfrm>
+          <a:off x="0" y="0"/>
+          <a:ext cx="0" cy="0"/>
+          <a:chOff x="0" y="0"/>
+          <a:chExt cx="0" cy="0"/>
+        </a:xfrm>
+      </p:grpSpPr>
+      <p:sp>
+        <p:nvSpPr>
+          <p:cNvPr id="2" name="Title 1">
+            <a:extLst>
+              <a:ext uri="{FF2B5EF4-FFF2-40B4-BE49-F238E27FC236}">
+                <a16:creationId xmlns:a16="http://schemas.microsoft.com/office/drawing/2014/main" id="{619AABDB-A2A1-8033-DF61-52E3E19A484A}"/>
+              </a:ext>
+            </a:extLst>
+          </p:cNvPr>
+          <p:cNvSpPr>
+            <a:spLocks noGrp="1"/>
+          </p:cNvSpPr>
+          <p:nvPr>
+            <p:ph type="title"/>
+          </p:nvPr>
+        </p:nvSpPr>
+        <p:spPr/>
+        <p:txBody>
+          <a:bodyPr/>
+          <a:lstStyle/>
+          <a:p>
+            <a:r>
+              <a:rPr lang="en-TR" b="1" dirty="0"/>
+              <a:t>Tasarım Prensipleri</a:t>
+            </a:r>
+          </a:p>
+        </p:txBody>
+      </p:sp>
+      <p:sp>
+        <p:nvSpPr>
+          <p:cNvPr id="3" name="Content Placeholder 2">
+            <a:extLst>
+              <a:ext uri="{FF2B5EF4-FFF2-40B4-BE49-F238E27FC236}">
+                <a16:creationId xmlns:a16="http://schemas.microsoft.com/office/drawing/2014/main" id="{63DF06F2-243B-3FE5-8946-50BAEE45AAFA}"/>
+              </a:ext>
+            </a:extLst>
+          </p:cNvPr>
+          <p:cNvSpPr>
+            <a:spLocks noGrp="1"/>
+          </p:cNvSpPr>
+          <p:nvPr>
+            <p:ph idx="1"/>
+          </p:nvPr>
+        </p:nvSpPr>
+        <p:spPr/>
+        <p:txBody>
+          <a:bodyPr/>
+          <a:lstStyle/>
+          <a:p>
+            <a:r>
+              <a:rPr lang="en-TR" dirty="0"/>
+              <a:t>Yazılımda değişmeyen tek şey “</a:t>
+            </a:r>
+            <a:r>
+              <a:rPr lang="en-TR" b="1" dirty="0"/>
+              <a:t>Değişim</a:t>
+            </a:r>
+            <a:r>
+              <a:rPr lang="en-TR" dirty="0"/>
+              <a:t>” ‘in kendisidir. </a:t>
+            </a:r>
+          </a:p>
+          <a:p>
+            <a:r>
+              <a:rPr lang="en-TR" dirty="0"/>
+              <a:t>Program to interface, not implementation !</a:t>
+            </a:r>
+          </a:p>
+          <a:p>
+            <a:pPr lvl="1"/>
+            <a:r>
+              <a:rPr lang="en-TR" dirty="0"/>
+              <a:t>Program Arayüzdür, uygulama değil !</a:t>
+            </a:r>
+          </a:p>
+          <a:p>
+            <a:r>
+              <a:rPr lang="en-TR" dirty="0"/>
+              <a:t>Favor object composition over class inheritance..</a:t>
+            </a:r>
+          </a:p>
+          <a:p>
+            <a:pPr lvl="1"/>
+            <a:r>
+              <a:rPr lang="en-TR" dirty="0"/>
+              <a:t>Kalıtım yerine Kompozisyon tercih et..</a:t>
+            </a:r>
+          </a:p>
+          <a:p>
+            <a:r>
+              <a:rPr lang="en-TR" dirty="0"/>
+              <a:t>Identify the aspects of your application that vary and sep</a:t>
+            </a:r>
+            <a:r>
+              <a:rPr lang="en-US" dirty="0"/>
+              <a:t>a</a:t>
+            </a:r>
+            <a:r>
+              <a:rPr lang="en-TR" dirty="0"/>
+              <a:t>rate them from what stays the same</a:t>
+            </a:r>
+          </a:p>
+          <a:p>
+            <a:pPr lvl="1"/>
+            <a:r>
+              <a:rPr lang="en-TR" dirty="0"/>
+              <a:t>Uygulamanın değişen yönlerini belirleyin ve bunları aynı kalanlardan ayırın.</a:t>
+            </a:r>
+          </a:p>
+          <a:p>
+            <a:endParaRPr lang="en-TR" dirty="0"/>
+          </a:p>
+        </p:txBody>
+      </p:sp>
+    </p:spTree>
+    <p:extLst>
+      <p:ext uri="{BB962C8B-B14F-4D97-AF65-F5344CB8AC3E}">
+        <p14:creationId xmlns:p14="http://schemas.microsoft.com/office/powerpoint/2010/main" val="3049990680"/>
+      </p:ext>
+    </p:extLst>
+  </p:cSld>
+  <p:clrMapOvr>
+    <a:masterClrMapping/>
+  </p:clrMapOvr>
+</p:sld>
+</file>
+
+<file path=ppt/slides/slide43.xml><?xml version="1.0" encoding="utf-8"?>
+<p:sld xmlns:a="http://schemas.openxmlformats.org/drawingml/2006/main" xmlns:r="http://schemas.openxmlformats.org/officeDocument/2006/relationships" xmlns:p="http://schemas.openxmlformats.org/presentationml/2006/main">
+  <p:cSld>
+    <p:spTree>
+      <p:nvGrpSpPr>
+        <p:cNvPr id="1" name="">
+          <a:extLst>
+            <a:ext uri="{FF2B5EF4-FFF2-40B4-BE49-F238E27FC236}">
+              <a16:creationId xmlns:a16="http://schemas.microsoft.com/office/drawing/2014/main" id="{3BB50C5C-E0B6-5738-5C39-8BA0255BFE68}"/>
+            </a:ext>
+          </a:extLst>
+        </p:cNvPr>
+        <p:cNvGrpSpPr/>
+        <p:nvPr/>
+      </p:nvGrpSpPr>
+      <p:grpSpPr>
+        <a:xfrm>
+          <a:off x="0" y="0"/>
+          <a:ext cx="0" cy="0"/>
+          <a:chOff x="0" y="0"/>
+          <a:chExt cx="0" cy="0"/>
+        </a:xfrm>
+      </p:grpSpPr>
+      <p:sp>
+        <p:nvSpPr>
+          <p:cNvPr id="2" name="Title 1">
+            <a:extLst>
+              <a:ext uri="{FF2B5EF4-FFF2-40B4-BE49-F238E27FC236}">
+                <a16:creationId xmlns:a16="http://schemas.microsoft.com/office/drawing/2014/main" id="{0FD74261-9986-7897-BB7E-53075F94AF33}"/>
+              </a:ext>
+            </a:extLst>
+          </p:cNvPr>
+          <p:cNvSpPr>
+            <a:spLocks noGrp="1"/>
+          </p:cNvSpPr>
+          <p:nvPr>
+            <p:ph type="title"/>
+          </p:nvPr>
+        </p:nvSpPr>
+        <p:spPr/>
+        <p:txBody>
+          <a:bodyPr/>
+          <a:lstStyle/>
+          <a:p>
+            <a:r>
+              <a:rPr lang="en-TR" dirty="0"/>
+              <a:t>Çözüm..</a:t>
+            </a:r>
+          </a:p>
+        </p:txBody>
+      </p:sp>
+      <p:sp>
+        <p:nvSpPr>
+          <p:cNvPr id="3" name="Content Placeholder 2">
+            <a:extLst>
+              <a:ext uri="{FF2B5EF4-FFF2-40B4-BE49-F238E27FC236}">
+                <a16:creationId xmlns:a16="http://schemas.microsoft.com/office/drawing/2014/main" id="{1A4D7902-97BD-3960-6A2A-3FA041685395}"/>
+              </a:ext>
+            </a:extLst>
+          </p:cNvPr>
+          <p:cNvSpPr>
+            <a:spLocks noGrp="1"/>
+          </p:cNvSpPr>
+          <p:nvPr>
+            <p:ph idx="1"/>
+          </p:nvPr>
+        </p:nvSpPr>
+        <p:spPr/>
+        <p:txBody>
+          <a:bodyPr>
+            <a:normAutofit/>
+          </a:bodyPr>
+          <a:lstStyle/>
+          <a:p>
+            <a:pPr marL="0" indent="0">
+              <a:buNone/>
+            </a:pPr>
+            <a:endParaRPr lang="en-TR" sz="5000" dirty="0"/>
+          </a:p>
+          <a:p>
+            <a:pPr marL="0" indent="0">
+              <a:buNone/>
+            </a:pPr>
+            <a:endParaRPr lang="en-TR" sz="5000" dirty="0"/>
+          </a:p>
+          <a:p>
+            <a:pPr marL="0" indent="0">
+              <a:buNone/>
+            </a:pPr>
+            <a:r>
+              <a:rPr lang="en-TR" sz="5000" dirty="0"/>
+              <a:t>Demo</a:t>
+            </a:r>
+          </a:p>
+        </p:txBody>
+      </p:sp>
+    </p:spTree>
+    <p:extLst>
+      <p:ext uri="{BB962C8B-B14F-4D97-AF65-F5344CB8AC3E}">
+        <p14:creationId xmlns:p14="http://schemas.microsoft.com/office/powerpoint/2010/main" val="252609987"/>
+      </p:ext>
+    </p:extLst>
+  </p:cSld>
+  <p:clrMapOvr>
+    <a:masterClrMapping/>
+  </p:clrMapOvr>
+</p:sld>
+</file>
+
+<file path=ppt/slides/slide44.xml><?xml version="1.0" encoding="utf-8"?>
+<p:sld xmlns:a="http://schemas.openxmlformats.org/drawingml/2006/main" xmlns:r="http://schemas.openxmlformats.org/officeDocument/2006/relationships" xmlns:p="http://schemas.openxmlformats.org/presentationml/2006/main">
+  <p:cSld>
+    <p:spTree>
+      <p:nvGrpSpPr>
+        <p:cNvPr id="1" name="">
+          <a:extLst>
+            <a:ext uri="{FF2B5EF4-FFF2-40B4-BE49-F238E27FC236}">
+              <a16:creationId xmlns:a16="http://schemas.microsoft.com/office/drawing/2014/main" id="{87DCC3A3-512F-0E09-F484-B709BCB33C5E}"/>
+            </a:ext>
+          </a:extLst>
+        </p:cNvPr>
+        <p:cNvGrpSpPr/>
+        <p:nvPr/>
+      </p:nvGrpSpPr>
+      <p:grpSpPr>
+        <a:xfrm>
+          <a:off x="0" y="0"/>
+          <a:ext cx="0" cy="0"/>
+          <a:chOff x="0" y="0"/>
+          <a:chExt cx="0" cy="0"/>
+        </a:xfrm>
+      </p:grpSpPr>
+      <p:sp>
+        <p:nvSpPr>
+          <p:cNvPr id="2" name="Title 1">
+            <a:extLst>
+              <a:ext uri="{FF2B5EF4-FFF2-40B4-BE49-F238E27FC236}">
+                <a16:creationId xmlns:a16="http://schemas.microsoft.com/office/drawing/2014/main" id="{92126FD8-EBC0-9245-2652-A5DD290AE26C}"/>
+              </a:ext>
+            </a:extLst>
+          </p:cNvPr>
+          <p:cNvSpPr>
+            <a:spLocks noGrp="1"/>
+          </p:cNvSpPr>
+          <p:nvPr>
+            <p:ph type="title"/>
+          </p:nvPr>
+        </p:nvSpPr>
+        <p:spPr/>
+        <p:txBody>
+          <a:bodyPr/>
+          <a:lstStyle/>
+          <a:p>
+            <a:r>
+              <a:rPr lang="en-TR" b="1" dirty="0"/>
+              <a:t>Command Pattern ile</a:t>
+            </a:r>
+          </a:p>
+        </p:txBody>
+      </p:sp>
+      <p:sp>
+        <p:nvSpPr>
+          <p:cNvPr id="3" name="Content Placeholder 2">
+            <a:extLst>
+              <a:ext uri="{FF2B5EF4-FFF2-40B4-BE49-F238E27FC236}">
+                <a16:creationId xmlns:a16="http://schemas.microsoft.com/office/drawing/2014/main" id="{31D25301-E285-97CE-7DD1-659375AFD618}"/>
+              </a:ext>
+            </a:extLst>
+          </p:cNvPr>
+          <p:cNvSpPr>
+            <a:spLocks noGrp="1"/>
+          </p:cNvSpPr>
+          <p:nvPr>
+            <p:ph idx="1"/>
+          </p:nvPr>
+        </p:nvSpPr>
+        <p:spPr>
+          <a:xfrm>
+            <a:off x="838200" y="1825625"/>
+            <a:ext cx="10515600" cy="1777111"/>
+          </a:xfrm>
+        </p:spPr>
+        <p:txBody>
+          <a:bodyPr>
+            <a:normAutofit/>
+          </a:bodyPr>
+          <a:lstStyle/>
+          <a:p>
+            <a:r>
+              <a:rPr lang="en-TR" dirty="0"/>
+              <a:t>Değişimi kolaylıkla yönetebiliyoruz.</a:t>
+            </a:r>
+          </a:p>
+          <a:p>
+            <a:r>
+              <a:rPr lang="en-TR" dirty="0"/>
+              <a:t>Yazılım Prensiplerinden SRP ve OCP uygun hale getirebiliyoruz.</a:t>
+            </a:r>
+          </a:p>
+          <a:p>
+            <a:r>
+              <a:rPr lang="en-TR" dirty="0"/>
+              <a:t>Daha az if-else, switch-case yazıyoruz.</a:t>
+            </a:r>
+          </a:p>
+          <a:p>
+            <a:pPr marL="0" indent="0">
+              <a:buNone/>
+            </a:pPr>
+            <a:endParaRPr lang="en-TR" dirty="0"/>
+          </a:p>
+          <a:p>
+            <a:pPr marL="0" indent="0">
+              <a:buNone/>
+            </a:pPr>
+            <a:endParaRPr lang="en-TR" dirty="0"/>
+          </a:p>
+          <a:p>
+            <a:pPr marL="0" indent="0">
+              <a:buNone/>
+            </a:pPr>
+            <a:endParaRPr lang="en-TR" dirty="0"/>
+          </a:p>
+          <a:p>
+            <a:pPr marL="0" indent="0">
+              <a:buNone/>
+            </a:pPr>
+            <a:endParaRPr lang="en-TR" dirty="0"/>
+          </a:p>
+          <a:p>
+            <a:pPr marL="0" indent="0">
+              <a:buNone/>
+            </a:pPr>
+            <a:endParaRPr lang="en-TR" dirty="0"/>
+          </a:p>
+          <a:p>
+            <a:endParaRPr lang="en-TR" dirty="0"/>
+          </a:p>
+        </p:txBody>
+      </p:sp>
+      <p:sp>
+        <p:nvSpPr>
+          <p:cNvPr id="4" name="Content Placeholder 2">
+            <a:extLst>
+              <a:ext uri="{FF2B5EF4-FFF2-40B4-BE49-F238E27FC236}">
+                <a16:creationId xmlns:a16="http://schemas.microsoft.com/office/drawing/2014/main" id="{F4AA6715-CAD6-CBEC-BDFD-56B798181F38}"/>
+              </a:ext>
+            </a:extLst>
+          </p:cNvPr>
+          <p:cNvSpPr txBox="1">
+            <a:spLocks/>
+          </p:cNvSpPr>
+          <p:nvPr/>
+        </p:nvSpPr>
+        <p:spPr>
+          <a:xfrm>
+            <a:off x="838200" y="3825113"/>
+            <a:ext cx="10515600" cy="2667762"/>
+          </a:xfrm>
+          <a:prstGeom prst="rect">
+            <a:avLst/>
+          </a:prstGeom>
+        </p:spPr>
+        <p:txBody>
+          <a:bodyPr vert="horz" lIns="91440" tIns="45720" rIns="91440" bIns="45720" rtlCol="0">
+            <a:normAutofit/>
+          </a:bodyPr>
+          <a:lstStyle>
+            <a:lvl1pPr marL="228600" indent="-228600" algn="l" defTabSz="914400" rtl="0" eaLnBrk="1" latinLnBrk="0" hangingPunct="1">
+              <a:lnSpc>
+                <a:spcPct val="90000"/>
+              </a:lnSpc>
+              <a:spcBef>
+                <a:spcPts val="1000"/>
+              </a:spcBef>
+              <a:buFont typeface="Arial" panose="020B0604020202020204" pitchFamily="34" charset="0"/>
+              <a:buChar char="•"/>
+              <a:defRPr sz="2800" kern="1200">
+                <a:solidFill>
+                  <a:schemeClr val="tx1"/>
+                </a:solidFill>
+                <a:latin typeface="+mn-lt"/>
+                <a:ea typeface="+mn-ea"/>
+                <a:cs typeface="+mn-cs"/>
+              </a:defRPr>
+            </a:lvl1pPr>
+            <a:lvl2pPr marL="685800" indent="-228600" algn="l" defTabSz="914400" rtl="0" eaLnBrk="1" latinLnBrk="0" hangingPunct="1">
+              <a:lnSpc>
+                <a:spcPct val="90000"/>
+              </a:lnSpc>
+              <a:spcBef>
+                <a:spcPts val="500"/>
+              </a:spcBef>
+              <a:buFont typeface="Arial" panose="020B0604020202020204" pitchFamily="34" charset="0"/>
+              <a:buChar char="•"/>
+              <a:defRPr sz="2400" kern="1200">
+                <a:solidFill>
+                  <a:schemeClr val="tx1"/>
+                </a:solidFill>
+                <a:latin typeface="+mn-lt"/>
+                <a:ea typeface="+mn-ea"/>
+                <a:cs typeface="+mn-cs"/>
+              </a:defRPr>
+            </a:lvl2pPr>
+            <a:lvl3pPr marL="1143000" indent="-228600" algn="l" defTabSz="914400" rtl="0" eaLnBrk="1" latinLnBrk="0" hangingPunct="1">
+              <a:lnSpc>
+                <a:spcPct val="90000"/>
+              </a:lnSpc>
+              <a:spcBef>
+                <a:spcPts val="500"/>
+              </a:spcBef>
+              <a:buFont typeface="Arial" panose="020B0604020202020204" pitchFamily="34" charset="0"/>
+              <a:buChar char="•"/>
+              <a:defRPr sz="2000" kern="1200">
+                <a:solidFill>
+                  <a:schemeClr val="tx1"/>
+                </a:solidFill>
+                <a:latin typeface="+mn-lt"/>
+                <a:ea typeface="+mn-ea"/>
+                <a:cs typeface="+mn-cs"/>
+              </a:defRPr>
+            </a:lvl3pPr>
+            <a:lvl4pPr marL="1600200" indent="-228600" algn="l" defTabSz="914400" rtl="0" eaLnBrk="1" latinLnBrk="0" hangingPunct="1">
+              <a:lnSpc>
+                <a:spcPct val="90000"/>
+              </a:lnSpc>
+              <a:spcBef>
+                <a:spcPts val="500"/>
+              </a:spcBef>
+              <a:buFont typeface="Arial" panose="020B0604020202020204" pitchFamily="34" charset="0"/>
+              <a:buChar char="•"/>
+              <a:defRPr sz="1800" kern="1200">
+                <a:solidFill>
+                  <a:schemeClr val="tx1"/>
+                </a:solidFill>
+                <a:latin typeface="+mn-lt"/>
+                <a:ea typeface="+mn-ea"/>
+                <a:cs typeface="+mn-cs"/>
+              </a:defRPr>
+            </a:lvl4pPr>
+            <a:lvl5pPr marL="2057400" indent="-228600" algn="l" defTabSz="914400" rtl="0" eaLnBrk="1" latinLnBrk="0" hangingPunct="1">
+              <a:lnSpc>
+                <a:spcPct val="90000"/>
+              </a:lnSpc>
+              <a:spcBef>
+                <a:spcPts val="500"/>
+              </a:spcBef>
+              <a:buFont typeface="Arial" panose="020B0604020202020204" pitchFamily="34" charset="0"/>
+              <a:buChar char="•"/>
+              <a:defRPr sz="1800" kern="1200">
+                <a:solidFill>
+                  <a:schemeClr val="tx1"/>
+                </a:solidFill>
+                <a:latin typeface="+mn-lt"/>
+                <a:ea typeface="+mn-ea"/>
+                <a:cs typeface="+mn-cs"/>
+              </a:defRPr>
+            </a:lvl5pPr>
+            <a:lvl6pPr marL="2514600" indent="-228600" algn="l" defTabSz="914400" rtl="0" eaLnBrk="1" latinLnBrk="0" hangingPunct="1">
+              <a:lnSpc>
+                <a:spcPct val="90000"/>
+              </a:lnSpc>
+              <a:spcBef>
+                <a:spcPts val="500"/>
+              </a:spcBef>
+              <a:buFont typeface="Arial" panose="020B0604020202020204" pitchFamily="34" charset="0"/>
+              <a:buChar char="•"/>
+              <a:defRPr sz="1800" kern="1200">
+                <a:solidFill>
+                  <a:schemeClr val="tx1"/>
+                </a:solidFill>
+                <a:latin typeface="+mn-lt"/>
+                <a:ea typeface="+mn-ea"/>
+                <a:cs typeface="+mn-cs"/>
+              </a:defRPr>
+            </a:lvl6pPr>
+            <a:lvl7pPr marL="2971800" indent="-228600" algn="l" defTabSz="914400" rtl="0" eaLnBrk="1" latinLnBrk="0" hangingPunct="1">
+              <a:lnSpc>
+                <a:spcPct val="90000"/>
+              </a:lnSpc>
+              <a:spcBef>
+                <a:spcPts val="500"/>
+              </a:spcBef>
+              <a:buFont typeface="Arial" panose="020B0604020202020204" pitchFamily="34" charset="0"/>
+              <a:buChar char="•"/>
+              <a:defRPr sz="1800" kern="1200">
+                <a:solidFill>
+                  <a:schemeClr val="tx1"/>
+                </a:solidFill>
+                <a:latin typeface="+mn-lt"/>
+                <a:ea typeface="+mn-ea"/>
+                <a:cs typeface="+mn-cs"/>
+              </a:defRPr>
+            </a:lvl7pPr>
+            <a:lvl8pPr marL="3429000" indent="-228600" algn="l" defTabSz="914400" rtl="0" eaLnBrk="1" latinLnBrk="0" hangingPunct="1">
+              <a:lnSpc>
+                <a:spcPct val="90000"/>
+              </a:lnSpc>
+              <a:spcBef>
+                <a:spcPts val="500"/>
+              </a:spcBef>
+              <a:buFont typeface="Arial" panose="020B0604020202020204" pitchFamily="34" charset="0"/>
+              <a:buChar char="•"/>
+              <a:defRPr sz="1800" kern="1200">
+                <a:solidFill>
+                  <a:schemeClr val="tx1"/>
+                </a:solidFill>
+                <a:latin typeface="+mn-lt"/>
+                <a:ea typeface="+mn-ea"/>
+                <a:cs typeface="+mn-cs"/>
+              </a:defRPr>
+            </a:lvl8pPr>
+            <a:lvl9pPr marL="3886200" indent="-228600" algn="l" defTabSz="914400" rtl="0" eaLnBrk="1" latinLnBrk="0" hangingPunct="1">
+              <a:lnSpc>
+                <a:spcPct val="90000"/>
+              </a:lnSpc>
+              <a:spcBef>
+                <a:spcPts val="500"/>
+              </a:spcBef>
+              <a:buFont typeface="Arial" panose="020B0604020202020204" pitchFamily="34" charset="0"/>
+              <a:buChar char="•"/>
+              <a:defRPr sz="1800" kern="1200">
+                <a:solidFill>
+                  <a:schemeClr val="tx1"/>
+                </a:solidFill>
+                <a:latin typeface="+mn-lt"/>
+                <a:ea typeface="+mn-ea"/>
+                <a:cs typeface="+mn-cs"/>
+              </a:defRPr>
+            </a:lvl9pPr>
+          </a:lstStyle>
+          <a:p>
+            <a:r>
+              <a:rPr lang="en-TR" dirty="0"/>
+              <a:t>Java Kullanılan yerler:</a:t>
+            </a:r>
+          </a:p>
+          <a:p>
+            <a:pPr lvl="1"/>
+            <a:r>
+              <a:rPr lang="en-US" b="1" i="0" u="none" strike="noStrike" dirty="0">
+                <a:solidFill>
+                  <a:srgbClr val="444444"/>
+                </a:solidFill>
+                <a:effectLst/>
+                <a:latin typeface="PT Sans" panose="020B0503020203020204" pitchFamily="34" charset="77"/>
+                <a:hlinkClick r:id="rId2"/>
+              </a:rPr>
+              <a:t>java.util.Comparator#compare()</a:t>
+            </a:r>
+            <a:r>
+              <a:rPr lang="en-US" b="0" i="0" dirty="0">
+                <a:solidFill>
+                  <a:srgbClr val="444444"/>
+                </a:solidFill>
+                <a:effectLst/>
+                <a:latin typeface="PT Sans" panose="020B0503020203020204" pitchFamily="34" charset="77"/>
+              </a:rPr>
+              <a:t> called from </a:t>
+            </a:r>
+            <a:r>
+              <a:rPr lang="en-US" b="0" i="0" dirty="0" err="1">
+                <a:solidFill>
+                  <a:srgbClr val="444444"/>
+                </a:solidFill>
+                <a:effectLst/>
+                <a:latin typeface="PT Sans" panose="020B0503020203020204" pitchFamily="34" charset="77"/>
+              </a:rPr>
+              <a:t>Collections#sort</a:t>
+            </a:r>
+            <a:r>
+              <a:rPr lang="en-US" b="0" i="0" dirty="0">
+                <a:solidFill>
+                  <a:srgbClr val="444444"/>
+                </a:solidFill>
+                <a:effectLst/>
+                <a:latin typeface="PT Sans" panose="020B0503020203020204" pitchFamily="34" charset="77"/>
+              </a:rPr>
+              <a:t>().</a:t>
+            </a:r>
+          </a:p>
+          <a:p>
+            <a:pPr lvl="1"/>
+            <a:r>
+              <a:rPr lang="en-US" b="1" i="0" u="none" strike="noStrike" dirty="0">
+                <a:solidFill>
+                  <a:srgbClr val="444444"/>
+                </a:solidFill>
+                <a:effectLst/>
+                <a:latin typeface="PT Sans" panose="020B0503020203020204" pitchFamily="34" charset="77"/>
+                <a:hlinkClick r:id="rId3"/>
+              </a:rPr>
+              <a:t>javax.servlet.http.HttpServlet</a:t>
+            </a:r>
+            <a:r>
+              <a:rPr lang="en-US" b="0" i="0" dirty="0">
+                <a:solidFill>
+                  <a:srgbClr val="444444"/>
+                </a:solidFill>
+                <a:effectLst/>
+                <a:latin typeface="PT Sans" panose="020B0503020203020204" pitchFamily="34" charset="77"/>
+              </a:rPr>
+              <a:t>: service() method, plus all of the </a:t>
+            </a:r>
+            <a:r>
+              <a:rPr lang="en-US" b="0" i="0" dirty="0" err="1">
+                <a:solidFill>
+                  <a:srgbClr val="444444"/>
+                </a:solidFill>
+                <a:effectLst/>
+                <a:latin typeface="PT Sans" panose="020B0503020203020204" pitchFamily="34" charset="77"/>
+              </a:rPr>
+              <a:t>doXXX</a:t>
+            </a:r>
+            <a:r>
+              <a:rPr lang="en-US" b="0" i="0" dirty="0">
+                <a:solidFill>
+                  <a:srgbClr val="444444"/>
+                </a:solidFill>
+                <a:effectLst/>
+                <a:latin typeface="PT Sans" panose="020B0503020203020204" pitchFamily="34" charset="77"/>
+              </a:rPr>
+              <a:t>() methods that accept </a:t>
+            </a:r>
+            <a:r>
+              <a:rPr lang="en-US" b="0" i="0" dirty="0" err="1">
+                <a:solidFill>
+                  <a:srgbClr val="444444"/>
+                </a:solidFill>
+                <a:effectLst/>
+                <a:latin typeface="PT Sans" panose="020B0503020203020204" pitchFamily="34" charset="77"/>
+              </a:rPr>
+              <a:t>HttpServletRequest</a:t>
+            </a:r>
+            <a:r>
+              <a:rPr lang="en-US" b="0" i="0" dirty="0">
+                <a:solidFill>
+                  <a:srgbClr val="444444"/>
+                </a:solidFill>
+                <a:effectLst/>
+                <a:latin typeface="PT Sans" panose="020B0503020203020204" pitchFamily="34" charset="77"/>
+              </a:rPr>
+              <a:t> and </a:t>
+            </a:r>
+            <a:r>
+              <a:rPr lang="en-US" b="0" i="0" dirty="0" err="1">
+                <a:solidFill>
+                  <a:srgbClr val="444444"/>
+                </a:solidFill>
+                <a:effectLst/>
+                <a:latin typeface="PT Sans" panose="020B0503020203020204" pitchFamily="34" charset="77"/>
+              </a:rPr>
+              <a:t>HttpServletResponse</a:t>
+            </a:r>
+            <a:r>
+              <a:rPr lang="en-US" b="0" i="0" dirty="0">
+                <a:solidFill>
+                  <a:srgbClr val="444444"/>
+                </a:solidFill>
+                <a:effectLst/>
+                <a:latin typeface="PT Sans" panose="020B0503020203020204" pitchFamily="34" charset="77"/>
+              </a:rPr>
+              <a:t> objects as arguments.</a:t>
+            </a:r>
+          </a:p>
+          <a:p>
+            <a:pPr lvl="1"/>
+            <a:r>
+              <a:rPr lang="en-US" b="1" i="0" u="none" strike="noStrike" dirty="0">
+                <a:solidFill>
+                  <a:srgbClr val="444444"/>
+                </a:solidFill>
+                <a:effectLst/>
+                <a:latin typeface="PT Sans" panose="020B0503020203020204" pitchFamily="34" charset="77"/>
+                <a:hlinkClick r:id="rId4"/>
+              </a:rPr>
+              <a:t>javax.servlet.Filter#doFilter()</a:t>
+            </a:r>
+            <a:endParaRPr lang="en-US" b="0" i="0" dirty="0">
+              <a:solidFill>
+                <a:srgbClr val="444444"/>
+              </a:solidFill>
+              <a:effectLst/>
+              <a:latin typeface="PT Sans" panose="020B0503020203020204" pitchFamily="34" charset="77"/>
+            </a:endParaRPr>
+          </a:p>
+          <a:p>
+            <a:endParaRPr lang="en-TR" dirty="0"/>
+          </a:p>
+        </p:txBody>
+      </p:sp>
+    </p:spTree>
+    <p:extLst>
+      <p:ext uri="{BB962C8B-B14F-4D97-AF65-F5344CB8AC3E}">
+        <p14:creationId xmlns:p14="http://schemas.microsoft.com/office/powerpoint/2010/main" val="874565429"/>
+      </p:ext>
+    </p:extLst>
+  </p:cSld>
+  <p:clrMapOvr>
+    <a:masterClrMapping/>
+  </p:clrMapOvr>
+</p:sld>
+</file>
+
+<file path=ppt/slides/slide45.xml><?xml version="1.0" encoding="utf-8"?>
+<p:sld xmlns:a="http://schemas.openxmlformats.org/drawingml/2006/main" xmlns:r="http://schemas.openxmlformats.org/officeDocument/2006/relationships" xmlns:p="http://schemas.openxmlformats.org/presentationml/2006/main">
+  <p:cSld>
+    <p:spTree>
+      <p:nvGrpSpPr>
+        <p:cNvPr id="1" name="">
+          <a:extLst>
+            <a:ext uri="{FF2B5EF4-FFF2-40B4-BE49-F238E27FC236}">
               <a16:creationId xmlns:a16="http://schemas.microsoft.com/office/drawing/2014/main" id="{D6E59942-D0F8-8BE6-B9D6-8DABF6E12DA5}"/>
             </a:ext>
           </a:extLst>
@@ -13044,7 +14634,7 @@
 </p:sld>
 </file>
 
-<file path=ppt/slides/slide39.xml><?xml version="1.0" encoding="utf-8"?>
+<file path=ppt/slides/slide46.xml><?xml version="1.0" encoding="utf-8"?>
 <p:sld xmlns:a="http://schemas.openxmlformats.org/drawingml/2006/main" xmlns:r="http://schemas.openxmlformats.org/officeDocument/2006/relationships" xmlns:p="http://schemas.openxmlformats.org/presentationml/2006/main">
   <p:cSld>
     <p:spTree>
@@ -13347,146 +14937,7 @@
 </p:sld>
 </file>
 
-<file path=ppt/slides/slide4.xml><?xml version="1.0" encoding="utf-8"?>
-<p:sld xmlns:a="http://schemas.openxmlformats.org/drawingml/2006/main" xmlns:r="http://schemas.openxmlformats.org/officeDocument/2006/relationships" xmlns:p="http://schemas.openxmlformats.org/presentationml/2006/main">
-  <p:cSld>
-    <p:spTree>
-      <p:nvGrpSpPr>
-        <p:cNvPr id="1" name="">
-          <a:extLst>
-            <a:ext uri="{FF2B5EF4-FFF2-40B4-BE49-F238E27FC236}">
-              <a16:creationId xmlns:a16="http://schemas.microsoft.com/office/drawing/2014/main" id="{98443915-E84B-8BBF-6B3A-5D9EA8D64776}"/>
-            </a:ext>
-          </a:extLst>
-        </p:cNvPr>
-        <p:cNvGrpSpPr/>
-        <p:nvPr/>
-      </p:nvGrpSpPr>
-      <p:grpSpPr>
-        <a:xfrm>
-          <a:off x="0" y="0"/>
-          <a:ext cx="0" cy="0"/>
-          <a:chOff x="0" y="0"/>
-          <a:chExt cx="0" cy="0"/>
-        </a:xfrm>
-      </p:grpSpPr>
-      <p:sp>
-        <p:nvSpPr>
-          <p:cNvPr id="2" name="Title 1">
-            <a:extLst>
-              <a:ext uri="{FF2B5EF4-FFF2-40B4-BE49-F238E27FC236}">
-                <a16:creationId xmlns:a16="http://schemas.microsoft.com/office/drawing/2014/main" id="{7A154E5D-1A17-5AD9-799B-1405234F80E4}"/>
-              </a:ext>
-            </a:extLst>
-          </p:cNvPr>
-          <p:cNvSpPr>
-            <a:spLocks noGrp="1"/>
-          </p:cNvSpPr>
-          <p:nvPr>
-            <p:ph type="title"/>
-          </p:nvPr>
-        </p:nvSpPr>
-        <p:spPr/>
-        <p:txBody>
-          <a:bodyPr/>
-          <a:lstStyle/>
-          <a:p>
-            <a:r>
-              <a:rPr lang="en-US" b="1" dirty="0"/>
-              <a:t>Singleton</a:t>
-            </a:r>
-            <a:r>
-              <a:rPr lang="en-TR" b="1" dirty="0"/>
-              <a:t> Pattern</a:t>
-            </a:r>
-          </a:p>
-        </p:txBody>
-      </p:sp>
-      <p:sp>
-        <p:nvSpPr>
-          <p:cNvPr id="3" name="Content Placeholder 2">
-            <a:extLst>
-              <a:ext uri="{FF2B5EF4-FFF2-40B4-BE49-F238E27FC236}">
-                <a16:creationId xmlns:a16="http://schemas.microsoft.com/office/drawing/2014/main" id="{94DA18EE-6D80-17BF-49AB-9665012ABA9F}"/>
-              </a:ext>
-            </a:extLst>
-          </p:cNvPr>
-          <p:cNvSpPr>
-            <a:spLocks noGrp="1"/>
-          </p:cNvSpPr>
-          <p:nvPr>
-            <p:ph idx="1"/>
-          </p:nvPr>
-        </p:nvSpPr>
-        <p:spPr/>
-        <p:txBody>
-          <a:bodyPr/>
-          <a:lstStyle/>
-          <a:p>
-            <a:r>
-              <a:rPr lang="en-US" b="1" dirty="0">
-                <a:effectLst/>
-                <a:latin typeface="Helvetica" pitchFamily="2" charset="0"/>
-              </a:rPr>
-              <a:t>The Singleton Pattern </a:t>
-            </a:r>
-            <a:r>
-              <a:rPr lang="en-US" dirty="0">
-                <a:effectLst/>
-                <a:latin typeface="Helvetica" pitchFamily="2" charset="0"/>
-              </a:rPr>
-              <a:t>ensures a class has only one instance, and provides a global point of access to it.</a:t>
-            </a:r>
-            <a:endParaRPr lang="en-US" b="1" dirty="0">
-              <a:effectLst/>
-              <a:latin typeface="Helvetica" pitchFamily="2" charset="0"/>
-            </a:endParaRPr>
-          </a:p>
-          <a:p>
-            <a:endParaRPr lang="en-TR" dirty="0"/>
-          </a:p>
-          <a:p>
-            <a:pPr marL="0" indent="0">
-              <a:buNone/>
-            </a:pPr>
-            <a:endParaRPr lang="en-TR" dirty="0"/>
-          </a:p>
-          <a:p>
-            <a:r>
-              <a:rPr lang="tr-TR" dirty="0" err="1"/>
-              <a:t>Singleton</a:t>
-            </a:r>
-            <a:r>
-              <a:rPr lang="tr-TR" dirty="0"/>
-              <a:t> Modeli, bir sınıfın yalnızca bir nesnesinin oluşmasını sağla ve ona küresel bir erişim noktası sağlar</a:t>
-            </a:r>
-            <a:r>
-              <a:rPr lang="en-US" dirty="0">
-                <a:effectLst/>
-                <a:latin typeface="Helvetica" pitchFamily="2" charset="0"/>
-              </a:rPr>
-              <a:t>. </a:t>
-            </a:r>
-          </a:p>
-          <a:p>
-            <a:endParaRPr lang="en-TR" dirty="0"/>
-          </a:p>
-        </p:txBody>
-      </p:sp>
-    </p:spTree>
-    <p:extLst>
-      <p:ext uri="{BB962C8B-B14F-4D97-AF65-F5344CB8AC3E}">
-        <p14:creationId xmlns:p14="http://schemas.microsoft.com/office/powerpoint/2010/main" val="960659371"/>
-      </p:ext>
-    </p:extLst>
-  </p:cSld>
-  <p:clrMapOvr>
-    <a:masterClrMapping/>
-  </p:clrMapOvr>
-</p:sld>
-</file>
-
-<file path=ppt/slides/slide40.xml><?xml version="1.0" encoding="utf-8"?>
+<file path=ppt/slides/slide47.xml><?xml version="1.0" encoding="utf-8"?>
 <p:sld xmlns:a="http://schemas.openxmlformats.org/drawingml/2006/main" xmlns:r="http://schemas.openxmlformats.org/officeDocument/2006/relationships" xmlns:p="http://schemas.openxmlformats.org/presentationml/2006/main">
   <p:cSld>
     <p:spTree>
@@ -13738,7 +15189,7 @@
 </p:sld>
 </file>
 
-<file path=ppt/slides/slide41.xml><?xml version="1.0" encoding="utf-8"?>
+<file path=ppt/slides/slide48.xml><?xml version="1.0" encoding="utf-8"?>
 <p:sld xmlns:a="http://schemas.openxmlformats.org/drawingml/2006/main" xmlns:r="http://schemas.openxmlformats.org/officeDocument/2006/relationships" xmlns:p="http://schemas.openxmlformats.org/presentationml/2006/main">
   <p:cSld>
     <p:spTree>
@@ -14211,7 +15662,7 @@
 </p:sld>
 </file>
 
-<file path=ppt/slides/slide42.xml><?xml version="1.0" encoding="utf-8"?>
+<file path=ppt/slides/slide49.xml><?xml version="1.0" encoding="utf-8"?>
 <p:sld xmlns:a="http://schemas.openxmlformats.org/drawingml/2006/main" xmlns:r="http://schemas.openxmlformats.org/officeDocument/2006/relationships" xmlns:p="http://schemas.openxmlformats.org/presentationml/2006/main">
   <p:cSld>
     <p:spTree>
@@ -14726,1598 +16177,6 @@
     <p:extLst>
       <p:ext uri="{BB962C8B-B14F-4D97-AF65-F5344CB8AC3E}">
         <p14:creationId xmlns:p14="http://schemas.microsoft.com/office/powerpoint/2010/main" val="1743131794"/>
-      </p:ext>
-    </p:extLst>
-  </p:cSld>
-  <p:clrMapOvr>
-    <a:masterClrMapping/>
-  </p:clrMapOvr>
-</p:sld>
-</file>
-
-<file path=ppt/slides/slide43.xml><?xml version="1.0" encoding="utf-8"?>
-<p:sld xmlns:a="http://schemas.openxmlformats.org/drawingml/2006/main" xmlns:r="http://schemas.openxmlformats.org/officeDocument/2006/relationships" xmlns:p="http://schemas.openxmlformats.org/presentationml/2006/main">
-  <p:cSld>
-    <p:spTree>
-      <p:nvGrpSpPr>
-        <p:cNvPr id="1" name="">
-          <a:extLst>
-            <a:ext uri="{FF2B5EF4-FFF2-40B4-BE49-F238E27FC236}">
-              <a16:creationId xmlns:a16="http://schemas.microsoft.com/office/drawing/2014/main" id="{76BF0D83-944C-3783-0A25-49CFBE974394}"/>
-            </a:ext>
-          </a:extLst>
-        </p:cNvPr>
-        <p:cNvGrpSpPr/>
-        <p:nvPr/>
-      </p:nvGrpSpPr>
-      <p:grpSpPr>
-        <a:xfrm>
-          <a:off x="0" y="0"/>
-          <a:ext cx="0" cy="0"/>
-          <a:chOff x="0" y="0"/>
-          <a:chExt cx="0" cy="0"/>
-        </a:xfrm>
-      </p:grpSpPr>
-      <p:sp>
-        <p:nvSpPr>
-          <p:cNvPr id="2" name="Title 1">
-            <a:extLst>
-              <a:ext uri="{FF2B5EF4-FFF2-40B4-BE49-F238E27FC236}">
-                <a16:creationId xmlns:a16="http://schemas.microsoft.com/office/drawing/2014/main" id="{F195CABB-EB93-CEEB-95C0-8701DF8CB133}"/>
-              </a:ext>
-            </a:extLst>
-          </p:cNvPr>
-          <p:cNvSpPr>
-            <a:spLocks noGrp="1"/>
-          </p:cNvSpPr>
-          <p:nvPr>
-            <p:ph type="title"/>
-          </p:nvPr>
-        </p:nvSpPr>
-        <p:spPr/>
-        <p:txBody>
-          <a:bodyPr/>
-          <a:lstStyle/>
-          <a:p>
-            <a:r>
-              <a:rPr lang="en-TR" dirty="0"/>
-              <a:t>Çözüm..</a:t>
-            </a:r>
-          </a:p>
-        </p:txBody>
-      </p:sp>
-      <p:sp>
-        <p:nvSpPr>
-          <p:cNvPr id="3" name="Content Placeholder 2">
-            <a:extLst>
-              <a:ext uri="{FF2B5EF4-FFF2-40B4-BE49-F238E27FC236}">
-                <a16:creationId xmlns:a16="http://schemas.microsoft.com/office/drawing/2014/main" id="{4E0730FA-74F9-16B7-C518-A0473DEA5A45}"/>
-              </a:ext>
-            </a:extLst>
-          </p:cNvPr>
-          <p:cNvSpPr>
-            <a:spLocks noGrp="1"/>
-          </p:cNvSpPr>
-          <p:nvPr>
-            <p:ph idx="1"/>
-          </p:nvPr>
-        </p:nvSpPr>
-        <p:spPr/>
-        <p:txBody>
-          <a:bodyPr>
-            <a:normAutofit/>
-          </a:bodyPr>
-          <a:lstStyle/>
-          <a:p>
-            <a:pPr marL="0" indent="0">
-              <a:buNone/>
-            </a:pPr>
-            <a:endParaRPr lang="en-TR" sz="5000" dirty="0"/>
-          </a:p>
-          <a:p>
-            <a:pPr marL="0" indent="0">
-              <a:buNone/>
-            </a:pPr>
-            <a:endParaRPr lang="en-TR" sz="5000" dirty="0"/>
-          </a:p>
-          <a:p>
-            <a:pPr marL="0" indent="0">
-              <a:buNone/>
-            </a:pPr>
-            <a:r>
-              <a:rPr lang="en-TR" sz="5000" dirty="0"/>
-              <a:t>Demo</a:t>
-            </a:r>
-          </a:p>
-        </p:txBody>
-      </p:sp>
-    </p:spTree>
-    <p:extLst>
-      <p:ext uri="{BB962C8B-B14F-4D97-AF65-F5344CB8AC3E}">
-        <p14:creationId xmlns:p14="http://schemas.microsoft.com/office/powerpoint/2010/main" val="3401397984"/>
-      </p:ext>
-    </p:extLst>
-  </p:cSld>
-  <p:clrMapOvr>
-    <a:masterClrMapping/>
-  </p:clrMapOvr>
-</p:sld>
-</file>
-
-<file path=ppt/slides/slide44.xml><?xml version="1.0" encoding="utf-8"?>
-<p:sld xmlns:a="http://schemas.openxmlformats.org/drawingml/2006/main" xmlns:r="http://schemas.openxmlformats.org/officeDocument/2006/relationships" xmlns:p="http://schemas.openxmlformats.org/presentationml/2006/main">
-  <p:cSld>
-    <p:spTree>
-      <p:nvGrpSpPr>
-        <p:cNvPr id="1" name="">
-          <a:extLst>
-            <a:ext uri="{FF2B5EF4-FFF2-40B4-BE49-F238E27FC236}">
-              <a16:creationId xmlns:a16="http://schemas.microsoft.com/office/drawing/2014/main" id="{35C47B91-606C-1819-A0C6-C96897921ED4}"/>
-            </a:ext>
-          </a:extLst>
-        </p:cNvPr>
-        <p:cNvGrpSpPr/>
-        <p:nvPr/>
-      </p:nvGrpSpPr>
-      <p:grpSpPr>
-        <a:xfrm>
-          <a:off x="0" y="0"/>
-          <a:ext cx="0" cy="0"/>
-          <a:chOff x="0" y="0"/>
-          <a:chExt cx="0" cy="0"/>
-        </a:xfrm>
-      </p:grpSpPr>
-      <p:sp>
-        <p:nvSpPr>
-          <p:cNvPr id="2" name="Title 1">
-            <a:extLst>
-              <a:ext uri="{FF2B5EF4-FFF2-40B4-BE49-F238E27FC236}">
-                <a16:creationId xmlns:a16="http://schemas.microsoft.com/office/drawing/2014/main" id="{8ED48942-EC8E-C965-158E-5D400107D5E2}"/>
-              </a:ext>
-            </a:extLst>
-          </p:cNvPr>
-          <p:cNvSpPr>
-            <a:spLocks noGrp="1"/>
-          </p:cNvSpPr>
-          <p:nvPr>
-            <p:ph type="title"/>
-          </p:nvPr>
-        </p:nvSpPr>
-        <p:spPr/>
-        <p:txBody>
-          <a:bodyPr/>
-          <a:lstStyle/>
-          <a:p>
-            <a:r>
-              <a:rPr lang="en-TR" b="1" dirty="0"/>
-              <a:t>Observer Pattern ile</a:t>
-            </a:r>
-          </a:p>
-        </p:txBody>
-      </p:sp>
-      <p:sp>
-        <p:nvSpPr>
-          <p:cNvPr id="3" name="Content Placeholder 2">
-            <a:extLst>
-              <a:ext uri="{FF2B5EF4-FFF2-40B4-BE49-F238E27FC236}">
-                <a16:creationId xmlns:a16="http://schemas.microsoft.com/office/drawing/2014/main" id="{260F79AE-B471-35D8-EC6D-948BA79F4A55}"/>
-              </a:ext>
-            </a:extLst>
-          </p:cNvPr>
-          <p:cNvSpPr>
-            <a:spLocks noGrp="1"/>
-          </p:cNvSpPr>
-          <p:nvPr>
-            <p:ph idx="1"/>
-          </p:nvPr>
-        </p:nvSpPr>
-        <p:spPr>
-          <a:xfrm>
-            <a:off x="838200" y="1478784"/>
-            <a:ext cx="10515600" cy="1777111"/>
-          </a:xfrm>
-        </p:spPr>
-        <p:txBody>
-          <a:bodyPr>
-            <a:normAutofit/>
-          </a:bodyPr>
-          <a:lstStyle/>
-          <a:p>
-            <a:r>
-              <a:rPr lang="en-TR" dirty="0"/>
-              <a:t>Bir nesnenin durumundan haberdar olmak istediğimizde bu tasarım deseni kullanılır.</a:t>
-            </a:r>
-          </a:p>
-          <a:p>
-            <a:r>
-              <a:rPr lang="en-TR" dirty="0"/>
-              <a:t>Loosely coupling yapı</a:t>
-            </a:r>
-          </a:p>
-          <a:p>
-            <a:pPr marL="0" indent="0">
-              <a:buNone/>
-            </a:pPr>
-            <a:endParaRPr lang="en-TR" dirty="0"/>
-          </a:p>
-          <a:p>
-            <a:pPr marL="0" indent="0">
-              <a:buNone/>
-            </a:pPr>
-            <a:endParaRPr lang="en-TR" dirty="0"/>
-          </a:p>
-          <a:p>
-            <a:pPr marL="0" indent="0">
-              <a:buNone/>
-            </a:pPr>
-            <a:endParaRPr lang="en-TR" dirty="0"/>
-          </a:p>
-          <a:p>
-            <a:pPr marL="0" indent="0">
-              <a:buNone/>
-            </a:pPr>
-            <a:endParaRPr lang="en-TR" dirty="0"/>
-          </a:p>
-          <a:p>
-            <a:pPr marL="0" indent="0">
-              <a:buNone/>
-            </a:pPr>
-            <a:endParaRPr lang="en-TR" dirty="0"/>
-          </a:p>
-          <a:p>
-            <a:endParaRPr lang="en-TR" dirty="0"/>
-          </a:p>
-        </p:txBody>
-      </p:sp>
-      <p:sp>
-        <p:nvSpPr>
-          <p:cNvPr id="4" name="Content Placeholder 2">
-            <a:extLst>
-              <a:ext uri="{FF2B5EF4-FFF2-40B4-BE49-F238E27FC236}">
-                <a16:creationId xmlns:a16="http://schemas.microsoft.com/office/drawing/2014/main" id="{9CDCAB63-5A1D-A215-4F3C-77319CF42103}"/>
-              </a:ext>
-            </a:extLst>
-          </p:cNvPr>
-          <p:cNvSpPr txBox="1">
-            <a:spLocks/>
-          </p:cNvSpPr>
-          <p:nvPr/>
-        </p:nvSpPr>
-        <p:spPr>
-          <a:xfrm>
-            <a:off x="838200" y="3813768"/>
-            <a:ext cx="10515600" cy="1290254"/>
-          </a:xfrm>
-          <a:prstGeom prst="rect">
-            <a:avLst/>
-          </a:prstGeom>
-        </p:spPr>
-        <p:txBody>
-          <a:bodyPr vert="horz" lIns="91440" tIns="45720" rIns="91440" bIns="45720" rtlCol="0">
-            <a:normAutofit/>
-          </a:bodyPr>
-          <a:lstStyle>
-            <a:lvl1pPr marL="228600" indent="-228600" algn="l" defTabSz="914400" rtl="0" eaLnBrk="1" latinLnBrk="0" hangingPunct="1">
-              <a:lnSpc>
-                <a:spcPct val="90000"/>
-              </a:lnSpc>
-              <a:spcBef>
-                <a:spcPts val="1000"/>
-              </a:spcBef>
-              <a:buFont typeface="Arial" panose="020B0604020202020204" pitchFamily="34" charset="0"/>
-              <a:buChar char="•"/>
-              <a:defRPr sz="2800" kern="1200">
-                <a:solidFill>
-                  <a:schemeClr val="tx1"/>
-                </a:solidFill>
-                <a:latin typeface="+mn-lt"/>
-                <a:ea typeface="+mn-ea"/>
-                <a:cs typeface="+mn-cs"/>
-              </a:defRPr>
-            </a:lvl1pPr>
-            <a:lvl2pPr marL="685800" indent="-228600" algn="l" defTabSz="914400" rtl="0" eaLnBrk="1" latinLnBrk="0" hangingPunct="1">
-              <a:lnSpc>
-                <a:spcPct val="90000"/>
-              </a:lnSpc>
-              <a:spcBef>
-                <a:spcPts val="500"/>
-              </a:spcBef>
-              <a:buFont typeface="Arial" panose="020B0604020202020204" pitchFamily="34" charset="0"/>
-              <a:buChar char="•"/>
-              <a:defRPr sz="2400" kern="1200">
-                <a:solidFill>
-                  <a:schemeClr val="tx1"/>
-                </a:solidFill>
-                <a:latin typeface="+mn-lt"/>
-                <a:ea typeface="+mn-ea"/>
-                <a:cs typeface="+mn-cs"/>
-              </a:defRPr>
-            </a:lvl2pPr>
-            <a:lvl3pPr marL="1143000" indent="-228600" algn="l" defTabSz="914400" rtl="0" eaLnBrk="1" latinLnBrk="0" hangingPunct="1">
-              <a:lnSpc>
-                <a:spcPct val="90000"/>
-              </a:lnSpc>
-              <a:spcBef>
-                <a:spcPts val="500"/>
-              </a:spcBef>
-              <a:buFont typeface="Arial" panose="020B0604020202020204" pitchFamily="34" charset="0"/>
-              <a:buChar char="•"/>
-              <a:defRPr sz="2000" kern="1200">
-                <a:solidFill>
-                  <a:schemeClr val="tx1"/>
-                </a:solidFill>
-                <a:latin typeface="+mn-lt"/>
-                <a:ea typeface="+mn-ea"/>
-                <a:cs typeface="+mn-cs"/>
-              </a:defRPr>
-            </a:lvl3pPr>
-            <a:lvl4pPr marL="1600200" indent="-228600" algn="l" defTabSz="914400" rtl="0" eaLnBrk="1" latinLnBrk="0" hangingPunct="1">
-              <a:lnSpc>
-                <a:spcPct val="90000"/>
-              </a:lnSpc>
-              <a:spcBef>
-                <a:spcPts val="500"/>
-              </a:spcBef>
-              <a:buFont typeface="Arial" panose="020B0604020202020204" pitchFamily="34" charset="0"/>
-              <a:buChar char="•"/>
-              <a:defRPr sz="1800" kern="1200">
-                <a:solidFill>
-                  <a:schemeClr val="tx1"/>
-                </a:solidFill>
-                <a:latin typeface="+mn-lt"/>
-                <a:ea typeface="+mn-ea"/>
-                <a:cs typeface="+mn-cs"/>
-              </a:defRPr>
-            </a:lvl4pPr>
-            <a:lvl5pPr marL="2057400" indent="-228600" algn="l" defTabSz="914400" rtl="0" eaLnBrk="1" latinLnBrk="0" hangingPunct="1">
-              <a:lnSpc>
-                <a:spcPct val="90000"/>
-              </a:lnSpc>
-              <a:spcBef>
-                <a:spcPts val="500"/>
-              </a:spcBef>
-              <a:buFont typeface="Arial" panose="020B0604020202020204" pitchFamily="34" charset="0"/>
-              <a:buChar char="•"/>
-              <a:defRPr sz="1800" kern="1200">
-                <a:solidFill>
-                  <a:schemeClr val="tx1"/>
-                </a:solidFill>
-                <a:latin typeface="+mn-lt"/>
-                <a:ea typeface="+mn-ea"/>
-                <a:cs typeface="+mn-cs"/>
-              </a:defRPr>
-            </a:lvl5pPr>
-            <a:lvl6pPr marL="2514600" indent="-228600" algn="l" defTabSz="914400" rtl="0" eaLnBrk="1" latinLnBrk="0" hangingPunct="1">
-              <a:lnSpc>
-                <a:spcPct val="90000"/>
-              </a:lnSpc>
-              <a:spcBef>
-                <a:spcPts val="500"/>
-              </a:spcBef>
-              <a:buFont typeface="Arial" panose="020B0604020202020204" pitchFamily="34" charset="0"/>
-              <a:buChar char="•"/>
-              <a:defRPr sz="1800" kern="1200">
-                <a:solidFill>
-                  <a:schemeClr val="tx1"/>
-                </a:solidFill>
-                <a:latin typeface="+mn-lt"/>
-                <a:ea typeface="+mn-ea"/>
-                <a:cs typeface="+mn-cs"/>
-              </a:defRPr>
-            </a:lvl6pPr>
-            <a:lvl7pPr marL="2971800" indent="-228600" algn="l" defTabSz="914400" rtl="0" eaLnBrk="1" latinLnBrk="0" hangingPunct="1">
-              <a:lnSpc>
-                <a:spcPct val="90000"/>
-              </a:lnSpc>
-              <a:spcBef>
-                <a:spcPts val="500"/>
-              </a:spcBef>
-              <a:buFont typeface="Arial" panose="020B0604020202020204" pitchFamily="34" charset="0"/>
-              <a:buChar char="•"/>
-              <a:defRPr sz="1800" kern="1200">
-                <a:solidFill>
-                  <a:schemeClr val="tx1"/>
-                </a:solidFill>
-                <a:latin typeface="+mn-lt"/>
-                <a:ea typeface="+mn-ea"/>
-                <a:cs typeface="+mn-cs"/>
-              </a:defRPr>
-            </a:lvl7pPr>
-            <a:lvl8pPr marL="3429000" indent="-228600" algn="l" defTabSz="914400" rtl="0" eaLnBrk="1" latinLnBrk="0" hangingPunct="1">
-              <a:lnSpc>
-                <a:spcPct val="90000"/>
-              </a:lnSpc>
-              <a:spcBef>
-                <a:spcPts val="500"/>
-              </a:spcBef>
-              <a:buFont typeface="Arial" panose="020B0604020202020204" pitchFamily="34" charset="0"/>
-              <a:buChar char="•"/>
-              <a:defRPr sz="1800" kern="1200">
-                <a:solidFill>
-                  <a:schemeClr val="tx1"/>
-                </a:solidFill>
-                <a:latin typeface="+mn-lt"/>
-                <a:ea typeface="+mn-ea"/>
-                <a:cs typeface="+mn-cs"/>
-              </a:defRPr>
-            </a:lvl8pPr>
-            <a:lvl9pPr marL="3886200" indent="-228600" algn="l" defTabSz="914400" rtl="0" eaLnBrk="1" latinLnBrk="0" hangingPunct="1">
-              <a:lnSpc>
-                <a:spcPct val="90000"/>
-              </a:lnSpc>
-              <a:spcBef>
-                <a:spcPts val="500"/>
-              </a:spcBef>
-              <a:buFont typeface="Arial" panose="020B0604020202020204" pitchFamily="34" charset="0"/>
-              <a:buChar char="•"/>
-              <a:defRPr sz="1800" kern="1200">
-                <a:solidFill>
-                  <a:schemeClr val="tx1"/>
-                </a:solidFill>
-                <a:latin typeface="+mn-lt"/>
-                <a:ea typeface="+mn-ea"/>
-                <a:cs typeface="+mn-cs"/>
-              </a:defRPr>
-            </a:lvl9pPr>
-          </a:lstStyle>
-          <a:p>
-            <a:r>
-              <a:rPr lang="en-TR" dirty="0"/>
-              <a:t>Java Kullanılan yerler:</a:t>
-            </a:r>
-          </a:p>
-          <a:p>
-            <a:pPr lvl="1"/>
-            <a:r>
-              <a:rPr lang="en-US" b="1" i="0" u="none" strike="noStrike" dirty="0" err="1">
-                <a:solidFill>
-                  <a:srgbClr val="444444"/>
-                </a:solidFill>
-                <a:effectLst/>
-                <a:latin typeface="PT Sans" panose="020B0503020203020204" pitchFamily="34" charset="77"/>
-              </a:rPr>
-              <a:t>Java.util</a:t>
-            </a:r>
-            <a:r>
-              <a:rPr lang="en-US" b="1" i="0" u="none" strike="noStrike" dirty="0">
-                <a:solidFill>
-                  <a:srgbClr val="444444"/>
-                </a:solidFill>
-                <a:effectLst/>
-                <a:latin typeface="PT Sans" panose="020B0503020203020204" pitchFamily="34" charset="77"/>
-              </a:rPr>
-              <a:t> </a:t>
-            </a:r>
-            <a:r>
-              <a:rPr lang="en-US" b="1" i="0" u="none" strike="noStrike" dirty="0" err="1">
-                <a:solidFill>
-                  <a:srgbClr val="444444"/>
-                </a:solidFill>
-                <a:effectLst/>
-                <a:latin typeface="PT Sans" panose="020B0503020203020204" pitchFamily="34" charset="77"/>
-              </a:rPr>
-              <a:t>paketinde</a:t>
-            </a:r>
-            <a:r>
-              <a:rPr lang="en-US" b="1" i="0" u="none" strike="noStrike" dirty="0">
-                <a:solidFill>
-                  <a:srgbClr val="444444"/>
-                </a:solidFill>
-                <a:effectLst/>
-                <a:latin typeface="PT Sans" panose="020B0503020203020204" pitchFamily="34" charset="77"/>
-              </a:rPr>
-              <a:t> Observable </a:t>
-            </a:r>
-            <a:r>
-              <a:rPr lang="en-US" b="1" i="0" u="none" strike="noStrike" dirty="0" err="1">
-                <a:solidFill>
-                  <a:srgbClr val="444444"/>
-                </a:solidFill>
-                <a:effectLst/>
-                <a:latin typeface="PT Sans" panose="020B0503020203020204" pitchFamily="34" charset="77"/>
-              </a:rPr>
-              <a:t>sınıfı</a:t>
-            </a:r>
-            <a:r>
-              <a:rPr lang="en-US" b="1" i="0" u="none" strike="noStrike" dirty="0">
-                <a:solidFill>
-                  <a:srgbClr val="444444"/>
-                </a:solidFill>
-                <a:effectLst/>
-                <a:latin typeface="PT Sans" panose="020B0503020203020204" pitchFamily="34" charset="77"/>
-              </a:rPr>
-              <a:t> </a:t>
-            </a:r>
-            <a:r>
-              <a:rPr lang="en-US" b="1" i="0" u="none" strike="noStrike" dirty="0" err="1">
-                <a:solidFill>
-                  <a:srgbClr val="444444"/>
-                </a:solidFill>
-                <a:effectLst/>
-                <a:latin typeface="PT Sans" panose="020B0503020203020204" pitchFamily="34" charset="77"/>
-              </a:rPr>
-              <a:t>ve</a:t>
-            </a:r>
-            <a:r>
-              <a:rPr lang="en-US" b="1" i="0" u="none" strike="noStrike" dirty="0">
-                <a:solidFill>
-                  <a:srgbClr val="444444"/>
-                </a:solidFill>
-                <a:effectLst/>
-                <a:latin typeface="PT Sans" panose="020B0503020203020204" pitchFamily="34" charset="77"/>
-              </a:rPr>
-              <a:t> Observer </a:t>
-            </a:r>
-            <a:r>
-              <a:rPr lang="en-US" b="1" i="0" u="none" strike="noStrike" dirty="0" err="1">
-                <a:solidFill>
-                  <a:srgbClr val="444444"/>
-                </a:solidFill>
-                <a:effectLst/>
-                <a:latin typeface="PT Sans" panose="020B0503020203020204" pitchFamily="34" charset="77"/>
-              </a:rPr>
-              <a:t>arayüzü</a:t>
-            </a:r>
-            <a:r>
-              <a:rPr lang="en-US" b="1" i="0" u="none" strike="noStrike" dirty="0">
-                <a:solidFill>
-                  <a:srgbClr val="444444"/>
-                </a:solidFill>
-                <a:effectLst/>
-                <a:latin typeface="PT Sans" panose="020B0503020203020204" pitchFamily="34" charset="77"/>
-              </a:rPr>
-              <a:t> </a:t>
-            </a:r>
-            <a:r>
-              <a:rPr lang="en-US" b="1" i="0" u="none" strike="noStrike" dirty="0" err="1">
-                <a:solidFill>
-                  <a:srgbClr val="444444"/>
-                </a:solidFill>
-                <a:effectLst/>
-                <a:latin typeface="PT Sans" panose="020B0503020203020204" pitchFamily="34" charset="77"/>
-              </a:rPr>
-              <a:t>mevcuttu</a:t>
-            </a:r>
-            <a:r>
-              <a:rPr lang="en-US" b="1" i="0" u="none" strike="noStrike" dirty="0">
-                <a:solidFill>
-                  <a:srgbClr val="444444"/>
-                </a:solidFill>
-                <a:effectLst/>
-                <a:latin typeface="PT Sans" panose="020B0503020203020204" pitchFamily="34" charset="77"/>
-              </a:rPr>
-              <a:t>. Java9 ‘da deprecated </a:t>
-            </a:r>
-            <a:r>
-              <a:rPr lang="en-US" b="1" i="0" u="none" strike="noStrike" dirty="0" err="1">
-                <a:solidFill>
-                  <a:srgbClr val="444444"/>
-                </a:solidFill>
-                <a:effectLst/>
-                <a:latin typeface="PT Sans" panose="020B0503020203020204" pitchFamily="34" charset="77"/>
-              </a:rPr>
-              <a:t>olmuştur</a:t>
-            </a:r>
-            <a:r>
-              <a:rPr lang="en-US" b="0" i="0" dirty="0">
-                <a:solidFill>
-                  <a:srgbClr val="444444"/>
-                </a:solidFill>
-                <a:effectLst/>
-                <a:latin typeface="PT Sans" panose="020B0503020203020204" pitchFamily="34" charset="77"/>
-              </a:rPr>
-              <a:t>.</a:t>
-            </a:r>
-          </a:p>
-          <a:p>
-            <a:endParaRPr lang="en-TR" dirty="0"/>
-          </a:p>
-        </p:txBody>
-      </p:sp>
-    </p:spTree>
-    <p:extLst>
-      <p:ext uri="{BB962C8B-B14F-4D97-AF65-F5344CB8AC3E}">
-        <p14:creationId xmlns:p14="http://schemas.microsoft.com/office/powerpoint/2010/main" val="1354386345"/>
-      </p:ext>
-    </p:extLst>
-  </p:cSld>
-  <p:clrMapOvr>
-    <a:masterClrMapping/>
-  </p:clrMapOvr>
-</p:sld>
-</file>
-
-<file path=ppt/slides/slide45.xml><?xml version="1.0" encoding="utf-8"?>
-<p:sld xmlns:a="http://schemas.openxmlformats.org/drawingml/2006/main" xmlns:r="http://schemas.openxmlformats.org/officeDocument/2006/relationships" xmlns:p="http://schemas.openxmlformats.org/presentationml/2006/main">
-  <p:cSld>
-    <p:spTree>
-      <p:nvGrpSpPr>
-        <p:cNvPr id="1" name=""/>
-        <p:cNvGrpSpPr/>
-        <p:nvPr/>
-      </p:nvGrpSpPr>
-      <p:grpSpPr>
-        <a:xfrm>
-          <a:off x="0" y="0"/>
-          <a:ext cx="0" cy="0"/>
-          <a:chOff x="0" y="0"/>
-          <a:chExt cx="0" cy="0"/>
-        </a:xfrm>
-      </p:grpSpPr>
-      <p:sp>
-        <p:nvSpPr>
-          <p:cNvPr id="2" name="Title 1">
-            <a:extLst>
-              <a:ext uri="{FF2B5EF4-FFF2-40B4-BE49-F238E27FC236}">
-                <a16:creationId xmlns:a16="http://schemas.microsoft.com/office/drawing/2014/main" id="{2E9D660D-2A27-7660-35ED-5AC80FB79D1C}"/>
-              </a:ext>
-            </a:extLst>
-          </p:cNvPr>
-          <p:cNvSpPr>
-            <a:spLocks noGrp="1"/>
-          </p:cNvSpPr>
-          <p:nvPr>
-            <p:ph type="title"/>
-          </p:nvPr>
-        </p:nvSpPr>
-        <p:spPr/>
-        <p:txBody>
-          <a:bodyPr/>
-          <a:lstStyle/>
-          <a:p>
-            <a:r>
-              <a:rPr lang="en-TR" b="1" dirty="0"/>
-              <a:t>Structural - Yapısal</a:t>
-            </a:r>
-          </a:p>
-        </p:txBody>
-      </p:sp>
-      <p:sp>
-        <p:nvSpPr>
-          <p:cNvPr id="3" name="Content Placeholder 2">
-            <a:extLst>
-              <a:ext uri="{FF2B5EF4-FFF2-40B4-BE49-F238E27FC236}">
-                <a16:creationId xmlns:a16="http://schemas.microsoft.com/office/drawing/2014/main" id="{EDDA0E33-8ADD-36F6-80EC-4E2DED701DBF}"/>
-              </a:ext>
-            </a:extLst>
-          </p:cNvPr>
-          <p:cNvSpPr>
-            <a:spLocks noGrp="1"/>
-          </p:cNvSpPr>
-          <p:nvPr>
-            <p:ph idx="1"/>
-          </p:nvPr>
-        </p:nvSpPr>
-        <p:spPr/>
-        <p:txBody>
-          <a:bodyPr/>
-          <a:lstStyle/>
-          <a:p>
-            <a:r>
-              <a:rPr lang="en-TR" dirty="0"/>
-              <a:t>Flyweight</a:t>
-            </a:r>
-          </a:p>
-          <a:p>
-            <a:r>
-              <a:rPr lang="en-TR" dirty="0"/>
-              <a:t>Adapter</a:t>
-            </a:r>
-          </a:p>
-          <a:p>
-            <a:r>
-              <a:rPr lang="en-TR" dirty="0"/>
-              <a:t>Composite</a:t>
-            </a:r>
-          </a:p>
-          <a:p>
-            <a:r>
-              <a:rPr lang="en-TR" dirty="0"/>
-              <a:t>Facade</a:t>
-            </a:r>
-          </a:p>
-          <a:p>
-            <a:r>
-              <a:rPr lang="en-TR" dirty="0"/>
-              <a:t>Proxy</a:t>
-            </a:r>
-          </a:p>
-          <a:p>
-            <a:r>
-              <a:rPr lang="en-TR" dirty="0"/>
-              <a:t>Decorator</a:t>
-            </a:r>
-          </a:p>
-          <a:p>
-            <a:r>
-              <a:rPr lang="en-TR" dirty="0"/>
-              <a:t>Bridge</a:t>
-            </a:r>
-          </a:p>
-        </p:txBody>
-      </p:sp>
-    </p:spTree>
-    <p:extLst>
-      <p:ext uri="{BB962C8B-B14F-4D97-AF65-F5344CB8AC3E}">
-        <p14:creationId xmlns:p14="http://schemas.microsoft.com/office/powerpoint/2010/main" val="931486554"/>
-      </p:ext>
-    </p:extLst>
-  </p:cSld>
-  <p:clrMapOvr>
-    <a:masterClrMapping/>
-  </p:clrMapOvr>
-</p:sld>
-</file>
-
-<file path=ppt/slides/slide46.xml><?xml version="1.0" encoding="utf-8"?>
-<p:sld xmlns:a="http://schemas.openxmlformats.org/drawingml/2006/main" xmlns:r="http://schemas.openxmlformats.org/officeDocument/2006/relationships" xmlns:p="http://schemas.openxmlformats.org/presentationml/2006/main">
-  <p:cSld>
-    <p:spTree>
-      <p:nvGrpSpPr>
-        <p:cNvPr id="1" name="">
-          <a:extLst>
-            <a:ext uri="{FF2B5EF4-FFF2-40B4-BE49-F238E27FC236}">
-              <a16:creationId xmlns:a16="http://schemas.microsoft.com/office/drawing/2014/main" id="{68E0843F-29AF-6D13-4B66-D254EB782FB8}"/>
-            </a:ext>
-          </a:extLst>
-        </p:cNvPr>
-        <p:cNvGrpSpPr/>
-        <p:nvPr/>
-      </p:nvGrpSpPr>
-      <p:grpSpPr>
-        <a:xfrm>
-          <a:off x="0" y="0"/>
-          <a:ext cx="0" cy="0"/>
-          <a:chOff x="0" y="0"/>
-          <a:chExt cx="0" cy="0"/>
-        </a:xfrm>
-      </p:grpSpPr>
-      <p:sp>
-        <p:nvSpPr>
-          <p:cNvPr id="2" name="Title 1">
-            <a:extLst>
-              <a:ext uri="{FF2B5EF4-FFF2-40B4-BE49-F238E27FC236}">
-                <a16:creationId xmlns:a16="http://schemas.microsoft.com/office/drawing/2014/main" id="{40D3277F-6D14-E6DC-D56D-6F500333759C}"/>
-              </a:ext>
-            </a:extLst>
-          </p:cNvPr>
-          <p:cNvSpPr>
-            <a:spLocks noGrp="1"/>
-          </p:cNvSpPr>
-          <p:nvPr>
-            <p:ph type="ctrTitle"/>
-          </p:nvPr>
-        </p:nvSpPr>
-        <p:spPr>
-          <a:xfrm>
-            <a:off x="1524000" y="1122363"/>
-            <a:ext cx="9144000" cy="2133599"/>
-          </a:xfrm>
-        </p:spPr>
-        <p:txBody>
-          <a:bodyPr>
-            <a:normAutofit fontScale="90000"/>
-          </a:bodyPr>
-          <a:lstStyle/>
-          <a:p>
-            <a:br>
-              <a:rPr lang="en-TR" b="1" dirty="0"/>
-            </a:br>
-            <a:br>
-              <a:rPr lang="en-TR" b="1" dirty="0"/>
-            </a:br>
-            <a:br>
-              <a:rPr lang="en-TR" b="1" dirty="0"/>
-            </a:br>
-            <a:br>
-              <a:rPr lang="en-TR" b="1" dirty="0"/>
-            </a:br>
-            <a:r>
-              <a:rPr lang="en-TR" b="1" dirty="0"/>
-              <a:t>Design Pattern Series</a:t>
-            </a:r>
-            <a:br>
-              <a:rPr lang="en-TR" b="1" dirty="0"/>
-            </a:br>
-            <a:r>
-              <a:rPr lang="en-TR" sz="4200" b="1" dirty="0"/>
-              <a:t>Decorator Pattern</a:t>
-            </a:r>
-            <a:br>
-              <a:rPr lang="en-TR" b="1" dirty="0"/>
-            </a:br>
-            <a:endParaRPr lang="en-TR" b="1" dirty="0"/>
-          </a:p>
-        </p:txBody>
-      </p:sp>
-      <p:sp>
-        <p:nvSpPr>
-          <p:cNvPr id="3" name="Subtitle 2">
-            <a:extLst>
-              <a:ext uri="{FF2B5EF4-FFF2-40B4-BE49-F238E27FC236}">
-                <a16:creationId xmlns:a16="http://schemas.microsoft.com/office/drawing/2014/main" id="{2AB83D59-98BC-7FF5-F76D-D36BD744943E}"/>
-              </a:ext>
-            </a:extLst>
-          </p:cNvPr>
-          <p:cNvSpPr>
-            <a:spLocks noGrp="1"/>
-          </p:cNvSpPr>
-          <p:nvPr>
-            <p:ph type="subTitle" idx="1"/>
-          </p:nvPr>
-        </p:nvSpPr>
-        <p:spPr/>
-        <p:txBody>
-          <a:bodyPr>
-            <a:normAutofit/>
-          </a:bodyPr>
-          <a:lstStyle/>
-          <a:p>
-            <a:r>
-              <a:rPr lang="en-TR" b="1" dirty="0"/>
-              <a:t>Structural – (Yapısal)</a:t>
-            </a:r>
-            <a:endParaRPr lang="en-TR" dirty="0"/>
-          </a:p>
-          <a:p>
-            <a:endParaRPr lang="en-TR" b="1" dirty="0"/>
-          </a:p>
-          <a:p>
-            <a:r>
-              <a:rPr lang="en-TR" b="1" dirty="0"/>
-              <a:t>Someone has already solved your problems.</a:t>
-            </a:r>
-          </a:p>
-          <a:p>
-            <a:endParaRPr lang="en-TR" dirty="0"/>
-          </a:p>
-        </p:txBody>
-      </p:sp>
-      <p:cxnSp>
-        <p:nvCxnSpPr>
-          <p:cNvPr id="5" name="Straight Connector 4">
-            <a:extLst>
-              <a:ext uri="{FF2B5EF4-FFF2-40B4-BE49-F238E27FC236}">
-                <a16:creationId xmlns:a16="http://schemas.microsoft.com/office/drawing/2014/main" id="{26D0836D-5210-AD83-FC8C-549591D48833}"/>
-              </a:ext>
-            </a:extLst>
-          </p:cNvPr>
-          <p:cNvCxnSpPr/>
-          <p:nvPr/>
-        </p:nvCxnSpPr>
-        <p:spPr>
-          <a:xfrm>
-            <a:off x="1701800" y="4419600"/>
-            <a:ext cx="8695267" cy="0"/>
-          </a:xfrm>
-          <a:prstGeom prst="line">
-            <a:avLst/>
-          </a:prstGeom>
-        </p:spPr>
-        <p:style>
-          <a:lnRef idx="1">
-            <a:schemeClr val="accent1"/>
-          </a:lnRef>
-          <a:fillRef idx="0">
-            <a:schemeClr val="accent1"/>
-          </a:fillRef>
-          <a:effectRef idx="0">
-            <a:schemeClr val="accent1"/>
-          </a:effectRef>
-          <a:fontRef idx="minor">
-            <a:schemeClr val="tx1"/>
-          </a:fontRef>
-        </p:style>
-      </p:cxnSp>
-    </p:spTree>
-    <p:extLst>
-      <p:ext uri="{BB962C8B-B14F-4D97-AF65-F5344CB8AC3E}">
-        <p14:creationId xmlns:p14="http://schemas.microsoft.com/office/powerpoint/2010/main" val="1217719778"/>
-      </p:ext>
-    </p:extLst>
-  </p:cSld>
-  <p:clrMapOvr>
-    <a:masterClrMapping/>
-  </p:clrMapOvr>
-</p:sld>
-</file>
-
-<file path=ppt/slides/slide47.xml><?xml version="1.0" encoding="utf-8"?>
-<p:sld xmlns:a="http://schemas.openxmlformats.org/drawingml/2006/main" xmlns:r="http://schemas.openxmlformats.org/officeDocument/2006/relationships" xmlns:p="http://schemas.openxmlformats.org/presentationml/2006/main">
-  <p:cSld>
-    <p:spTree>
-      <p:nvGrpSpPr>
-        <p:cNvPr id="1" name="">
-          <a:extLst>
-            <a:ext uri="{FF2B5EF4-FFF2-40B4-BE49-F238E27FC236}">
-              <a16:creationId xmlns:a16="http://schemas.microsoft.com/office/drawing/2014/main" id="{7A25ADD9-4B43-2F5B-D758-05078DFAA718}"/>
-            </a:ext>
-          </a:extLst>
-        </p:cNvPr>
-        <p:cNvGrpSpPr/>
-        <p:nvPr/>
-      </p:nvGrpSpPr>
-      <p:grpSpPr>
-        <a:xfrm>
-          <a:off x="0" y="0"/>
-          <a:ext cx="0" cy="0"/>
-          <a:chOff x="0" y="0"/>
-          <a:chExt cx="0" cy="0"/>
-        </a:xfrm>
-      </p:grpSpPr>
-      <p:sp>
-        <p:nvSpPr>
-          <p:cNvPr id="2" name="Title 1">
-            <a:extLst>
-              <a:ext uri="{FF2B5EF4-FFF2-40B4-BE49-F238E27FC236}">
-                <a16:creationId xmlns:a16="http://schemas.microsoft.com/office/drawing/2014/main" id="{77CCE722-CA90-9871-FD89-2209F77D757D}"/>
-              </a:ext>
-            </a:extLst>
-          </p:cNvPr>
-          <p:cNvSpPr>
-            <a:spLocks noGrp="1"/>
-          </p:cNvSpPr>
-          <p:nvPr>
-            <p:ph type="title"/>
-          </p:nvPr>
-        </p:nvSpPr>
-        <p:spPr/>
-        <p:txBody>
-          <a:bodyPr/>
-          <a:lstStyle/>
-          <a:p>
-            <a:r>
-              <a:rPr lang="en-TR" b="1" dirty="0"/>
-              <a:t>Decorator Pattern</a:t>
-            </a:r>
-          </a:p>
-        </p:txBody>
-      </p:sp>
-      <p:sp>
-        <p:nvSpPr>
-          <p:cNvPr id="3" name="Content Placeholder 2">
-            <a:extLst>
-              <a:ext uri="{FF2B5EF4-FFF2-40B4-BE49-F238E27FC236}">
-                <a16:creationId xmlns:a16="http://schemas.microsoft.com/office/drawing/2014/main" id="{3373D8B0-4801-1C61-3861-75C9F56F090D}"/>
-              </a:ext>
-            </a:extLst>
-          </p:cNvPr>
-          <p:cNvSpPr>
-            <a:spLocks noGrp="1"/>
-          </p:cNvSpPr>
-          <p:nvPr>
-            <p:ph idx="1"/>
-          </p:nvPr>
-        </p:nvSpPr>
-        <p:spPr/>
-        <p:txBody>
-          <a:bodyPr/>
-          <a:lstStyle/>
-          <a:p>
-            <a:r>
-              <a:rPr lang="en-US" dirty="0">
-                <a:effectLst/>
-                <a:latin typeface="Helvetica" pitchFamily="2" charset="0"/>
-              </a:rPr>
-              <a:t>Attach additional responsibilities to an object dynamically. Decorators provide a flexible alternative to subclassing for extending functionality. </a:t>
-            </a:r>
-          </a:p>
-          <a:p>
-            <a:endParaRPr lang="en-US" dirty="0">
-              <a:latin typeface="Helvetica" pitchFamily="2" charset="0"/>
-            </a:endParaRPr>
-          </a:p>
-          <a:p>
-            <a:r>
-              <a:rPr lang="en-US" dirty="0" err="1">
-                <a:latin typeface="Helvetica" pitchFamily="2" charset="0"/>
-              </a:rPr>
-              <a:t>Nesneye</a:t>
-            </a:r>
-            <a:r>
-              <a:rPr lang="en-US" dirty="0">
-                <a:latin typeface="Helvetica" pitchFamily="2" charset="0"/>
-              </a:rPr>
-              <a:t> </a:t>
-            </a:r>
-            <a:r>
-              <a:rPr lang="en-US" dirty="0" err="1">
-                <a:latin typeface="Helvetica" pitchFamily="2" charset="0"/>
-              </a:rPr>
-              <a:t>dinamik</a:t>
-            </a:r>
-            <a:r>
-              <a:rPr lang="en-US" dirty="0">
-                <a:latin typeface="Helvetica" pitchFamily="2" charset="0"/>
-              </a:rPr>
-              <a:t> </a:t>
-            </a:r>
-            <a:r>
-              <a:rPr lang="en-US" dirty="0" err="1">
-                <a:latin typeface="Helvetica" pitchFamily="2" charset="0"/>
-              </a:rPr>
-              <a:t>olarak</a:t>
-            </a:r>
-            <a:r>
-              <a:rPr lang="en-US" dirty="0">
-                <a:latin typeface="Helvetica" pitchFamily="2" charset="0"/>
-              </a:rPr>
-              <a:t> ek </a:t>
-            </a:r>
-            <a:r>
-              <a:rPr lang="en-US" dirty="0" err="1">
-                <a:latin typeface="Helvetica" pitchFamily="2" charset="0"/>
-              </a:rPr>
-              <a:t>sorumluluklar</a:t>
-            </a:r>
-            <a:r>
-              <a:rPr lang="en-US" dirty="0">
-                <a:latin typeface="Helvetica" pitchFamily="2" charset="0"/>
-              </a:rPr>
-              <a:t> </a:t>
-            </a:r>
-            <a:r>
-              <a:rPr lang="en-US" dirty="0" err="1">
-                <a:latin typeface="Helvetica" pitchFamily="2" charset="0"/>
-              </a:rPr>
-              <a:t>ekleyin</a:t>
-            </a:r>
-            <a:r>
-              <a:rPr lang="en-US" dirty="0">
-                <a:latin typeface="Helvetica" pitchFamily="2" charset="0"/>
-              </a:rPr>
-              <a:t>. </a:t>
-            </a:r>
-            <a:r>
-              <a:rPr lang="en-US" dirty="0" err="1">
-                <a:latin typeface="Helvetica" pitchFamily="2" charset="0"/>
-              </a:rPr>
-              <a:t>Dekoratörler</a:t>
-            </a:r>
-            <a:r>
-              <a:rPr lang="en-US" dirty="0">
-                <a:latin typeface="Helvetica" pitchFamily="2" charset="0"/>
-              </a:rPr>
-              <a:t>, </a:t>
-            </a:r>
-            <a:r>
-              <a:rPr lang="en-US" dirty="0" err="1">
-                <a:latin typeface="Helvetica" pitchFamily="2" charset="0"/>
-              </a:rPr>
-              <a:t>işlevselliği</a:t>
-            </a:r>
-            <a:r>
-              <a:rPr lang="en-US" dirty="0">
-                <a:latin typeface="Helvetica" pitchFamily="2" charset="0"/>
-              </a:rPr>
-              <a:t> </a:t>
-            </a:r>
-            <a:r>
-              <a:rPr lang="en-US" dirty="0" err="1">
-                <a:latin typeface="Helvetica" pitchFamily="2" charset="0"/>
-              </a:rPr>
-              <a:t>genişletmek</a:t>
-            </a:r>
-            <a:r>
-              <a:rPr lang="en-US" dirty="0">
-                <a:latin typeface="Helvetica" pitchFamily="2" charset="0"/>
-              </a:rPr>
-              <a:t> </a:t>
-            </a:r>
-            <a:r>
-              <a:rPr lang="en-US" dirty="0" err="1">
-                <a:latin typeface="Helvetica" pitchFamily="2" charset="0"/>
-              </a:rPr>
-              <a:t>için</a:t>
-            </a:r>
-            <a:r>
-              <a:rPr lang="en-US" dirty="0">
-                <a:latin typeface="Helvetica" pitchFamily="2" charset="0"/>
-              </a:rPr>
-              <a:t> alt </a:t>
-            </a:r>
-            <a:r>
-              <a:rPr lang="en-US" dirty="0" err="1">
-                <a:latin typeface="Helvetica" pitchFamily="2" charset="0"/>
-              </a:rPr>
-              <a:t>sınıflandırmaya</a:t>
-            </a:r>
-            <a:r>
-              <a:rPr lang="en-US" dirty="0">
-                <a:latin typeface="Helvetica" pitchFamily="2" charset="0"/>
-              </a:rPr>
-              <a:t> </a:t>
-            </a:r>
-            <a:r>
-              <a:rPr lang="en-US" dirty="0" err="1">
-                <a:latin typeface="Helvetica" pitchFamily="2" charset="0"/>
-              </a:rPr>
-              <a:t>esnek</a:t>
-            </a:r>
-            <a:r>
-              <a:rPr lang="en-US" dirty="0">
-                <a:latin typeface="Helvetica" pitchFamily="2" charset="0"/>
-              </a:rPr>
-              <a:t> </a:t>
-            </a:r>
-            <a:r>
-              <a:rPr lang="en-US" dirty="0" err="1">
-                <a:latin typeface="Helvetica" pitchFamily="2" charset="0"/>
-              </a:rPr>
-              <a:t>bir</a:t>
-            </a:r>
-            <a:r>
-              <a:rPr lang="en-US" dirty="0">
-                <a:latin typeface="Helvetica" pitchFamily="2" charset="0"/>
-              </a:rPr>
-              <a:t> </a:t>
-            </a:r>
-            <a:r>
-              <a:rPr lang="en-US" dirty="0" err="1">
-                <a:latin typeface="Helvetica" pitchFamily="2" charset="0"/>
-              </a:rPr>
-              <a:t>alternatiflik</a:t>
-            </a:r>
-            <a:r>
-              <a:rPr lang="en-US" dirty="0">
-                <a:latin typeface="Helvetica" pitchFamily="2" charset="0"/>
-              </a:rPr>
-              <a:t> </a:t>
-            </a:r>
-            <a:r>
-              <a:rPr lang="en-US" dirty="0" err="1">
-                <a:latin typeface="Helvetica" pitchFamily="2" charset="0"/>
-              </a:rPr>
-              <a:t>sunar</a:t>
-            </a:r>
-            <a:r>
-              <a:rPr lang="en-US" dirty="0">
-                <a:latin typeface="Helvetica" pitchFamily="2" charset="0"/>
-              </a:rPr>
-              <a:t>.</a:t>
-            </a:r>
-          </a:p>
-        </p:txBody>
-      </p:sp>
-    </p:spTree>
-    <p:extLst>
-      <p:ext uri="{BB962C8B-B14F-4D97-AF65-F5344CB8AC3E}">
-        <p14:creationId xmlns:p14="http://schemas.microsoft.com/office/powerpoint/2010/main" val="834176029"/>
-      </p:ext>
-    </p:extLst>
-  </p:cSld>
-  <p:clrMapOvr>
-    <a:masterClrMapping/>
-  </p:clrMapOvr>
-</p:sld>
-</file>
-
-<file path=ppt/slides/slide48.xml><?xml version="1.0" encoding="utf-8"?>
-<p:sld xmlns:a="http://schemas.openxmlformats.org/drawingml/2006/main" xmlns:r="http://schemas.openxmlformats.org/officeDocument/2006/relationships" xmlns:p="http://schemas.openxmlformats.org/presentationml/2006/main">
-  <p:cSld>
-    <p:spTree>
-      <p:nvGrpSpPr>
-        <p:cNvPr id="1" name="">
-          <a:extLst>
-            <a:ext uri="{FF2B5EF4-FFF2-40B4-BE49-F238E27FC236}">
-              <a16:creationId xmlns:a16="http://schemas.microsoft.com/office/drawing/2014/main" id="{C83CEF1F-001C-D12F-AD44-CC004DD65576}"/>
-            </a:ext>
-          </a:extLst>
-        </p:cNvPr>
-        <p:cNvGrpSpPr/>
-        <p:nvPr/>
-      </p:nvGrpSpPr>
-      <p:grpSpPr>
-        <a:xfrm>
-          <a:off x="0" y="0"/>
-          <a:ext cx="0" cy="0"/>
-          <a:chOff x="0" y="0"/>
-          <a:chExt cx="0" cy="0"/>
-        </a:xfrm>
-      </p:grpSpPr>
-      <p:sp>
-        <p:nvSpPr>
-          <p:cNvPr id="2" name="Title 1">
-            <a:extLst>
-              <a:ext uri="{FF2B5EF4-FFF2-40B4-BE49-F238E27FC236}">
-                <a16:creationId xmlns:a16="http://schemas.microsoft.com/office/drawing/2014/main" id="{FB944EFD-3693-A271-0227-CCC0ECC5576A}"/>
-              </a:ext>
-            </a:extLst>
-          </p:cNvPr>
-          <p:cNvSpPr>
-            <a:spLocks noGrp="1"/>
-          </p:cNvSpPr>
-          <p:nvPr>
-            <p:ph type="title"/>
-          </p:nvPr>
-        </p:nvSpPr>
-        <p:spPr/>
-        <p:txBody>
-          <a:bodyPr/>
-          <a:lstStyle/>
-          <a:p>
-            <a:r>
-              <a:rPr lang="en-TR" b="1" dirty="0"/>
-              <a:t>Sorun</a:t>
-            </a:r>
-          </a:p>
-        </p:txBody>
-      </p:sp>
-      <p:sp>
-        <p:nvSpPr>
-          <p:cNvPr id="3" name="Content Placeholder 2">
-            <a:extLst>
-              <a:ext uri="{FF2B5EF4-FFF2-40B4-BE49-F238E27FC236}">
-                <a16:creationId xmlns:a16="http://schemas.microsoft.com/office/drawing/2014/main" id="{B51F1877-9A9B-742E-96C1-2B16B996E672}"/>
-              </a:ext>
-            </a:extLst>
-          </p:cNvPr>
-          <p:cNvSpPr>
-            <a:spLocks noGrp="1"/>
-          </p:cNvSpPr>
-          <p:nvPr>
-            <p:ph idx="1"/>
-          </p:nvPr>
-        </p:nvSpPr>
-        <p:spPr/>
-        <p:txBody>
-          <a:bodyPr/>
-          <a:lstStyle/>
-          <a:p>
-            <a:pPr algn="just"/>
-            <a:r>
-              <a:rPr lang="en-US" dirty="0"/>
-              <a:t>Class explosion ??</a:t>
-            </a:r>
-          </a:p>
-          <a:p>
-            <a:pPr algn="just"/>
-            <a:endParaRPr lang="en-US" dirty="0"/>
-          </a:p>
-          <a:p>
-            <a:pPr algn="just"/>
-            <a:endParaRPr lang="en-US" dirty="0"/>
-          </a:p>
-          <a:p>
-            <a:pPr marL="0" indent="0" algn="just">
-              <a:buNone/>
-            </a:pPr>
-            <a:endParaRPr lang="en-US" dirty="0"/>
-          </a:p>
-          <a:p>
-            <a:pPr algn="just"/>
-            <a:r>
-              <a:rPr lang="en-US" dirty="0" err="1"/>
-              <a:t>Farklı</a:t>
-            </a:r>
-            <a:r>
-              <a:rPr lang="en-US" dirty="0"/>
-              <a:t> </a:t>
-            </a:r>
-            <a:r>
-              <a:rPr lang="en-US" dirty="0" err="1"/>
-              <a:t>bir</a:t>
-            </a:r>
-            <a:r>
-              <a:rPr lang="en-US" dirty="0"/>
-              <a:t> </a:t>
-            </a:r>
-            <a:r>
-              <a:rPr lang="en-US" dirty="0" err="1"/>
-              <a:t>çözüm</a:t>
-            </a:r>
-            <a:r>
-              <a:rPr lang="en-US" dirty="0"/>
-              <a:t> </a:t>
-            </a:r>
-            <a:r>
-              <a:rPr lang="en-US" dirty="0" err="1"/>
-              <a:t>yeterli</a:t>
-            </a:r>
-            <a:r>
-              <a:rPr lang="en-US" dirty="0"/>
-              <a:t> </a:t>
-            </a:r>
-            <a:r>
-              <a:rPr lang="en-US" dirty="0" err="1"/>
-              <a:t>olacak</a:t>
-            </a:r>
-            <a:r>
-              <a:rPr lang="en-US" dirty="0"/>
-              <a:t> </a:t>
-            </a:r>
-            <a:r>
-              <a:rPr lang="en-US" dirty="0" err="1"/>
-              <a:t>mı</a:t>
-            </a:r>
-            <a:r>
-              <a:rPr lang="en-US" dirty="0"/>
-              <a:t>??</a:t>
-            </a:r>
-          </a:p>
-          <a:p>
-            <a:pPr algn="just"/>
-            <a:endParaRPr lang="en-US" dirty="0"/>
-          </a:p>
-          <a:p>
-            <a:pPr algn="just"/>
-            <a:endParaRPr lang="en-US" dirty="0"/>
-          </a:p>
-          <a:p>
-            <a:pPr algn="just"/>
-            <a:endParaRPr lang="en-US" dirty="0"/>
-          </a:p>
-          <a:p>
-            <a:endParaRPr lang="en-US" dirty="0"/>
-          </a:p>
-          <a:p>
-            <a:pPr marL="0" indent="0">
-              <a:buNone/>
-            </a:pPr>
-            <a:endParaRPr lang="en-TR" dirty="0"/>
-          </a:p>
-          <a:p>
-            <a:pPr marL="0" indent="0">
-              <a:buNone/>
-            </a:pPr>
-            <a:endParaRPr lang="en-TR" dirty="0"/>
-          </a:p>
-        </p:txBody>
-      </p:sp>
-      <p:pic>
-        <p:nvPicPr>
-          <p:cNvPr id="7" name="Picture 6">
-            <a:extLst>
-              <a:ext uri="{FF2B5EF4-FFF2-40B4-BE49-F238E27FC236}">
-                <a16:creationId xmlns:a16="http://schemas.microsoft.com/office/drawing/2014/main" id="{2D30ADEC-09A7-42E3-0F38-0846266FD820}"/>
-              </a:ext>
-            </a:extLst>
-          </p:cNvPr>
-          <p:cNvPicPr>
-            <a:picLocks noChangeAspect="1"/>
-          </p:cNvPicPr>
-          <p:nvPr/>
-        </p:nvPicPr>
-        <p:blipFill>
-          <a:blip r:embed="rId2"/>
-          <a:stretch>
-            <a:fillRect/>
-          </a:stretch>
-        </p:blipFill>
-        <p:spPr>
-          <a:xfrm>
-            <a:off x="838200" y="2409270"/>
-            <a:ext cx="10953228" cy="1416110"/>
-          </a:xfrm>
-          <a:prstGeom prst="rect">
-            <a:avLst/>
-          </a:prstGeom>
-        </p:spPr>
-      </p:pic>
-    </p:spTree>
-    <p:extLst>
-      <p:ext uri="{BB962C8B-B14F-4D97-AF65-F5344CB8AC3E}">
-        <p14:creationId xmlns:p14="http://schemas.microsoft.com/office/powerpoint/2010/main" val="2923422140"/>
-      </p:ext>
-    </p:extLst>
-  </p:cSld>
-  <p:clrMapOvr>
-    <a:masterClrMapping/>
-  </p:clrMapOvr>
-</p:sld>
-</file>
-
-<file path=ppt/slides/slide49.xml><?xml version="1.0" encoding="utf-8"?>
-<p:sld xmlns:a="http://schemas.openxmlformats.org/drawingml/2006/main" xmlns:r="http://schemas.openxmlformats.org/officeDocument/2006/relationships" xmlns:p="http://schemas.openxmlformats.org/presentationml/2006/main">
-  <p:cSld>
-    <p:spTree>
-      <p:nvGrpSpPr>
-        <p:cNvPr id="1" name="">
-          <a:extLst>
-            <a:ext uri="{FF2B5EF4-FFF2-40B4-BE49-F238E27FC236}">
-              <a16:creationId xmlns:a16="http://schemas.microsoft.com/office/drawing/2014/main" id="{3C075994-8D6F-7AD1-95FF-DB5F39F31331}"/>
-            </a:ext>
-          </a:extLst>
-        </p:cNvPr>
-        <p:cNvGrpSpPr/>
-        <p:nvPr/>
-      </p:nvGrpSpPr>
-      <p:grpSpPr>
-        <a:xfrm>
-          <a:off x="0" y="0"/>
-          <a:ext cx="0" cy="0"/>
-          <a:chOff x="0" y="0"/>
-          <a:chExt cx="0" cy="0"/>
-        </a:xfrm>
-      </p:grpSpPr>
-      <p:sp>
-        <p:nvSpPr>
-          <p:cNvPr id="2" name="Title 1">
-            <a:extLst>
-              <a:ext uri="{FF2B5EF4-FFF2-40B4-BE49-F238E27FC236}">
-                <a16:creationId xmlns:a16="http://schemas.microsoft.com/office/drawing/2014/main" id="{03592823-F49B-FE03-5B54-85011140F3C7}"/>
-              </a:ext>
-            </a:extLst>
-          </p:cNvPr>
-          <p:cNvSpPr>
-            <a:spLocks noGrp="1"/>
-          </p:cNvSpPr>
-          <p:nvPr>
-            <p:ph type="title"/>
-          </p:nvPr>
-        </p:nvSpPr>
-        <p:spPr/>
-        <p:txBody>
-          <a:bodyPr/>
-          <a:lstStyle/>
-          <a:p>
-            <a:r>
-              <a:rPr lang="en-TR" b="1" dirty="0"/>
-              <a:t>Tasarım Prensipleri</a:t>
-            </a:r>
-          </a:p>
-        </p:txBody>
-      </p:sp>
-      <p:sp>
-        <p:nvSpPr>
-          <p:cNvPr id="3" name="Content Placeholder 2">
-            <a:extLst>
-              <a:ext uri="{FF2B5EF4-FFF2-40B4-BE49-F238E27FC236}">
-                <a16:creationId xmlns:a16="http://schemas.microsoft.com/office/drawing/2014/main" id="{43D8601D-653D-6C8F-169B-47DEA067D877}"/>
-              </a:ext>
-            </a:extLst>
-          </p:cNvPr>
-          <p:cNvSpPr>
-            <a:spLocks noGrp="1"/>
-          </p:cNvSpPr>
-          <p:nvPr>
-            <p:ph idx="1"/>
-          </p:nvPr>
-        </p:nvSpPr>
-        <p:spPr/>
-        <p:txBody>
-          <a:bodyPr>
-            <a:normAutofit fontScale="92500" lnSpcReduction="10000"/>
-          </a:bodyPr>
-          <a:lstStyle/>
-          <a:p>
-            <a:r>
-              <a:rPr lang="en-TR" b="1" dirty="0"/>
-              <a:t>Program to interface, not implementation !</a:t>
-            </a:r>
-          </a:p>
-          <a:p>
-            <a:pPr lvl="1"/>
-            <a:r>
-              <a:rPr lang="en-TR" dirty="0"/>
-              <a:t>Program Arayüzdür, uygulama değil !</a:t>
-            </a:r>
-          </a:p>
-          <a:p>
-            <a:r>
-              <a:rPr lang="en-TR" b="1" dirty="0"/>
-              <a:t>Favor object composition over class inheritance..</a:t>
-            </a:r>
-          </a:p>
-          <a:p>
-            <a:pPr lvl="1"/>
-            <a:r>
-              <a:rPr lang="en-TR" dirty="0"/>
-              <a:t>Kalıtım yerine Kompozisyon tercih et..</a:t>
-            </a:r>
-          </a:p>
-          <a:p>
-            <a:r>
-              <a:rPr lang="en-TR" b="1" dirty="0"/>
-              <a:t>Identify the aspects of your application that vary and sep</a:t>
-            </a:r>
-            <a:r>
-              <a:rPr lang="en-US" b="1" dirty="0"/>
-              <a:t>a</a:t>
-            </a:r>
-            <a:r>
-              <a:rPr lang="en-TR" b="1" dirty="0"/>
-              <a:t>rate them from what stays the same</a:t>
-            </a:r>
-          </a:p>
-          <a:p>
-            <a:pPr lvl="1"/>
-            <a:r>
-              <a:rPr lang="en-TR" dirty="0"/>
-              <a:t>Uygulamanın değişen yönlerini belirleyin ve bunları aynı kalanlardan ayırın.</a:t>
-            </a:r>
-            <a:endParaRPr lang="en-TR" b="1" dirty="0"/>
-          </a:p>
-          <a:p>
-            <a:r>
-              <a:rPr lang="en-US" b="1" dirty="0"/>
-              <a:t>Strive for loosely coupled designs between objects that interface</a:t>
-            </a:r>
-          </a:p>
-          <a:p>
-            <a:pPr lvl="1"/>
-            <a:r>
-              <a:rPr lang="en-US" dirty="0" err="1"/>
-              <a:t>Arayüz</a:t>
-            </a:r>
-            <a:r>
-              <a:rPr lang="en-US" dirty="0"/>
-              <a:t> </a:t>
-            </a:r>
-            <a:r>
-              <a:rPr lang="en-US" dirty="0" err="1"/>
-              <a:t>oluşturan</a:t>
-            </a:r>
-            <a:r>
-              <a:rPr lang="en-US" dirty="0"/>
-              <a:t> </a:t>
-            </a:r>
-            <a:r>
-              <a:rPr lang="en-US" dirty="0" err="1"/>
-              <a:t>objeler</a:t>
-            </a:r>
-            <a:r>
-              <a:rPr lang="en-US" dirty="0"/>
-              <a:t> </a:t>
-            </a:r>
-            <a:r>
-              <a:rPr lang="en-US" dirty="0" err="1"/>
-              <a:t>arasında</a:t>
-            </a:r>
-            <a:r>
-              <a:rPr lang="en-US" dirty="0"/>
-              <a:t> loosely coupled </a:t>
-            </a:r>
-            <a:r>
-              <a:rPr lang="en-US" dirty="0" err="1"/>
-              <a:t>tasarım</a:t>
-            </a:r>
-            <a:r>
-              <a:rPr lang="en-US" dirty="0"/>
-              <a:t> </a:t>
-            </a:r>
-            <a:r>
-              <a:rPr lang="en-US" dirty="0" err="1"/>
-              <a:t>için</a:t>
-            </a:r>
-            <a:r>
-              <a:rPr lang="en-US" dirty="0"/>
-              <a:t> </a:t>
-            </a:r>
-            <a:r>
-              <a:rPr lang="en-US" dirty="0" err="1"/>
-              <a:t>çabalayın</a:t>
-            </a:r>
-            <a:r>
-              <a:rPr lang="en-US" dirty="0"/>
-              <a:t>.</a:t>
-            </a:r>
-            <a:endParaRPr lang="en-TR" dirty="0"/>
-          </a:p>
-          <a:p>
-            <a:r>
-              <a:rPr lang="en-US" b="1" dirty="0">
-                <a:effectLst/>
-              </a:rPr>
-              <a:t>Classes should be open for extension, but closed for modification</a:t>
-            </a:r>
-          </a:p>
-          <a:p>
-            <a:pPr lvl="1"/>
-            <a:r>
-              <a:rPr lang="en-TR" dirty="0"/>
-              <a:t>Sınıflar genişletilmeye açık fakat modifikasyona kapalı olmalıdır.</a:t>
-            </a:r>
-          </a:p>
-          <a:p>
-            <a:endParaRPr lang="en-TR" dirty="0"/>
-          </a:p>
-        </p:txBody>
-      </p:sp>
-    </p:spTree>
-    <p:extLst>
-      <p:ext uri="{BB962C8B-B14F-4D97-AF65-F5344CB8AC3E}">
-        <p14:creationId xmlns:p14="http://schemas.microsoft.com/office/powerpoint/2010/main" val="3410948956"/>
       </p:ext>
     </p:extLst>
   </p:cSld>
@@ -16546,6 +16405,1598 @@
         <p:cNvPr id="1" name="">
           <a:extLst>
             <a:ext uri="{FF2B5EF4-FFF2-40B4-BE49-F238E27FC236}">
+              <a16:creationId xmlns:a16="http://schemas.microsoft.com/office/drawing/2014/main" id="{76BF0D83-944C-3783-0A25-49CFBE974394}"/>
+            </a:ext>
+          </a:extLst>
+        </p:cNvPr>
+        <p:cNvGrpSpPr/>
+        <p:nvPr/>
+      </p:nvGrpSpPr>
+      <p:grpSpPr>
+        <a:xfrm>
+          <a:off x="0" y="0"/>
+          <a:ext cx="0" cy="0"/>
+          <a:chOff x="0" y="0"/>
+          <a:chExt cx="0" cy="0"/>
+        </a:xfrm>
+      </p:grpSpPr>
+      <p:sp>
+        <p:nvSpPr>
+          <p:cNvPr id="2" name="Title 1">
+            <a:extLst>
+              <a:ext uri="{FF2B5EF4-FFF2-40B4-BE49-F238E27FC236}">
+                <a16:creationId xmlns:a16="http://schemas.microsoft.com/office/drawing/2014/main" id="{F195CABB-EB93-CEEB-95C0-8701DF8CB133}"/>
+              </a:ext>
+            </a:extLst>
+          </p:cNvPr>
+          <p:cNvSpPr>
+            <a:spLocks noGrp="1"/>
+          </p:cNvSpPr>
+          <p:nvPr>
+            <p:ph type="title"/>
+          </p:nvPr>
+        </p:nvSpPr>
+        <p:spPr/>
+        <p:txBody>
+          <a:bodyPr/>
+          <a:lstStyle/>
+          <a:p>
+            <a:r>
+              <a:rPr lang="en-TR" dirty="0"/>
+              <a:t>Çözüm..</a:t>
+            </a:r>
+          </a:p>
+        </p:txBody>
+      </p:sp>
+      <p:sp>
+        <p:nvSpPr>
+          <p:cNvPr id="3" name="Content Placeholder 2">
+            <a:extLst>
+              <a:ext uri="{FF2B5EF4-FFF2-40B4-BE49-F238E27FC236}">
+                <a16:creationId xmlns:a16="http://schemas.microsoft.com/office/drawing/2014/main" id="{4E0730FA-74F9-16B7-C518-A0473DEA5A45}"/>
+              </a:ext>
+            </a:extLst>
+          </p:cNvPr>
+          <p:cNvSpPr>
+            <a:spLocks noGrp="1"/>
+          </p:cNvSpPr>
+          <p:nvPr>
+            <p:ph idx="1"/>
+          </p:nvPr>
+        </p:nvSpPr>
+        <p:spPr/>
+        <p:txBody>
+          <a:bodyPr>
+            <a:normAutofit/>
+          </a:bodyPr>
+          <a:lstStyle/>
+          <a:p>
+            <a:pPr marL="0" indent="0">
+              <a:buNone/>
+            </a:pPr>
+            <a:endParaRPr lang="en-TR" sz="5000" dirty="0"/>
+          </a:p>
+          <a:p>
+            <a:pPr marL="0" indent="0">
+              <a:buNone/>
+            </a:pPr>
+            <a:endParaRPr lang="en-TR" sz="5000" dirty="0"/>
+          </a:p>
+          <a:p>
+            <a:pPr marL="0" indent="0">
+              <a:buNone/>
+            </a:pPr>
+            <a:r>
+              <a:rPr lang="en-TR" sz="5000" dirty="0"/>
+              <a:t>Demo</a:t>
+            </a:r>
+          </a:p>
+        </p:txBody>
+      </p:sp>
+    </p:spTree>
+    <p:extLst>
+      <p:ext uri="{BB962C8B-B14F-4D97-AF65-F5344CB8AC3E}">
+        <p14:creationId xmlns:p14="http://schemas.microsoft.com/office/powerpoint/2010/main" val="3401397984"/>
+      </p:ext>
+    </p:extLst>
+  </p:cSld>
+  <p:clrMapOvr>
+    <a:masterClrMapping/>
+  </p:clrMapOvr>
+</p:sld>
+</file>
+
+<file path=ppt/slides/slide51.xml><?xml version="1.0" encoding="utf-8"?>
+<p:sld xmlns:a="http://schemas.openxmlformats.org/drawingml/2006/main" xmlns:r="http://schemas.openxmlformats.org/officeDocument/2006/relationships" xmlns:p="http://schemas.openxmlformats.org/presentationml/2006/main">
+  <p:cSld>
+    <p:spTree>
+      <p:nvGrpSpPr>
+        <p:cNvPr id="1" name="">
+          <a:extLst>
+            <a:ext uri="{FF2B5EF4-FFF2-40B4-BE49-F238E27FC236}">
+              <a16:creationId xmlns:a16="http://schemas.microsoft.com/office/drawing/2014/main" id="{35C47B91-606C-1819-A0C6-C96897921ED4}"/>
+            </a:ext>
+          </a:extLst>
+        </p:cNvPr>
+        <p:cNvGrpSpPr/>
+        <p:nvPr/>
+      </p:nvGrpSpPr>
+      <p:grpSpPr>
+        <a:xfrm>
+          <a:off x="0" y="0"/>
+          <a:ext cx="0" cy="0"/>
+          <a:chOff x="0" y="0"/>
+          <a:chExt cx="0" cy="0"/>
+        </a:xfrm>
+      </p:grpSpPr>
+      <p:sp>
+        <p:nvSpPr>
+          <p:cNvPr id="2" name="Title 1">
+            <a:extLst>
+              <a:ext uri="{FF2B5EF4-FFF2-40B4-BE49-F238E27FC236}">
+                <a16:creationId xmlns:a16="http://schemas.microsoft.com/office/drawing/2014/main" id="{8ED48942-EC8E-C965-158E-5D400107D5E2}"/>
+              </a:ext>
+            </a:extLst>
+          </p:cNvPr>
+          <p:cNvSpPr>
+            <a:spLocks noGrp="1"/>
+          </p:cNvSpPr>
+          <p:nvPr>
+            <p:ph type="title"/>
+          </p:nvPr>
+        </p:nvSpPr>
+        <p:spPr/>
+        <p:txBody>
+          <a:bodyPr/>
+          <a:lstStyle/>
+          <a:p>
+            <a:r>
+              <a:rPr lang="en-TR" b="1" dirty="0"/>
+              <a:t>Observer Pattern ile</a:t>
+            </a:r>
+          </a:p>
+        </p:txBody>
+      </p:sp>
+      <p:sp>
+        <p:nvSpPr>
+          <p:cNvPr id="3" name="Content Placeholder 2">
+            <a:extLst>
+              <a:ext uri="{FF2B5EF4-FFF2-40B4-BE49-F238E27FC236}">
+                <a16:creationId xmlns:a16="http://schemas.microsoft.com/office/drawing/2014/main" id="{260F79AE-B471-35D8-EC6D-948BA79F4A55}"/>
+              </a:ext>
+            </a:extLst>
+          </p:cNvPr>
+          <p:cNvSpPr>
+            <a:spLocks noGrp="1"/>
+          </p:cNvSpPr>
+          <p:nvPr>
+            <p:ph idx="1"/>
+          </p:nvPr>
+        </p:nvSpPr>
+        <p:spPr>
+          <a:xfrm>
+            <a:off x="838200" y="1478784"/>
+            <a:ext cx="10515600" cy="1777111"/>
+          </a:xfrm>
+        </p:spPr>
+        <p:txBody>
+          <a:bodyPr>
+            <a:normAutofit/>
+          </a:bodyPr>
+          <a:lstStyle/>
+          <a:p>
+            <a:r>
+              <a:rPr lang="en-TR" dirty="0"/>
+              <a:t>Bir nesnenin durumundan haberdar olmak istediğimizde bu tasarım deseni kullanılır.</a:t>
+            </a:r>
+          </a:p>
+          <a:p>
+            <a:r>
+              <a:rPr lang="en-TR" dirty="0"/>
+              <a:t>Loosely coupling yapı</a:t>
+            </a:r>
+          </a:p>
+          <a:p>
+            <a:pPr marL="0" indent="0">
+              <a:buNone/>
+            </a:pPr>
+            <a:endParaRPr lang="en-TR" dirty="0"/>
+          </a:p>
+          <a:p>
+            <a:pPr marL="0" indent="0">
+              <a:buNone/>
+            </a:pPr>
+            <a:endParaRPr lang="en-TR" dirty="0"/>
+          </a:p>
+          <a:p>
+            <a:pPr marL="0" indent="0">
+              <a:buNone/>
+            </a:pPr>
+            <a:endParaRPr lang="en-TR" dirty="0"/>
+          </a:p>
+          <a:p>
+            <a:pPr marL="0" indent="0">
+              <a:buNone/>
+            </a:pPr>
+            <a:endParaRPr lang="en-TR" dirty="0"/>
+          </a:p>
+          <a:p>
+            <a:pPr marL="0" indent="0">
+              <a:buNone/>
+            </a:pPr>
+            <a:endParaRPr lang="en-TR" dirty="0"/>
+          </a:p>
+          <a:p>
+            <a:endParaRPr lang="en-TR" dirty="0"/>
+          </a:p>
+        </p:txBody>
+      </p:sp>
+      <p:sp>
+        <p:nvSpPr>
+          <p:cNvPr id="4" name="Content Placeholder 2">
+            <a:extLst>
+              <a:ext uri="{FF2B5EF4-FFF2-40B4-BE49-F238E27FC236}">
+                <a16:creationId xmlns:a16="http://schemas.microsoft.com/office/drawing/2014/main" id="{9CDCAB63-5A1D-A215-4F3C-77319CF42103}"/>
+              </a:ext>
+            </a:extLst>
+          </p:cNvPr>
+          <p:cNvSpPr txBox="1">
+            <a:spLocks/>
+          </p:cNvSpPr>
+          <p:nvPr/>
+        </p:nvSpPr>
+        <p:spPr>
+          <a:xfrm>
+            <a:off x="838200" y="3813768"/>
+            <a:ext cx="10515600" cy="1290254"/>
+          </a:xfrm>
+          <a:prstGeom prst="rect">
+            <a:avLst/>
+          </a:prstGeom>
+        </p:spPr>
+        <p:txBody>
+          <a:bodyPr vert="horz" lIns="91440" tIns="45720" rIns="91440" bIns="45720" rtlCol="0">
+            <a:normAutofit/>
+          </a:bodyPr>
+          <a:lstStyle>
+            <a:lvl1pPr marL="228600" indent="-228600" algn="l" defTabSz="914400" rtl="0" eaLnBrk="1" latinLnBrk="0" hangingPunct="1">
+              <a:lnSpc>
+                <a:spcPct val="90000"/>
+              </a:lnSpc>
+              <a:spcBef>
+                <a:spcPts val="1000"/>
+              </a:spcBef>
+              <a:buFont typeface="Arial" panose="020B0604020202020204" pitchFamily="34" charset="0"/>
+              <a:buChar char="•"/>
+              <a:defRPr sz="2800" kern="1200">
+                <a:solidFill>
+                  <a:schemeClr val="tx1"/>
+                </a:solidFill>
+                <a:latin typeface="+mn-lt"/>
+                <a:ea typeface="+mn-ea"/>
+                <a:cs typeface="+mn-cs"/>
+              </a:defRPr>
+            </a:lvl1pPr>
+            <a:lvl2pPr marL="685800" indent="-228600" algn="l" defTabSz="914400" rtl="0" eaLnBrk="1" latinLnBrk="0" hangingPunct="1">
+              <a:lnSpc>
+                <a:spcPct val="90000"/>
+              </a:lnSpc>
+              <a:spcBef>
+                <a:spcPts val="500"/>
+              </a:spcBef>
+              <a:buFont typeface="Arial" panose="020B0604020202020204" pitchFamily="34" charset="0"/>
+              <a:buChar char="•"/>
+              <a:defRPr sz="2400" kern="1200">
+                <a:solidFill>
+                  <a:schemeClr val="tx1"/>
+                </a:solidFill>
+                <a:latin typeface="+mn-lt"/>
+                <a:ea typeface="+mn-ea"/>
+                <a:cs typeface="+mn-cs"/>
+              </a:defRPr>
+            </a:lvl2pPr>
+            <a:lvl3pPr marL="1143000" indent="-228600" algn="l" defTabSz="914400" rtl="0" eaLnBrk="1" latinLnBrk="0" hangingPunct="1">
+              <a:lnSpc>
+                <a:spcPct val="90000"/>
+              </a:lnSpc>
+              <a:spcBef>
+                <a:spcPts val="500"/>
+              </a:spcBef>
+              <a:buFont typeface="Arial" panose="020B0604020202020204" pitchFamily="34" charset="0"/>
+              <a:buChar char="•"/>
+              <a:defRPr sz="2000" kern="1200">
+                <a:solidFill>
+                  <a:schemeClr val="tx1"/>
+                </a:solidFill>
+                <a:latin typeface="+mn-lt"/>
+                <a:ea typeface="+mn-ea"/>
+                <a:cs typeface="+mn-cs"/>
+              </a:defRPr>
+            </a:lvl3pPr>
+            <a:lvl4pPr marL="1600200" indent="-228600" algn="l" defTabSz="914400" rtl="0" eaLnBrk="1" latinLnBrk="0" hangingPunct="1">
+              <a:lnSpc>
+                <a:spcPct val="90000"/>
+              </a:lnSpc>
+              <a:spcBef>
+                <a:spcPts val="500"/>
+              </a:spcBef>
+              <a:buFont typeface="Arial" panose="020B0604020202020204" pitchFamily="34" charset="0"/>
+              <a:buChar char="•"/>
+              <a:defRPr sz="1800" kern="1200">
+                <a:solidFill>
+                  <a:schemeClr val="tx1"/>
+                </a:solidFill>
+                <a:latin typeface="+mn-lt"/>
+                <a:ea typeface="+mn-ea"/>
+                <a:cs typeface="+mn-cs"/>
+              </a:defRPr>
+            </a:lvl4pPr>
+            <a:lvl5pPr marL="2057400" indent="-228600" algn="l" defTabSz="914400" rtl="0" eaLnBrk="1" latinLnBrk="0" hangingPunct="1">
+              <a:lnSpc>
+                <a:spcPct val="90000"/>
+              </a:lnSpc>
+              <a:spcBef>
+                <a:spcPts val="500"/>
+              </a:spcBef>
+              <a:buFont typeface="Arial" panose="020B0604020202020204" pitchFamily="34" charset="0"/>
+              <a:buChar char="•"/>
+              <a:defRPr sz="1800" kern="1200">
+                <a:solidFill>
+                  <a:schemeClr val="tx1"/>
+                </a:solidFill>
+                <a:latin typeface="+mn-lt"/>
+                <a:ea typeface="+mn-ea"/>
+                <a:cs typeface="+mn-cs"/>
+              </a:defRPr>
+            </a:lvl5pPr>
+            <a:lvl6pPr marL="2514600" indent="-228600" algn="l" defTabSz="914400" rtl="0" eaLnBrk="1" latinLnBrk="0" hangingPunct="1">
+              <a:lnSpc>
+                <a:spcPct val="90000"/>
+              </a:lnSpc>
+              <a:spcBef>
+                <a:spcPts val="500"/>
+              </a:spcBef>
+              <a:buFont typeface="Arial" panose="020B0604020202020204" pitchFamily="34" charset="0"/>
+              <a:buChar char="•"/>
+              <a:defRPr sz="1800" kern="1200">
+                <a:solidFill>
+                  <a:schemeClr val="tx1"/>
+                </a:solidFill>
+                <a:latin typeface="+mn-lt"/>
+                <a:ea typeface="+mn-ea"/>
+                <a:cs typeface="+mn-cs"/>
+              </a:defRPr>
+            </a:lvl6pPr>
+            <a:lvl7pPr marL="2971800" indent="-228600" algn="l" defTabSz="914400" rtl="0" eaLnBrk="1" latinLnBrk="0" hangingPunct="1">
+              <a:lnSpc>
+                <a:spcPct val="90000"/>
+              </a:lnSpc>
+              <a:spcBef>
+                <a:spcPts val="500"/>
+              </a:spcBef>
+              <a:buFont typeface="Arial" panose="020B0604020202020204" pitchFamily="34" charset="0"/>
+              <a:buChar char="•"/>
+              <a:defRPr sz="1800" kern="1200">
+                <a:solidFill>
+                  <a:schemeClr val="tx1"/>
+                </a:solidFill>
+                <a:latin typeface="+mn-lt"/>
+                <a:ea typeface="+mn-ea"/>
+                <a:cs typeface="+mn-cs"/>
+              </a:defRPr>
+            </a:lvl7pPr>
+            <a:lvl8pPr marL="3429000" indent="-228600" algn="l" defTabSz="914400" rtl="0" eaLnBrk="1" latinLnBrk="0" hangingPunct="1">
+              <a:lnSpc>
+                <a:spcPct val="90000"/>
+              </a:lnSpc>
+              <a:spcBef>
+                <a:spcPts val="500"/>
+              </a:spcBef>
+              <a:buFont typeface="Arial" panose="020B0604020202020204" pitchFamily="34" charset="0"/>
+              <a:buChar char="•"/>
+              <a:defRPr sz="1800" kern="1200">
+                <a:solidFill>
+                  <a:schemeClr val="tx1"/>
+                </a:solidFill>
+                <a:latin typeface="+mn-lt"/>
+                <a:ea typeface="+mn-ea"/>
+                <a:cs typeface="+mn-cs"/>
+              </a:defRPr>
+            </a:lvl8pPr>
+            <a:lvl9pPr marL="3886200" indent="-228600" algn="l" defTabSz="914400" rtl="0" eaLnBrk="1" latinLnBrk="0" hangingPunct="1">
+              <a:lnSpc>
+                <a:spcPct val="90000"/>
+              </a:lnSpc>
+              <a:spcBef>
+                <a:spcPts val="500"/>
+              </a:spcBef>
+              <a:buFont typeface="Arial" panose="020B0604020202020204" pitchFamily="34" charset="0"/>
+              <a:buChar char="•"/>
+              <a:defRPr sz="1800" kern="1200">
+                <a:solidFill>
+                  <a:schemeClr val="tx1"/>
+                </a:solidFill>
+                <a:latin typeface="+mn-lt"/>
+                <a:ea typeface="+mn-ea"/>
+                <a:cs typeface="+mn-cs"/>
+              </a:defRPr>
+            </a:lvl9pPr>
+          </a:lstStyle>
+          <a:p>
+            <a:r>
+              <a:rPr lang="en-TR" dirty="0"/>
+              <a:t>Java Kullanılan yerler:</a:t>
+            </a:r>
+          </a:p>
+          <a:p>
+            <a:pPr lvl="1"/>
+            <a:r>
+              <a:rPr lang="en-US" b="1" i="0" u="none" strike="noStrike" dirty="0" err="1">
+                <a:solidFill>
+                  <a:srgbClr val="444444"/>
+                </a:solidFill>
+                <a:effectLst/>
+                <a:latin typeface="PT Sans" panose="020B0503020203020204" pitchFamily="34" charset="77"/>
+              </a:rPr>
+              <a:t>Java.util</a:t>
+            </a:r>
+            <a:r>
+              <a:rPr lang="en-US" b="1" i="0" u="none" strike="noStrike" dirty="0">
+                <a:solidFill>
+                  <a:srgbClr val="444444"/>
+                </a:solidFill>
+                <a:effectLst/>
+                <a:latin typeface="PT Sans" panose="020B0503020203020204" pitchFamily="34" charset="77"/>
+              </a:rPr>
+              <a:t> </a:t>
+            </a:r>
+            <a:r>
+              <a:rPr lang="en-US" b="1" i="0" u="none" strike="noStrike" dirty="0" err="1">
+                <a:solidFill>
+                  <a:srgbClr val="444444"/>
+                </a:solidFill>
+                <a:effectLst/>
+                <a:latin typeface="PT Sans" panose="020B0503020203020204" pitchFamily="34" charset="77"/>
+              </a:rPr>
+              <a:t>paketinde</a:t>
+            </a:r>
+            <a:r>
+              <a:rPr lang="en-US" b="1" i="0" u="none" strike="noStrike" dirty="0">
+                <a:solidFill>
+                  <a:srgbClr val="444444"/>
+                </a:solidFill>
+                <a:effectLst/>
+                <a:latin typeface="PT Sans" panose="020B0503020203020204" pitchFamily="34" charset="77"/>
+              </a:rPr>
+              <a:t> Observable </a:t>
+            </a:r>
+            <a:r>
+              <a:rPr lang="en-US" b="1" i="0" u="none" strike="noStrike" dirty="0" err="1">
+                <a:solidFill>
+                  <a:srgbClr val="444444"/>
+                </a:solidFill>
+                <a:effectLst/>
+                <a:latin typeface="PT Sans" panose="020B0503020203020204" pitchFamily="34" charset="77"/>
+              </a:rPr>
+              <a:t>sınıfı</a:t>
+            </a:r>
+            <a:r>
+              <a:rPr lang="en-US" b="1" i="0" u="none" strike="noStrike" dirty="0">
+                <a:solidFill>
+                  <a:srgbClr val="444444"/>
+                </a:solidFill>
+                <a:effectLst/>
+                <a:latin typeface="PT Sans" panose="020B0503020203020204" pitchFamily="34" charset="77"/>
+              </a:rPr>
+              <a:t> </a:t>
+            </a:r>
+            <a:r>
+              <a:rPr lang="en-US" b="1" i="0" u="none" strike="noStrike" dirty="0" err="1">
+                <a:solidFill>
+                  <a:srgbClr val="444444"/>
+                </a:solidFill>
+                <a:effectLst/>
+                <a:latin typeface="PT Sans" panose="020B0503020203020204" pitchFamily="34" charset="77"/>
+              </a:rPr>
+              <a:t>ve</a:t>
+            </a:r>
+            <a:r>
+              <a:rPr lang="en-US" b="1" i="0" u="none" strike="noStrike" dirty="0">
+                <a:solidFill>
+                  <a:srgbClr val="444444"/>
+                </a:solidFill>
+                <a:effectLst/>
+                <a:latin typeface="PT Sans" panose="020B0503020203020204" pitchFamily="34" charset="77"/>
+              </a:rPr>
+              <a:t> Observer </a:t>
+            </a:r>
+            <a:r>
+              <a:rPr lang="en-US" b="1" i="0" u="none" strike="noStrike" dirty="0" err="1">
+                <a:solidFill>
+                  <a:srgbClr val="444444"/>
+                </a:solidFill>
+                <a:effectLst/>
+                <a:latin typeface="PT Sans" panose="020B0503020203020204" pitchFamily="34" charset="77"/>
+              </a:rPr>
+              <a:t>arayüzü</a:t>
+            </a:r>
+            <a:r>
+              <a:rPr lang="en-US" b="1" i="0" u="none" strike="noStrike" dirty="0">
+                <a:solidFill>
+                  <a:srgbClr val="444444"/>
+                </a:solidFill>
+                <a:effectLst/>
+                <a:latin typeface="PT Sans" panose="020B0503020203020204" pitchFamily="34" charset="77"/>
+              </a:rPr>
+              <a:t> </a:t>
+            </a:r>
+            <a:r>
+              <a:rPr lang="en-US" b="1" i="0" u="none" strike="noStrike" dirty="0" err="1">
+                <a:solidFill>
+                  <a:srgbClr val="444444"/>
+                </a:solidFill>
+                <a:effectLst/>
+                <a:latin typeface="PT Sans" panose="020B0503020203020204" pitchFamily="34" charset="77"/>
+              </a:rPr>
+              <a:t>mevcuttu</a:t>
+            </a:r>
+            <a:r>
+              <a:rPr lang="en-US" b="1" i="0" u="none" strike="noStrike" dirty="0">
+                <a:solidFill>
+                  <a:srgbClr val="444444"/>
+                </a:solidFill>
+                <a:effectLst/>
+                <a:latin typeface="PT Sans" panose="020B0503020203020204" pitchFamily="34" charset="77"/>
+              </a:rPr>
+              <a:t>. Java9 ‘da deprecated </a:t>
+            </a:r>
+            <a:r>
+              <a:rPr lang="en-US" b="1" i="0" u="none" strike="noStrike" dirty="0" err="1">
+                <a:solidFill>
+                  <a:srgbClr val="444444"/>
+                </a:solidFill>
+                <a:effectLst/>
+                <a:latin typeface="PT Sans" panose="020B0503020203020204" pitchFamily="34" charset="77"/>
+              </a:rPr>
+              <a:t>olmuştur</a:t>
+            </a:r>
+            <a:r>
+              <a:rPr lang="en-US" b="0" i="0" dirty="0">
+                <a:solidFill>
+                  <a:srgbClr val="444444"/>
+                </a:solidFill>
+                <a:effectLst/>
+                <a:latin typeface="PT Sans" panose="020B0503020203020204" pitchFamily="34" charset="77"/>
+              </a:rPr>
+              <a:t>.</a:t>
+            </a:r>
+          </a:p>
+          <a:p>
+            <a:endParaRPr lang="en-TR" dirty="0"/>
+          </a:p>
+        </p:txBody>
+      </p:sp>
+    </p:spTree>
+    <p:extLst>
+      <p:ext uri="{BB962C8B-B14F-4D97-AF65-F5344CB8AC3E}">
+        <p14:creationId xmlns:p14="http://schemas.microsoft.com/office/powerpoint/2010/main" val="1354386345"/>
+      </p:ext>
+    </p:extLst>
+  </p:cSld>
+  <p:clrMapOvr>
+    <a:masterClrMapping/>
+  </p:clrMapOvr>
+</p:sld>
+</file>
+
+<file path=ppt/slides/slide52.xml><?xml version="1.0" encoding="utf-8"?>
+<p:sld xmlns:a="http://schemas.openxmlformats.org/drawingml/2006/main" xmlns:r="http://schemas.openxmlformats.org/officeDocument/2006/relationships" xmlns:p="http://schemas.openxmlformats.org/presentationml/2006/main">
+  <p:cSld>
+    <p:spTree>
+      <p:nvGrpSpPr>
+        <p:cNvPr id="1" name=""/>
+        <p:cNvGrpSpPr/>
+        <p:nvPr/>
+      </p:nvGrpSpPr>
+      <p:grpSpPr>
+        <a:xfrm>
+          <a:off x="0" y="0"/>
+          <a:ext cx="0" cy="0"/>
+          <a:chOff x="0" y="0"/>
+          <a:chExt cx="0" cy="0"/>
+        </a:xfrm>
+      </p:grpSpPr>
+      <p:sp>
+        <p:nvSpPr>
+          <p:cNvPr id="2" name="Title 1">
+            <a:extLst>
+              <a:ext uri="{FF2B5EF4-FFF2-40B4-BE49-F238E27FC236}">
+                <a16:creationId xmlns:a16="http://schemas.microsoft.com/office/drawing/2014/main" id="{2E9D660D-2A27-7660-35ED-5AC80FB79D1C}"/>
+              </a:ext>
+            </a:extLst>
+          </p:cNvPr>
+          <p:cNvSpPr>
+            <a:spLocks noGrp="1"/>
+          </p:cNvSpPr>
+          <p:nvPr>
+            <p:ph type="title"/>
+          </p:nvPr>
+        </p:nvSpPr>
+        <p:spPr/>
+        <p:txBody>
+          <a:bodyPr/>
+          <a:lstStyle/>
+          <a:p>
+            <a:r>
+              <a:rPr lang="en-TR" b="1" dirty="0"/>
+              <a:t>Structural - Yapısal</a:t>
+            </a:r>
+          </a:p>
+        </p:txBody>
+      </p:sp>
+      <p:sp>
+        <p:nvSpPr>
+          <p:cNvPr id="3" name="Content Placeholder 2">
+            <a:extLst>
+              <a:ext uri="{FF2B5EF4-FFF2-40B4-BE49-F238E27FC236}">
+                <a16:creationId xmlns:a16="http://schemas.microsoft.com/office/drawing/2014/main" id="{EDDA0E33-8ADD-36F6-80EC-4E2DED701DBF}"/>
+              </a:ext>
+            </a:extLst>
+          </p:cNvPr>
+          <p:cNvSpPr>
+            <a:spLocks noGrp="1"/>
+          </p:cNvSpPr>
+          <p:nvPr>
+            <p:ph idx="1"/>
+          </p:nvPr>
+        </p:nvSpPr>
+        <p:spPr/>
+        <p:txBody>
+          <a:bodyPr/>
+          <a:lstStyle/>
+          <a:p>
+            <a:r>
+              <a:rPr lang="en-TR" dirty="0"/>
+              <a:t>Flyweight</a:t>
+            </a:r>
+          </a:p>
+          <a:p>
+            <a:r>
+              <a:rPr lang="en-TR" dirty="0"/>
+              <a:t>Adapter</a:t>
+            </a:r>
+          </a:p>
+          <a:p>
+            <a:r>
+              <a:rPr lang="en-TR" dirty="0"/>
+              <a:t>Composite</a:t>
+            </a:r>
+          </a:p>
+          <a:p>
+            <a:r>
+              <a:rPr lang="en-TR" dirty="0"/>
+              <a:t>Facade</a:t>
+            </a:r>
+          </a:p>
+          <a:p>
+            <a:r>
+              <a:rPr lang="en-TR" dirty="0"/>
+              <a:t>Proxy</a:t>
+            </a:r>
+          </a:p>
+          <a:p>
+            <a:r>
+              <a:rPr lang="en-TR" dirty="0"/>
+              <a:t>Decorator</a:t>
+            </a:r>
+          </a:p>
+          <a:p>
+            <a:r>
+              <a:rPr lang="en-TR" dirty="0"/>
+              <a:t>Bridge</a:t>
+            </a:r>
+          </a:p>
+        </p:txBody>
+      </p:sp>
+    </p:spTree>
+    <p:extLst>
+      <p:ext uri="{BB962C8B-B14F-4D97-AF65-F5344CB8AC3E}">
+        <p14:creationId xmlns:p14="http://schemas.microsoft.com/office/powerpoint/2010/main" val="931486554"/>
+      </p:ext>
+    </p:extLst>
+  </p:cSld>
+  <p:clrMapOvr>
+    <a:masterClrMapping/>
+  </p:clrMapOvr>
+</p:sld>
+</file>
+
+<file path=ppt/slides/slide53.xml><?xml version="1.0" encoding="utf-8"?>
+<p:sld xmlns:a="http://schemas.openxmlformats.org/drawingml/2006/main" xmlns:r="http://schemas.openxmlformats.org/officeDocument/2006/relationships" xmlns:p="http://schemas.openxmlformats.org/presentationml/2006/main">
+  <p:cSld>
+    <p:spTree>
+      <p:nvGrpSpPr>
+        <p:cNvPr id="1" name="">
+          <a:extLst>
+            <a:ext uri="{FF2B5EF4-FFF2-40B4-BE49-F238E27FC236}">
+              <a16:creationId xmlns:a16="http://schemas.microsoft.com/office/drawing/2014/main" id="{68E0843F-29AF-6D13-4B66-D254EB782FB8}"/>
+            </a:ext>
+          </a:extLst>
+        </p:cNvPr>
+        <p:cNvGrpSpPr/>
+        <p:nvPr/>
+      </p:nvGrpSpPr>
+      <p:grpSpPr>
+        <a:xfrm>
+          <a:off x="0" y="0"/>
+          <a:ext cx="0" cy="0"/>
+          <a:chOff x="0" y="0"/>
+          <a:chExt cx="0" cy="0"/>
+        </a:xfrm>
+      </p:grpSpPr>
+      <p:sp>
+        <p:nvSpPr>
+          <p:cNvPr id="2" name="Title 1">
+            <a:extLst>
+              <a:ext uri="{FF2B5EF4-FFF2-40B4-BE49-F238E27FC236}">
+                <a16:creationId xmlns:a16="http://schemas.microsoft.com/office/drawing/2014/main" id="{40D3277F-6D14-E6DC-D56D-6F500333759C}"/>
+              </a:ext>
+            </a:extLst>
+          </p:cNvPr>
+          <p:cNvSpPr>
+            <a:spLocks noGrp="1"/>
+          </p:cNvSpPr>
+          <p:nvPr>
+            <p:ph type="ctrTitle"/>
+          </p:nvPr>
+        </p:nvSpPr>
+        <p:spPr>
+          <a:xfrm>
+            <a:off x="1524000" y="1122363"/>
+            <a:ext cx="9144000" cy="2133599"/>
+          </a:xfrm>
+        </p:spPr>
+        <p:txBody>
+          <a:bodyPr>
+            <a:normAutofit fontScale="90000"/>
+          </a:bodyPr>
+          <a:lstStyle/>
+          <a:p>
+            <a:br>
+              <a:rPr lang="en-TR" b="1" dirty="0"/>
+            </a:br>
+            <a:br>
+              <a:rPr lang="en-TR" b="1" dirty="0"/>
+            </a:br>
+            <a:br>
+              <a:rPr lang="en-TR" b="1" dirty="0"/>
+            </a:br>
+            <a:br>
+              <a:rPr lang="en-TR" b="1" dirty="0"/>
+            </a:br>
+            <a:r>
+              <a:rPr lang="en-TR" b="1" dirty="0"/>
+              <a:t>Design Pattern Series</a:t>
+            </a:r>
+            <a:br>
+              <a:rPr lang="en-TR" b="1" dirty="0"/>
+            </a:br>
+            <a:r>
+              <a:rPr lang="en-TR" sz="4200" b="1" dirty="0"/>
+              <a:t>Decorator Pattern</a:t>
+            </a:r>
+            <a:br>
+              <a:rPr lang="en-TR" b="1" dirty="0"/>
+            </a:br>
+            <a:endParaRPr lang="en-TR" b="1" dirty="0"/>
+          </a:p>
+        </p:txBody>
+      </p:sp>
+      <p:sp>
+        <p:nvSpPr>
+          <p:cNvPr id="3" name="Subtitle 2">
+            <a:extLst>
+              <a:ext uri="{FF2B5EF4-FFF2-40B4-BE49-F238E27FC236}">
+                <a16:creationId xmlns:a16="http://schemas.microsoft.com/office/drawing/2014/main" id="{2AB83D59-98BC-7FF5-F76D-D36BD744943E}"/>
+              </a:ext>
+            </a:extLst>
+          </p:cNvPr>
+          <p:cNvSpPr>
+            <a:spLocks noGrp="1"/>
+          </p:cNvSpPr>
+          <p:nvPr>
+            <p:ph type="subTitle" idx="1"/>
+          </p:nvPr>
+        </p:nvSpPr>
+        <p:spPr/>
+        <p:txBody>
+          <a:bodyPr>
+            <a:normAutofit/>
+          </a:bodyPr>
+          <a:lstStyle/>
+          <a:p>
+            <a:r>
+              <a:rPr lang="en-TR" b="1" dirty="0"/>
+              <a:t>Structural – (Yapısal)</a:t>
+            </a:r>
+            <a:endParaRPr lang="en-TR" dirty="0"/>
+          </a:p>
+          <a:p>
+            <a:endParaRPr lang="en-TR" b="1" dirty="0"/>
+          </a:p>
+          <a:p>
+            <a:r>
+              <a:rPr lang="en-TR" b="1" dirty="0"/>
+              <a:t>Someone has already solved your problems.</a:t>
+            </a:r>
+          </a:p>
+          <a:p>
+            <a:endParaRPr lang="en-TR" dirty="0"/>
+          </a:p>
+        </p:txBody>
+      </p:sp>
+      <p:cxnSp>
+        <p:nvCxnSpPr>
+          <p:cNvPr id="5" name="Straight Connector 4">
+            <a:extLst>
+              <a:ext uri="{FF2B5EF4-FFF2-40B4-BE49-F238E27FC236}">
+                <a16:creationId xmlns:a16="http://schemas.microsoft.com/office/drawing/2014/main" id="{26D0836D-5210-AD83-FC8C-549591D48833}"/>
+              </a:ext>
+            </a:extLst>
+          </p:cNvPr>
+          <p:cNvCxnSpPr/>
+          <p:nvPr/>
+        </p:nvCxnSpPr>
+        <p:spPr>
+          <a:xfrm>
+            <a:off x="1701800" y="4419600"/>
+            <a:ext cx="8695267" cy="0"/>
+          </a:xfrm>
+          <a:prstGeom prst="line">
+            <a:avLst/>
+          </a:prstGeom>
+        </p:spPr>
+        <p:style>
+          <a:lnRef idx="1">
+            <a:schemeClr val="accent1"/>
+          </a:lnRef>
+          <a:fillRef idx="0">
+            <a:schemeClr val="accent1"/>
+          </a:fillRef>
+          <a:effectRef idx="0">
+            <a:schemeClr val="accent1"/>
+          </a:effectRef>
+          <a:fontRef idx="minor">
+            <a:schemeClr val="tx1"/>
+          </a:fontRef>
+        </p:style>
+      </p:cxnSp>
+    </p:spTree>
+    <p:extLst>
+      <p:ext uri="{BB962C8B-B14F-4D97-AF65-F5344CB8AC3E}">
+        <p14:creationId xmlns:p14="http://schemas.microsoft.com/office/powerpoint/2010/main" val="1217719778"/>
+      </p:ext>
+    </p:extLst>
+  </p:cSld>
+  <p:clrMapOvr>
+    <a:masterClrMapping/>
+  </p:clrMapOvr>
+</p:sld>
+</file>
+
+<file path=ppt/slides/slide54.xml><?xml version="1.0" encoding="utf-8"?>
+<p:sld xmlns:a="http://schemas.openxmlformats.org/drawingml/2006/main" xmlns:r="http://schemas.openxmlformats.org/officeDocument/2006/relationships" xmlns:p="http://schemas.openxmlformats.org/presentationml/2006/main">
+  <p:cSld>
+    <p:spTree>
+      <p:nvGrpSpPr>
+        <p:cNvPr id="1" name="">
+          <a:extLst>
+            <a:ext uri="{FF2B5EF4-FFF2-40B4-BE49-F238E27FC236}">
+              <a16:creationId xmlns:a16="http://schemas.microsoft.com/office/drawing/2014/main" id="{7A25ADD9-4B43-2F5B-D758-05078DFAA718}"/>
+            </a:ext>
+          </a:extLst>
+        </p:cNvPr>
+        <p:cNvGrpSpPr/>
+        <p:nvPr/>
+      </p:nvGrpSpPr>
+      <p:grpSpPr>
+        <a:xfrm>
+          <a:off x="0" y="0"/>
+          <a:ext cx="0" cy="0"/>
+          <a:chOff x="0" y="0"/>
+          <a:chExt cx="0" cy="0"/>
+        </a:xfrm>
+      </p:grpSpPr>
+      <p:sp>
+        <p:nvSpPr>
+          <p:cNvPr id="2" name="Title 1">
+            <a:extLst>
+              <a:ext uri="{FF2B5EF4-FFF2-40B4-BE49-F238E27FC236}">
+                <a16:creationId xmlns:a16="http://schemas.microsoft.com/office/drawing/2014/main" id="{77CCE722-CA90-9871-FD89-2209F77D757D}"/>
+              </a:ext>
+            </a:extLst>
+          </p:cNvPr>
+          <p:cNvSpPr>
+            <a:spLocks noGrp="1"/>
+          </p:cNvSpPr>
+          <p:nvPr>
+            <p:ph type="title"/>
+          </p:nvPr>
+        </p:nvSpPr>
+        <p:spPr/>
+        <p:txBody>
+          <a:bodyPr/>
+          <a:lstStyle/>
+          <a:p>
+            <a:r>
+              <a:rPr lang="en-TR" b="1" dirty="0"/>
+              <a:t>Decorator Pattern</a:t>
+            </a:r>
+          </a:p>
+        </p:txBody>
+      </p:sp>
+      <p:sp>
+        <p:nvSpPr>
+          <p:cNvPr id="3" name="Content Placeholder 2">
+            <a:extLst>
+              <a:ext uri="{FF2B5EF4-FFF2-40B4-BE49-F238E27FC236}">
+                <a16:creationId xmlns:a16="http://schemas.microsoft.com/office/drawing/2014/main" id="{3373D8B0-4801-1C61-3861-75C9F56F090D}"/>
+              </a:ext>
+            </a:extLst>
+          </p:cNvPr>
+          <p:cNvSpPr>
+            <a:spLocks noGrp="1"/>
+          </p:cNvSpPr>
+          <p:nvPr>
+            <p:ph idx="1"/>
+          </p:nvPr>
+        </p:nvSpPr>
+        <p:spPr/>
+        <p:txBody>
+          <a:bodyPr/>
+          <a:lstStyle/>
+          <a:p>
+            <a:r>
+              <a:rPr lang="en-US" dirty="0">
+                <a:effectLst/>
+                <a:latin typeface="Helvetica" pitchFamily="2" charset="0"/>
+              </a:rPr>
+              <a:t>Attach additional responsibilities to an object dynamically. Decorators provide a flexible alternative to subclassing for extending functionality. </a:t>
+            </a:r>
+          </a:p>
+          <a:p>
+            <a:endParaRPr lang="en-US" dirty="0">
+              <a:latin typeface="Helvetica" pitchFamily="2" charset="0"/>
+            </a:endParaRPr>
+          </a:p>
+          <a:p>
+            <a:r>
+              <a:rPr lang="en-US" dirty="0" err="1">
+                <a:latin typeface="Helvetica" pitchFamily="2" charset="0"/>
+              </a:rPr>
+              <a:t>Nesneye</a:t>
+            </a:r>
+            <a:r>
+              <a:rPr lang="en-US" dirty="0">
+                <a:latin typeface="Helvetica" pitchFamily="2" charset="0"/>
+              </a:rPr>
+              <a:t> </a:t>
+            </a:r>
+            <a:r>
+              <a:rPr lang="en-US" dirty="0" err="1">
+                <a:latin typeface="Helvetica" pitchFamily="2" charset="0"/>
+              </a:rPr>
+              <a:t>dinamik</a:t>
+            </a:r>
+            <a:r>
+              <a:rPr lang="en-US" dirty="0">
+                <a:latin typeface="Helvetica" pitchFamily="2" charset="0"/>
+              </a:rPr>
+              <a:t> </a:t>
+            </a:r>
+            <a:r>
+              <a:rPr lang="en-US" dirty="0" err="1">
+                <a:latin typeface="Helvetica" pitchFamily="2" charset="0"/>
+              </a:rPr>
+              <a:t>olarak</a:t>
+            </a:r>
+            <a:r>
+              <a:rPr lang="en-US" dirty="0">
+                <a:latin typeface="Helvetica" pitchFamily="2" charset="0"/>
+              </a:rPr>
+              <a:t> ek </a:t>
+            </a:r>
+            <a:r>
+              <a:rPr lang="en-US" dirty="0" err="1">
+                <a:latin typeface="Helvetica" pitchFamily="2" charset="0"/>
+              </a:rPr>
+              <a:t>sorumluluklar</a:t>
+            </a:r>
+            <a:r>
+              <a:rPr lang="en-US" dirty="0">
+                <a:latin typeface="Helvetica" pitchFamily="2" charset="0"/>
+              </a:rPr>
+              <a:t> </a:t>
+            </a:r>
+            <a:r>
+              <a:rPr lang="en-US" dirty="0" err="1">
+                <a:latin typeface="Helvetica" pitchFamily="2" charset="0"/>
+              </a:rPr>
+              <a:t>ekleyin</a:t>
+            </a:r>
+            <a:r>
+              <a:rPr lang="en-US" dirty="0">
+                <a:latin typeface="Helvetica" pitchFamily="2" charset="0"/>
+              </a:rPr>
+              <a:t>. </a:t>
+            </a:r>
+            <a:r>
+              <a:rPr lang="en-US" dirty="0" err="1">
+                <a:latin typeface="Helvetica" pitchFamily="2" charset="0"/>
+              </a:rPr>
+              <a:t>Dekoratörler</a:t>
+            </a:r>
+            <a:r>
+              <a:rPr lang="en-US" dirty="0">
+                <a:latin typeface="Helvetica" pitchFamily="2" charset="0"/>
+              </a:rPr>
+              <a:t>, </a:t>
+            </a:r>
+            <a:r>
+              <a:rPr lang="en-US" dirty="0" err="1">
+                <a:latin typeface="Helvetica" pitchFamily="2" charset="0"/>
+              </a:rPr>
+              <a:t>işlevselliği</a:t>
+            </a:r>
+            <a:r>
+              <a:rPr lang="en-US" dirty="0">
+                <a:latin typeface="Helvetica" pitchFamily="2" charset="0"/>
+              </a:rPr>
+              <a:t> </a:t>
+            </a:r>
+            <a:r>
+              <a:rPr lang="en-US" dirty="0" err="1">
+                <a:latin typeface="Helvetica" pitchFamily="2" charset="0"/>
+              </a:rPr>
+              <a:t>genişletmek</a:t>
+            </a:r>
+            <a:r>
+              <a:rPr lang="en-US" dirty="0">
+                <a:latin typeface="Helvetica" pitchFamily="2" charset="0"/>
+              </a:rPr>
+              <a:t> </a:t>
+            </a:r>
+            <a:r>
+              <a:rPr lang="en-US" dirty="0" err="1">
+                <a:latin typeface="Helvetica" pitchFamily="2" charset="0"/>
+              </a:rPr>
+              <a:t>için</a:t>
+            </a:r>
+            <a:r>
+              <a:rPr lang="en-US" dirty="0">
+                <a:latin typeface="Helvetica" pitchFamily="2" charset="0"/>
+              </a:rPr>
+              <a:t> alt </a:t>
+            </a:r>
+            <a:r>
+              <a:rPr lang="en-US" dirty="0" err="1">
+                <a:latin typeface="Helvetica" pitchFamily="2" charset="0"/>
+              </a:rPr>
+              <a:t>sınıflandırmaya</a:t>
+            </a:r>
+            <a:r>
+              <a:rPr lang="en-US" dirty="0">
+                <a:latin typeface="Helvetica" pitchFamily="2" charset="0"/>
+              </a:rPr>
+              <a:t> </a:t>
+            </a:r>
+            <a:r>
+              <a:rPr lang="en-US" dirty="0" err="1">
+                <a:latin typeface="Helvetica" pitchFamily="2" charset="0"/>
+              </a:rPr>
+              <a:t>esnek</a:t>
+            </a:r>
+            <a:r>
+              <a:rPr lang="en-US" dirty="0">
+                <a:latin typeface="Helvetica" pitchFamily="2" charset="0"/>
+              </a:rPr>
+              <a:t> </a:t>
+            </a:r>
+            <a:r>
+              <a:rPr lang="en-US" dirty="0" err="1">
+                <a:latin typeface="Helvetica" pitchFamily="2" charset="0"/>
+              </a:rPr>
+              <a:t>bir</a:t>
+            </a:r>
+            <a:r>
+              <a:rPr lang="en-US" dirty="0">
+                <a:latin typeface="Helvetica" pitchFamily="2" charset="0"/>
+              </a:rPr>
+              <a:t> </a:t>
+            </a:r>
+            <a:r>
+              <a:rPr lang="en-US" dirty="0" err="1">
+                <a:latin typeface="Helvetica" pitchFamily="2" charset="0"/>
+              </a:rPr>
+              <a:t>alternatiflik</a:t>
+            </a:r>
+            <a:r>
+              <a:rPr lang="en-US" dirty="0">
+                <a:latin typeface="Helvetica" pitchFamily="2" charset="0"/>
+              </a:rPr>
+              <a:t> </a:t>
+            </a:r>
+            <a:r>
+              <a:rPr lang="en-US" dirty="0" err="1">
+                <a:latin typeface="Helvetica" pitchFamily="2" charset="0"/>
+              </a:rPr>
+              <a:t>sunar</a:t>
+            </a:r>
+            <a:r>
+              <a:rPr lang="en-US" dirty="0">
+                <a:latin typeface="Helvetica" pitchFamily="2" charset="0"/>
+              </a:rPr>
+              <a:t>.</a:t>
+            </a:r>
+          </a:p>
+        </p:txBody>
+      </p:sp>
+    </p:spTree>
+    <p:extLst>
+      <p:ext uri="{BB962C8B-B14F-4D97-AF65-F5344CB8AC3E}">
+        <p14:creationId xmlns:p14="http://schemas.microsoft.com/office/powerpoint/2010/main" val="834176029"/>
+      </p:ext>
+    </p:extLst>
+  </p:cSld>
+  <p:clrMapOvr>
+    <a:masterClrMapping/>
+  </p:clrMapOvr>
+</p:sld>
+</file>
+
+<file path=ppt/slides/slide55.xml><?xml version="1.0" encoding="utf-8"?>
+<p:sld xmlns:a="http://schemas.openxmlformats.org/drawingml/2006/main" xmlns:r="http://schemas.openxmlformats.org/officeDocument/2006/relationships" xmlns:p="http://schemas.openxmlformats.org/presentationml/2006/main">
+  <p:cSld>
+    <p:spTree>
+      <p:nvGrpSpPr>
+        <p:cNvPr id="1" name="">
+          <a:extLst>
+            <a:ext uri="{FF2B5EF4-FFF2-40B4-BE49-F238E27FC236}">
+              <a16:creationId xmlns:a16="http://schemas.microsoft.com/office/drawing/2014/main" id="{C83CEF1F-001C-D12F-AD44-CC004DD65576}"/>
+            </a:ext>
+          </a:extLst>
+        </p:cNvPr>
+        <p:cNvGrpSpPr/>
+        <p:nvPr/>
+      </p:nvGrpSpPr>
+      <p:grpSpPr>
+        <a:xfrm>
+          <a:off x="0" y="0"/>
+          <a:ext cx="0" cy="0"/>
+          <a:chOff x="0" y="0"/>
+          <a:chExt cx="0" cy="0"/>
+        </a:xfrm>
+      </p:grpSpPr>
+      <p:sp>
+        <p:nvSpPr>
+          <p:cNvPr id="2" name="Title 1">
+            <a:extLst>
+              <a:ext uri="{FF2B5EF4-FFF2-40B4-BE49-F238E27FC236}">
+                <a16:creationId xmlns:a16="http://schemas.microsoft.com/office/drawing/2014/main" id="{FB944EFD-3693-A271-0227-CCC0ECC5576A}"/>
+              </a:ext>
+            </a:extLst>
+          </p:cNvPr>
+          <p:cNvSpPr>
+            <a:spLocks noGrp="1"/>
+          </p:cNvSpPr>
+          <p:nvPr>
+            <p:ph type="title"/>
+          </p:nvPr>
+        </p:nvSpPr>
+        <p:spPr/>
+        <p:txBody>
+          <a:bodyPr/>
+          <a:lstStyle/>
+          <a:p>
+            <a:r>
+              <a:rPr lang="en-TR" b="1" dirty="0"/>
+              <a:t>Sorun</a:t>
+            </a:r>
+          </a:p>
+        </p:txBody>
+      </p:sp>
+      <p:sp>
+        <p:nvSpPr>
+          <p:cNvPr id="3" name="Content Placeholder 2">
+            <a:extLst>
+              <a:ext uri="{FF2B5EF4-FFF2-40B4-BE49-F238E27FC236}">
+                <a16:creationId xmlns:a16="http://schemas.microsoft.com/office/drawing/2014/main" id="{B51F1877-9A9B-742E-96C1-2B16B996E672}"/>
+              </a:ext>
+            </a:extLst>
+          </p:cNvPr>
+          <p:cNvSpPr>
+            <a:spLocks noGrp="1"/>
+          </p:cNvSpPr>
+          <p:nvPr>
+            <p:ph idx="1"/>
+          </p:nvPr>
+        </p:nvSpPr>
+        <p:spPr/>
+        <p:txBody>
+          <a:bodyPr/>
+          <a:lstStyle/>
+          <a:p>
+            <a:pPr algn="just"/>
+            <a:r>
+              <a:rPr lang="en-US" dirty="0"/>
+              <a:t>Class explosion ??</a:t>
+            </a:r>
+          </a:p>
+          <a:p>
+            <a:pPr algn="just"/>
+            <a:endParaRPr lang="en-US" dirty="0"/>
+          </a:p>
+          <a:p>
+            <a:pPr algn="just"/>
+            <a:endParaRPr lang="en-US" dirty="0"/>
+          </a:p>
+          <a:p>
+            <a:pPr marL="0" indent="0" algn="just">
+              <a:buNone/>
+            </a:pPr>
+            <a:endParaRPr lang="en-US" dirty="0"/>
+          </a:p>
+          <a:p>
+            <a:pPr algn="just"/>
+            <a:r>
+              <a:rPr lang="en-US" dirty="0" err="1"/>
+              <a:t>Farklı</a:t>
+            </a:r>
+            <a:r>
+              <a:rPr lang="en-US" dirty="0"/>
+              <a:t> </a:t>
+            </a:r>
+            <a:r>
+              <a:rPr lang="en-US" dirty="0" err="1"/>
+              <a:t>bir</a:t>
+            </a:r>
+            <a:r>
+              <a:rPr lang="en-US" dirty="0"/>
+              <a:t> </a:t>
+            </a:r>
+            <a:r>
+              <a:rPr lang="en-US" dirty="0" err="1"/>
+              <a:t>çözüm</a:t>
+            </a:r>
+            <a:r>
+              <a:rPr lang="en-US" dirty="0"/>
+              <a:t> </a:t>
+            </a:r>
+            <a:r>
+              <a:rPr lang="en-US" dirty="0" err="1"/>
+              <a:t>yeterli</a:t>
+            </a:r>
+            <a:r>
+              <a:rPr lang="en-US" dirty="0"/>
+              <a:t> </a:t>
+            </a:r>
+            <a:r>
+              <a:rPr lang="en-US" dirty="0" err="1"/>
+              <a:t>olacak</a:t>
+            </a:r>
+            <a:r>
+              <a:rPr lang="en-US" dirty="0"/>
+              <a:t> </a:t>
+            </a:r>
+            <a:r>
+              <a:rPr lang="en-US" dirty="0" err="1"/>
+              <a:t>mı</a:t>
+            </a:r>
+            <a:r>
+              <a:rPr lang="en-US" dirty="0"/>
+              <a:t>??</a:t>
+            </a:r>
+          </a:p>
+          <a:p>
+            <a:pPr algn="just"/>
+            <a:endParaRPr lang="en-US" dirty="0"/>
+          </a:p>
+          <a:p>
+            <a:pPr algn="just"/>
+            <a:endParaRPr lang="en-US" dirty="0"/>
+          </a:p>
+          <a:p>
+            <a:pPr algn="just"/>
+            <a:endParaRPr lang="en-US" dirty="0"/>
+          </a:p>
+          <a:p>
+            <a:endParaRPr lang="en-US" dirty="0"/>
+          </a:p>
+          <a:p>
+            <a:pPr marL="0" indent="0">
+              <a:buNone/>
+            </a:pPr>
+            <a:endParaRPr lang="en-TR" dirty="0"/>
+          </a:p>
+          <a:p>
+            <a:pPr marL="0" indent="0">
+              <a:buNone/>
+            </a:pPr>
+            <a:endParaRPr lang="en-TR" dirty="0"/>
+          </a:p>
+        </p:txBody>
+      </p:sp>
+      <p:pic>
+        <p:nvPicPr>
+          <p:cNvPr id="7" name="Picture 6">
+            <a:extLst>
+              <a:ext uri="{FF2B5EF4-FFF2-40B4-BE49-F238E27FC236}">
+                <a16:creationId xmlns:a16="http://schemas.microsoft.com/office/drawing/2014/main" id="{2D30ADEC-09A7-42E3-0F38-0846266FD820}"/>
+              </a:ext>
+            </a:extLst>
+          </p:cNvPr>
+          <p:cNvPicPr>
+            <a:picLocks noChangeAspect="1"/>
+          </p:cNvPicPr>
+          <p:nvPr/>
+        </p:nvPicPr>
+        <p:blipFill>
+          <a:blip r:embed="rId2"/>
+          <a:stretch>
+            <a:fillRect/>
+          </a:stretch>
+        </p:blipFill>
+        <p:spPr>
+          <a:xfrm>
+            <a:off x="838200" y="2409270"/>
+            <a:ext cx="10953228" cy="1416110"/>
+          </a:xfrm>
+          <a:prstGeom prst="rect">
+            <a:avLst/>
+          </a:prstGeom>
+        </p:spPr>
+      </p:pic>
+    </p:spTree>
+    <p:extLst>
+      <p:ext uri="{BB962C8B-B14F-4D97-AF65-F5344CB8AC3E}">
+        <p14:creationId xmlns:p14="http://schemas.microsoft.com/office/powerpoint/2010/main" val="2923422140"/>
+      </p:ext>
+    </p:extLst>
+  </p:cSld>
+  <p:clrMapOvr>
+    <a:masterClrMapping/>
+  </p:clrMapOvr>
+</p:sld>
+</file>
+
+<file path=ppt/slides/slide56.xml><?xml version="1.0" encoding="utf-8"?>
+<p:sld xmlns:a="http://schemas.openxmlformats.org/drawingml/2006/main" xmlns:r="http://schemas.openxmlformats.org/officeDocument/2006/relationships" xmlns:p="http://schemas.openxmlformats.org/presentationml/2006/main">
+  <p:cSld>
+    <p:spTree>
+      <p:nvGrpSpPr>
+        <p:cNvPr id="1" name="">
+          <a:extLst>
+            <a:ext uri="{FF2B5EF4-FFF2-40B4-BE49-F238E27FC236}">
+              <a16:creationId xmlns:a16="http://schemas.microsoft.com/office/drawing/2014/main" id="{3C075994-8D6F-7AD1-95FF-DB5F39F31331}"/>
+            </a:ext>
+          </a:extLst>
+        </p:cNvPr>
+        <p:cNvGrpSpPr/>
+        <p:nvPr/>
+      </p:nvGrpSpPr>
+      <p:grpSpPr>
+        <a:xfrm>
+          <a:off x="0" y="0"/>
+          <a:ext cx="0" cy="0"/>
+          <a:chOff x="0" y="0"/>
+          <a:chExt cx="0" cy="0"/>
+        </a:xfrm>
+      </p:grpSpPr>
+      <p:sp>
+        <p:nvSpPr>
+          <p:cNvPr id="2" name="Title 1">
+            <a:extLst>
+              <a:ext uri="{FF2B5EF4-FFF2-40B4-BE49-F238E27FC236}">
+                <a16:creationId xmlns:a16="http://schemas.microsoft.com/office/drawing/2014/main" id="{03592823-F49B-FE03-5B54-85011140F3C7}"/>
+              </a:ext>
+            </a:extLst>
+          </p:cNvPr>
+          <p:cNvSpPr>
+            <a:spLocks noGrp="1"/>
+          </p:cNvSpPr>
+          <p:nvPr>
+            <p:ph type="title"/>
+          </p:nvPr>
+        </p:nvSpPr>
+        <p:spPr/>
+        <p:txBody>
+          <a:bodyPr/>
+          <a:lstStyle/>
+          <a:p>
+            <a:r>
+              <a:rPr lang="en-TR" b="1" dirty="0"/>
+              <a:t>Tasarım Prensipleri</a:t>
+            </a:r>
+          </a:p>
+        </p:txBody>
+      </p:sp>
+      <p:sp>
+        <p:nvSpPr>
+          <p:cNvPr id="3" name="Content Placeholder 2">
+            <a:extLst>
+              <a:ext uri="{FF2B5EF4-FFF2-40B4-BE49-F238E27FC236}">
+                <a16:creationId xmlns:a16="http://schemas.microsoft.com/office/drawing/2014/main" id="{43D8601D-653D-6C8F-169B-47DEA067D877}"/>
+              </a:ext>
+            </a:extLst>
+          </p:cNvPr>
+          <p:cNvSpPr>
+            <a:spLocks noGrp="1"/>
+          </p:cNvSpPr>
+          <p:nvPr>
+            <p:ph idx="1"/>
+          </p:nvPr>
+        </p:nvSpPr>
+        <p:spPr/>
+        <p:txBody>
+          <a:bodyPr>
+            <a:normAutofit fontScale="92500" lnSpcReduction="10000"/>
+          </a:bodyPr>
+          <a:lstStyle/>
+          <a:p>
+            <a:r>
+              <a:rPr lang="en-TR" b="1" dirty="0"/>
+              <a:t>Program to interface, not implementation !</a:t>
+            </a:r>
+          </a:p>
+          <a:p>
+            <a:pPr lvl="1"/>
+            <a:r>
+              <a:rPr lang="en-TR" dirty="0"/>
+              <a:t>Program Arayüzdür, uygulama değil !</a:t>
+            </a:r>
+          </a:p>
+          <a:p>
+            <a:r>
+              <a:rPr lang="en-TR" b="1" dirty="0"/>
+              <a:t>Favor object composition over class inheritance..</a:t>
+            </a:r>
+          </a:p>
+          <a:p>
+            <a:pPr lvl="1"/>
+            <a:r>
+              <a:rPr lang="en-TR" dirty="0"/>
+              <a:t>Kalıtım yerine Kompozisyon tercih et..</a:t>
+            </a:r>
+          </a:p>
+          <a:p>
+            <a:r>
+              <a:rPr lang="en-TR" b="1" dirty="0"/>
+              <a:t>Identify the aspects of your application that vary and sep</a:t>
+            </a:r>
+            <a:r>
+              <a:rPr lang="en-US" b="1" dirty="0"/>
+              <a:t>a</a:t>
+            </a:r>
+            <a:r>
+              <a:rPr lang="en-TR" b="1" dirty="0"/>
+              <a:t>rate them from what stays the same</a:t>
+            </a:r>
+          </a:p>
+          <a:p>
+            <a:pPr lvl="1"/>
+            <a:r>
+              <a:rPr lang="en-TR" dirty="0"/>
+              <a:t>Uygulamanın değişen yönlerini belirleyin ve bunları aynı kalanlardan ayırın.</a:t>
+            </a:r>
+            <a:endParaRPr lang="en-TR" b="1" dirty="0"/>
+          </a:p>
+          <a:p>
+            <a:r>
+              <a:rPr lang="en-US" b="1" dirty="0"/>
+              <a:t>Strive for loosely coupled designs between objects that interface</a:t>
+            </a:r>
+          </a:p>
+          <a:p>
+            <a:pPr lvl="1"/>
+            <a:r>
+              <a:rPr lang="en-US" dirty="0" err="1"/>
+              <a:t>Arayüz</a:t>
+            </a:r>
+            <a:r>
+              <a:rPr lang="en-US" dirty="0"/>
+              <a:t> </a:t>
+            </a:r>
+            <a:r>
+              <a:rPr lang="en-US" dirty="0" err="1"/>
+              <a:t>oluşturan</a:t>
+            </a:r>
+            <a:r>
+              <a:rPr lang="en-US" dirty="0"/>
+              <a:t> </a:t>
+            </a:r>
+            <a:r>
+              <a:rPr lang="en-US" dirty="0" err="1"/>
+              <a:t>objeler</a:t>
+            </a:r>
+            <a:r>
+              <a:rPr lang="en-US" dirty="0"/>
+              <a:t> </a:t>
+            </a:r>
+            <a:r>
+              <a:rPr lang="en-US" dirty="0" err="1"/>
+              <a:t>arasında</a:t>
+            </a:r>
+            <a:r>
+              <a:rPr lang="en-US" dirty="0"/>
+              <a:t> loosely coupled </a:t>
+            </a:r>
+            <a:r>
+              <a:rPr lang="en-US" dirty="0" err="1"/>
+              <a:t>tasarım</a:t>
+            </a:r>
+            <a:r>
+              <a:rPr lang="en-US" dirty="0"/>
+              <a:t> </a:t>
+            </a:r>
+            <a:r>
+              <a:rPr lang="en-US" dirty="0" err="1"/>
+              <a:t>için</a:t>
+            </a:r>
+            <a:r>
+              <a:rPr lang="en-US" dirty="0"/>
+              <a:t> </a:t>
+            </a:r>
+            <a:r>
+              <a:rPr lang="en-US" dirty="0" err="1"/>
+              <a:t>çabalayın</a:t>
+            </a:r>
+            <a:r>
+              <a:rPr lang="en-US" dirty="0"/>
+              <a:t>.</a:t>
+            </a:r>
+            <a:endParaRPr lang="en-TR" dirty="0"/>
+          </a:p>
+          <a:p>
+            <a:r>
+              <a:rPr lang="en-US" b="1" dirty="0">
+                <a:effectLst/>
+              </a:rPr>
+              <a:t>Classes should be open for extension, but closed for modification</a:t>
+            </a:r>
+          </a:p>
+          <a:p>
+            <a:pPr lvl="1"/>
+            <a:r>
+              <a:rPr lang="en-TR" dirty="0"/>
+              <a:t>Sınıflar genişletilmeye açık fakat modifikasyona kapalı olmalıdır.</a:t>
+            </a:r>
+          </a:p>
+          <a:p>
+            <a:endParaRPr lang="en-TR" dirty="0"/>
+          </a:p>
+        </p:txBody>
+      </p:sp>
+    </p:spTree>
+    <p:extLst>
+      <p:ext uri="{BB962C8B-B14F-4D97-AF65-F5344CB8AC3E}">
+        <p14:creationId xmlns:p14="http://schemas.microsoft.com/office/powerpoint/2010/main" val="3410948956"/>
+      </p:ext>
+    </p:extLst>
+  </p:cSld>
+  <p:clrMapOvr>
+    <a:masterClrMapping/>
+  </p:clrMapOvr>
+</p:sld>
+</file>
+
+<file path=ppt/slides/slide57.xml><?xml version="1.0" encoding="utf-8"?>
+<p:sld xmlns:a="http://schemas.openxmlformats.org/drawingml/2006/main" xmlns:r="http://schemas.openxmlformats.org/officeDocument/2006/relationships" xmlns:p="http://schemas.openxmlformats.org/presentationml/2006/main">
+  <p:cSld>
+    <p:spTree>
+      <p:nvGrpSpPr>
+        <p:cNvPr id="1" name="">
+          <a:extLst>
+            <a:ext uri="{FF2B5EF4-FFF2-40B4-BE49-F238E27FC236}">
               <a16:creationId xmlns:a16="http://schemas.microsoft.com/office/drawing/2014/main" id="{6A985687-8288-63F6-10A0-B35D2EBA852E}"/>
             </a:ext>
           </a:extLst>
@@ -16939,7 +18390,7 @@
 </p:sld>
 </file>
 
-<file path=ppt/slides/slide51.xml><?xml version="1.0" encoding="utf-8"?>
+<file path=ppt/slides/slide58.xml><?xml version="1.0" encoding="utf-8"?>
 <p:sld xmlns:a="http://schemas.openxmlformats.org/drawingml/2006/main" xmlns:r="http://schemas.openxmlformats.org/officeDocument/2006/relationships" xmlns:p="http://schemas.openxmlformats.org/presentationml/2006/main">
   <p:cSld>
     <p:spTree>
@@ -17048,7 +18499,7 @@
 </p:sld>
 </file>
 
-<file path=ppt/slides/slide52.xml><?xml version="1.0" encoding="utf-8"?>
+<file path=ppt/slides/slide59.xml><?xml version="1.0" encoding="utf-8"?>
 <p:sld xmlns:a="http://schemas.openxmlformats.org/drawingml/2006/main" xmlns:r="http://schemas.openxmlformats.org/officeDocument/2006/relationships" xmlns:p="http://schemas.openxmlformats.org/presentationml/2006/main">
   <p:cSld>
     <p:spTree>
@@ -17622,222 +19073,6 @@
     <p:extLst>
       <p:ext uri="{BB962C8B-B14F-4D97-AF65-F5344CB8AC3E}">
         <p14:creationId xmlns:p14="http://schemas.microsoft.com/office/powerpoint/2010/main" val="1014722584"/>
-      </p:ext>
-    </p:extLst>
-  </p:cSld>
-  <p:clrMapOvr>
-    <a:masterClrMapping/>
-  </p:clrMapOvr>
-</p:sld>
-</file>
-
-<file path=ppt/slides/slide53.xml><?xml version="1.0" encoding="utf-8"?>
-<p:sld xmlns:a="http://schemas.openxmlformats.org/drawingml/2006/main" xmlns:r="http://schemas.openxmlformats.org/officeDocument/2006/relationships" xmlns:p="http://schemas.openxmlformats.org/presentationml/2006/main">
-  <p:cSld>
-    <p:spTree>
-      <p:nvGrpSpPr>
-        <p:cNvPr id="1" name=""/>
-        <p:cNvGrpSpPr/>
-        <p:nvPr/>
-      </p:nvGrpSpPr>
-      <p:grpSpPr>
-        <a:xfrm>
-          <a:off x="0" y="0"/>
-          <a:ext cx="0" cy="0"/>
-          <a:chOff x="0" y="0"/>
-          <a:chExt cx="0" cy="0"/>
-        </a:xfrm>
-      </p:grpSpPr>
-      <p:sp>
-        <p:nvSpPr>
-          <p:cNvPr id="2" name="Title 1">
-            <a:extLst>
-              <a:ext uri="{FF2B5EF4-FFF2-40B4-BE49-F238E27FC236}">
-                <a16:creationId xmlns:a16="http://schemas.microsoft.com/office/drawing/2014/main" id="{B5CDDCA4-7F0B-9313-1F6E-88860FF9F2B5}"/>
-              </a:ext>
-            </a:extLst>
-          </p:cNvPr>
-          <p:cNvSpPr>
-            <a:spLocks noGrp="1"/>
-          </p:cNvSpPr>
-          <p:nvPr>
-            <p:ph type="title"/>
-          </p:nvPr>
-        </p:nvSpPr>
-        <p:spPr/>
-        <p:txBody>
-          <a:bodyPr/>
-          <a:lstStyle/>
-          <a:p>
-            <a:r>
-              <a:rPr lang="en-TR" dirty="0"/>
-              <a:t>Kaynakça	</a:t>
-            </a:r>
-          </a:p>
-        </p:txBody>
-      </p:sp>
-      <p:sp>
-        <p:nvSpPr>
-          <p:cNvPr id="3" name="Content Placeholder 2">
-            <a:extLst>
-              <a:ext uri="{FF2B5EF4-FFF2-40B4-BE49-F238E27FC236}">
-                <a16:creationId xmlns:a16="http://schemas.microsoft.com/office/drawing/2014/main" id="{A627D4A8-F961-EDE5-F571-38DE43F57DC4}"/>
-              </a:ext>
-            </a:extLst>
-          </p:cNvPr>
-          <p:cNvSpPr>
-            <a:spLocks noGrp="1"/>
-          </p:cNvSpPr>
-          <p:nvPr>
-            <p:ph idx="1"/>
-          </p:nvPr>
-        </p:nvSpPr>
-        <p:spPr/>
-        <p:txBody>
-          <a:bodyPr>
-            <a:normAutofit fontScale="92500"/>
-          </a:bodyPr>
-          <a:lstStyle/>
-          <a:p>
-            <a:r>
-              <a:rPr lang="en-US" b="0" i="0" dirty="0">
-                <a:solidFill>
-                  <a:srgbClr val="202122"/>
-                </a:solidFill>
-                <a:effectLst/>
-                <a:latin typeface="Arial" panose="020B0604020202020204" pitchFamily="34" charset="0"/>
-              </a:rPr>
-              <a:t>Design Patterns: Elements of Reusable Object-Oriented Software</a:t>
-            </a:r>
-            <a:endParaRPr lang="en-US" dirty="0">
-              <a:hlinkClick r:id="rId2"/>
-            </a:endParaRPr>
-          </a:p>
-          <a:p>
-            <a:r>
-              <a:rPr lang="en-US" dirty="0">
-                <a:hlinkClick r:id="rId2"/>
-              </a:rPr>
-              <a:t>https://refactoring.guru/design-patterns/what-is-pattern</a:t>
-            </a:r>
-            <a:endParaRPr lang="en-US" dirty="0"/>
-          </a:p>
-          <a:p>
-            <a:r>
-              <a:rPr lang="en-US" dirty="0">
-                <a:hlinkClick r:id="rId3"/>
-              </a:rPr>
-              <a:t>https://www.udemy.com/course/designpatterns/</a:t>
-            </a:r>
-            <a:r>
-              <a:rPr lang="en-US" dirty="0"/>
-              <a:t> (</a:t>
-            </a:r>
-            <a:r>
-              <a:rPr lang="en-US" dirty="0" err="1"/>
-              <a:t>Akın</a:t>
-            </a:r>
-            <a:r>
-              <a:rPr lang="en-US" dirty="0"/>
-              <a:t> </a:t>
-            </a:r>
-            <a:r>
-              <a:rPr lang="en-US" dirty="0" err="1"/>
-              <a:t>Hoca</a:t>
-            </a:r>
-            <a:r>
-              <a:rPr lang="en-US" dirty="0"/>
-              <a:t>)</a:t>
-            </a:r>
-          </a:p>
-          <a:p>
-            <a:r>
-              <a:rPr lang="en-US" dirty="0"/>
-              <a:t>Head First Design Pattern</a:t>
-            </a:r>
-          </a:p>
-          <a:p>
-            <a:r>
-              <a:rPr lang="en-US" dirty="0">
-                <a:hlinkClick r:id="rId4"/>
-              </a:rPr>
-              <a:t>https://www.youtube.com/watch?v=5upBcx8Z7FM</a:t>
-            </a:r>
-            <a:r>
-              <a:rPr lang="en-US" dirty="0"/>
-              <a:t> -&gt; </a:t>
-            </a:r>
-            <a:r>
-              <a:rPr lang="en-US" dirty="0" err="1"/>
-              <a:t>Sadık</a:t>
-            </a:r>
-            <a:r>
-              <a:rPr lang="en-US" dirty="0"/>
-              <a:t> </a:t>
-            </a:r>
-            <a:r>
-              <a:rPr lang="en-US" dirty="0" err="1"/>
-              <a:t>Barış</a:t>
-            </a:r>
-            <a:r>
-              <a:rPr lang="en-US" dirty="0"/>
-              <a:t> MEMİŞ</a:t>
-            </a:r>
-          </a:p>
-          <a:p>
-            <a:r>
-              <a:rPr lang="en-TR" dirty="0"/>
-              <a:t>Türkçe Pdf Kitap için Özcan ACAR-&gt; </a:t>
-            </a:r>
-            <a:r>
-              <a:rPr lang="en-US" dirty="0">
-                <a:hlinkClick r:id="rId5"/>
-              </a:rPr>
-              <a:t>https://www.pratikprogramci.com/urun/design-patterns/</a:t>
-            </a:r>
-            <a:endParaRPr lang="en-US" dirty="0"/>
-          </a:p>
-          <a:p>
-            <a:r>
-              <a:rPr lang="en-US" dirty="0" err="1"/>
-              <a:t>Örneklerle</a:t>
-            </a:r>
-            <a:r>
-              <a:rPr lang="en-US" dirty="0"/>
-              <a:t> </a:t>
-            </a:r>
-            <a:r>
-              <a:rPr lang="en-US" dirty="0" err="1"/>
-              <a:t>ilgili</a:t>
-            </a:r>
-            <a:r>
-              <a:rPr lang="en-US" dirty="0"/>
-              <a:t> repo -&gt; https://</a:t>
-            </a:r>
-            <a:r>
-              <a:rPr lang="en-US" dirty="0" err="1"/>
-              <a:t>github.com</a:t>
-            </a:r>
-            <a:r>
-              <a:rPr lang="en-US" dirty="0"/>
-              <a:t>/</a:t>
-            </a:r>
-            <a:r>
-              <a:rPr lang="en-US" dirty="0" err="1"/>
-              <a:t>bethrobson</a:t>
-            </a:r>
-            <a:r>
-              <a:rPr lang="en-US" dirty="0"/>
-              <a:t>/Head-First-Design-Patterns</a:t>
-            </a:r>
-            <a:endParaRPr lang="en-TR" dirty="0"/>
-          </a:p>
-        </p:txBody>
-      </p:sp>
-    </p:spTree>
-    <p:extLst>
-      <p:ext uri="{BB962C8B-B14F-4D97-AF65-F5344CB8AC3E}">
-        <p14:creationId xmlns:p14="http://schemas.microsoft.com/office/powerpoint/2010/main" val="4121786000"/>
       </p:ext>
     </p:extLst>
   </p:cSld>
@@ -17945,6 +19180,2659 @@
 </p:sld>
 </file>
 
+<file path=ppt/slides/slide60.xml><?xml version="1.0" encoding="utf-8"?>
+<p:sld xmlns:a="http://schemas.openxmlformats.org/drawingml/2006/main" xmlns:r="http://schemas.openxmlformats.org/officeDocument/2006/relationships" xmlns:p="http://schemas.openxmlformats.org/presentationml/2006/main">
+  <p:cSld>
+    <p:spTree>
+      <p:nvGrpSpPr>
+        <p:cNvPr id="1" name=""/>
+        <p:cNvGrpSpPr/>
+        <p:nvPr/>
+      </p:nvGrpSpPr>
+      <p:grpSpPr>
+        <a:xfrm>
+          <a:off x="0" y="0"/>
+          <a:ext cx="0" cy="0"/>
+          <a:chOff x="0" y="0"/>
+          <a:chExt cx="0" cy="0"/>
+        </a:xfrm>
+      </p:grpSpPr>
+      <p:sp>
+        <p:nvSpPr>
+          <p:cNvPr id="2" name="Title 1">
+            <a:extLst>
+              <a:ext uri="{FF2B5EF4-FFF2-40B4-BE49-F238E27FC236}">
+                <a16:creationId xmlns:a16="http://schemas.microsoft.com/office/drawing/2014/main" id="{B5CDDCA4-7F0B-9313-1F6E-88860FF9F2B5}"/>
+              </a:ext>
+            </a:extLst>
+          </p:cNvPr>
+          <p:cNvSpPr>
+            <a:spLocks noGrp="1"/>
+          </p:cNvSpPr>
+          <p:nvPr>
+            <p:ph type="title"/>
+          </p:nvPr>
+        </p:nvSpPr>
+        <p:spPr/>
+        <p:txBody>
+          <a:bodyPr/>
+          <a:lstStyle/>
+          <a:p>
+            <a:r>
+              <a:rPr lang="en-TR" dirty="0"/>
+              <a:t>Kaynakça	</a:t>
+            </a:r>
+          </a:p>
+        </p:txBody>
+      </p:sp>
+      <p:sp>
+        <p:nvSpPr>
+          <p:cNvPr id="3" name="Content Placeholder 2">
+            <a:extLst>
+              <a:ext uri="{FF2B5EF4-FFF2-40B4-BE49-F238E27FC236}">
+                <a16:creationId xmlns:a16="http://schemas.microsoft.com/office/drawing/2014/main" id="{A627D4A8-F961-EDE5-F571-38DE43F57DC4}"/>
+              </a:ext>
+            </a:extLst>
+          </p:cNvPr>
+          <p:cNvSpPr>
+            <a:spLocks noGrp="1"/>
+          </p:cNvSpPr>
+          <p:nvPr>
+            <p:ph idx="1"/>
+          </p:nvPr>
+        </p:nvSpPr>
+        <p:spPr/>
+        <p:txBody>
+          <a:bodyPr>
+            <a:normAutofit fontScale="92500"/>
+          </a:bodyPr>
+          <a:lstStyle/>
+          <a:p>
+            <a:r>
+              <a:rPr lang="en-US" b="0" i="0" dirty="0">
+                <a:solidFill>
+                  <a:srgbClr val="202122"/>
+                </a:solidFill>
+                <a:effectLst/>
+                <a:latin typeface="Arial" panose="020B0604020202020204" pitchFamily="34" charset="0"/>
+              </a:rPr>
+              <a:t>Design Patterns: Elements of Reusable Object-Oriented Software</a:t>
+            </a:r>
+            <a:endParaRPr lang="en-US" dirty="0">
+              <a:hlinkClick r:id="rId2"/>
+            </a:endParaRPr>
+          </a:p>
+          <a:p>
+            <a:r>
+              <a:rPr lang="en-US" dirty="0">
+                <a:hlinkClick r:id="rId2"/>
+              </a:rPr>
+              <a:t>https://refactoring.guru/design-patterns/what-is-pattern</a:t>
+            </a:r>
+            <a:endParaRPr lang="en-US" dirty="0"/>
+          </a:p>
+          <a:p>
+            <a:r>
+              <a:rPr lang="en-US" dirty="0">
+                <a:hlinkClick r:id="rId3"/>
+              </a:rPr>
+              <a:t>https://www.udemy.com/course/designpatterns/</a:t>
+            </a:r>
+            <a:r>
+              <a:rPr lang="en-US" dirty="0"/>
+              <a:t> (</a:t>
+            </a:r>
+            <a:r>
+              <a:rPr lang="en-US" dirty="0" err="1"/>
+              <a:t>Akın</a:t>
+            </a:r>
+            <a:r>
+              <a:rPr lang="en-US" dirty="0"/>
+              <a:t> </a:t>
+            </a:r>
+            <a:r>
+              <a:rPr lang="en-US" dirty="0" err="1"/>
+              <a:t>Hoca</a:t>
+            </a:r>
+            <a:r>
+              <a:rPr lang="en-US" dirty="0"/>
+              <a:t>)</a:t>
+            </a:r>
+          </a:p>
+          <a:p>
+            <a:r>
+              <a:rPr lang="en-US" dirty="0"/>
+              <a:t>Head First Design Pattern</a:t>
+            </a:r>
+          </a:p>
+          <a:p>
+            <a:r>
+              <a:rPr lang="en-US" dirty="0">
+                <a:hlinkClick r:id="rId4"/>
+              </a:rPr>
+              <a:t>https://www.youtube.com/watch?v=5upBcx8Z7FM</a:t>
+            </a:r>
+            <a:r>
+              <a:rPr lang="en-US" dirty="0"/>
+              <a:t> -&gt; </a:t>
+            </a:r>
+            <a:r>
+              <a:rPr lang="en-US" dirty="0" err="1"/>
+              <a:t>Sadık</a:t>
+            </a:r>
+            <a:r>
+              <a:rPr lang="en-US" dirty="0"/>
+              <a:t> </a:t>
+            </a:r>
+            <a:r>
+              <a:rPr lang="en-US" dirty="0" err="1"/>
+              <a:t>Barış</a:t>
+            </a:r>
+            <a:r>
+              <a:rPr lang="en-US" dirty="0"/>
+              <a:t> MEMİŞ</a:t>
+            </a:r>
+          </a:p>
+          <a:p>
+            <a:r>
+              <a:rPr lang="en-TR" dirty="0"/>
+              <a:t>Türkçe Pdf Kitap için Özcan ACAR-&gt; </a:t>
+            </a:r>
+            <a:r>
+              <a:rPr lang="en-US" dirty="0">
+                <a:hlinkClick r:id="rId5"/>
+              </a:rPr>
+              <a:t>https://www.pratikprogramci.com/urun/design-patterns/</a:t>
+            </a:r>
+            <a:endParaRPr lang="en-US" dirty="0"/>
+          </a:p>
+          <a:p>
+            <a:r>
+              <a:rPr lang="en-US" dirty="0" err="1"/>
+              <a:t>Örneklerle</a:t>
+            </a:r>
+            <a:r>
+              <a:rPr lang="en-US" dirty="0"/>
+              <a:t> </a:t>
+            </a:r>
+            <a:r>
+              <a:rPr lang="en-US" dirty="0" err="1"/>
+              <a:t>ilgili</a:t>
+            </a:r>
+            <a:r>
+              <a:rPr lang="en-US" dirty="0"/>
+              <a:t> repo -&gt; https://</a:t>
+            </a:r>
+            <a:r>
+              <a:rPr lang="en-US" dirty="0" err="1"/>
+              <a:t>github.com</a:t>
+            </a:r>
+            <a:r>
+              <a:rPr lang="en-US" dirty="0"/>
+              <a:t>/</a:t>
+            </a:r>
+            <a:r>
+              <a:rPr lang="en-US" dirty="0" err="1"/>
+              <a:t>bethrobson</a:t>
+            </a:r>
+            <a:r>
+              <a:rPr lang="en-US" dirty="0"/>
+              <a:t>/Head-First-Design-Patterns</a:t>
+            </a:r>
+            <a:endParaRPr lang="en-TR" dirty="0"/>
+          </a:p>
+        </p:txBody>
+      </p:sp>
+    </p:spTree>
+    <p:extLst>
+      <p:ext uri="{BB962C8B-B14F-4D97-AF65-F5344CB8AC3E}">
+        <p14:creationId xmlns:p14="http://schemas.microsoft.com/office/powerpoint/2010/main" val="4121786000"/>
+      </p:ext>
+    </p:extLst>
+  </p:cSld>
+  <p:clrMapOvr>
+    <a:masterClrMapping/>
+  </p:clrMapOvr>
+</p:sld>
+</file>
+
+<file path=ppt/slides/slide61.xml><?xml version="1.0" encoding="utf-8"?>
+<p:sld xmlns:a="http://schemas.openxmlformats.org/drawingml/2006/main" xmlns:r="http://schemas.openxmlformats.org/officeDocument/2006/relationships" xmlns:p="http://schemas.openxmlformats.org/presentationml/2006/main">
+  <p:cSld>
+    <p:spTree>
+      <p:nvGrpSpPr>
+        <p:cNvPr id="1" name="">
+          <a:extLst>
+            <a:ext uri="{FF2B5EF4-FFF2-40B4-BE49-F238E27FC236}">
+              <a16:creationId xmlns:a16="http://schemas.microsoft.com/office/drawing/2014/main" id="{2C7F0D94-1DA8-BADE-11FD-2C8FF6F52C86}"/>
+            </a:ext>
+          </a:extLst>
+        </p:cNvPr>
+        <p:cNvGrpSpPr/>
+        <p:nvPr/>
+      </p:nvGrpSpPr>
+      <p:grpSpPr>
+        <a:xfrm>
+          <a:off x="0" y="0"/>
+          <a:ext cx="0" cy="0"/>
+          <a:chOff x="0" y="0"/>
+          <a:chExt cx="0" cy="0"/>
+        </a:xfrm>
+      </p:grpSpPr>
+      <p:sp>
+        <p:nvSpPr>
+          <p:cNvPr id="2" name="Title 1">
+            <a:extLst>
+              <a:ext uri="{FF2B5EF4-FFF2-40B4-BE49-F238E27FC236}">
+                <a16:creationId xmlns:a16="http://schemas.microsoft.com/office/drawing/2014/main" id="{7BFC5FF4-A91E-437E-76CC-79656F97C0D5}"/>
+              </a:ext>
+            </a:extLst>
+          </p:cNvPr>
+          <p:cNvSpPr>
+            <a:spLocks noGrp="1"/>
+          </p:cNvSpPr>
+          <p:nvPr>
+            <p:ph type="ctrTitle"/>
+          </p:nvPr>
+        </p:nvSpPr>
+        <p:spPr>
+          <a:xfrm>
+            <a:off x="1524000" y="1122363"/>
+            <a:ext cx="9144000" cy="2133599"/>
+          </a:xfrm>
+        </p:spPr>
+        <p:txBody>
+          <a:bodyPr>
+            <a:normAutofit fontScale="90000"/>
+          </a:bodyPr>
+          <a:lstStyle/>
+          <a:p>
+            <a:br>
+              <a:rPr lang="en-TR" b="1" dirty="0"/>
+            </a:br>
+            <a:br>
+              <a:rPr lang="en-TR" b="1" dirty="0"/>
+            </a:br>
+            <a:br>
+              <a:rPr lang="en-TR" b="1" dirty="0"/>
+            </a:br>
+            <a:br>
+              <a:rPr lang="en-TR" b="1" dirty="0"/>
+            </a:br>
+            <a:r>
+              <a:rPr lang="en-TR" b="1" dirty="0"/>
+              <a:t>Design Pattern Series</a:t>
+            </a:r>
+            <a:br>
+              <a:rPr lang="en-TR" b="1" dirty="0"/>
+            </a:br>
+            <a:r>
+              <a:rPr lang="en-TR" sz="4200" b="1" dirty="0"/>
+              <a:t>Adapter Pattern</a:t>
+            </a:r>
+            <a:br>
+              <a:rPr lang="en-TR" b="1" dirty="0"/>
+            </a:br>
+            <a:endParaRPr lang="en-TR" b="1" dirty="0"/>
+          </a:p>
+        </p:txBody>
+      </p:sp>
+      <p:sp>
+        <p:nvSpPr>
+          <p:cNvPr id="3" name="Subtitle 2">
+            <a:extLst>
+              <a:ext uri="{FF2B5EF4-FFF2-40B4-BE49-F238E27FC236}">
+                <a16:creationId xmlns:a16="http://schemas.microsoft.com/office/drawing/2014/main" id="{D0515EEA-9F05-340B-DB5D-D15D03A6E74E}"/>
+              </a:ext>
+            </a:extLst>
+          </p:cNvPr>
+          <p:cNvSpPr>
+            <a:spLocks noGrp="1"/>
+          </p:cNvSpPr>
+          <p:nvPr>
+            <p:ph type="subTitle" idx="1"/>
+          </p:nvPr>
+        </p:nvSpPr>
+        <p:spPr/>
+        <p:txBody>
+          <a:bodyPr>
+            <a:normAutofit/>
+          </a:bodyPr>
+          <a:lstStyle/>
+          <a:p>
+            <a:r>
+              <a:rPr lang="en-TR" b="1" dirty="0"/>
+              <a:t>Structural – (Yapısal)</a:t>
+            </a:r>
+            <a:endParaRPr lang="en-TR" dirty="0"/>
+          </a:p>
+          <a:p>
+            <a:endParaRPr lang="en-TR" b="1" dirty="0"/>
+          </a:p>
+          <a:p>
+            <a:r>
+              <a:rPr lang="en-TR" b="1" dirty="0"/>
+              <a:t>Someone has already solved your problems.</a:t>
+            </a:r>
+          </a:p>
+          <a:p>
+            <a:endParaRPr lang="en-TR" dirty="0"/>
+          </a:p>
+        </p:txBody>
+      </p:sp>
+      <p:cxnSp>
+        <p:nvCxnSpPr>
+          <p:cNvPr id="5" name="Straight Connector 4">
+            <a:extLst>
+              <a:ext uri="{FF2B5EF4-FFF2-40B4-BE49-F238E27FC236}">
+                <a16:creationId xmlns:a16="http://schemas.microsoft.com/office/drawing/2014/main" id="{0023C6A5-279A-3EA5-579C-0CF168E6ACBF}"/>
+              </a:ext>
+            </a:extLst>
+          </p:cNvPr>
+          <p:cNvCxnSpPr/>
+          <p:nvPr/>
+        </p:nvCxnSpPr>
+        <p:spPr>
+          <a:xfrm>
+            <a:off x="1701800" y="4419600"/>
+            <a:ext cx="8695267" cy="0"/>
+          </a:xfrm>
+          <a:prstGeom prst="line">
+            <a:avLst/>
+          </a:prstGeom>
+        </p:spPr>
+        <p:style>
+          <a:lnRef idx="1">
+            <a:schemeClr val="accent1"/>
+          </a:lnRef>
+          <a:fillRef idx="0">
+            <a:schemeClr val="accent1"/>
+          </a:fillRef>
+          <a:effectRef idx="0">
+            <a:schemeClr val="accent1"/>
+          </a:effectRef>
+          <a:fontRef idx="minor">
+            <a:schemeClr val="tx1"/>
+          </a:fontRef>
+        </p:style>
+      </p:cxnSp>
+    </p:spTree>
+    <p:extLst>
+      <p:ext uri="{BB962C8B-B14F-4D97-AF65-F5344CB8AC3E}">
+        <p14:creationId xmlns:p14="http://schemas.microsoft.com/office/powerpoint/2010/main" val="2605782333"/>
+      </p:ext>
+    </p:extLst>
+  </p:cSld>
+  <p:clrMapOvr>
+    <a:masterClrMapping/>
+  </p:clrMapOvr>
+</p:sld>
+</file>
+
+<file path=ppt/slides/slide62.xml><?xml version="1.0" encoding="utf-8"?>
+<p:sld xmlns:a="http://schemas.openxmlformats.org/drawingml/2006/main" xmlns:r="http://schemas.openxmlformats.org/officeDocument/2006/relationships" xmlns:p="http://schemas.openxmlformats.org/presentationml/2006/main">
+  <p:cSld>
+    <p:spTree>
+      <p:nvGrpSpPr>
+        <p:cNvPr id="1" name="">
+          <a:extLst>
+            <a:ext uri="{FF2B5EF4-FFF2-40B4-BE49-F238E27FC236}">
+              <a16:creationId xmlns:a16="http://schemas.microsoft.com/office/drawing/2014/main" id="{513AD9FF-9745-4FCF-76DA-F7B19FA97F04}"/>
+            </a:ext>
+          </a:extLst>
+        </p:cNvPr>
+        <p:cNvGrpSpPr/>
+        <p:nvPr/>
+      </p:nvGrpSpPr>
+      <p:grpSpPr>
+        <a:xfrm>
+          <a:off x="0" y="0"/>
+          <a:ext cx="0" cy="0"/>
+          <a:chOff x="0" y="0"/>
+          <a:chExt cx="0" cy="0"/>
+        </a:xfrm>
+      </p:grpSpPr>
+      <p:sp>
+        <p:nvSpPr>
+          <p:cNvPr id="2" name="Title 1">
+            <a:extLst>
+              <a:ext uri="{FF2B5EF4-FFF2-40B4-BE49-F238E27FC236}">
+                <a16:creationId xmlns:a16="http://schemas.microsoft.com/office/drawing/2014/main" id="{6F424E0E-47E7-59AB-9E36-05954D932E43}"/>
+              </a:ext>
+            </a:extLst>
+          </p:cNvPr>
+          <p:cNvSpPr>
+            <a:spLocks noGrp="1"/>
+          </p:cNvSpPr>
+          <p:nvPr>
+            <p:ph type="title"/>
+          </p:nvPr>
+        </p:nvSpPr>
+        <p:spPr/>
+        <p:txBody>
+          <a:bodyPr/>
+          <a:lstStyle/>
+          <a:p>
+            <a:r>
+              <a:rPr lang="en-TR" b="1" dirty="0"/>
+              <a:t>Adapter Pattern</a:t>
+            </a:r>
+          </a:p>
+        </p:txBody>
+      </p:sp>
+      <p:sp>
+        <p:nvSpPr>
+          <p:cNvPr id="3" name="Content Placeholder 2">
+            <a:extLst>
+              <a:ext uri="{FF2B5EF4-FFF2-40B4-BE49-F238E27FC236}">
+                <a16:creationId xmlns:a16="http://schemas.microsoft.com/office/drawing/2014/main" id="{4B3EE8C7-FD31-E428-3041-C3D607D946CB}"/>
+              </a:ext>
+            </a:extLst>
+          </p:cNvPr>
+          <p:cNvSpPr>
+            <a:spLocks noGrp="1"/>
+          </p:cNvSpPr>
+          <p:nvPr>
+            <p:ph idx="1"/>
+          </p:nvPr>
+        </p:nvSpPr>
+        <p:spPr/>
+        <p:txBody>
+          <a:bodyPr/>
+          <a:lstStyle/>
+          <a:p>
+            <a:r>
+              <a:rPr lang="en-US" b="1" dirty="0">
+                <a:effectLst/>
+                <a:latin typeface="Helvetica" pitchFamily="2" charset="0"/>
+              </a:rPr>
+              <a:t>The Adapter Pattern </a:t>
+            </a:r>
+            <a:r>
+              <a:rPr lang="en-US" dirty="0">
+                <a:effectLst/>
+                <a:latin typeface="Helvetica" pitchFamily="2" charset="0"/>
+              </a:rPr>
+              <a:t>converts the interface of a class into another interface the clients expect. Adapter lets classes work together that couldn’t otherwise because of incompatible interfaces.</a:t>
+            </a:r>
+            <a:endParaRPr lang="en-US" b="1" dirty="0">
+              <a:effectLst/>
+              <a:latin typeface="Helvetica" pitchFamily="2" charset="0"/>
+            </a:endParaRPr>
+          </a:p>
+          <a:p>
+            <a:endParaRPr lang="en-US" dirty="0">
+              <a:latin typeface="Helvetica" pitchFamily="2" charset="0"/>
+            </a:endParaRPr>
+          </a:p>
+          <a:p>
+            <a:r>
+              <a:rPr lang="en-US" dirty="0">
+                <a:latin typeface="Helvetica" pitchFamily="2" charset="0"/>
+              </a:rPr>
+              <a:t>Bir </a:t>
+            </a:r>
+            <a:r>
+              <a:rPr lang="en-US" dirty="0" err="1">
+                <a:latin typeface="Helvetica" pitchFamily="2" charset="0"/>
+              </a:rPr>
+              <a:t>sınıfın</a:t>
+            </a:r>
+            <a:r>
+              <a:rPr lang="en-US" dirty="0">
+                <a:latin typeface="Helvetica" pitchFamily="2" charset="0"/>
+              </a:rPr>
+              <a:t> </a:t>
+            </a:r>
+            <a:r>
+              <a:rPr lang="en-US" dirty="0" err="1">
+                <a:latin typeface="Helvetica" pitchFamily="2" charset="0"/>
+              </a:rPr>
+              <a:t>arayüzünü</a:t>
+            </a:r>
+            <a:r>
+              <a:rPr lang="en-US" dirty="0">
+                <a:latin typeface="Helvetica" pitchFamily="2" charset="0"/>
+              </a:rPr>
+              <a:t> </a:t>
+            </a:r>
+            <a:r>
+              <a:rPr lang="en-US" dirty="0" err="1">
+                <a:latin typeface="Helvetica" pitchFamily="2" charset="0"/>
+              </a:rPr>
+              <a:t>başka</a:t>
+            </a:r>
+            <a:r>
+              <a:rPr lang="en-US" dirty="0">
+                <a:latin typeface="Helvetica" pitchFamily="2" charset="0"/>
+              </a:rPr>
+              <a:t> </a:t>
+            </a:r>
+            <a:r>
+              <a:rPr lang="en-US" dirty="0" err="1">
+                <a:latin typeface="Helvetica" pitchFamily="2" charset="0"/>
+              </a:rPr>
+              <a:t>bir</a:t>
+            </a:r>
+            <a:r>
+              <a:rPr lang="en-US" dirty="0">
+                <a:latin typeface="Helvetica" pitchFamily="2" charset="0"/>
+              </a:rPr>
+              <a:t> </a:t>
+            </a:r>
+            <a:r>
+              <a:rPr lang="en-US" dirty="0" err="1">
+                <a:latin typeface="Helvetica" pitchFamily="2" charset="0"/>
+              </a:rPr>
+              <a:t>sınıfın</a:t>
+            </a:r>
+            <a:r>
+              <a:rPr lang="en-US" dirty="0">
+                <a:latin typeface="Helvetica" pitchFamily="2" charset="0"/>
+              </a:rPr>
+              <a:t> </a:t>
+            </a:r>
+            <a:r>
+              <a:rPr lang="en-US" dirty="0" err="1">
+                <a:latin typeface="Helvetica" pitchFamily="2" charset="0"/>
+              </a:rPr>
+              <a:t>beklediği</a:t>
+            </a:r>
+            <a:r>
+              <a:rPr lang="en-US" dirty="0">
+                <a:latin typeface="Helvetica" pitchFamily="2" charset="0"/>
+              </a:rPr>
+              <a:t> </a:t>
+            </a:r>
+            <a:r>
+              <a:rPr lang="en-US" dirty="0" err="1">
+                <a:latin typeface="Helvetica" pitchFamily="2" charset="0"/>
+              </a:rPr>
+              <a:t>arayüze</a:t>
+            </a:r>
+            <a:r>
+              <a:rPr lang="en-US" dirty="0">
+                <a:latin typeface="Helvetica" pitchFamily="2" charset="0"/>
+              </a:rPr>
+              <a:t> </a:t>
+            </a:r>
+            <a:r>
+              <a:rPr lang="en-US" dirty="0" err="1">
+                <a:latin typeface="Helvetica" pitchFamily="2" charset="0"/>
+              </a:rPr>
+              <a:t>çevir</a:t>
+            </a:r>
+            <a:r>
+              <a:rPr lang="en-US" dirty="0">
+                <a:latin typeface="Helvetica" pitchFamily="2" charset="0"/>
+              </a:rPr>
+              <a:t>. </a:t>
+            </a:r>
+            <a:r>
+              <a:rPr lang="en-US" dirty="0" err="1">
+                <a:latin typeface="Helvetica" pitchFamily="2" charset="0"/>
+              </a:rPr>
+              <a:t>Adaptör</a:t>
+            </a:r>
+            <a:r>
+              <a:rPr lang="en-US" dirty="0">
+                <a:latin typeface="Helvetica" pitchFamily="2" charset="0"/>
+              </a:rPr>
+              <a:t>, </a:t>
+            </a:r>
+            <a:r>
+              <a:rPr lang="en-US" dirty="0" err="1">
+                <a:latin typeface="Helvetica" pitchFamily="2" charset="0"/>
+              </a:rPr>
+              <a:t>uyumsuz</a:t>
+            </a:r>
+            <a:r>
+              <a:rPr lang="en-US" dirty="0">
+                <a:latin typeface="Helvetica" pitchFamily="2" charset="0"/>
+              </a:rPr>
+              <a:t> </a:t>
+            </a:r>
+            <a:r>
+              <a:rPr lang="en-US" dirty="0" err="1">
+                <a:latin typeface="Helvetica" pitchFamily="2" charset="0"/>
+              </a:rPr>
+              <a:t>arayüzleri</a:t>
+            </a:r>
+            <a:r>
+              <a:rPr lang="en-US" dirty="0">
+                <a:latin typeface="Helvetica" pitchFamily="2" charset="0"/>
+              </a:rPr>
+              <a:t> </a:t>
+            </a:r>
+            <a:r>
+              <a:rPr lang="en-US" dirty="0" err="1">
+                <a:latin typeface="Helvetica" pitchFamily="2" charset="0"/>
+              </a:rPr>
+              <a:t>birbirleriyle</a:t>
+            </a:r>
+            <a:r>
+              <a:rPr lang="en-US" dirty="0">
+                <a:latin typeface="Helvetica" pitchFamily="2" charset="0"/>
+              </a:rPr>
+              <a:t> </a:t>
+            </a:r>
+            <a:r>
+              <a:rPr lang="en-US" dirty="0" err="1">
+                <a:latin typeface="Helvetica" pitchFamily="2" charset="0"/>
+              </a:rPr>
+              <a:t>uyumlu</a:t>
+            </a:r>
+            <a:r>
+              <a:rPr lang="en-US" dirty="0">
+                <a:latin typeface="Helvetica" pitchFamily="2" charset="0"/>
+              </a:rPr>
+              <a:t> </a:t>
+            </a:r>
+            <a:r>
+              <a:rPr lang="en-US" dirty="0" err="1">
+                <a:latin typeface="Helvetica" pitchFamily="2" charset="0"/>
+              </a:rPr>
+              <a:t>olacak</a:t>
+            </a:r>
+            <a:r>
+              <a:rPr lang="en-US" dirty="0">
+                <a:latin typeface="Helvetica" pitchFamily="2" charset="0"/>
+              </a:rPr>
+              <a:t> </a:t>
+            </a:r>
+            <a:r>
+              <a:rPr lang="en-US" dirty="0" err="1">
+                <a:latin typeface="Helvetica" pitchFamily="2" charset="0"/>
+              </a:rPr>
+              <a:t>şekilde</a:t>
+            </a:r>
+            <a:r>
+              <a:rPr lang="en-US" dirty="0">
+                <a:latin typeface="Helvetica" pitchFamily="2" charset="0"/>
+              </a:rPr>
+              <a:t> </a:t>
+            </a:r>
+            <a:r>
+              <a:rPr lang="en-US" dirty="0" err="1">
+                <a:latin typeface="Helvetica" pitchFamily="2" charset="0"/>
+              </a:rPr>
+              <a:t>çalışmalarını</a:t>
+            </a:r>
+            <a:r>
+              <a:rPr lang="en-US" dirty="0">
+                <a:latin typeface="Helvetica" pitchFamily="2" charset="0"/>
+              </a:rPr>
+              <a:t> </a:t>
+            </a:r>
+            <a:r>
+              <a:rPr lang="en-US" dirty="0" err="1">
+                <a:latin typeface="Helvetica" pitchFamily="2" charset="0"/>
+              </a:rPr>
+              <a:t>sağlar</a:t>
+            </a:r>
+            <a:r>
+              <a:rPr lang="en-US" dirty="0">
+                <a:latin typeface="Helvetica" pitchFamily="2" charset="0"/>
+              </a:rPr>
+              <a:t>.</a:t>
+            </a:r>
+          </a:p>
+        </p:txBody>
+      </p:sp>
+    </p:spTree>
+    <p:extLst>
+      <p:ext uri="{BB962C8B-B14F-4D97-AF65-F5344CB8AC3E}">
+        <p14:creationId xmlns:p14="http://schemas.microsoft.com/office/powerpoint/2010/main" val="2320902799"/>
+      </p:ext>
+    </p:extLst>
+  </p:cSld>
+  <p:clrMapOvr>
+    <a:masterClrMapping/>
+  </p:clrMapOvr>
+</p:sld>
+</file>
+
+<file path=ppt/slides/slide63.xml><?xml version="1.0" encoding="utf-8"?>
+<p:sld xmlns:a="http://schemas.openxmlformats.org/drawingml/2006/main" xmlns:r="http://schemas.openxmlformats.org/officeDocument/2006/relationships" xmlns:p="http://schemas.openxmlformats.org/presentationml/2006/main">
+  <p:cSld>
+    <p:spTree>
+      <p:nvGrpSpPr>
+        <p:cNvPr id="1" name="">
+          <a:extLst>
+            <a:ext uri="{FF2B5EF4-FFF2-40B4-BE49-F238E27FC236}">
+              <a16:creationId xmlns:a16="http://schemas.microsoft.com/office/drawing/2014/main" id="{FAE9AEE4-C782-412D-B4B2-5AAD2DC3ED84}"/>
+            </a:ext>
+          </a:extLst>
+        </p:cNvPr>
+        <p:cNvGrpSpPr/>
+        <p:nvPr/>
+      </p:nvGrpSpPr>
+      <p:grpSpPr>
+        <a:xfrm>
+          <a:off x="0" y="0"/>
+          <a:ext cx="0" cy="0"/>
+          <a:chOff x="0" y="0"/>
+          <a:chExt cx="0" cy="0"/>
+        </a:xfrm>
+      </p:grpSpPr>
+      <p:sp>
+        <p:nvSpPr>
+          <p:cNvPr id="2" name="Title 1">
+            <a:extLst>
+              <a:ext uri="{FF2B5EF4-FFF2-40B4-BE49-F238E27FC236}">
+                <a16:creationId xmlns:a16="http://schemas.microsoft.com/office/drawing/2014/main" id="{8E987829-C06A-FF5D-8EF9-9ED12BD64918}"/>
+              </a:ext>
+            </a:extLst>
+          </p:cNvPr>
+          <p:cNvSpPr>
+            <a:spLocks noGrp="1"/>
+          </p:cNvSpPr>
+          <p:nvPr>
+            <p:ph type="title"/>
+          </p:nvPr>
+        </p:nvSpPr>
+        <p:spPr/>
+        <p:txBody>
+          <a:bodyPr/>
+          <a:lstStyle/>
+          <a:p>
+            <a:r>
+              <a:rPr lang="en-TR" b="1" dirty="0"/>
+              <a:t>Sorun</a:t>
+            </a:r>
+          </a:p>
+        </p:txBody>
+      </p:sp>
+      <p:sp>
+        <p:nvSpPr>
+          <p:cNvPr id="3" name="Content Placeholder 2">
+            <a:extLst>
+              <a:ext uri="{FF2B5EF4-FFF2-40B4-BE49-F238E27FC236}">
+                <a16:creationId xmlns:a16="http://schemas.microsoft.com/office/drawing/2014/main" id="{8DEA2071-581D-7EB4-0BBC-251490B2B66E}"/>
+              </a:ext>
+            </a:extLst>
+          </p:cNvPr>
+          <p:cNvSpPr>
+            <a:spLocks noGrp="1"/>
+          </p:cNvSpPr>
+          <p:nvPr>
+            <p:ph idx="1"/>
+          </p:nvPr>
+        </p:nvSpPr>
+        <p:spPr>
+          <a:xfrm>
+            <a:off x="838200" y="1532994"/>
+            <a:ext cx="10515600" cy="4351338"/>
+          </a:xfrm>
+        </p:spPr>
+        <p:txBody>
+          <a:bodyPr/>
+          <a:lstStyle/>
+          <a:p>
+            <a:pPr algn="just"/>
+            <a:r>
+              <a:rPr lang="en-US" dirty="0" err="1"/>
+              <a:t>Yazılım’da</a:t>
+            </a:r>
+            <a:r>
+              <a:rPr lang="en-US" dirty="0"/>
+              <a:t> </a:t>
+            </a:r>
+            <a:r>
+              <a:rPr lang="en-US" dirty="0" err="1"/>
+              <a:t>değişmeyen</a:t>
+            </a:r>
+            <a:r>
+              <a:rPr lang="en-US" dirty="0"/>
+              <a:t> </a:t>
+            </a:r>
+            <a:r>
+              <a:rPr lang="en-US" dirty="0" err="1"/>
+              <a:t>tek</a:t>
+            </a:r>
+            <a:r>
+              <a:rPr lang="en-US" dirty="0"/>
+              <a:t> </a:t>
+            </a:r>
+            <a:r>
+              <a:rPr lang="en-US" dirty="0" err="1"/>
+              <a:t>şey</a:t>
+            </a:r>
+            <a:r>
+              <a:rPr lang="en-US" dirty="0"/>
+              <a:t> </a:t>
+            </a:r>
+            <a:r>
+              <a:rPr lang="en-US" dirty="0" err="1"/>
+              <a:t>Değişim</a:t>
+            </a:r>
+            <a:r>
+              <a:rPr lang="en-US" dirty="0"/>
+              <a:t> ‘dir. Bu </a:t>
+            </a:r>
+            <a:r>
+              <a:rPr lang="en-US" dirty="0" err="1"/>
+              <a:t>durumdan</a:t>
+            </a:r>
+            <a:r>
+              <a:rPr lang="en-US" dirty="0"/>
+              <a:t> </a:t>
+            </a:r>
+            <a:r>
+              <a:rPr lang="en-US" dirty="0" err="1"/>
+              <a:t>ötürü</a:t>
+            </a:r>
+            <a:r>
+              <a:rPr lang="en-US" dirty="0"/>
+              <a:t> </a:t>
+            </a:r>
+            <a:r>
+              <a:rPr lang="en-US" dirty="0" err="1"/>
+              <a:t>sınıfları</a:t>
+            </a:r>
+            <a:r>
+              <a:rPr lang="en-US" dirty="0"/>
+              <a:t> </a:t>
+            </a:r>
+            <a:r>
+              <a:rPr lang="en-US" dirty="0" err="1"/>
+              <a:t>birbirleriyle</a:t>
+            </a:r>
+            <a:r>
+              <a:rPr lang="en-US" dirty="0"/>
+              <a:t> </a:t>
+            </a:r>
+            <a:r>
+              <a:rPr lang="en-US" dirty="0" err="1"/>
+              <a:t>yazılım</a:t>
+            </a:r>
+            <a:r>
+              <a:rPr lang="en-US" dirty="0"/>
+              <a:t> </a:t>
+            </a:r>
+            <a:r>
+              <a:rPr lang="en-US" dirty="0" err="1"/>
+              <a:t>prensiplerini</a:t>
+            </a:r>
+            <a:r>
+              <a:rPr lang="en-US" dirty="0"/>
+              <a:t> </a:t>
+            </a:r>
+            <a:r>
+              <a:rPr lang="en-US" dirty="0" err="1"/>
+              <a:t>ihlal</a:t>
+            </a:r>
+            <a:r>
+              <a:rPr lang="en-US" dirty="0"/>
+              <a:t> </a:t>
+            </a:r>
+            <a:r>
+              <a:rPr lang="en-US" dirty="0" err="1"/>
+              <a:t>etmeyecek</a:t>
+            </a:r>
+            <a:r>
+              <a:rPr lang="en-US" dirty="0"/>
+              <a:t> </a:t>
+            </a:r>
+            <a:r>
+              <a:rPr lang="en-US" dirty="0" err="1"/>
+              <a:t>şekilde</a:t>
+            </a:r>
+            <a:r>
+              <a:rPr lang="en-US" dirty="0"/>
+              <a:t> </a:t>
+            </a:r>
+            <a:r>
+              <a:rPr lang="en-US" dirty="0" err="1"/>
+              <a:t>konuşturmamız</a:t>
+            </a:r>
+            <a:r>
+              <a:rPr lang="en-US" dirty="0"/>
+              <a:t> </a:t>
+            </a:r>
+            <a:r>
+              <a:rPr lang="en-US" dirty="0" err="1"/>
+              <a:t>gerekir</a:t>
+            </a:r>
+            <a:r>
+              <a:rPr lang="en-US" dirty="0"/>
+              <a:t>.</a:t>
+            </a:r>
+          </a:p>
+          <a:p>
+            <a:pPr algn="just"/>
+            <a:r>
+              <a:rPr lang="en-US" dirty="0" err="1"/>
+              <a:t>Farklı</a:t>
+            </a:r>
+            <a:r>
+              <a:rPr lang="en-US" dirty="0"/>
+              <a:t> </a:t>
+            </a:r>
+            <a:r>
+              <a:rPr lang="en-US" dirty="0" err="1"/>
+              <a:t>yapıda</a:t>
+            </a:r>
+            <a:r>
+              <a:rPr lang="en-US" dirty="0"/>
+              <a:t> </a:t>
+            </a:r>
+            <a:r>
+              <a:rPr lang="en-US" dirty="0" err="1"/>
+              <a:t>olan</a:t>
+            </a:r>
+            <a:r>
+              <a:rPr lang="en-US" dirty="0"/>
+              <a:t> </a:t>
+            </a:r>
+            <a:r>
+              <a:rPr lang="en-US" dirty="0" err="1"/>
+              <a:t>sınıflar</a:t>
+            </a:r>
+            <a:r>
+              <a:rPr lang="en-US" dirty="0"/>
+              <a:t>, </a:t>
+            </a:r>
+            <a:r>
+              <a:rPr lang="en-US" dirty="0" err="1"/>
+              <a:t>farklı</a:t>
+            </a:r>
+            <a:r>
+              <a:rPr lang="en-US" dirty="0"/>
+              <a:t> </a:t>
+            </a:r>
+            <a:r>
+              <a:rPr lang="en-US" dirty="0" err="1"/>
+              <a:t>arayüzlere</a:t>
+            </a:r>
+            <a:r>
+              <a:rPr lang="en-US" dirty="0"/>
+              <a:t> </a:t>
+            </a:r>
+            <a:r>
+              <a:rPr lang="en-US" dirty="0" err="1"/>
+              <a:t>sahip</a:t>
+            </a:r>
+            <a:r>
+              <a:rPr lang="en-US" dirty="0"/>
+              <a:t> </a:t>
+            </a:r>
+            <a:r>
+              <a:rPr lang="en-US" dirty="0" err="1"/>
+              <a:t>olmaları</a:t>
+            </a:r>
+            <a:endParaRPr lang="en-US" dirty="0"/>
+          </a:p>
+          <a:p>
+            <a:pPr algn="just"/>
+            <a:endParaRPr lang="en-US" dirty="0"/>
+          </a:p>
+          <a:p>
+            <a:pPr algn="just"/>
+            <a:endParaRPr lang="en-US" dirty="0"/>
+          </a:p>
+          <a:p>
+            <a:pPr algn="just"/>
+            <a:endParaRPr lang="en-US" dirty="0"/>
+          </a:p>
+          <a:p>
+            <a:endParaRPr lang="en-US" dirty="0"/>
+          </a:p>
+          <a:p>
+            <a:pPr marL="0" indent="0">
+              <a:buNone/>
+            </a:pPr>
+            <a:endParaRPr lang="en-TR" dirty="0"/>
+          </a:p>
+          <a:p>
+            <a:pPr marL="0" indent="0">
+              <a:buNone/>
+            </a:pPr>
+            <a:endParaRPr lang="en-TR" dirty="0"/>
+          </a:p>
+        </p:txBody>
+      </p:sp>
+      <p:pic>
+        <p:nvPicPr>
+          <p:cNvPr id="6" name="Picture 5">
+            <a:extLst>
+              <a:ext uri="{FF2B5EF4-FFF2-40B4-BE49-F238E27FC236}">
+                <a16:creationId xmlns:a16="http://schemas.microsoft.com/office/drawing/2014/main" id="{3988D112-E4C9-B226-3ED5-8A6783955723}"/>
+              </a:ext>
+            </a:extLst>
+          </p:cNvPr>
+          <p:cNvPicPr>
+            <a:picLocks noChangeAspect="1"/>
+          </p:cNvPicPr>
+          <p:nvPr/>
+        </p:nvPicPr>
+        <p:blipFill>
+          <a:blip r:embed="rId2"/>
+          <a:stretch>
+            <a:fillRect/>
+          </a:stretch>
+        </p:blipFill>
+        <p:spPr>
+          <a:xfrm>
+            <a:off x="3626258" y="3364714"/>
+            <a:ext cx="4939484" cy="2784212"/>
+          </a:xfrm>
+          <a:prstGeom prst="rect">
+            <a:avLst/>
+          </a:prstGeom>
+        </p:spPr>
+      </p:pic>
+    </p:spTree>
+    <p:extLst>
+      <p:ext uri="{BB962C8B-B14F-4D97-AF65-F5344CB8AC3E}">
+        <p14:creationId xmlns:p14="http://schemas.microsoft.com/office/powerpoint/2010/main" val="2033630526"/>
+      </p:ext>
+    </p:extLst>
+  </p:cSld>
+  <p:clrMapOvr>
+    <a:masterClrMapping/>
+  </p:clrMapOvr>
+</p:sld>
+</file>
+
+<file path=ppt/slides/slide64.xml><?xml version="1.0" encoding="utf-8"?>
+<p:sld xmlns:a="http://schemas.openxmlformats.org/drawingml/2006/main" xmlns:r="http://schemas.openxmlformats.org/officeDocument/2006/relationships" xmlns:p="http://schemas.openxmlformats.org/presentationml/2006/main">
+  <p:cSld>
+    <p:spTree>
+      <p:nvGrpSpPr>
+        <p:cNvPr id="1" name="">
+          <a:extLst>
+            <a:ext uri="{FF2B5EF4-FFF2-40B4-BE49-F238E27FC236}">
+              <a16:creationId xmlns:a16="http://schemas.microsoft.com/office/drawing/2014/main" id="{96CB0363-F3C0-80C3-50A3-E36994F98BF6}"/>
+            </a:ext>
+          </a:extLst>
+        </p:cNvPr>
+        <p:cNvGrpSpPr/>
+        <p:nvPr/>
+      </p:nvGrpSpPr>
+      <p:grpSpPr>
+        <a:xfrm>
+          <a:off x="0" y="0"/>
+          <a:ext cx="0" cy="0"/>
+          <a:chOff x="0" y="0"/>
+          <a:chExt cx="0" cy="0"/>
+        </a:xfrm>
+      </p:grpSpPr>
+      <p:sp>
+        <p:nvSpPr>
+          <p:cNvPr id="2" name="Title 1">
+            <a:extLst>
+              <a:ext uri="{FF2B5EF4-FFF2-40B4-BE49-F238E27FC236}">
+                <a16:creationId xmlns:a16="http://schemas.microsoft.com/office/drawing/2014/main" id="{98661850-EBA8-87DB-4BE5-410D49E29250}"/>
+              </a:ext>
+            </a:extLst>
+          </p:cNvPr>
+          <p:cNvSpPr>
+            <a:spLocks noGrp="1"/>
+          </p:cNvSpPr>
+          <p:nvPr>
+            <p:ph type="title"/>
+          </p:nvPr>
+        </p:nvSpPr>
+        <p:spPr/>
+        <p:txBody>
+          <a:bodyPr/>
+          <a:lstStyle/>
+          <a:p>
+            <a:r>
+              <a:rPr lang="en-TR" b="1" dirty="0"/>
+              <a:t>Tasarım Prensipleri</a:t>
+            </a:r>
+          </a:p>
+        </p:txBody>
+      </p:sp>
+      <p:sp>
+        <p:nvSpPr>
+          <p:cNvPr id="3" name="Content Placeholder 2">
+            <a:extLst>
+              <a:ext uri="{FF2B5EF4-FFF2-40B4-BE49-F238E27FC236}">
+                <a16:creationId xmlns:a16="http://schemas.microsoft.com/office/drawing/2014/main" id="{75305C61-9EAA-40AF-D6FC-200752073836}"/>
+              </a:ext>
+            </a:extLst>
+          </p:cNvPr>
+          <p:cNvSpPr>
+            <a:spLocks noGrp="1"/>
+          </p:cNvSpPr>
+          <p:nvPr>
+            <p:ph idx="1"/>
+          </p:nvPr>
+        </p:nvSpPr>
+        <p:spPr/>
+        <p:txBody>
+          <a:bodyPr>
+            <a:normAutofit fontScale="92500" lnSpcReduction="10000"/>
+          </a:bodyPr>
+          <a:lstStyle/>
+          <a:p>
+            <a:r>
+              <a:rPr lang="en-TR" b="1" dirty="0"/>
+              <a:t>Program to interface, not implementation !</a:t>
+            </a:r>
+          </a:p>
+          <a:p>
+            <a:pPr lvl="1"/>
+            <a:r>
+              <a:rPr lang="en-TR" dirty="0"/>
+              <a:t>Program Arayüzdür, uygulama değil !</a:t>
+            </a:r>
+          </a:p>
+          <a:p>
+            <a:r>
+              <a:rPr lang="en-TR" b="1" dirty="0"/>
+              <a:t>Favor object composition over class inheritance..</a:t>
+            </a:r>
+          </a:p>
+          <a:p>
+            <a:pPr lvl="1"/>
+            <a:r>
+              <a:rPr lang="en-TR" dirty="0"/>
+              <a:t>Kalıtım yerine Kompozisyon tercih et..</a:t>
+            </a:r>
+          </a:p>
+          <a:p>
+            <a:r>
+              <a:rPr lang="en-TR" b="1" dirty="0"/>
+              <a:t>Identify the aspects of your application that vary and sep</a:t>
+            </a:r>
+            <a:r>
+              <a:rPr lang="en-US" b="1" dirty="0"/>
+              <a:t>a</a:t>
+            </a:r>
+            <a:r>
+              <a:rPr lang="en-TR" b="1" dirty="0"/>
+              <a:t>rate them from what stays the same</a:t>
+            </a:r>
+          </a:p>
+          <a:p>
+            <a:pPr lvl="1"/>
+            <a:r>
+              <a:rPr lang="en-TR" dirty="0"/>
+              <a:t>Uygulamanın değişen yönlerini belirleyin ve bunları aynı kalanlardan ayırın.</a:t>
+            </a:r>
+            <a:endParaRPr lang="en-TR" b="1" dirty="0"/>
+          </a:p>
+          <a:p>
+            <a:r>
+              <a:rPr lang="en-US" b="1" dirty="0"/>
+              <a:t>Strive for loosely coupled designs between objects that interface</a:t>
+            </a:r>
+          </a:p>
+          <a:p>
+            <a:pPr lvl="1"/>
+            <a:r>
+              <a:rPr lang="en-US" dirty="0" err="1"/>
+              <a:t>Arayüz</a:t>
+            </a:r>
+            <a:r>
+              <a:rPr lang="en-US" dirty="0"/>
+              <a:t> </a:t>
+            </a:r>
+            <a:r>
+              <a:rPr lang="en-US" dirty="0" err="1"/>
+              <a:t>oluşturan</a:t>
+            </a:r>
+            <a:r>
+              <a:rPr lang="en-US" dirty="0"/>
+              <a:t> </a:t>
+            </a:r>
+            <a:r>
+              <a:rPr lang="en-US" dirty="0" err="1"/>
+              <a:t>objeler</a:t>
+            </a:r>
+            <a:r>
+              <a:rPr lang="en-US" dirty="0"/>
+              <a:t> </a:t>
+            </a:r>
+            <a:r>
+              <a:rPr lang="en-US" dirty="0" err="1"/>
+              <a:t>arasında</a:t>
+            </a:r>
+            <a:r>
+              <a:rPr lang="en-US" dirty="0"/>
+              <a:t> loosely coupled </a:t>
+            </a:r>
+            <a:r>
+              <a:rPr lang="en-US" dirty="0" err="1"/>
+              <a:t>tasarım</a:t>
+            </a:r>
+            <a:r>
+              <a:rPr lang="en-US" dirty="0"/>
+              <a:t> </a:t>
+            </a:r>
+            <a:r>
+              <a:rPr lang="en-US" dirty="0" err="1"/>
+              <a:t>için</a:t>
+            </a:r>
+            <a:r>
+              <a:rPr lang="en-US" dirty="0"/>
+              <a:t> </a:t>
+            </a:r>
+            <a:r>
+              <a:rPr lang="en-US" dirty="0" err="1"/>
+              <a:t>çabalayın</a:t>
+            </a:r>
+            <a:r>
+              <a:rPr lang="en-US" dirty="0"/>
+              <a:t>.</a:t>
+            </a:r>
+            <a:endParaRPr lang="en-TR" dirty="0"/>
+          </a:p>
+          <a:p>
+            <a:r>
+              <a:rPr lang="en-US" b="1" dirty="0">
+                <a:effectLst/>
+              </a:rPr>
+              <a:t>Classes should be open for extension, but closed for modification</a:t>
+            </a:r>
+          </a:p>
+          <a:p>
+            <a:pPr lvl="1"/>
+            <a:r>
+              <a:rPr lang="en-TR" dirty="0"/>
+              <a:t>Sınıflar genişletilmeye açık fakat modifikasyona kapalı olmalıdır.</a:t>
+            </a:r>
+          </a:p>
+          <a:p>
+            <a:endParaRPr lang="en-TR" dirty="0"/>
+          </a:p>
+        </p:txBody>
+      </p:sp>
+    </p:spTree>
+    <p:extLst>
+      <p:ext uri="{BB962C8B-B14F-4D97-AF65-F5344CB8AC3E}">
+        <p14:creationId xmlns:p14="http://schemas.microsoft.com/office/powerpoint/2010/main" val="604860366"/>
+      </p:ext>
+    </p:extLst>
+  </p:cSld>
+  <p:clrMapOvr>
+    <a:masterClrMapping/>
+  </p:clrMapOvr>
+</p:sld>
+</file>
+
+<file path=ppt/slides/slide65.xml><?xml version="1.0" encoding="utf-8"?>
+<p:sld xmlns:a="http://schemas.openxmlformats.org/drawingml/2006/main" xmlns:r="http://schemas.openxmlformats.org/officeDocument/2006/relationships" xmlns:p="http://schemas.openxmlformats.org/presentationml/2006/main">
+  <p:cSld>
+    <p:spTree>
+      <p:nvGrpSpPr>
+        <p:cNvPr id="1" name="">
+          <a:extLst>
+            <a:ext uri="{FF2B5EF4-FFF2-40B4-BE49-F238E27FC236}">
+              <a16:creationId xmlns:a16="http://schemas.microsoft.com/office/drawing/2014/main" id="{D064C016-E9D1-1328-CB18-80C6141EE3C3}"/>
+            </a:ext>
+          </a:extLst>
+        </p:cNvPr>
+        <p:cNvGrpSpPr/>
+        <p:nvPr/>
+      </p:nvGrpSpPr>
+      <p:grpSpPr>
+        <a:xfrm>
+          <a:off x="0" y="0"/>
+          <a:ext cx="0" cy="0"/>
+          <a:chOff x="0" y="0"/>
+          <a:chExt cx="0" cy="0"/>
+        </a:xfrm>
+      </p:grpSpPr>
+      <p:sp>
+        <p:nvSpPr>
+          <p:cNvPr id="2" name="Title 1">
+            <a:extLst>
+              <a:ext uri="{FF2B5EF4-FFF2-40B4-BE49-F238E27FC236}">
+                <a16:creationId xmlns:a16="http://schemas.microsoft.com/office/drawing/2014/main" id="{85BF0841-AC7E-571D-F180-C924F9D24759}"/>
+              </a:ext>
+            </a:extLst>
+          </p:cNvPr>
+          <p:cNvSpPr>
+            <a:spLocks noGrp="1"/>
+          </p:cNvSpPr>
+          <p:nvPr>
+            <p:ph type="title"/>
+          </p:nvPr>
+        </p:nvSpPr>
+        <p:spPr>
+          <a:xfrm>
+            <a:off x="838200" y="176768"/>
+            <a:ext cx="9966434" cy="591316"/>
+          </a:xfrm>
+        </p:spPr>
+        <p:txBody>
+          <a:bodyPr>
+            <a:normAutofit fontScale="90000"/>
+          </a:bodyPr>
+          <a:lstStyle/>
+          <a:p>
+            <a:r>
+              <a:rPr lang="en-TR" b="1" dirty="0"/>
+              <a:t>Adapter Pattern</a:t>
+            </a:r>
+          </a:p>
+        </p:txBody>
+      </p:sp>
+      <p:sp>
+        <p:nvSpPr>
+          <p:cNvPr id="6" name="TextBox 5">
+            <a:extLst>
+              <a:ext uri="{FF2B5EF4-FFF2-40B4-BE49-F238E27FC236}">
+                <a16:creationId xmlns:a16="http://schemas.microsoft.com/office/drawing/2014/main" id="{F78D4149-8D33-A308-771B-B21E63C83A86}"/>
+              </a:ext>
+            </a:extLst>
+          </p:cNvPr>
+          <p:cNvSpPr txBox="1"/>
+          <p:nvPr/>
+        </p:nvSpPr>
+        <p:spPr>
+          <a:xfrm>
+            <a:off x="838199" y="6389537"/>
+            <a:ext cx="8167777" cy="369332"/>
+          </a:xfrm>
+          <a:prstGeom prst="rect">
+            <a:avLst/>
+          </a:prstGeom>
+          <a:noFill/>
+        </p:spPr>
+        <p:txBody>
+          <a:bodyPr wrap="square">
+            <a:spAutoFit/>
+          </a:bodyPr>
+          <a:lstStyle/>
+          <a:p>
+            <a:r>
+              <a:rPr lang="en-US" b="1" dirty="0">
+                <a:effectLst/>
+                <a:latin typeface="Helvetica" pitchFamily="2" charset="0"/>
+              </a:rPr>
+              <a:t>Classes should be open for extension, but closed for modification</a:t>
+            </a:r>
+          </a:p>
+        </p:txBody>
+      </p:sp>
+      <p:sp>
+        <p:nvSpPr>
+          <p:cNvPr id="9" name="Content Placeholder 8">
+            <a:extLst>
+              <a:ext uri="{FF2B5EF4-FFF2-40B4-BE49-F238E27FC236}">
+                <a16:creationId xmlns:a16="http://schemas.microsoft.com/office/drawing/2014/main" id="{FED7CFA4-AA2D-C1D0-9027-14CED1F58B60}"/>
+              </a:ext>
+            </a:extLst>
+          </p:cNvPr>
+          <p:cNvSpPr>
+            <a:spLocks noGrp="1"/>
+          </p:cNvSpPr>
+          <p:nvPr>
+            <p:ph idx="1"/>
+          </p:nvPr>
+        </p:nvSpPr>
+        <p:spPr>
+          <a:xfrm>
+            <a:off x="838200" y="4228051"/>
+            <a:ext cx="10515600" cy="2097247"/>
+          </a:xfrm>
+        </p:spPr>
+        <p:txBody>
+          <a:bodyPr>
+            <a:normAutofit/>
+          </a:bodyPr>
+          <a:lstStyle/>
+          <a:p>
+            <a:r>
+              <a:rPr lang="tr-TR" b="1" dirty="0" err="1"/>
+              <a:t>Target</a:t>
+            </a:r>
+            <a:r>
+              <a:rPr lang="tr-TR" b="1" dirty="0"/>
+              <a:t> : </a:t>
+            </a:r>
+            <a:r>
+              <a:rPr lang="tr-TR" dirty="0" err="1"/>
+              <a:t>Client’ın</a:t>
+            </a:r>
+            <a:r>
+              <a:rPr lang="tr-TR" dirty="0"/>
+              <a:t> kullanacağı </a:t>
+            </a:r>
+            <a:r>
+              <a:rPr lang="tr-TR" dirty="0" err="1"/>
+              <a:t>arayüzü</a:t>
+            </a:r>
+            <a:r>
+              <a:rPr lang="tr-TR" dirty="0"/>
+              <a:t> sağlar</a:t>
+            </a:r>
+          </a:p>
+          <a:p>
+            <a:r>
+              <a:rPr lang="tr-TR" b="1" dirty="0" err="1"/>
+              <a:t>Adaptee</a:t>
+            </a:r>
+            <a:r>
+              <a:rPr lang="tr-TR" b="1" dirty="0"/>
+              <a:t> : </a:t>
+            </a:r>
+            <a:r>
+              <a:rPr lang="tr-TR" dirty="0"/>
+              <a:t>Uyarlanması gereken mevcut bir </a:t>
+            </a:r>
+            <a:r>
+              <a:rPr lang="tr-TR" dirty="0" err="1"/>
+              <a:t>arayüzü</a:t>
+            </a:r>
+            <a:r>
+              <a:rPr lang="tr-TR" dirty="0"/>
+              <a:t> tanımlar.</a:t>
+            </a:r>
+          </a:p>
+          <a:p>
+            <a:r>
+              <a:rPr lang="tr-TR" b="1" dirty="0" err="1"/>
+              <a:t>Adapter</a:t>
+            </a:r>
+            <a:r>
+              <a:rPr lang="tr-TR" b="1" dirty="0"/>
+              <a:t> : </a:t>
+            </a:r>
+            <a:r>
+              <a:rPr lang="tr-TR" dirty="0" err="1"/>
+              <a:t>Adaptee</a:t>
+            </a:r>
+            <a:r>
+              <a:rPr lang="tr-TR" dirty="0"/>
+              <a:t> </a:t>
+            </a:r>
+            <a:r>
+              <a:rPr lang="tr-TR" dirty="0" err="1"/>
+              <a:t>arayüzünü</a:t>
+            </a:r>
+            <a:r>
+              <a:rPr lang="tr-TR" dirty="0"/>
+              <a:t> </a:t>
+            </a:r>
+            <a:r>
+              <a:rPr lang="tr-TR" dirty="0" err="1"/>
+              <a:t>Target</a:t>
+            </a:r>
+            <a:r>
+              <a:rPr lang="tr-TR" dirty="0"/>
+              <a:t> </a:t>
+            </a:r>
+            <a:r>
+              <a:rPr lang="tr-TR" dirty="0" err="1"/>
+              <a:t>arayüzüne</a:t>
+            </a:r>
+            <a:r>
+              <a:rPr lang="tr-TR" dirty="0"/>
+              <a:t> uyarlar.</a:t>
+            </a:r>
+            <a:endParaRPr lang="en-TR" b="1" dirty="0"/>
+          </a:p>
+        </p:txBody>
+      </p:sp>
+      <p:pic>
+        <p:nvPicPr>
+          <p:cNvPr id="5" name="Picture 4">
+            <a:extLst>
+              <a:ext uri="{FF2B5EF4-FFF2-40B4-BE49-F238E27FC236}">
+                <a16:creationId xmlns:a16="http://schemas.microsoft.com/office/drawing/2014/main" id="{03D05C08-B400-3E72-BB5A-446CA70FF3A7}"/>
+              </a:ext>
+            </a:extLst>
+          </p:cNvPr>
+          <p:cNvPicPr>
+            <a:picLocks noChangeAspect="1"/>
+          </p:cNvPicPr>
+          <p:nvPr/>
+        </p:nvPicPr>
+        <p:blipFill>
+          <a:blip r:embed="rId2"/>
+          <a:stretch>
+            <a:fillRect/>
+          </a:stretch>
+        </p:blipFill>
+        <p:spPr>
+          <a:xfrm>
+            <a:off x="2736850" y="1229311"/>
+            <a:ext cx="6718300" cy="2702230"/>
+          </a:xfrm>
+          <a:prstGeom prst="rect">
+            <a:avLst/>
+          </a:prstGeom>
+        </p:spPr>
+      </p:pic>
+    </p:spTree>
+    <p:extLst>
+      <p:ext uri="{BB962C8B-B14F-4D97-AF65-F5344CB8AC3E}">
+        <p14:creationId xmlns:p14="http://schemas.microsoft.com/office/powerpoint/2010/main" val="2159735808"/>
+      </p:ext>
+    </p:extLst>
+  </p:cSld>
+  <p:clrMapOvr>
+    <a:masterClrMapping/>
+  </p:clrMapOvr>
+</p:sld>
+</file>
+
+<file path=ppt/slides/slide66.xml><?xml version="1.0" encoding="utf-8"?>
+<p:sld xmlns:a="http://schemas.openxmlformats.org/drawingml/2006/main" xmlns:r="http://schemas.openxmlformats.org/officeDocument/2006/relationships" xmlns:p="http://schemas.openxmlformats.org/presentationml/2006/main">
+  <p:cSld>
+    <p:spTree>
+      <p:nvGrpSpPr>
+        <p:cNvPr id="1" name="">
+          <a:extLst>
+            <a:ext uri="{FF2B5EF4-FFF2-40B4-BE49-F238E27FC236}">
+              <a16:creationId xmlns:a16="http://schemas.microsoft.com/office/drawing/2014/main" id="{E63D0125-A3D9-1895-3FF6-860BA109C666}"/>
+            </a:ext>
+          </a:extLst>
+        </p:cNvPr>
+        <p:cNvGrpSpPr/>
+        <p:nvPr/>
+      </p:nvGrpSpPr>
+      <p:grpSpPr>
+        <a:xfrm>
+          <a:off x="0" y="0"/>
+          <a:ext cx="0" cy="0"/>
+          <a:chOff x="0" y="0"/>
+          <a:chExt cx="0" cy="0"/>
+        </a:xfrm>
+      </p:grpSpPr>
+      <p:sp>
+        <p:nvSpPr>
+          <p:cNvPr id="2" name="Title 1">
+            <a:extLst>
+              <a:ext uri="{FF2B5EF4-FFF2-40B4-BE49-F238E27FC236}">
+                <a16:creationId xmlns:a16="http://schemas.microsoft.com/office/drawing/2014/main" id="{6BB9BB89-4A9D-DC9A-B7F8-D4B112F4DB4B}"/>
+              </a:ext>
+            </a:extLst>
+          </p:cNvPr>
+          <p:cNvSpPr>
+            <a:spLocks noGrp="1"/>
+          </p:cNvSpPr>
+          <p:nvPr>
+            <p:ph type="title"/>
+          </p:nvPr>
+        </p:nvSpPr>
+        <p:spPr/>
+        <p:txBody>
+          <a:bodyPr/>
+          <a:lstStyle/>
+          <a:p>
+            <a:r>
+              <a:rPr lang="en-TR" dirty="0"/>
+              <a:t>Çözüm..</a:t>
+            </a:r>
+          </a:p>
+        </p:txBody>
+      </p:sp>
+      <p:sp>
+        <p:nvSpPr>
+          <p:cNvPr id="3" name="Content Placeholder 2">
+            <a:extLst>
+              <a:ext uri="{FF2B5EF4-FFF2-40B4-BE49-F238E27FC236}">
+                <a16:creationId xmlns:a16="http://schemas.microsoft.com/office/drawing/2014/main" id="{E0B1672B-9B1F-39E0-6476-827FD34298AC}"/>
+              </a:ext>
+            </a:extLst>
+          </p:cNvPr>
+          <p:cNvSpPr>
+            <a:spLocks noGrp="1"/>
+          </p:cNvSpPr>
+          <p:nvPr>
+            <p:ph idx="1"/>
+          </p:nvPr>
+        </p:nvSpPr>
+        <p:spPr/>
+        <p:txBody>
+          <a:bodyPr>
+            <a:normAutofit/>
+          </a:bodyPr>
+          <a:lstStyle/>
+          <a:p>
+            <a:pPr marL="0" indent="0">
+              <a:buNone/>
+            </a:pPr>
+            <a:endParaRPr lang="en-TR" sz="5000" dirty="0"/>
+          </a:p>
+          <a:p>
+            <a:pPr marL="0" indent="0">
+              <a:buNone/>
+            </a:pPr>
+            <a:endParaRPr lang="en-TR" sz="5000" dirty="0"/>
+          </a:p>
+          <a:p>
+            <a:pPr marL="0" indent="0">
+              <a:buNone/>
+            </a:pPr>
+            <a:r>
+              <a:rPr lang="en-TR" sz="5000" dirty="0"/>
+              <a:t>Demo</a:t>
+            </a:r>
+          </a:p>
+        </p:txBody>
+      </p:sp>
+    </p:spTree>
+    <p:extLst>
+      <p:ext uri="{BB962C8B-B14F-4D97-AF65-F5344CB8AC3E}">
+        <p14:creationId xmlns:p14="http://schemas.microsoft.com/office/powerpoint/2010/main" val="3506601128"/>
+      </p:ext>
+    </p:extLst>
+  </p:cSld>
+  <p:clrMapOvr>
+    <a:masterClrMapping/>
+  </p:clrMapOvr>
+</p:sld>
+</file>
+
+<file path=ppt/slides/slide67.xml><?xml version="1.0" encoding="utf-8"?>
+<p:sld xmlns:a="http://schemas.openxmlformats.org/drawingml/2006/main" xmlns:r="http://schemas.openxmlformats.org/officeDocument/2006/relationships" xmlns:p="http://schemas.openxmlformats.org/presentationml/2006/main">
+  <p:cSld>
+    <p:spTree>
+      <p:nvGrpSpPr>
+        <p:cNvPr id="1" name="">
+          <a:extLst>
+            <a:ext uri="{FF2B5EF4-FFF2-40B4-BE49-F238E27FC236}">
+              <a16:creationId xmlns:a16="http://schemas.microsoft.com/office/drawing/2014/main" id="{66B19410-9871-D130-1E26-57DE26EBE0D1}"/>
+            </a:ext>
+          </a:extLst>
+        </p:cNvPr>
+        <p:cNvGrpSpPr/>
+        <p:nvPr/>
+      </p:nvGrpSpPr>
+      <p:grpSpPr>
+        <a:xfrm>
+          <a:off x="0" y="0"/>
+          <a:ext cx="0" cy="0"/>
+          <a:chOff x="0" y="0"/>
+          <a:chExt cx="0" cy="0"/>
+        </a:xfrm>
+      </p:grpSpPr>
+      <p:sp>
+        <p:nvSpPr>
+          <p:cNvPr id="2" name="Title 1">
+            <a:extLst>
+              <a:ext uri="{FF2B5EF4-FFF2-40B4-BE49-F238E27FC236}">
+                <a16:creationId xmlns:a16="http://schemas.microsoft.com/office/drawing/2014/main" id="{BC1D45D8-6531-6A1F-A3A2-BD57A8B353C6}"/>
+              </a:ext>
+            </a:extLst>
+          </p:cNvPr>
+          <p:cNvSpPr>
+            <a:spLocks noGrp="1"/>
+          </p:cNvSpPr>
+          <p:nvPr>
+            <p:ph type="title"/>
+          </p:nvPr>
+        </p:nvSpPr>
+        <p:spPr/>
+        <p:txBody>
+          <a:bodyPr/>
+          <a:lstStyle/>
+          <a:p>
+            <a:r>
+              <a:rPr lang="en-TR" b="1" dirty="0"/>
+              <a:t>Adapter Pattern ile</a:t>
+            </a:r>
+          </a:p>
+        </p:txBody>
+      </p:sp>
+      <p:sp>
+        <p:nvSpPr>
+          <p:cNvPr id="3" name="Content Placeholder 2">
+            <a:extLst>
+              <a:ext uri="{FF2B5EF4-FFF2-40B4-BE49-F238E27FC236}">
+                <a16:creationId xmlns:a16="http://schemas.microsoft.com/office/drawing/2014/main" id="{D17530BC-7DFF-634C-7921-779B5D81F7EC}"/>
+              </a:ext>
+            </a:extLst>
+          </p:cNvPr>
+          <p:cNvSpPr>
+            <a:spLocks noGrp="1"/>
+          </p:cNvSpPr>
+          <p:nvPr>
+            <p:ph idx="1"/>
+          </p:nvPr>
+        </p:nvSpPr>
+        <p:spPr>
+          <a:xfrm>
+            <a:off x="838200" y="1478784"/>
+            <a:ext cx="10515600" cy="1777111"/>
+          </a:xfrm>
+        </p:spPr>
+        <p:txBody>
+          <a:bodyPr>
+            <a:normAutofit fontScale="85000" lnSpcReduction="20000"/>
+          </a:bodyPr>
+          <a:lstStyle/>
+          <a:p>
+            <a:pPr marL="0" indent="0">
+              <a:buNone/>
+            </a:pPr>
+            <a:endParaRPr lang="en-TR" dirty="0"/>
+          </a:p>
+          <a:p>
+            <a:r>
+              <a:rPr lang="en-TR" dirty="0"/>
+              <a:t>Yeni bir özellik eklemek OCP ihlal etmeden, diğer nesneleri etkilemeden nesnelere dinamik bir yapı sağlanmaktadır.</a:t>
+            </a:r>
+          </a:p>
+          <a:p>
+            <a:r>
+              <a:rPr lang="en-TR" dirty="0"/>
+              <a:t>Bir arayüzü farklı bir arayüzle bağdaştırarak uygulamayı genişletebilme yeteneği veriyoruz.</a:t>
+            </a:r>
+          </a:p>
+          <a:p>
+            <a:pPr marL="0" indent="0">
+              <a:buNone/>
+            </a:pPr>
+            <a:endParaRPr lang="en-TR" dirty="0"/>
+          </a:p>
+          <a:p>
+            <a:pPr marL="0" indent="0">
+              <a:buNone/>
+            </a:pPr>
+            <a:endParaRPr lang="en-TR" dirty="0"/>
+          </a:p>
+          <a:p>
+            <a:pPr marL="0" indent="0">
+              <a:buNone/>
+            </a:pPr>
+            <a:endParaRPr lang="en-TR" dirty="0"/>
+          </a:p>
+          <a:p>
+            <a:pPr marL="0" indent="0">
+              <a:buNone/>
+            </a:pPr>
+            <a:endParaRPr lang="en-TR" dirty="0"/>
+          </a:p>
+          <a:p>
+            <a:endParaRPr lang="en-TR" dirty="0"/>
+          </a:p>
+        </p:txBody>
+      </p:sp>
+      <p:sp>
+        <p:nvSpPr>
+          <p:cNvPr id="4" name="Content Placeholder 2">
+            <a:extLst>
+              <a:ext uri="{FF2B5EF4-FFF2-40B4-BE49-F238E27FC236}">
+                <a16:creationId xmlns:a16="http://schemas.microsoft.com/office/drawing/2014/main" id="{939F90AB-0AF1-4BBB-D59E-61B02DECC036}"/>
+              </a:ext>
+            </a:extLst>
+          </p:cNvPr>
+          <p:cNvSpPr txBox="1">
+            <a:spLocks/>
+          </p:cNvSpPr>
+          <p:nvPr/>
+        </p:nvSpPr>
+        <p:spPr>
+          <a:xfrm>
+            <a:off x="838200" y="3895720"/>
+            <a:ext cx="10515600" cy="1777111"/>
+          </a:xfrm>
+          <a:prstGeom prst="rect">
+            <a:avLst/>
+          </a:prstGeom>
+        </p:spPr>
+        <p:txBody>
+          <a:bodyPr vert="horz" lIns="91440" tIns="45720" rIns="91440" bIns="45720" rtlCol="0">
+            <a:normAutofit fontScale="47500" lnSpcReduction="20000"/>
+          </a:bodyPr>
+          <a:lstStyle>
+            <a:lvl1pPr marL="228600" indent="-228600" algn="l" defTabSz="914400" rtl="0" eaLnBrk="1" latinLnBrk="0" hangingPunct="1">
+              <a:lnSpc>
+                <a:spcPct val="90000"/>
+              </a:lnSpc>
+              <a:spcBef>
+                <a:spcPts val="1000"/>
+              </a:spcBef>
+              <a:buFont typeface="Arial" panose="020B0604020202020204" pitchFamily="34" charset="0"/>
+              <a:buChar char="•"/>
+              <a:defRPr sz="2800" kern="1200">
+                <a:solidFill>
+                  <a:schemeClr val="tx1"/>
+                </a:solidFill>
+                <a:latin typeface="+mn-lt"/>
+                <a:ea typeface="+mn-ea"/>
+                <a:cs typeface="+mn-cs"/>
+              </a:defRPr>
+            </a:lvl1pPr>
+            <a:lvl2pPr marL="685800" indent="-228600" algn="l" defTabSz="914400" rtl="0" eaLnBrk="1" latinLnBrk="0" hangingPunct="1">
+              <a:lnSpc>
+                <a:spcPct val="90000"/>
+              </a:lnSpc>
+              <a:spcBef>
+                <a:spcPts val="500"/>
+              </a:spcBef>
+              <a:buFont typeface="Arial" panose="020B0604020202020204" pitchFamily="34" charset="0"/>
+              <a:buChar char="•"/>
+              <a:defRPr sz="2400" kern="1200">
+                <a:solidFill>
+                  <a:schemeClr val="tx1"/>
+                </a:solidFill>
+                <a:latin typeface="+mn-lt"/>
+                <a:ea typeface="+mn-ea"/>
+                <a:cs typeface="+mn-cs"/>
+              </a:defRPr>
+            </a:lvl2pPr>
+            <a:lvl3pPr marL="1143000" indent="-228600" algn="l" defTabSz="914400" rtl="0" eaLnBrk="1" latinLnBrk="0" hangingPunct="1">
+              <a:lnSpc>
+                <a:spcPct val="90000"/>
+              </a:lnSpc>
+              <a:spcBef>
+                <a:spcPts val="500"/>
+              </a:spcBef>
+              <a:buFont typeface="Arial" panose="020B0604020202020204" pitchFamily="34" charset="0"/>
+              <a:buChar char="•"/>
+              <a:defRPr sz="2000" kern="1200">
+                <a:solidFill>
+                  <a:schemeClr val="tx1"/>
+                </a:solidFill>
+                <a:latin typeface="+mn-lt"/>
+                <a:ea typeface="+mn-ea"/>
+                <a:cs typeface="+mn-cs"/>
+              </a:defRPr>
+            </a:lvl3pPr>
+            <a:lvl4pPr marL="1600200" indent="-228600" algn="l" defTabSz="914400" rtl="0" eaLnBrk="1" latinLnBrk="0" hangingPunct="1">
+              <a:lnSpc>
+                <a:spcPct val="90000"/>
+              </a:lnSpc>
+              <a:spcBef>
+                <a:spcPts val="500"/>
+              </a:spcBef>
+              <a:buFont typeface="Arial" panose="020B0604020202020204" pitchFamily="34" charset="0"/>
+              <a:buChar char="•"/>
+              <a:defRPr sz="1800" kern="1200">
+                <a:solidFill>
+                  <a:schemeClr val="tx1"/>
+                </a:solidFill>
+                <a:latin typeface="+mn-lt"/>
+                <a:ea typeface="+mn-ea"/>
+                <a:cs typeface="+mn-cs"/>
+              </a:defRPr>
+            </a:lvl4pPr>
+            <a:lvl5pPr marL="2057400" indent="-228600" algn="l" defTabSz="914400" rtl="0" eaLnBrk="1" latinLnBrk="0" hangingPunct="1">
+              <a:lnSpc>
+                <a:spcPct val="90000"/>
+              </a:lnSpc>
+              <a:spcBef>
+                <a:spcPts val="500"/>
+              </a:spcBef>
+              <a:buFont typeface="Arial" panose="020B0604020202020204" pitchFamily="34" charset="0"/>
+              <a:buChar char="•"/>
+              <a:defRPr sz="1800" kern="1200">
+                <a:solidFill>
+                  <a:schemeClr val="tx1"/>
+                </a:solidFill>
+                <a:latin typeface="+mn-lt"/>
+                <a:ea typeface="+mn-ea"/>
+                <a:cs typeface="+mn-cs"/>
+              </a:defRPr>
+            </a:lvl5pPr>
+            <a:lvl6pPr marL="2514600" indent="-228600" algn="l" defTabSz="914400" rtl="0" eaLnBrk="1" latinLnBrk="0" hangingPunct="1">
+              <a:lnSpc>
+                <a:spcPct val="90000"/>
+              </a:lnSpc>
+              <a:spcBef>
+                <a:spcPts val="500"/>
+              </a:spcBef>
+              <a:buFont typeface="Arial" panose="020B0604020202020204" pitchFamily="34" charset="0"/>
+              <a:buChar char="•"/>
+              <a:defRPr sz="1800" kern="1200">
+                <a:solidFill>
+                  <a:schemeClr val="tx1"/>
+                </a:solidFill>
+                <a:latin typeface="+mn-lt"/>
+                <a:ea typeface="+mn-ea"/>
+                <a:cs typeface="+mn-cs"/>
+              </a:defRPr>
+            </a:lvl6pPr>
+            <a:lvl7pPr marL="2971800" indent="-228600" algn="l" defTabSz="914400" rtl="0" eaLnBrk="1" latinLnBrk="0" hangingPunct="1">
+              <a:lnSpc>
+                <a:spcPct val="90000"/>
+              </a:lnSpc>
+              <a:spcBef>
+                <a:spcPts val="500"/>
+              </a:spcBef>
+              <a:buFont typeface="Arial" panose="020B0604020202020204" pitchFamily="34" charset="0"/>
+              <a:buChar char="•"/>
+              <a:defRPr sz="1800" kern="1200">
+                <a:solidFill>
+                  <a:schemeClr val="tx1"/>
+                </a:solidFill>
+                <a:latin typeface="+mn-lt"/>
+                <a:ea typeface="+mn-ea"/>
+                <a:cs typeface="+mn-cs"/>
+              </a:defRPr>
+            </a:lvl7pPr>
+            <a:lvl8pPr marL="3429000" indent="-228600" algn="l" defTabSz="914400" rtl="0" eaLnBrk="1" latinLnBrk="0" hangingPunct="1">
+              <a:lnSpc>
+                <a:spcPct val="90000"/>
+              </a:lnSpc>
+              <a:spcBef>
+                <a:spcPts val="500"/>
+              </a:spcBef>
+              <a:buFont typeface="Arial" panose="020B0604020202020204" pitchFamily="34" charset="0"/>
+              <a:buChar char="•"/>
+              <a:defRPr sz="1800" kern="1200">
+                <a:solidFill>
+                  <a:schemeClr val="tx1"/>
+                </a:solidFill>
+                <a:latin typeface="+mn-lt"/>
+                <a:ea typeface="+mn-ea"/>
+                <a:cs typeface="+mn-cs"/>
+              </a:defRPr>
+            </a:lvl8pPr>
+            <a:lvl9pPr marL="3886200" indent="-228600" algn="l" defTabSz="914400" rtl="0" eaLnBrk="1" latinLnBrk="0" hangingPunct="1">
+              <a:lnSpc>
+                <a:spcPct val="90000"/>
+              </a:lnSpc>
+              <a:spcBef>
+                <a:spcPts val="500"/>
+              </a:spcBef>
+              <a:buFont typeface="Arial" panose="020B0604020202020204" pitchFamily="34" charset="0"/>
+              <a:buChar char="•"/>
+              <a:defRPr sz="1800" kern="1200">
+                <a:solidFill>
+                  <a:schemeClr val="tx1"/>
+                </a:solidFill>
+                <a:latin typeface="+mn-lt"/>
+                <a:ea typeface="+mn-ea"/>
+                <a:cs typeface="+mn-cs"/>
+              </a:defRPr>
+            </a:lvl9pPr>
+          </a:lstStyle>
+          <a:p>
+            <a:pPr marL="0" indent="0" algn="l">
+              <a:buNone/>
+            </a:pPr>
+            <a:r>
+              <a:rPr lang="en-US" sz="5100" dirty="0" err="1"/>
+              <a:t>Nerede</a:t>
+            </a:r>
+            <a:r>
+              <a:rPr lang="en-US" sz="5100" dirty="0"/>
+              <a:t> </a:t>
+            </a:r>
+            <a:r>
+              <a:rPr lang="en-US" sz="5100" dirty="0" err="1"/>
+              <a:t>Kullanılıyor</a:t>
+            </a:r>
+            <a:r>
+              <a:rPr lang="en-US" sz="5100" dirty="0"/>
+              <a:t>?</a:t>
+            </a:r>
+          </a:p>
+          <a:p>
+            <a:pPr algn="l">
+              <a:buFont typeface="Arial" panose="020B0604020202020204" pitchFamily="34" charset="0"/>
+              <a:buChar char="•"/>
+            </a:pPr>
+            <a:r>
+              <a:rPr lang="en-US" sz="4000" b="0" i="0" dirty="0" err="1">
+                <a:solidFill>
+                  <a:srgbClr val="4D5B7C"/>
+                </a:solidFill>
+                <a:effectLst/>
+                <a:latin typeface="Inter"/>
+              </a:rPr>
+              <a:t>java.util.Arrays#asList</a:t>
+            </a:r>
+            <a:r>
+              <a:rPr lang="en-US" sz="4000" b="0" i="0" dirty="0">
+                <a:solidFill>
+                  <a:srgbClr val="4D5B7C"/>
+                </a:solidFill>
+                <a:effectLst/>
+                <a:latin typeface="Inter"/>
+              </a:rPr>
+              <a:t>()</a:t>
+            </a:r>
+          </a:p>
+          <a:p>
+            <a:pPr algn="l">
+              <a:buFont typeface="Arial" panose="020B0604020202020204" pitchFamily="34" charset="0"/>
+              <a:buChar char="•"/>
+            </a:pPr>
+            <a:r>
+              <a:rPr lang="en-US" sz="4000" b="0" i="0" dirty="0" err="1">
+                <a:solidFill>
+                  <a:srgbClr val="4D5B7C"/>
+                </a:solidFill>
+                <a:effectLst/>
+                <a:latin typeface="Inter"/>
+              </a:rPr>
+              <a:t>java.io.InputStreamReader</a:t>
+            </a:r>
+            <a:r>
+              <a:rPr lang="en-US" sz="4000" b="0" i="0" dirty="0">
+                <a:solidFill>
+                  <a:srgbClr val="4D5B7C"/>
+                </a:solidFill>
+                <a:effectLst/>
+                <a:latin typeface="Inter"/>
+              </a:rPr>
+              <a:t>(</a:t>
+            </a:r>
+            <a:r>
+              <a:rPr lang="en-US" sz="4000" b="0" i="0" dirty="0" err="1">
+                <a:solidFill>
+                  <a:srgbClr val="4D5B7C"/>
+                </a:solidFill>
+                <a:effectLst/>
+                <a:latin typeface="Inter"/>
+              </a:rPr>
+              <a:t>InputStream</a:t>
+            </a:r>
+            <a:r>
+              <a:rPr lang="en-US" sz="4000" b="0" i="0" dirty="0">
+                <a:solidFill>
+                  <a:srgbClr val="4D5B7C"/>
+                </a:solidFill>
+                <a:effectLst/>
+                <a:latin typeface="Inter"/>
+              </a:rPr>
+              <a:t>) (returns a Reader)</a:t>
+            </a:r>
+          </a:p>
+          <a:p>
+            <a:pPr algn="l">
+              <a:buFont typeface="Arial" panose="020B0604020202020204" pitchFamily="34" charset="0"/>
+              <a:buChar char="•"/>
+            </a:pPr>
+            <a:r>
+              <a:rPr lang="en-US" sz="4000" b="0" i="0" dirty="0" err="1">
+                <a:solidFill>
+                  <a:srgbClr val="4D5B7C"/>
+                </a:solidFill>
+                <a:effectLst/>
+                <a:latin typeface="Inter"/>
+              </a:rPr>
+              <a:t>java.io.OutputStreamWriter</a:t>
+            </a:r>
+            <a:r>
+              <a:rPr lang="en-US" sz="4000" b="0" i="0" dirty="0">
+                <a:solidFill>
+                  <a:srgbClr val="4D5B7C"/>
+                </a:solidFill>
+                <a:effectLst/>
+                <a:latin typeface="Inter"/>
+              </a:rPr>
+              <a:t>(</a:t>
+            </a:r>
+            <a:r>
+              <a:rPr lang="en-US" sz="4000" b="0" i="0" dirty="0" err="1">
+                <a:solidFill>
+                  <a:srgbClr val="4D5B7C"/>
+                </a:solidFill>
+                <a:effectLst/>
+                <a:latin typeface="Inter"/>
+              </a:rPr>
+              <a:t>OutputStream</a:t>
+            </a:r>
+            <a:r>
+              <a:rPr lang="en-US" sz="4000" b="0" i="0" dirty="0">
+                <a:solidFill>
+                  <a:srgbClr val="4D5B7C"/>
+                </a:solidFill>
+                <a:effectLst/>
+                <a:latin typeface="Inter"/>
+              </a:rPr>
+              <a:t>) (returns a Writer)</a:t>
+            </a:r>
+          </a:p>
+          <a:p>
+            <a:pPr algn="l">
+              <a:buFont typeface="Arial" panose="020B0604020202020204" pitchFamily="34" charset="0"/>
+              <a:buChar char="•"/>
+            </a:pPr>
+            <a:r>
+              <a:rPr lang="en-US" sz="4000" dirty="0" err="1">
+                <a:solidFill>
+                  <a:srgbClr val="4D5B7C"/>
+                </a:solidFill>
+                <a:latin typeface="Inter"/>
+              </a:rPr>
+              <a:t>EnumerationIterator</a:t>
+            </a:r>
+            <a:endParaRPr lang="en-US" sz="4000" b="0" i="0" dirty="0">
+              <a:solidFill>
+                <a:srgbClr val="4D5B7C"/>
+              </a:solidFill>
+              <a:effectLst/>
+              <a:latin typeface="Inter"/>
+            </a:endParaRPr>
+          </a:p>
+          <a:p>
+            <a:endParaRPr lang="en-TR" dirty="0"/>
+          </a:p>
+        </p:txBody>
+      </p:sp>
+    </p:spTree>
+    <p:extLst>
+      <p:ext uri="{BB962C8B-B14F-4D97-AF65-F5344CB8AC3E}">
+        <p14:creationId xmlns:p14="http://schemas.microsoft.com/office/powerpoint/2010/main" val="1018043786"/>
+      </p:ext>
+    </p:extLst>
+  </p:cSld>
+  <p:clrMapOvr>
+    <a:masterClrMapping/>
+  </p:clrMapOvr>
+</p:sld>
+</file>
+
+<file path=ppt/slides/slide68.xml><?xml version="1.0" encoding="utf-8"?>
+<p:sld xmlns:a="http://schemas.openxmlformats.org/drawingml/2006/main" xmlns:r="http://schemas.openxmlformats.org/officeDocument/2006/relationships" xmlns:p="http://schemas.openxmlformats.org/presentationml/2006/main">
+  <p:cSld>
+    <p:spTree>
+      <p:nvGrpSpPr>
+        <p:cNvPr id="1" name="">
+          <a:extLst>
+            <a:ext uri="{FF2B5EF4-FFF2-40B4-BE49-F238E27FC236}">
+              <a16:creationId xmlns:a16="http://schemas.microsoft.com/office/drawing/2014/main" id="{3166A3F2-CD91-B0DD-2941-F93E2BB0D6A3}"/>
+            </a:ext>
+          </a:extLst>
+        </p:cNvPr>
+        <p:cNvGrpSpPr/>
+        <p:nvPr/>
+      </p:nvGrpSpPr>
+      <p:grpSpPr>
+        <a:xfrm>
+          <a:off x="0" y="0"/>
+          <a:ext cx="0" cy="0"/>
+          <a:chOff x="0" y="0"/>
+          <a:chExt cx="0" cy="0"/>
+        </a:xfrm>
+      </p:grpSpPr>
+      <p:sp>
+        <p:nvSpPr>
+          <p:cNvPr id="2" name="Title 1">
+            <a:extLst>
+              <a:ext uri="{FF2B5EF4-FFF2-40B4-BE49-F238E27FC236}">
+                <a16:creationId xmlns:a16="http://schemas.microsoft.com/office/drawing/2014/main" id="{FF6CB0F1-0BFE-F1AD-31CD-CFBA7D4A40BE}"/>
+              </a:ext>
+            </a:extLst>
+          </p:cNvPr>
+          <p:cNvSpPr>
+            <a:spLocks noGrp="1"/>
+          </p:cNvSpPr>
+          <p:nvPr>
+            <p:ph type="ctrTitle"/>
+          </p:nvPr>
+        </p:nvSpPr>
+        <p:spPr>
+          <a:xfrm>
+            <a:off x="1524000" y="1122363"/>
+            <a:ext cx="9144000" cy="2133599"/>
+          </a:xfrm>
+        </p:spPr>
+        <p:txBody>
+          <a:bodyPr>
+            <a:normAutofit fontScale="90000"/>
+          </a:bodyPr>
+          <a:lstStyle/>
+          <a:p>
+            <a:br>
+              <a:rPr lang="en-TR" b="1" dirty="0"/>
+            </a:br>
+            <a:br>
+              <a:rPr lang="en-TR" b="1" dirty="0"/>
+            </a:br>
+            <a:br>
+              <a:rPr lang="en-TR" b="1" dirty="0"/>
+            </a:br>
+            <a:br>
+              <a:rPr lang="en-TR" b="1" dirty="0"/>
+            </a:br>
+            <a:r>
+              <a:rPr lang="en-TR" b="1" dirty="0"/>
+              <a:t>Design Pattern Series</a:t>
+            </a:r>
+            <a:br>
+              <a:rPr lang="en-TR" b="1" dirty="0"/>
+            </a:br>
+            <a:r>
+              <a:rPr lang="en-TR" sz="4200" b="1" dirty="0"/>
+              <a:t>Facade Pattern</a:t>
+            </a:r>
+            <a:br>
+              <a:rPr lang="en-TR" b="1" dirty="0"/>
+            </a:br>
+            <a:endParaRPr lang="en-TR" b="1" dirty="0"/>
+          </a:p>
+        </p:txBody>
+      </p:sp>
+      <p:sp>
+        <p:nvSpPr>
+          <p:cNvPr id="3" name="Subtitle 2">
+            <a:extLst>
+              <a:ext uri="{FF2B5EF4-FFF2-40B4-BE49-F238E27FC236}">
+                <a16:creationId xmlns:a16="http://schemas.microsoft.com/office/drawing/2014/main" id="{77A01EE3-C7E8-B2A6-82DA-D77AEFF9225A}"/>
+              </a:ext>
+            </a:extLst>
+          </p:cNvPr>
+          <p:cNvSpPr>
+            <a:spLocks noGrp="1"/>
+          </p:cNvSpPr>
+          <p:nvPr>
+            <p:ph type="subTitle" idx="1"/>
+          </p:nvPr>
+        </p:nvSpPr>
+        <p:spPr/>
+        <p:txBody>
+          <a:bodyPr>
+            <a:normAutofit/>
+          </a:bodyPr>
+          <a:lstStyle/>
+          <a:p>
+            <a:r>
+              <a:rPr lang="en-TR" b="1" dirty="0"/>
+              <a:t>Structural – (Yapısal)</a:t>
+            </a:r>
+            <a:endParaRPr lang="en-TR" dirty="0"/>
+          </a:p>
+          <a:p>
+            <a:endParaRPr lang="en-TR" b="1" dirty="0"/>
+          </a:p>
+          <a:p>
+            <a:r>
+              <a:rPr lang="en-TR" b="1" dirty="0"/>
+              <a:t>Someone has already solved your problems.</a:t>
+            </a:r>
+          </a:p>
+          <a:p>
+            <a:endParaRPr lang="en-TR" dirty="0"/>
+          </a:p>
+        </p:txBody>
+      </p:sp>
+      <p:cxnSp>
+        <p:nvCxnSpPr>
+          <p:cNvPr id="5" name="Straight Connector 4">
+            <a:extLst>
+              <a:ext uri="{FF2B5EF4-FFF2-40B4-BE49-F238E27FC236}">
+                <a16:creationId xmlns:a16="http://schemas.microsoft.com/office/drawing/2014/main" id="{06BDDF6D-729D-6033-975E-96F83D7C1A0E}"/>
+              </a:ext>
+            </a:extLst>
+          </p:cNvPr>
+          <p:cNvCxnSpPr/>
+          <p:nvPr/>
+        </p:nvCxnSpPr>
+        <p:spPr>
+          <a:xfrm>
+            <a:off x="1701800" y="4419600"/>
+            <a:ext cx="8695267" cy="0"/>
+          </a:xfrm>
+          <a:prstGeom prst="line">
+            <a:avLst/>
+          </a:prstGeom>
+        </p:spPr>
+        <p:style>
+          <a:lnRef idx="1">
+            <a:schemeClr val="accent1"/>
+          </a:lnRef>
+          <a:fillRef idx="0">
+            <a:schemeClr val="accent1"/>
+          </a:fillRef>
+          <a:effectRef idx="0">
+            <a:schemeClr val="accent1"/>
+          </a:effectRef>
+          <a:fontRef idx="minor">
+            <a:schemeClr val="tx1"/>
+          </a:fontRef>
+        </p:style>
+      </p:cxnSp>
+    </p:spTree>
+    <p:extLst>
+      <p:ext uri="{BB962C8B-B14F-4D97-AF65-F5344CB8AC3E}">
+        <p14:creationId xmlns:p14="http://schemas.microsoft.com/office/powerpoint/2010/main" val="1865546258"/>
+      </p:ext>
+    </p:extLst>
+  </p:cSld>
+  <p:clrMapOvr>
+    <a:masterClrMapping/>
+  </p:clrMapOvr>
+</p:sld>
+</file>
+
+<file path=ppt/slides/slide69.xml><?xml version="1.0" encoding="utf-8"?>
+<p:sld xmlns:a="http://schemas.openxmlformats.org/drawingml/2006/main" xmlns:r="http://schemas.openxmlformats.org/officeDocument/2006/relationships" xmlns:p="http://schemas.openxmlformats.org/presentationml/2006/main">
+  <p:cSld>
+    <p:spTree>
+      <p:nvGrpSpPr>
+        <p:cNvPr id="1" name="">
+          <a:extLst>
+            <a:ext uri="{FF2B5EF4-FFF2-40B4-BE49-F238E27FC236}">
+              <a16:creationId xmlns:a16="http://schemas.microsoft.com/office/drawing/2014/main" id="{C9694265-3A52-0541-9558-C8D05B3E5309}"/>
+            </a:ext>
+          </a:extLst>
+        </p:cNvPr>
+        <p:cNvGrpSpPr/>
+        <p:nvPr/>
+      </p:nvGrpSpPr>
+      <p:grpSpPr>
+        <a:xfrm>
+          <a:off x="0" y="0"/>
+          <a:ext cx="0" cy="0"/>
+          <a:chOff x="0" y="0"/>
+          <a:chExt cx="0" cy="0"/>
+        </a:xfrm>
+      </p:grpSpPr>
+      <p:sp>
+        <p:nvSpPr>
+          <p:cNvPr id="2" name="Title 1">
+            <a:extLst>
+              <a:ext uri="{FF2B5EF4-FFF2-40B4-BE49-F238E27FC236}">
+                <a16:creationId xmlns:a16="http://schemas.microsoft.com/office/drawing/2014/main" id="{2702972D-C998-34D6-DAB4-D57B6E3FFB1D}"/>
+              </a:ext>
+            </a:extLst>
+          </p:cNvPr>
+          <p:cNvSpPr>
+            <a:spLocks noGrp="1"/>
+          </p:cNvSpPr>
+          <p:nvPr>
+            <p:ph type="title"/>
+          </p:nvPr>
+        </p:nvSpPr>
+        <p:spPr/>
+        <p:txBody>
+          <a:bodyPr/>
+          <a:lstStyle/>
+          <a:p>
+            <a:r>
+              <a:rPr lang="en-TR" b="1" dirty="0"/>
+              <a:t>Facade Pattern</a:t>
+            </a:r>
+          </a:p>
+        </p:txBody>
+      </p:sp>
+      <p:sp>
+        <p:nvSpPr>
+          <p:cNvPr id="3" name="Content Placeholder 2">
+            <a:extLst>
+              <a:ext uri="{FF2B5EF4-FFF2-40B4-BE49-F238E27FC236}">
+                <a16:creationId xmlns:a16="http://schemas.microsoft.com/office/drawing/2014/main" id="{7796B390-D735-A4C0-6426-2DC880864F22}"/>
+              </a:ext>
+            </a:extLst>
+          </p:cNvPr>
+          <p:cNvSpPr>
+            <a:spLocks noGrp="1"/>
+          </p:cNvSpPr>
+          <p:nvPr>
+            <p:ph idx="1"/>
+          </p:nvPr>
+        </p:nvSpPr>
+        <p:spPr/>
+        <p:txBody>
+          <a:bodyPr/>
+          <a:lstStyle/>
+          <a:p>
+            <a:r>
+              <a:rPr lang="en-US" dirty="0">
+                <a:effectLst/>
+                <a:latin typeface="Helvetica" pitchFamily="2" charset="0"/>
+              </a:rPr>
+              <a:t>The Facade Pattern provides a unified interface to a set of interfaces in a subsystem. Façade defines a higher-level interface that makes the subsystem easier to use.</a:t>
+            </a:r>
+          </a:p>
+          <a:p>
+            <a:endParaRPr lang="en-US" dirty="0">
+              <a:latin typeface="Helvetica" pitchFamily="2" charset="0"/>
+            </a:endParaRPr>
+          </a:p>
+          <a:p>
+            <a:r>
+              <a:rPr lang="en-US" dirty="0" err="1">
+                <a:latin typeface="Helvetica" pitchFamily="2" charset="0"/>
+              </a:rPr>
+              <a:t>Cephe</a:t>
+            </a:r>
+            <a:r>
+              <a:rPr lang="en-US" dirty="0">
+                <a:latin typeface="Helvetica" pitchFamily="2" charset="0"/>
+              </a:rPr>
+              <a:t> </a:t>
+            </a:r>
+            <a:r>
+              <a:rPr lang="en-US" dirty="0" err="1">
+                <a:latin typeface="Helvetica" pitchFamily="2" charset="0"/>
+              </a:rPr>
+              <a:t>Deseni</a:t>
+            </a:r>
+            <a:r>
+              <a:rPr lang="en-US" dirty="0">
+                <a:latin typeface="Helvetica" pitchFamily="2" charset="0"/>
+              </a:rPr>
+              <a:t>, </a:t>
+            </a:r>
+            <a:r>
+              <a:rPr lang="en-US" dirty="0" err="1">
+                <a:latin typeface="Helvetica" pitchFamily="2" charset="0"/>
+              </a:rPr>
+              <a:t>bir</a:t>
+            </a:r>
+            <a:r>
+              <a:rPr lang="en-US" dirty="0">
+                <a:latin typeface="Helvetica" pitchFamily="2" charset="0"/>
+              </a:rPr>
+              <a:t> alt </a:t>
+            </a:r>
+            <a:r>
+              <a:rPr lang="en-US" dirty="0" err="1">
+                <a:latin typeface="Helvetica" pitchFamily="2" charset="0"/>
+              </a:rPr>
+              <a:t>sistemdeki</a:t>
+            </a:r>
+            <a:r>
+              <a:rPr lang="en-US" dirty="0">
+                <a:latin typeface="Helvetica" pitchFamily="2" charset="0"/>
+              </a:rPr>
+              <a:t> </a:t>
+            </a:r>
+            <a:r>
+              <a:rPr lang="en-US" dirty="0" err="1">
+                <a:latin typeface="Helvetica" pitchFamily="2" charset="0"/>
+              </a:rPr>
+              <a:t>bir</a:t>
+            </a:r>
+            <a:r>
+              <a:rPr lang="en-US" dirty="0">
+                <a:latin typeface="Helvetica" pitchFamily="2" charset="0"/>
+              </a:rPr>
+              <a:t> dizi </a:t>
+            </a:r>
+            <a:r>
+              <a:rPr lang="en-US" dirty="0" err="1">
+                <a:latin typeface="Helvetica" pitchFamily="2" charset="0"/>
+              </a:rPr>
+              <a:t>arayüze</a:t>
+            </a:r>
+            <a:r>
+              <a:rPr lang="en-US" dirty="0">
+                <a:latin typeface="Helvetica" pitchFamily="2" charset="0"/>
+              </a:rPr>
+              <a:t> </a:t>
+            </a:r>
+            <a:r>
+              <a:rPr lang="en-US" dirty="0" err="1">
+                <a:latin typeface="Helvetica" pitchFamily="2" charset="0"/>
+              </a:rPr>
+              <a:t>birleşik</a:t>
+            </a:r>
+            <a:r>
+              <a:rPr lang="en-US" dirty="0">
+                <a:latin typeface="Helvetica" pitchFamily="2" charset="0"/>
+              </a:rPr>
+              <a:t> </a:t>
+            </a:r>
+            <a:r>
+              <a:rPr lang="en-US" dirty="0" err="1">
+                <a:latin typeface="Helvetica" pitchFamily="2" charset="0"/>
+              </a:rPr>
+              <a:t>bir</a:t>
+            </a:r>
+            <a:r>
+              <a:rPr lang="en-US" dirty="0">
+                <a:latin typeface="Helvetica" pitchFamily="2" charset="0"/>
+              </a:rPr>
+              <a:t> </a:t>
+            </a:r>
+            <a:r>
+              <a:rPr lang="en-US" dirty="0" err="1">
+                <a:latin typeface="Helvetica" pitchFamily="2" charset="0"/>
+              </a:rPr>
+              <a:t>arayüz</a:t>
+            </a:r>
+            <a:r>
+              <a:rPr lang="en-US" dirty="0">
+                <a:latin typeface="Helvetica" pitchFamily="2" charset="0"/>
+              </a:rPr>
+              <a:t> </a:t>
+            </a:r>
+            <a:r>
+              <a:rPr lang="en-US" dirty="0" err="1">
+                <a:latin typeface="Helvetica" pitchFamily="2" charset="0"/>
+              </a:rPr>
+              <a:t>sağlar</a:t>
+            </a:r>
+            <a:r>
+              <a:rPr lang="en-US" dirty="0">
+                <a:latin typeface="Helvetica" pitchFamily="2" charset="0"/>
+              </a:rPr>
+              <a:t>. </a:t>
+            </a:r>
+            <a:r>
+              <a:rPr lang="en-US" dirty="0" err="1">
+                <a:latin typeface="Helvetica" pitchFamily="2" charset="0"/>
+              </a:rPr>
+              <a:t>Cephe</a:t>
+            </a:r>
+            <a:r>
+              <a:rPr lang="en-US" dirty="0">
+                <a:latin typeface="Helvetica" pitchFamily="2" charset="0"/>
+              </a:rPr>
+              <a:t>, alt </a:t>
+            </a:r>
+            <a:r>
+              <a:rPr lang="en-US" dirty="0" err="1">
+                <a:latin typeface="Helvetica" pitchFamily="2" charset="0"/>
+              </a:rPr>
+              <a:t>sistemin</a:t>
+            </a:r>
+            <a:r>
+              <a:rPr lang="en-US" dirty="0">
+                <a:latin typeface="Helvetica" pitchFamily="2" charset="0"/>
+              </a:rPr>
+              <a:t> </a:t>
+            </a:r>
+            <a:r>
+              <a:rPr lang="en-US" dirty="0" err="1">
+                <a:latin typeface="Helvetica" pitchFamily="2" charset="0"/>
+              </a:rPr>
+              <a:t>kullanımını</a:t>
+            </a:r>
+            <a:r>
+              <a:rPr lang="en-US" dirty="0">
+                <a:latin typeface="Helvetica" pitchFamily="2" charset="0"/>
+              </a:rPr>
+              <a:t> </a:t>
+            </a:r>
+            <a:r>
+              <a:rPr lang="en-US" dirty="0" err="1">
+                <a:latin typeface="Helvetica" pitchFamily="2" charset="0"/>
+              </a:rPr>
+              <a:t>kolaylaştıran</a:t>
+            </a:r>
+            <a:r>
+              <a:rPr lang="en-US" dirty="0">
+                <a:latin typeface="Helvetica" pitchFamily="2" charset="0"/>
+              </a:rPr>
+              <a:t> </a:t>
+            </a:r>
+            <a:r>
+              <a:rPr lang="en-US" dirty="0" err="1">
+                <a:latin typeface="Helvetica" pitchFamily="2" charset="0"/>
+              </a:rPr>
+              <a:t>daha</a:t>
+            </a:r>
+            <a:r>
+              <a:rPr lang="en-US" dirty="0">
+                <a:latin typeface="Helvetica" pitchFamily="2" charset="0"/>
+              </a:rPr>
+              <a:t> </a:t>
+            </a:r>
+            <a:r>
+              <a:rPr lang="en-US" dirty="0" err="1">
+                <a:latin typeface="Helvetica" pitchFamily="2" charset="0"/>
+              </a:rPr>
+              <a:t>üst</a:t>
+            </a:r>
+            <a:r>
+              <a:rPr lang="en-US" dirty="0">
+                <a:latin typeface="Helvetica" pitchFamily="2" charset="0"/>
+              </a:rPr>
+              <a:t> </a:t>
+            </a:r>
+            <a:r>
+              <a:rPr lang="en-US" dirty="0" err="1">
+                <a:latin typeface="Helvetica" pitchFamily="2" charset="0"/>
+              </a:rPr>
+              <a:t>düzey</a:t>
+            </a:r>
+            <a:r>
+              <a:rPr lang="en-US" dirty="0">
+                <a:latin typeface="Helvetica" pitchFamily="2" charset="0"/>
+              </a:rPr>
+              <a:t> </a:t>
+            </a:r>
+            <a:r>
+              <a:rPr lang="en-US" dirty="0" err="1">
+                <a:latin typeface="Helvetica" pitchFamily="2" charset="0"/>
+              </a:rPr>
+              <a:t>bir</a:t>
+            </a:r>
+            <a:r>
+              <a:rPr lang="en-US" dirty="0">
+                <a:latin typeface="Helvetica" pitchFamily="2" charset="0"/>
+              </a:rPr>
+              <a:t> </a:t>
+            </a:r>
+            <a:r>
+              <a:rPr lang="en-US" dirty="0" err="1">
+                <a:latin typeface="Helvetica" pitchFamily="2" charset="0"/>
+              </a:rPr>
+              <a:t>arayüz</a:t>
+            </a:r>
+            <a:r>
+              <a:rPr lang="en-US" dirty="0">
+                <a:latin typeface="Helvetica" pitchFamily="2" charset="0"/>
+              </a:rPr>
+              <a:t> </a:t>
+            </a:r>
+            <a:r>
+              <a:rPr lang="en-US" dirty="0" err="1">
+                <a:latin typeface="Helvetica" pitchFamily="2" charset="0"/>
+              </a:rPr>
+              <a:t>tanımlar</a:t>
+            </a:r>
+            <a:r>
+              <a:rPr lang="en-US" dirty="0">
+                <a:latin typeface="Helvetica" pitchFamily="2" charset="0"/>
+              </a:rPr>
+              <a:t>.</a:t>
+            </a:r>
+          </a:p>
+        </p:txBody>
+      </p:sp>
+    </p:spTree>
+    <p:extLst>
+      <p:ext uri="{BB962C8B-B14F-4D97-AF65-F5344CB8AC3E}">
+        <p14:creationId xmlns:p14="http://schemas.microsoft.com/office/powerpoint/2010/main" val="584681302"/>
+      </p:ext>
+    </p:extLst>
+  </p:cSld>
+  <p:clrMapOvr>
+    <a:masterClrMapping/>
+  </p:clrMapOvr>
+</p:sld>
+</file>
+
 <file path=ppt/slides/slide7.xml><?xml version="1.0" encoding="utf-8"?>
 <p:sld xmlns:a="http://schemas.openxmlformats.org/drawingml/2006/main" xmlns:r="http://schemas.openxmlformats.org/officeDocument/2006/relationships" xmlns:p="http://schemas.openxmlformats.org/presentationml/2006/main">
   <p:cSld>
@@ -18045,6 +21933,1647 @@
     <p:extLst>
       <p:ext uri="{BB962C8B-B14F-4D97-AF65-F5344CB8AC3E}">
         <p14:creationId xmlns:p14="http://schemas.microsoft.com/office/powerpoint/2010/main" val="1497858290"/>
+      </p:ext>
+    </p:extLst>
+  </p:cSld>
+  <p:clrMapOvr>
+    <a:masterClrMapping/>
+  </p:clrMapOvr>
+</p:sld>
+</file>
+
+<file path=ppt/slides/slide70.xml><?xml version="1.0" encoding="utf-8"?>
+<p:sld xmlns:a="http://schemas.openxmlformats.org/drawingml/2006/main" xmlns:r="http://schemas.openxmlformats.org/officeDocument/2006/relationships" xmlns:p="http://schemas.openxmlformats.org/presentationml/2006/main">
+  <p:cSld>
+    <p:spTree>
+      <p:nvGrpSpPr>
+        <p:cNvPr id="1" name="">
+          <a:extLst>
+            <a:ext uri="{FF2B5EF4-FFF2-40B4-BE49-F238E27FC236}">
+              <a16:creationId xmlns:a16="http://schemas.microsoft.com/office/drawing/2014/main" id="{B774EC17-3EB2-E990-139A-60FA70FE85EC}"/>
+            </a:ext>
+          </a:extLst>
+        </p:cNvPr>
+        <p:cNvGrpSpPr/>
+        <p:nvPr/>
+      </p:nvGrpSpPr>
+      <p:grpSpPr>
+        <a:xfrm>
+          <a:off x="0" y="0"/>
+          <a:ext cx="0" cy="0"/>
+          <a:chOff x="0" y="0"/>
+          <a:chExt cx="0" cy="0"/>
+        </a:xfrm>
+      </p:grpSpPr>
+      <p:sp>
+        <p:nvSpPr>
+          <p:cNvPr id="2" name="Title 1">
+            <a:extLst>
+              <a:ext uri="{FF2B5EF4-FFF2-40B4-BE49-F238E27FC236}">
+                <a16:creationId xmlns:a16="http://schemas.microsoft.com/office/drawing/2014/main" id="{AA727516-EAE7-8DB9-0B6B-0F320B5CB488}"/>
+              </a:ext>
+            </a:extLst>
+          </p:cNvPr>
+          <p:cNvSpPr>
+            <a:spLocks noGrp="1"/>
+          </p:cNvSpPr>
+          <p:nvPr>
+            <p:ph type="title"/>
+          </p:nvPr>
+        </p:nvSpPr>
+        <p:spPr/>
+        <p:txBody>
+          <a:bodyPr/>
+          <a:lstStyle/>
+          <a:p>
+            <a:r>
+              <a:rPr lang="en-TR" b="1" dirty="0"/>
+              <a:t>Sorun</a:t>
+            </a:r>
+          </a:p>
+        </p:txBody>
+      </p:sp>
+      <p:sp>
+        <p:nvSpPr>
+          <p:cNvPr id="3" name="Content Placeholder 2">
+            <a:extLst>
+              <a:ext uri="{FF2B5EF4-FFF2-40B4-BE49-F238E27FC236}">
+                <a16:creationId xmlns:a16="http://schemas.microsoft.com/office/drawing/2014/main" id="{1CBF713B-E274-D968-3397-A272CE6FED11}"/>
+              </a:ext>
+            </a:extLst>
+          </p:cNvPr>
+          <p:cNvSpPr>
+            <a:spLocks noGrp="1"/>
+          </p:cNvSpPr>
+          <p:nvPr>
+            <p:ph idx="1"/>
+          </p:nvPr>
+        </p:nvSpPr>
+        <p:spPr>
+          <a:xfrm>
+            <a:off x="838200" y="1523621"/>
+            <a:ext cx="10515600" cy="4351338"/>
+          </a:xfrm>
+        </p:spPr>
+        <p:txBody>
+          <a:bodyPr/>
+          <a:lstStyle/>
+          <a:p>
+            <a:pPr algn="just"/>
+            <a:r>
+              <a:rPr lang="en-US" dirty="0" err="1"/>
+              <a:t>Elinizde</a:t>
+            </a:r>
+            <a:r>
+              <a:rPr lang="en-US" dirty="0"/>
+              <a:t> </a:t>
+            </a:r>
+            <a:r>
+              <a:rPr lang="en-US" dirty="0" err="1"/>
+              <a:t>karmakarışık</a:t>
+            </a:r>
+            <a:r>
+              <a:rPr lang="en-US" dirty="0"/>
+              <a:t> </a:t>
+            </a:r>
+            <a:r>
+              <a:rPr lang="en-US" dirty="0" err="1"/>
+              <a:t>bir</a:t>
+            </a:r>
+            <a:r>
+              <a:rPr lang="en-US" dirty="0"/>
+              <a:t> alt </a:t>
+            </a:r>
+            <a:r>
+              <a:rPr lang="en-US" dirty="0" err="1"/>
+              <a:t>sistem</a:t>
+            </a:r>
+            <a:r>
+              <a:rPr lang="en-US" dirty="0"/>
+              <a:t> </a:t>
+            </a:r>
+            <a:r>
+              <a:rPr lang="en-US" dirty="0" err="1"/>
+              <a:t>olduğunu</a:t>
+            </a:r>
+            <a:r>
+              <a:rPr lang="en-US" dirty="0"/>
+              <a:t> </a:t>
+            </a:r>
+            <a:r>
+              <a:rPr lang="en-US" dirty="0" err="1"/>
+              <a:t>düşün</a:t>
+            </a:r>
+            <a:r>
+              <a:rPr lang="en-US" dirty="0"/>
+              <a:t>. Bu systemin </a:t>
+            </a:r>
+            <a:r>
+              <a:rPr lang="en-US" dirty="0" err="1"/>
+              <a:t>tüm</a:t>
+            </a:r>
+            <a:r>
+              <a:rPr lang="en-US" dirty="0"/>
+              <a:t> </a:t>
+            </a:r>
+            <a:r>
+              <a:rPr lang="en-US" dirty="0" err="1"/>
+              <a:t>parçalarını</a:t>
+            </a:r>
+            <a:r>
+              <a:rPr lang="en-US" dirty="0"/>
+              <a:t> </a:t>
+            </a:r>
+            <a:r>
+              <a:rPr lang="en-US" dirty="0" err="1"/>
+              <a:t>bilmek</a:t>
+            </a:r>
+            <a:r>
+              <a:rPr lang="en-US" dirty="0"/>
+              <a:t> </a:t>
+            </a:r>
+            <a:r>
+              <a:rPr lang="en-US" dirty="0" err="1"/>
+              <a:t>ister</a:t>
+            </a:r>
+            <a:r>
+              <a:rPr lang="en-US" dirty="0"/>
+              <a:t> </a:t>
+            </a:r>
+            <a:r>
+              <a:rPr lang="en-US" dirty="0" err="1"/>
+              <a:t>misin</a:t>
+            </a:r>
+            <a:r>
+              <a:rPr lang="en-US" dirty="0"/>
+              <a:t>? </a:t>
+            </a:r>
+            <a:r>
+              <a:rPr lang="en-US" dirty="0" err="1"/>
+              <a:t>Yoksa</a:t>
+            </a:r>
+            <a:r>
+              <a:rPr lang="en-US" dirty="0"/>
+              <a:t> </a:t>
+            </a:r>
+            <a:r>
+              <a:rPr lang="en-US" dirty="0" err="1"/>
+              <a:t>daha</a:t>
+            </a:r>
+            <a:r>
+              <a:rPr lang="en-US" dirty="0"/>
+              <a:t> </a:t>
+            </a:r>
+            <a:r>
+              <a:rPr lang="en-US" dirty="0" err="1"/>
+              <a:t>basit</a:t>
+            </a:r>
+            <a:r>
+              <a:rPr lang="en-US" dirty="0"/>
+              <a:t> </a:t>
+            </a:r>
+            <a:r>
+              <a:rPr lang="en-US" dirty="0" err="1"/>
+              <a:t>bir</a:t>
+            </a:r>
+            <a:r>
+              <a:rPr lang="en-US" dirty="0"/>
+              <a:t> </a:t>
+            </a:r>
+            <a:r>
+              <a:rPr lang="en-US" dirty="0" err="1"/>
+              <a:t>yöntem</a:t>
+            </a:r>
+            <a:r>
+              <a:rPr lang="en-US" dirty="0"/>
+              <a:t> </a:t>
+            </a:r>
+            <a:r>
+              <a:rPr lang="en-US" dirty="0" err="1"/>
+              <a:t>ile</a:t>
+            </a:r>
+            <a:r>
+              <a:rPr lang="en-US" dirty="0"/>
+              <a:t> </a:t>
+            </a:r>
+            <a:r>
+              <a:rPr lang="en-US" dirty="0" err="1"/>
+              <a:t>kolaylıkla</a:t>
+            </a:r>
+            <a:r>
+              <a:rPr lang="en-US" dirty="0"/>
+              <a:t> </a:t>
+            </a:r>
+            <a:r>
+              <a:rPr lang="en-US" dirty="0" err="1"/>
+              <a:t>yönetmek</a:t>
+            </a:r>
+            <a:r>
+              <a:rPr lang="en-US" dirty="0"/>
+              <a:t> mi </a:t>
+            </a:r>
+            <a:r>
+              <a:rPr lang="en-US" dirty="0" err="1"/>
+              <a:t>istersin</a:t>
+            </a:r>
+            <a:r>
+              <a:rPr lang="en-US" dirty="0"/>
+              <a:t>.?</a:t>
+            </a:r>
+          </a:p>
+          <a:p>
+            <a:pPr algn="just"/>
+            <a:endParaRPr lang="en-US" dirty="0"/>
+          </a:p>
+          <a:p>
+            <a:pPr algn="just"/>
+            <a:endParaRPr lang="en-US" dirty="0"/>
+          </a:p>
+          <a:p>
+            <a:endParaRPr lang="en-US" dirty="0"/>
+          </a:p>
+          <a:p>
+            <a:pPr marL="0" indent="0">
+              <a:buNone/>
+            </a:pPr>
+            <a:endParaRPr lang="en-TR" dirty="0"/>
+          </a:p>
+          <a:p>
+            <a:pPr marL="0" indent="0">
+              <a:buNone/>
+            </a:pPr>
+            <a:endParaRPr lang="en-TR" dirty="0"/>
+          </a:p>
+        </p:txBody>
+      </p:sp>
+      <p:pic>
+        <p:nvPicPr>
+          <p:cNvPr id="9" name="Picture 8">
+            <a:extLst>
+              <a:ext uri="{FF2B5EF4-FFF2-40B4-BE49-F238E27FC236}">
+                <a16:creationId xmlns:a16="http://schemas.microsoft.com/office/drawing/2014/main" id="{E4E55D1F-9B17-44CA-5AB0-144FBCDE6078}"/>
+              </a:ext>
+            </a:extLst>
+          </p:cNvPr>
+          <p:cNvPicPr>
+            <a:picLocks noChangeAspect="1"/>
+          </p:cNvPicPr>
+          <p:nvPr/>
+        </p:nvPicPr>
+        <p:blipFill>
+          <a:blip r:embed="rId2"/>
+          <a:stretch>
+            <a:fillRect/>
+          </a:stretch>
+        </p:blipFill>
+        <p:spPr>
+          <a:xfrm>
+            <a:off x="2591849" y="2849184"/>
+            <a:ext cx="7008302" cy="3921164"/>
+          </a:xfrm>
+          <a:prstGeom prst="rect">
+            <a:avLst/>
+          </a:prstGeom>
+        </p:spPr>
+      </p:pic>
+    </p:spTree>
+    <p:extLst>
+      <p:ext uri="{BB962C8B-B14F-4D97-AF65-F5344CB8AC3E}">
+        <p14:creationId xmlns:p14="http://schemas.microsoft.com/office/powerpoint/2010/main" val="944812070"/>
+      </p:ext>
+    </p:extLst>
+  </p:cSld>
+  <p:clrMapOvr>
+    <a:masterClrMapping/>
+  </p:clrMapOvr>
+</p:sld>
+</file>
+
+<file path=ppt/slides/slide71.xml><?xml version="1.0" encoding="utf-8"?>
+<p:sld xmlns:a="http://schemas.openxmlformats.org/drawingml/2006/main" xmlns:r="http://schemas.openxmlformats.org/officeDocument/2006/relationships" xmlns:p="http://schemas.openxmlformats.org/presentationml/2006/main">
+  <p:cSld>
+    <p:spTree>
+      <p:nvGrpSpPr>
+        <p:cNvPr id="1" name="">
+          <a:extLst>
+            <a:ext uri="{FF2B5EF4-FFF2-40B4-BE49-F238E27FC236}">
+              <a16:creationId xmlns:a16="http://schemas.microsoft.com/office/drawing/2014/main" id="{A1A76E2C-62F1-1D4E-1139-31D387F70ED9}"/>
+            </a:ext>
+          </a:extLst>
+        </p:cNvPr>
+        <p:cNvGrpSpPr/>
+        <p:nvPr/>
+      </p:nvGrpSpPr>
+      <p:grpSpPr>
+        <a:xfrm>
+          <a:off x="0" y="0"/>
+          <a:ext cx="0" cy="0"/>
+          <a:chOff x="0" y="0"/>
+          <a:chExt cx="0" cy="0"/>
+        </a:xfrm>
+      </p:grpSpPr>
+      <p:sp>
+        <p:nvSpPr>
+          <p:cNvPr id="2" name="Title 1">
+            <a:extLst>
+              <a:ext uri="{FF2B5EF4-FFF2-40B4-BE49-F238E27FC236}">
+                <a16:creationId xmlns:a16="http://schemas.microsoft.com/office/drawing/2014/main" id="{4A11BAD6-1079-2BC7-441C-954C177AAE67}"/>
+              </a:ext>
+            </a:extLst>
+          </p:cNvPr>
+          <p:cNvSpPr>
+            <a:spLocks noGrp="1"/>
+          </p:cNvSpPr>
+          <p:nvPr>
+            <p:ph type="title"/>
+          </p:nvPr>
+        </p:nvSpPr>
+        <p:spPr/>
+        <p:txBody>
+          <a:bodyPr/>
+          <a:lstStyle/>
+          <a:p>
+            <a:r>
+              <a:rPr lang="en-TR" b="1" dirty="0"/>
+              <a:t>Tasarım Prensipleri</a:t>
+            </a:r>
+          </a:p>
+        </p:txBody>
+      </p:sp>
+      <p:sp>
+        <p:nvSpPr>
+          <p:cNvPr id="3" name="Content Placeholder 2">
+            <a:extLst>
+              <a:ext uri="{FF2B5EF4-FFF2-40B4-BE49-F238E27FC236}">
+                <a16:creationId xmlns:a16="http://schemas.microsoft.com/office/drawing/2014/main" id="{CA39031F-6A00-B25A-2002-299F7C77EFF8}"/>
+              </a:ext>
+            </a:extLst>
+          </p:cNvPr>
+          <p:cNvSpPr>
+            <a:spLocks noGrp="1"/>
+          </p:cNvSpPr>
+          <p:nvPr>
+            <p:ph idx="1"/>
+          </p:nvPr>
+        </p:nvSpPr>
+        <p:spPr/>
+        <p:txBody>
+          <a:bodyPr>
+            <a:normAutofit fontScale="85000" lnSpcReduction="10000"/>
+          </a:bodyPr>
+          <a:lstStyle/>
+          <a:p>
+            <a:r>
+              <a:rPr lang="en-TR" b="1" dirty="0"/>
+              <a:t>Program to interface, not implementation !</a:t>
+            </a:r>
+          </a:p>
+          <a:p>
+            <a:pPr lvl="1"/>
+            <a:r>
+              <a:rPr lang="en-TR" dirty="0"/>
+              <a:t>Program Arayüzdür, uygulama değil !</a:t>
+            </a:r>
+          </a:p>
+          <a:p>
+            <a:r>
+              <a:rPr lang="en-TR" b="1" dirty="0"/>
+              <a:t>Favor object composition over class inheritance..</a:t>
+            </a:r>
+          </a:p>
+          <a:p>
+            <a:pPr lvl="1"/>
+            <a:r>
+              <a:rPr lang="en-TR" dirty="0"/>
+              <a:t>Kalıtım yerine Kompozisyon tercih et..</a:t>
+            </a:r>
+          </a:p>
+          <a:p>
+            <a:r>
+              <a:rPr lang="en-TR" b="1" dirty="0"/>
+              <a:t>Identify the aspects of your application that vary and sep</a:t>
+            </a:r>
+            <a:r>
+              <a:rPr lang="en-US" b="1" dirty="0"/>
+              <a:t>a</a:t>
+            </a:r>
+            <a:r>
+              <a:rPr lang="en-TR" b="1" dirty="0"/>
+              <a:t>rate them from what stays the same</a:t>
+            </a:r>
+          </a:p>
+          <a:p>
+            <a:pPr lvl="1"/>
+            <a:r>
+              <a:rPr lang="en-TR" dirty="0"/>
+              <a:t>Uygulamanın değişen yönlerini belirleyin ve bunları aynı kalanlardan ayırın.</a:t>
+            </a:r>
+            <a:endParaRPr lang="en-TR" b="1" dirty="0"/>
+          </a:p>
+          <a:p>
+            <a:r>
+              <a:rPr lang="en-US" b="1" dirty="0"/>
+              <a:t>Strive for loosely coupled designs between objects that interface</a:t>
+            </a:r>
+          </a:p>
+          <a:p>
+            <a:pPr lvl="1"/>
+            <a:r>
+              <a:rPr lang="en-US" dirty="0" err="1"/>
+              <a:t>Arayüz</a:t>
+            </a:r>
+            <a:r>
+              <a:rPr lang="en-US" dirty="0"/>
+              <a:t> </a:t>
+            </a:r>
+            <a:r>
+              <a:rPr lang="en-US" dirty="0" err="1"/>
+              <a:t>oluşturan</a:t>
+            </a:r>
+            <a:r>
+              <a:rPr lang="en-US" dirty="0"/>
+              <a:t> </a:t>
+            </a:r>
+            <a:r>
+              <a:rPr lang="en-US" dirty="0" err="1"/>
+              <a:t>objeler</a:t>
+            </a:r>
+            <a:r>
+              <a:rPr lang="en-US" dirty="0"/>
+              <a:t> </a:t>
+            </a:r>
+            <a:r>
+              <a:rPr lang="en-US" dirty="0" err="1"/>
+              <a:t>arasında</a:t>
+            </a:r>
+            <a:r>
+              <a:rPr lang="en-US" dirty="0"/>
+              <a:t> loosely coupled </a:t>
+            </a:r>
+            <a:r>
+              <a:rPr lang="en-US" dirty="0" err="1"/>
+              <a:t>tasarım</a:t>
+            </a:r>
+            <a:r>
+              <a:rPr lang="en-US" dirty="0"/>
+              <a:t> </a:t>
+            </a:r>
+            <a:r>
+              <a:rPr lang="en-US" dirty="0" err="1"/>
+              <a:t>için</a:t>
+            </a:r>
+            <a:r>
+              <a:rPr lang="en-US" dirty="0"/>
+              <a:t> </a:t>
+            </a:r>
+            <a:r>
+              <a:rPr lang="en-US" dirty="0" err="1"/>
+              <a:t>çabalayın</a:t>
+            </a:r>
+            <a:r>
+              <a:rPr lang="en-US" dirty="0"/>
+              <a:t>.</a:t>
+            </a:r>
+            <a:endParaRPr lang="en-TR" dirty="0"/>
+          </a:p>
+          <a:p>
+            <a:r>
+              <a:rPr lang="en-US" b="1" dirty="0">
+                <a:effectLst/>
+              </a:rPr>
+              <a:t>Classes should be open for extension, but closed for modification</a:t>
+            </a:r>
+          </a:p>
+          <a:p>
+            <a:pPr lvl="1"/>
+            <a:r>
+              <a:rPr lang="en-TR" dirty="0"/>
+              <a:t>Sınıflar genişletilmeye açık fakat modifikasyona kapalı olmalıdır.</a:t>
+            </a:r>
+            <a:endParaRPr lang="en-US" b="1" dirty="0">
+              <a:effectLst/>
+            </a:endParaRPr>
+          </a:p>
+          <a:p>
+            <a:r>
+              <a:rPr lang="en-US" b="1" i="1" dirty="0">
+                <a:effectLst/>
+                <a:latin typeface="Helvetica" pitchFamily="2" charset="0"/>
+              </a:rPr>
+              <a:t>Principle of Least Knowledge - talk only to your immediate friends.</a:t>
+            </a:r>
+          </a:p>
+          <a:p>
+            <a:pPr lvl="1"/>
+            <a:endParaRPr lang="en-US" b="1" i="1" dirty="0">
+              <a:effectLst/>
+              <a:latin typeface="Helvetica" pitchFamily="2" charset="0"/>
+            </a:endParaRPr>
+          </a:p>
+          <a:p>
+            <a:pPr lvl="1"/>
+            <a:endParaRPr lang="en-US" b="1" dirty="0">
+              <a:effectLst/>
+              <a:latin typeface="Helvetica" pitchFamily="2" charset="0"/>
+            </a:endParaRPr>
+          </a:p>
+          <a:p>
+            <a:endParaRPr lang="en-US" b="1" dirty="0">
+              <a:effectLst/>
+            </a:endParaRPr>
+          </a:p>
+          <a:p>
+            <a:pPr lvl="1"/>
+            <a:endParaRPr lang="en-TR" dirty="0"/>
+          </a:p>
+          <a:p>
+            <a:pPr lvl="1"/>
+            <a:endParaRPr lang="en-TR" dirty="0"/>
+          </a:p>
+          <a:p>
+            <a:endParaRPr lang="en-TR" dirty="0"/>
+          </a:p>
+        </p:txBody>
+      </p:sp>
+    </p:spTree>
+    <p:extLst>
+      <p:ext uri="{BB962C8B-B14F-4D97-AF65-F5344CB8AC3E}">
+        <p14:creationId xmlns:p14="http://schemas.microsoft.com/office/powerpoint/2010/main" val="1745976525"/>
+      </p:ext>
+    </p:extLst>
+  </p:cSld>
+  <p:clrMapOvr>
+    <a:masterClrMapping/>
+  </p:clrMapOvr>
+</p:sld>
+</file>
+
+<file path=ppt/slides/slide72.xml><?xml version="1.0" encoding="utf-8"?>
+<p:sld xmlns:a="http://schemas.openxmlformats.org/drawingml/2006/main" xmlns:r="http://schemas.openxmlformats.org/officeDocument/2006/relationships" xmlns:p="http://schemas.openxmlformats.org/presentationml/2006/main">
+  <p:cSld>
+    <p:spTree>
+      <p:nvGrpSpPr>
+        <p:cNvPr id="1" name="">
+          <a:extLst>
+            <a:ext uri="{FF2B5EF4-FFF2-40B4-BE49-F238E27FC236}">
+              <a16:creationId xmlns:a16="http://schemas.microsoft.com/office/drawing/2014/main" id="{30322F93-6D53-A10B-4D57-8634E112D4C3}"/>
+            </a:ext>
+          </a:extLst>
+        </p:cNvPr>
+        <p:cNvGrpSpPr/>
+        <p:nvPr/>
+      </p:nvGrpSpPr>
+      <p:grpSpPr>
+        <a:xfrm>
+          <a:off x="0" y="0"/>
+          <a:ext cx="0" cy="0"/>
+          <a:chOff x="0" y="0"/>
+          <a:chExt cx="0" cy="0"/>
+        </a:xfrm>
+      </p:grpSpPr>
+      <p:sp>
+        <p:nvSpPr>
+          <p:cNvPr id="2" name="Title 1">
+            <a:extLst>
+              <a:ext uri="{FF2B5EF4-FFF2-40B4-BE49-F238E27FC236}">
+                <a16:creationId xmlns:a16="http://schemas.microsoft.com/office/drawing/2014/main" id="{42F0F589-8C5C-02C4-8211-B118D592EA6A}"/>
+              </a:ext>
+            </a:extLst>
+          </p:cNvPr>
+          <p:cNvSpPr>
+            <a:spLocks noGrp="1"/>
+          </p:cNvSpPr>
+          <p:nvPr>
+            <p:ph type="title"/>
+          </p:nvPr>
+        </p:nvSpPr>
+        <p:spPr>
+          <a:xfrm>
+            <a:off x="838200" y="176768"/>
+            <a:ext cx="9966434" cy="591316"/>
+          </a:xfrm>
+        </p:spPr>
+        <p:txBody>
+          <a:bodyPr>
+            <a:normAutofit fontScale="90000"/>
+          </a:bodyPr>
+          <a:lstStyle/>
+          <a:p>
+            <a:r>
+              <a:rPr lang="en-TR" b="1" dirty="0"/>
+              <a:t>Facade Pattern</a:t>
+            </a:r>
+          </a:p>
+        </p:txBody>
+      </p:sp>
+      <p:sp>
+        <p:nvSpPr>
+          <p:cNvPr id="9" name="Content Placeholder 8">
+            <a:extLst>
+              <a:ext uri="{FF2B5EF4-FFF2-40B4-BE49-F238E27FC236}">
+                <a16:creationId xmlns:a16="http://schemas.microsoft.com/office/drawing/2014/main" id="{4BC457AE-B528-DE06-7587-61AF599D6C33}"/>
+              </a:ext>
+            </a:extLst>
+          </p:cNvPr>
+          <p:cNvSpPr>
+            <a:spLocks noGrp="1"/>
+          </p:cNvSpPr>
+          <p:nvPr>
+            <p:ph idx="1"/>
+          </p:nvPr>
+        </p:nvSpPr>
+        <p:spPr>
+          <a:xfrm>
+            <a:off x="838200" y="3931541"/>
+            <a:ext cx="10515600" cy="2393757"/>
+          </a:xfrm>
+        </p:spPr>
+        <p:txBody>
+          <a:bodyPr>
+            <a:normAutofit/>
+          </a:bodyPr>
+          <a:lstStyle/>
+          <a:p>
+            <a:r>
+              <a:rPr lang="en-TR" b="1" dirty="0"/>
+              <a:t>Fa</a:t>
+            </a:r>
+            <a:r>
+              <a:rPr lang="en-US" b="1" dirty="0"/>
+              <a:t>c</a:t>
+            </a:r>
+            <a:r>
+              <a:rPr lang="en-TR" b="1" dirty="0"/>
+              <a:t>ade : </a:t>
+            </a:r>
+            <a:r>
+              <a:rPr lang="en-TR" dirty="0"/>
+              <a:t>Alt sistemi bilmekten sorumlu olan parça, sınıf</a:t>
+            </a:r>
+          </a:p>
+          <a:p>
+            <a:r>
+              <a:rPr lang="en-TR" b="1" dirty="0"/>
+              <a:t>Subsystem Classes : </a:t>
+            </a:r>
+            <a:r>
+              <a:rPr lang="en-TR" dirty="0"/>
+              <a:t>Fa</a:t>
+            </a:r>
+            <a:r>
+              <a:rPr lang="en-US" dirty="0"/>
+              <a:t>c</a:t>
+            </a:r>
+            <a:r>
+              <a:rPr lang="en-TR" dirty="0"/>
+              <a:t>ade hakkında hiçbir bilgisi olmayan, Fa</a:t>
+            </a:r>
+            <a:r>
+              <a:rPr lang="en-US" dirty="0" err="1"/>
+              <a:t>ç</a:t>
+            </a:r>
+            <a:r>
+              <a:rPr lang="en-TR" dirty="0"/>
+              <a:t>ade içerisindeki sistem.</a:t>
+            </a:r>
+          </a:p>
+        </p:txBody>
+      </p:sp>
+      <p:pic>
+        <p:nvPicPr>
+          <p:cNvPr id="5" name="Picture 4">
+            <a:extLst>
+              <a:ext uri="{FF2B5EF4-FFF2-40B4-BE49-F238E27FC236}">
+                <a16:creationId xmlns:a16="http://schemas.microsoft.com/office/drawing/2014/main" id="{C3D7DA8E-6973-ED23-2D84-35C65499EE39}"/>
+              </a:ext>
+            </a:extLst>
+          </p:cNvPr>
+          <p:cNvPicPr>
+            <a:picLocks noChangeAspect="1"/>
+          </p:cNvPicPr>
+          <p:nvPr/>
+        </p:nvPicPr>
+        <p:blipFill>
+          <a:blip r:embed="rId2"/>
+          <a:stretch>
+            <a:fillRect/>
+          </a:stretch>
+        </p:blipFill>
+        <p:spPr>
+          <a:xfrm>
+            <a:off x="2100317" y="768502"/>
+            <a:ext cx="7442200" cy="3098800"/>
+          </a:xfrm>
+          <a:prstGeom prst="rect">
+            <a:avLst/>
+          </a:prstGeom>
+        </p:spPr>
+      </p:pic>
+    </p:spTree>
+    <p:extLst>
+      <p:ext uri="{BB962C8B-B14F-4D97-AF65-F5344CB8AC3E}">
+        <p14:creationId xmlns:p14="http://schemas.microsoft.com/office/powerpoint/2010/main" val="2253997435"/>
+      </p:ext>
+    </p:extLst>
+  </p:cSld>
+  <p:clrMapOvr>
+    <a:masterClrMapping/>
+  </p:clrMapOvr>
+</p:sld>
+</file>
+
+<file path=ppt/slides/slide73.xml><?xml version="1.0" encoding="utf-8"?>
+<p:sld xmlns:a="http://schemas.openxmlformats.org/drawingml/2006/main" xmlns:r="http://schemas.openxmlformats.org/officeDocument/2006/relationships" xmlns:p="http://schemas.openxmlformats.org/presentationml/2006/main">
+  <p:cSld>
+    <p:spTree>
+      <p:nvGrpSpPr>
+        <p:cNvPr id="1" name="">
+          <a:extLst>
+            <a:ext uri="{FF2B5EF4-FFF2-40B4-BE49-F238E27FC236}">
+              <a16:creationId xmlns:a16="http://schemas.microsoft.com/office/drawing/2014/main" id="{2AD11748-ADD5-5B8A-1C00-5BAFABB8CF1A}"/>
+            </a:ext>
+          </a:extLst>
+        </p:cNvPr>
+        <p:cNvGrpSpPr/>
+        <p:nvPr/>
+      </p:nvGrpSpPr>
+      <p:grpSpPr>
+        <a:xfrm>
+          <a:off x="0" y="0"/>
+          <a:ext cx="0" cy="0"/>
+          <a:chOff x="0" y="0"/>
+          <a:chExt cx="0" cy="0"/>
+        </a:xfrm>
+      </p:grpSpPr>
+      <p:sp>
+        <p:nvSpPr>
+          <p:cNvPr id="2" name="Title 1">
+            <a:extLst>
+              <a:ext uri="{FF2B5EF4-FFF2-40B4-BE49-F238E27FC236}">
+                <a16:creationId xmlns:a16="http://schemas.microsoft.com/office/drawing/2014/main" id="{59767D85-1F2F-0198-B4AA-60CFA0FD3ADB}"/>
+              </a:ext>
+            </a:extLst>
+          </p:cNvPr>
+          <p:cNvSpPr>
+            <a:spLocks noGrp="1"/>
+          </p:cNvSpPr>
+          <p:nvPr>
+            <p:ph type="title"/>
+          </p:nvPr>
+        </p:nvSpPr>
+        <p:spPr/>
+        <p:txBody>
+          <a:bodyPr/>
+          <a:lstStyle/>
+          <a:p>
+            <a:r>
+              <a:rPr lang="en-TR" dirty="0"/>
+              <a:t>Çözüm..</a:t>
+            </a:r>
+          </a:p>
+        </p:txBody>
+      </p:sp>
+      <p:sp>
+        <p:nvSpPr>
+          <p:cNvPr id="3" name="Content Placeholder 2">
+            <a:extLst>
+              <a:ext uri="{FF2B5EF4-FFF2-40B4-BE49-F238E27FC236}">
+                <a16:creationId xmlns:a16="http://schemas.microsoft.com/office/drawing/2014/main" id="{F04DE7F7-1BFC-6540-5ECA-933AE2EBC895}"/>
+              </a:ext>
+            </a:extLst>
+          </p:cNvPr>
+          <p:cNvSpPr>
+            <a:spLocks noGrp="1"/>
+          </p:cNvSpPr>
+          <p:nvPr>
+            <p:ph idx="1"/>
+          </p:nvPr>
+        </p:nvSpPr>
+        <p:spPr/>
+        <p:txBody>
+          <a:bodyPr>
+            <a:normAutofit/>
+          </a:bodyPr>
+          <a:lstStyle/>
+          <a:p>
+            <a:pPr marL="0" indent="0">
+              <a:buNone/>
+            </a:pPr>
+            <a:endParaRPr lang="en-TR" sz="5000" dirty="0"/>
+          </a:p>
+          <a:p>
+            <a:pPr marL="0" indent="0">
+              <a:buNone/>
+            </a:pPr>
+            <a:endParaRPr lang="en-TR" sz="5000" dirty="0"/>
+          </a:p>
+          <a:p>
+            <a:pPr marL="0" indent="0">
+              <a:buNone/>
+            </a:pPr>
+            <a:r>
+              <a:rPr lang="en-TR" sz="5000" dirty="0"/>
+              <a:t>Demo</a:t>
+            </a:r>
+          </a:p>
+        </p:txBody>
+      </p:sp>
+    </p:spTree>
+    <p:extLst>
+      <p:ext uri="{BB962C8B-B14F-4D97-AF65-F5344CB8AC3E}">
+        <p14:creationId xmlns:p14="http://schemas.microsoft.com/office/powerpoint/2010/main" val="715098013"/>
+      </p:ext>
+    </p:extLst>
+  </p:cSld>
+  <p:clrMapOvr>
+    <a:masterClrMapping/>
+  </p:clrMapOvr>
+</p:sld>
+</file>
+
+<file path=ppt/slides/slide74.xml><?xml version="1.0" encoding="utf-8"?>
+<p:sld xmlns:a="http://schemas.openxmlformats.org/drawingml/2006/main" xmlns:r="http://schemas.openxmlformats.org/officeDocument/2006/relationships" xmlns:p="http://schemas.openxmlformats.org/presentationml/2006/main">
+  <p:cSld>
+    <p:spTree>
+      <p:nvGrpSpPr>
+        <p:cNvPr id="1" name="">
+          <a:extLst>
+            <a:ext uri="{FF2B5EF4-FFF2-40B4-BE49-F238E27FC236}">
+              <a16:creationId xmlns:a16="http://schemas.microsoft.com/office/drawing/2014/main" id="{794017C4-DFD5-4260-86B2-05A9105FC763}"/>
+            </a:ext>
+          </a:extLst>
+        </p:cNvPr>
+        <p:cNvGrpSpPr/>
+        <p:nvPr/>
+      </p:nvGrpSpPr>
+      <p:grpSpPr>
+        <a:xfrm>
+          <a:off x="0" y="0"/>
+          <a:ext cx="0" cy="0"/>
+          <a:chOff x="0" y="0"/>
+          <a:chExt cx="0" cy="0"/>
+        </a:xfrm>
+      </p:grpSpPr>
+      <p:sp>
+        <p:nvSpPr>
+          <p:cNvPr id="2" name="Title 1">
+            <a:extLst>
+              <a:ext uri="{FF2B5EF4-FFF2-40B4-BE49-F238E27FC236}">
+                <a16:creationId xmlns:a16="http://schemas.microsoft.com/office/drawing/2014/main" id="{D7FFD0DF-DB70-A691-E008-79B0C2400C3E}"/>
+              </a:ext>
+            </a:extLst>
+          </p:cNvPr>
+          <p:cNvSpPr>
+            <a:spLocks noGrp="1"/>
+          </p:cNvSpPr>
+          <p:nvPr>
+            <p:ph type="title"/>
+          </p:nvPr>
+        </p:nvSpPr>
+        <p:spPr/>
+        <p:txBody>
+          <a:bodyPr/>
+          <a:lstStyle/>
+          <a:p>
+            <a:r>
+              <a:rPr lang="en-TR" b="1" dirty="0"/>
+              <a:t>Facade Pattern ile</a:t>
+            </a:r>
+          </a:p>
+        </p:txBody>
+      </p:sp>
+      <p:sp>
+        <p:nvSpPr>
+          <p:cNvPr id="3" name="Content Placeholder 2">
+            <a:extLst>
+              <a:ext uri="{FF2B5EF4-FFF2-40B4-BE49-F238E27FC236}">
+                <a16:creationId xmlns:a16="http://schemas.microsoft.com/office/drawing/2014/main" id="{ADC287CA-0923-7A44-381D-EF10F3D093C0}"/>
+              </a:ext>
+            </a:extLst>
+          </p:cNvPr>
+          <p:cNvSpPr>
+            <a:spLocks noGrp="1"/>
+          </p:cNvSpPr>
+          <p:nvPr>
+            <p:ph idx="1"/>
+          </p:nvPr>
+        </p:nvSpPr>
+        <p:spPr>
+          <a:xfrm>
+            <a:off x="838200" y="1478784"/>
+            <a:ext cx="10515600" cy="1777111"/>
+          </a:xfrm>
+        </p:spPr>
+        <p:txBody>
+          <a:bodyPr>
+            <a:normAutofit lnSpcReduction="10000"/>
+          </a:bodyPr>
+          <a:lstStyle/>
+          <a:p>
+            <a:r>
+              <a:rPr lang="en-TR" dirty="0"/>
+              <a:t>Bir sistemin kullanımı kolaylaşır, bilgi en aza indirilir. (Kullanım klavuzu)</a:t>
+            </a:r>
+          </a:p>
+          <a:p>
+            <a:r>
+              <a:rPr lang="en-TR" dirty="0"/>
+              <a:t>Law of demeter (principle of least knowledge) kuralı uygulanır.</a:t>
+            </a:r>
+          </a:p>
+          <a:p>
+            <a:r>
+              <a:rPr lang="en-TR" dirty="0"/>
+              <a:t>Yeni bir özellik eklemek OCP ihlal etmeden, diğer nesneleri etkilemeden nesnelere dinamik bir yapı sağlanmaktadır.</a:t>
+            </a:r>
+          </a:p>
+          <a:p>
+            <a:pPr marL="0" indent="0">
+              <a:buNone/>
+            </a:pPr>
+            <a:endParaRPr lang="en-TR" dirty="0"/>
+          </a:p>
+          <a:p>
+            <a:pPr marL="0" indent="0">
+              <a:buNone/>
+            </a:pPr>
+            <a:endParaRPr lang="en-TR" dirty="0"/>
+          </a:p>
+          <a:p>
+            <a:pPr marL="0" indent="0">
+              <a:buNone/>
+            </a:pPr>
+            <a:endParaRPr lang="en-TR" dirty="0"/>
+          </a:p>
+          <a:p>
+            <a:pPr marL="0" indent="0">
+              <a:buNone/>
+            </a:pPr>
+            <a:endParaRPr lang="en-TR" dirty="0"/>
+          </a:p>
+          <a:p>
+            <a:pPr marL="0" indent="0">
+              <a:buNone/>
+            </a:pPr>
+            <a:endParaRPr lang="en-TR" dirty="0"/>
+          </a:p>
+          <a:p>
+            <a:endParaRPr lang="en-TR" dirty="0"/>
+          </a:p>
+        </p:txBody>
+      </p:sp>
+      <p:sp>
+        <p:nvSpPr>
+          <p:cNvPr id="4" name="Content Placeholder 2">
+            <a:extLst>
+              <a:ext uri="{FF2B5EF4-FFF2-40B4-BE49-F238E27FC236}">
+                <a16:creationId xmlns:a16="http://schemas.microsoft.com/office/drawing/2014/main" id="{0A02DEF4-7CE2-8EE0-9D84-0430519123A9}"/>
+              </a:ext>
+            </a:extLst>
+          </p:cNvPr>
+          <p:cNvSpPr txBox="1">
+            <a:spLocks/>
+          </p:cNvSpPr>
+          <p:nvPr/>
+        </p:nvSpPr>
+        <p:spPr>
+          <a:xfrm>
+            <a:off x="838200" y="3895721"/>
+            <a:ext cx="10515600" cy="1290254"/>
+          </a:xfrm>
+          <a:prstGeom prst="rect">
+            <a:avLst/>
+          </a:prstGeom>
+        </p:spPr>
+        <p:txBody>
+          <a:bodyPr vert="horz" lIns="91440" tIns="45720" rIns="91440" bIns="45720" rtlCol="0">
+            <a:normAutofit fontScale="47500" lnSpcReduction="20000"/>
+          </a:bodyPr>
+          <a:lstStyle>
+            <a:lvl1pPr marL="228600" indent="-228600" algn="l" defTabSz="914400" rtl="0" eaLnBrk="1" latinLnBrk="0" hangingPunct="1">
+              <a:lnSpc>
+                <a:spcPct val="90000"/>
+              </a:lnSpc>
+              <a:spcBef>
+                <a:spcPts val="1000"/>
+              </a:spcBef>
+              <a:buFont typeface="Arial" panose="020B0604020202020204" pitchFamily="34" charset="0"/>
+              <a:buChar char="•"/>
+              <a:defRPr sz="2800" kern="1200">
+                <a:solidFill>
+                  <a:schemeClr val="tx1"/>
+                </a:solidFill>
+                <a:latin typeface="+mn-lt"/>
+                <a:ea typeface="+mn-ea"/>
+                <a:cs typeface="+mn-cs"/>
+              </a:defRPr>
+            </a:lvl1pPr>
+            <a:lvl2pPr marL="685800" indent="-228600" algn="l" defTabSz="914400" rtl="0" eaLnBrk="1" latinLnBrk="0" hangingPunct="1">
+              <a:lnSpc>
+                <a:spcPct val="90000"/>
+              </a:lnSpc>
+              <a:spcBef>
+                <a:spcPts val="500"/>
+              </a:spcBef>
+              <a:buFont typeface="Arial" panose="020B0604020202020204" pitchFamily="34" charset="0"/>
+              <a:buChar char="•"/>
+              <a:defRPr sz="2400" kern="1200">
+                <a:solidFill>
+                  <a:schemeClr val="tx1"/>
+                </a:solidFill>
+                <a:latin typeface="+mn-lt"/>
+                <a:ea typeface="+mn-ea"/>
+                <a:cs typeface="+mn-cs"/>
+              </a:defRPr>
+            </a:lvl2pPr>
+            <a:lvl3pPr marL="1143000" indent="-228600" algn="l" defTabSz="914400" rtl="0" eaLnBrk="1" latinLnBrk="0" hangingPunct="1">
+              <a:lnSpc>
+                <a:spcPct val="90000"/>
+              </a:lnSpc>
+              <a:spcBef>
+                <a:spcPts val="500"/>
+              </a:spcBef>
+              <a:buFont typeface="Arial" panose="020B0604020202020204" pitchFamily="34" charset="0"/>
+              <a:buChar char="•"/>
+              <a:defRPr sz="2000" kern="1200">
+                <a:solidFill>
+                  <a:schemeClr val="tx1"/>
+                </a:solidFill>
+                <a:latin typeface="+mn-lt"/>
+                <a:ea typeface="+mn-ea"/>
+                <a:cs typeface="+mn-cs"/>
+              </a:defRPr>
+            </a:lvl3pPr>
+            <a:lvl4pPr marL="1600200" indent="-228600" algn="l" defTabSz="914400" rtl="0" eaLnBrk="1" latinLnBrk="0" hangingPunct="1">
+              <a:lnSpc>
+                <a:spcPct val="90000"/>
+              </a:lnSpc>
+              <a:spcBef>
+                <a:spcPts val="500"/>
+              </a:spcBef>
+              <a:buFont typeface="Arial" panose="020B0604020202020204" pitchFamily="34" charset="0"/>
+              <a:buChar char="•"/>
+              <a:defRPr sz="1800" kern="1200">
+                <a:solidFill>
+                  <a:schemeClr val="tx1"/>
+                </a:solidFill>
+                <a:latin typeface="+mn-lt"/>
+                <a:ea typeface="+mn-ea"/>
+                <a:cs typeface="+mn-cs"/>
+              </a:defRPr>
+            </a:lvl4pPr>
+            <a:lvl5pPr marL="2057400" indent="-228600" algn="l" defTabSz="914400" rtl="0" eaLnBrk="1" latinLnBrk="0" hangingPunct="1">
+              <a:lnSpc>
+                <a:spcPct val="90000"/>
+              </a:lnSpc>
+              <a:spcBef>
+                <a:spcPts val="500"/>
+              </a:spcBef>
+              <a:buFont typeface="Arial" panose="020B0604020202020204" pitchFamily="34" charset="0"/>
+              <a:buChar char="•"/>
+              <a:defRPr sz="1800" kern="1200">
+                <a:solidFill>
+                  <a:schemeClr val="tx1"/>
+                </a:solidFill>
+                <a:latin typeface="+mn-lt"/>
+                <a:ea typeface="+mn-ea"/>
+                <a:cs typeface="+mn-cs"/>
+              </a:defRPr>
+            </a:lvl5pPr>
+            <a:lvl6pPr marL="2514600" indent="-228600" algn="l" defTabSz="914400" rtl="0" eaLnBrk="1" latinLnBrk="0" hangingPunct="1">
+              <a:lnSpc>
+                <a:spcPct val="90000"/>
+              </a:lnSpc>
+              <a:spcBef>
+                <a:spcPts val="500"/>
+              </a:spcBef>
+              <a:buFont typeface="Arial" panose="020B0604020202020204" pitchFamily="34" charset="0"/>
+              <a:buChar char="•"/>
+              <a:defRPr sz="1800" kern="1200">
+                <a:solidFill>
+                  <a:schemeClr val="tx1"/>
+                </a:solidFill>
+                <a:latin typeface="+mn-lt"/>
+                <a:ea typeface="+mn-ea"/>
+                <a:cs typeface="+mn-cs"/>
+              </a:defRPr>
+            </a:lvl6pPr>
+            <a:lvl7pPr marL="2971800" indent="-228600" algn="l" defTabSz="914400" rtl="0" eaLnBrk="1" latinLnBrk="0" hangingPunct="1">
+              <a:lnSpc>
+                <a:spcPct val="90000"/>
+              </a:lnSpc>
+              <a:spcBef>
+                <a:spcPts val="500"/>
+              </a:spcBef>
+              <a:buFont typeface="Arial" panose="020B0604020202020204" pitchFamily="34" charset="0"/>
+              <a:buChar char="•"/>
+              <a:defRPr sz="1800" kern="1200">
+                <a:solidFill>
+                  <a:schemeClr val="tx1"/>
+                </a:solidFill>
+                <a:latin typeface="+mn-lt"/>
+                <a:ea typeface="+mn-ea"/>
+                <a:cs typeface="+mn-cs"/>
+              </a:defRPr>
+            </a:lvl7pPr>
+            <a:lvl8pPr marL="3429000" indent="-228600" algn="l" defTabSz="914400" rtl="0" eaLnBrk="1" latinLnBrk="0" hangingPunct="1">
+              <a:lnSpc>
+                <a:spcPct val="90000"/>
+              </a:lnSpc>
+              <a:spcBef>
+                <a:spcPts val="500"/>
+              </a:spcBef>
+              <a:buFont typeface="Arial" panose="020B0604020202020204" pitchFamily="34" charset="0"/>
+              <a:buChar char="•"/>
+              <a:defRPr sz="1800" kern="1200">
+                <a:solidFill>
+                  <a:schemeClr val="tx1"/>
+                </a:solidFill>
+                <a:latin typeface="+mn-lt"/>
+                <a:ea typeface="+mn-ea"/>
+                <a:cs typeface="+mn-cs"/>
+              </a:defRPr>
+            </a:lvl8pPr>
+            <a:lvl9pPr marL="3886200" indent="-228600" algn="l" defTabSz="914400" rtl="0" eaLnBrk="1" latinLnBrk="0" hangingPunct="1">
+              <a:lnSpc>
+                <a:spcPct val="90000"/>
+              </a:lnSpc>
+              <a:spcBef>
+                <a:spcPts val="500"/>
+              </a:spcBef>
+              <a:buFont typeface="Arial" panose="020B0604020202020204" pitchFamily="34" charset="0"/>
+              <a:buChar char="•"/>
+              <a:defRPr sz="1800" kern="1200">
+                <a:solidFill>
+                  <a:schemeClr val="tx1"/>
+                </a:solidFill>
+                <a:latin typeface="+mn-lt"/>
+                <a:ea typeface="+mn-ea"/>
+                <a:cs typeface="+mn-cs"/>
+              </a:defRPr>
+            </a:lvl9pPr>
+          </a:lstStyle>
+          <a:p>
+            <a:pPr marL="0" indent="0" algn="l">
+              <a:buNone/>
+            </a:pPr>
+            <a:r>
+              <a:rPr lang="en-US" sz="5100" dirty="0" err="1"/>
+              <a:t>Nerede</a:t>
+            </a:r>
+            <a:r>
+              <a:rPr lang="en-US" sz="5100" dirty="0"/>
+              <a:t> </a:t>
+            </a:r>
+            <a:r>
+              <a:rPr lang="en-US" sz="5100" dirty="0" err="1"/>
+              <a:t>Kullanılıyor</a:t>
+            </a:r>
+            <a:r>
+              <a:rPr lang="en-US" sz="5100" dirty="0"/>
+              <a:t>?</a:t>
+            </a:r>
+          </a:p>
+          <a:p>
+            <a:pPr algn="l">
+              <a:buFont typeface="Arial" panose="020B0604020202020204" pitchFamily="34" charset="0"/>
+              <a:buChar char="•"/>
+            </a:pPr>
+            <a:r>
+              <a:rPr lang="en-US" sz="4000" b="1" i="0" u="none" strike="noStrike" dirty="0">
+                <a:solidFill>
+                  <a:srgbClr val="444444"/>
+                </a:solidFill>
+                <a:effectLst/>
+                <a:latin typeface="PT Sans" panose="020B0503020203020204" pitchFamily="34" charset="77"/>
+                <a:hlinkClick r:id="rId2"/>
+              </a:rPr>
+              <a:t>javax.faces.context.FacesContext</a:t>
+            </a:r>
+            <a:r>
+              <a:rPr lang="en-US" sz="4000" b="0" i="0" dirty="0">
+                <a:solidFill>
+                  <a:srgbClr val="444444"/>
+                </a:solidFill>
+                <a:effectLst/>
+                <a:latin typeface="PT Sans" panose="020B0503020203020204" pitchFamily="34" charset="77"/>
+              </a:rPr>
+              <a:t> uses </a:t>
+            </a:r>
+            <a:r>
+              <a:rPr lang="en-US" sz="4000" b="1" i="0" u="none" strike="noStrike" dirty="0">
+                <a:solidFill>
+                  <a:srgbClr val="444444"/>
+                </a:solidFill>
+                <a:effectLst/>
+                <a:latin typeface="PT Sans" panose="020B0503020203020204" pitchFamily="34" charset="77"/>
+                <a:hlinkClick r:id="rId3"/>
+              </a:rPr>
+              <a:t>LifeCycle</a:t>
+            </a:r>
+            <a:r>
+              <a:rPr lang="en-US" sz="4000" b="0" i="0" dirty="0">
+                <a:solidFill>
+                  <a:srgbClr val="444444"/>
+                </a:solidFill>
+                <a:effectLst/>
+                <a:latin typeface="PT Sans" panose="020B0503020203020204" pitchFamily="34" charset="77"/>
+              </a:rPr>
+              <a:t>, </a:t>
+            </a:r>
+            <a:r>
+              <a:rPr lang="en-US" sz="4000" b="1" i="0" u="none" strike="noStrike" dirty="0">
+                <a:solidFill>
+                  <a:srgbClr val="444444"/>
+                </a:solidFill>
+                <a:effectLst/>
+                <a:latin typeface="PT Sans" panose="020B0503020203020204" pitchFamily="34" charset="77"/>
+                <a:hlinkClick r:id="rId4"/>
+              </a:rPr>
+              <a:t>ViewHandler</a:t>
+            </a:r>
+            <a:r>
+              <a:rPr lang="en-US" sz="4000" b="0" i="0" dirty="0">
+                <a:solidFill>
+                  <a:srgbClr val="444444"/>
+                </a:solidFill>
+                <a:effectLst/>
+                <a:latin typeface="PT Sans" panose="020B0503020203020204" pitchFamily="34" charset="77"/>
+              </a:rPr>
+              <a:t>, </a:t>
+            </a:r>
+            <a:r>
+              <a:rPr lang="en-US" sz="4000" b="1" i="0" u="none" strike="noStrike" dirty="0">
+                <a:solidFill>
+                  <a:srgbClr val="444444"/>
+                </a:solidFill>
+                <a:effectLst/>
+                <a:latin typeface="PT Sans" panose="020B0503020203020204" pitchFamily="34" charset="77"/>
+                <a:hlinkClick r:id="rId5"/>
+              </a:rPr>
+              <a:t>NavigationHandler</a:t>
+            </a:r>
+            <a:r>
+              <a:rPr lang="en-US" sz="4000" b="0" i="0" dirty="0">
+                <a:solidFill>
+                  <a:srgbClr val="444444"/>
+                </a:solidFill>
+                <a:effectLst/>
+                <a:latin typeface="PT Sans" panose="020B0503020203020204" pitchFamily="34" charset="77"/>
+              </a:rPr>
+              <a:t> </a:t>
+            </a:r>
+          </a:p>
+          <a:p>
+            <a:pPr algn="l">
+              <a:buFont typeface="Arial" panose="020B0604020202020204" pitchFamily="34" charset="0"/>
+              <a:buChar char="•"/>
+            </a:pPr>
+            <a:r>
+              <a:rPr lang="en-US" sz="4000" b="1" i="0" u="none" strike="noStrike" dirty="0">
+                <a:solidFill>
+                  <a:srgbClr val="444444"/>
+                </a:solidFill>
+                <a:effectLst/>
+                <a:latin typeface="PT Sans" panose="020B0503020203020204" pitchFamily="34" charset="77"/>
+                <a:hlinkClick r:id="rId6"/>
+              </a:rPr>
+              <a:t>javax.faces.context.ExternalContext</a:t>
+            </a:r>
+            <a:r>
+              <a:rPr lang="en-US" sz="4000" b="1" i="0" u="none" strike="noStrike" dirty="0">
+                <a:solidFill>
+                  <a:srgbClr val="444444"/>
+                </a:solidFill>
+                <a:effectLst/>
+                <a:latin typeface="PT Sans" panose="020B0503020203020204" pitchFamily="34" charset="77"/>
+              </a:rPr>
+              <a:t>,</a:t>
+            </a:r>
+            <a:r>
+              <a:rPr lang="en-US" sz="4000" b="0" i="0" dirty="0">
+                <a:solidFill>
+                  <a:srgbClr val="444444"/>
+                </a:solidFill>
+                <a:effectLst/>
+                <a:latin typeface="PT Sans" panose="020B0503020203020204" pitchFamily="34" charset="77"/>
+              </a:rPr>
+              <a:t> </a:t>
+            </a:r>
+            <a:r>
+              <a:rPr lang="en-US" sz="4000" b="1" i="0" u="none" strike="noStrike" dirty="0">
+                <a:solidFill>
+                  <a:srgbClr val="444444"/>
+                </a:solidFill>
+                <a:effectLst/>
+                <a:latin typeface="PT Sans" panose="020B0503020203020204" pitchFamily="34" charset="77"/>
+                <a:hlinkClick r:id="rId7"/>
+              </a:rPr>
+              <a:t>ServletContext</a:t>
+            </a:r>
+            <a:r>
+              <a:rPr lang="en-US" sz="4000" b="0" i="0" dirty="0">
+                <a:solidFill>
+                  <a:srgbClr val="444444"/>
+                </a:solidFill>
+                <a:effectLst/>
+                <a:latin typeface="PT Sans" panose="020B0503020203020204" pitchFamily="34" charset="77"/>
+              </a:rPr>
+              <a:t>, </a:t>
+            </a:r>
+            <a:r>
+              <a:rPr lang="en-US" sz="4000" b="1" i="0" u="none" strike="noStrike" dirty="0">
+                <a:solidFill>
+                  <a:srgbClr val="444444"/>
+                </a:solidFill>
+                <a:effectLst/>
+                <a:latin typeface="PT Sans" panose="020B0503020203020204" pitchFamily="34" charset="77"/>
+                <a:hlinkClick r:id="rId8"/>
+              </a:rPr>
+              <a:t>HttpSession</a:t>
+            </a:r>
+            <a:r>
+              <a:rPr lang="en-US" sz="4000" b="0" i="0" dirty="0">
+                <a:solidFill>
+                  <a:srgbClr val="444444"/>
+                </a:solidFill>
+                <a:effectLst/>
+                <a:latin typeface="PT Sans" panose="020B0503020203020204" pitchFamily="34" charset="77"/>
+              </a:rPr>
+              <a:t>, </a:t>
+            </a:r>
+            <a:r>
+              <a:rPr lang="en-US" sz="4000" b="1" i="0" u="none" strike="noStrike" dirty="0">
+                <a:solidFill>
+                  <a:srgbClr val="444444"/>
+                </a:solidFill>
+                <a:effectLst/>
+                <a:latin typeface="PT Sans" panose="020B0503020203020204" pitchFamily="34" charset="77"/>
+                <a:hlinkClick r:id="rId9"/>
+              </a:rPr>
+              <a:t>HttpServletRequest</a:t>
+            </a:r>
+            <a:r>
+              <a:rPr lang="en-US" sz="4000" b="0" i="0" dirty="0">
+                <a:solidFill>
+                  <a:srgbClr val="444444"/>
+                </a:solidFill>
+                <a:effectLst/>
+                <a:latin typeface="PT Sans" panose="020B0503020203020204" pitchFamily="34" charset="77"/>
+              </a:rPr>
+              <a:t>, </a:t>
+            </a:r>
+            <a:r>
+              <a:rPr lang="en-US" sz="4000" b="1" i="0" u="none" strike="noStrike" dirty="0">
+                <a:solidFill>
+                  <a:srgbClr val="444444"/>
+                </a:solidFill>
+                <a:effectLst/>
+                <a:latin typeface="PT Sans" panose="020B0503020203020204" pitchFamily="34" charset="77"/>
+                <a:hlinkClick r:id="rId10"/>
+              </a:rPr>
+              <a:t>HttpServletResponse</a:t>
+            </a:r>
+            <a:r>
+              <a:rPr lang="en-US" sz="4000" b="0" i="0" dirty="0">
+                <a:solidFill>
+                  <a:srgbClr val="444444"/>
+                </a:solidFill>
+                <a:effectLst/>
+                <a:latin typeface="PT Sans" panose="020B0503020203020204" pitchFamily="34" charset="77"/>
+              </a:rPr>
+              <a:t> </a:t>
+            </a:r>
+            <a:endParaRPr lang="en-TR" dirty="0"/>
+          </a:p>
+        </p:txBody>
+      </p:sp>
+    </p:spTree>
+    <p:extLst>
+      <p:ext uri="{BB962C8B-B14F-4D97-AF65-F5344CB8AC3E}">
+        <p14:creationId xmlns:p14="http://schemas.microsoft.com/office/powerpoint/2010/main" val="1113983061"/>
+      </p:ext>
+    </p:extLst>
+  </p:cSld>
+  <p:clrMapOvr>
+    <a:masterClrMapping/>
+  </p:clrMapOvr>
+</p:sld>
+</file>
+
+<file path=ppt/slides/slide75.xml><?xml version="1.0" encoding="utf-8"?>
+<p:sld xmlns:a="http://schemas.openxmlformats.org/drawingml/2006/main" xmlns:r="http://schemas.openxmlformats.org/officeDocument/2006/relationships" xmlns:p="http://schemas.openxmlformats.org/presentationml/2006/main">
+  <p:cSld>
+    <p:spTree>
+      <p:nvGrpSpPr>
+        <p:cNvPr id="1" name="">
+          <a:extLst>
+            <a:ext uri="{FF2B5EF4-FFF2-40B4-BE49-F238E27FC236}">
+              <a16:creationId xmlns:a16="http://schemas.microsoft.com/office/drawing/2014/main" id="{FD873C8E-E188-313F-6B10-0DDE6D8869E8}"/>
+            </a:ext>
+          </a:extLst>
+        </p:cNvPr>
+        <p:cNvGrpSpPr/>
+        <p:nvPr/>
+      </p:nvGrpSpPr>
+      <p:grpSpPr>
+        <a:xfrm>
+          <a:off x="0" y="0"/>
+          <a:ext cx="0" cy="0"/>
+          <a:chOff x="0" y="0"/>
+          <a:chExt cx="0" cy="0"/>
+        </a:xfrm>
+      </p:grpSpPr>
+      <p:sp>
+        <p:nvSpPr>
+          <p:cNvPr id="2" name="Title 1">
+            <a:extLst>
+              <a:ext uri="{FF2B5EF4-FFF2-40B4-BE49-F238E27FC236}">
+                <a16:creationId xmlns:a16="http://schemas.microsoft.com/office/drawing/2014/main" id="{5BA4E7F1-2569-44FB-04E1-92A53D7F29A2}"/>
+              </a:ext>
+            </a:extLst>
+          </p:cNvPr>
+          <p:cNvSpPr>
+            <a:spLocks noGrp="1"/>
+          </p:cNvSpPr>
+          <p:nvPr>
+            <p:ph type="title"/>
+          </p:nvPr>
+        </p:nvSpPr>
+        <p:spPr/>
+        <p:txBody>
+          <a:bodyPr/>
+          <a:lstStyle/>
+          <a:p>
+            <a:r>
+              <a:rPr lang="en-TR" dirty="0"/>
+              <a:t>Kaynakça	</a:t>
+            </a:r>
+          </a:p>
+        </p:txBody>
+      </p:sp>
+      <p:sp>
+        <p:nvSpPr>
+          <p:cNvPr id="3" name="Content Placeholder 2">
+            <a:extLst>
+              <a:ext uri="{FF2B5EF4-FFF2-40B4-BE49-F238E27FC236}">
+                <a16:creationId xmlns:a16="http://schemas.microsoft.com/office/drawing/2014/main" id="{7D2A238D-86B4-9765-0E68-66281BE6B5D2}"/>
+              </a:ext>
+            </a:extLst>
+          </p:cNvPr>
+          <p:cNvSpPr>
+            <a:spLocks noGrp="1"/>
+          </p:cNvSpPr>
+          <p:nvPr>
+            <p:ph idx="1"/>
+          </p:nvPr>
+        </p:nvSpPr>
+        <p:spPr/>
+        <p:txBody>
+          <a:bodyPr>
+            <a:normAutofit fontScale="92500"/>
+          </a:bodyPr>
+          <a:lstStyle/>
+          <a:p>
+            <a:r>
+              <a:rPr lang="en-US" b="0" i="0" dirty="0">
+                <a:solidFill>
+                  <a:srgbClr val="202122"/>
+                </a:solidFill>
+                <a:effectLst/>
+                <a:latin typeface="Arial" panose="020B0604020202020204" pitchFamily="34" charset="0"/>
+              </a:rPr>
+              <a:t>Design Patterns: Elements of Reusable Object-Oriented Software</a:t>
+            </a:r>
+            <a:endParaRPr lang="en-US" dirty="0">
+              <a:hlinkClick r:id="rId2"/>
+            </a:endParaRPr>
+          </a:p>
+          <a:p>
+            <a:r>
+              <a:rPr lang="en-US" dirty="0">
+                <a:hlinkClick r:id="rId2"/>
+              </a:rPr>
+              <a:t>https://refactoring.guru/design-patterns/what-is-pattern</a:t>
+            </a:r>
+            <a:endParaRPr lang="en-US" dirty="0"/>
+          </a:p>
+          <a:p>
+            <a:r>
+              <a:rPr lang="en-US" dirty="0">
+                <a:hlinkClick r:id="rId3"/>
+              </a:rPr>
+              <a:t>https://www.udemy.com/course/designpatterns/</a:t>
+            </a:r>
+            <a:r>
+              <a:rPr lang="en-US" dirty="0"/>
+              <a:t> (</a:t>
+            </a:r>
+            <a:r>
+              <a:rPr lang="en-US" dirty="0" err="1"/>
+              <a:t>Akın</a:t>
+            </a:r>
+            <a:r>
+              <a:rPr lang="en-US" dirty="0"/>
+              <a:t> </a:t>
+            </a:r>
+            <a:r>
+              <a:rPr lang="en-US" dirty="0" err="1"/>
+              <a:t>Hoca</a:t>
+            </a:r>
+            <a:r>
+              <a:rPr lang="en-US" dirty="0"/>
+              <a:t>)</a:t>
+            </a:r>
+          </a:p>
+          <a:p>
+            <a:r>
+              <a:rPr lang="en-US" dirty="0"/>
+              <a:t>Head First Design Pattern</a:t>
+            </a:r>
+          </a:p>
+          <a:p>
+            <a:r>
+              <a:rPr lang="en-US" dirty="0">
+                <a:hlinkClick r:id="rId4"/>
+              </a:rPr>
+              <a:t>https://www.youtube.com/watch?v=5upBcx8Z7FM</a:t>
+            </a:r>
+            <a:r>
+              <a:rPr lang="en-US" dirty="0"/>
+              <a:t> -&gt; </a:t>
+            </a:r>
+            <a:r>
+              <a:rPr lang="en-US" dirty="0" err="1"/>
+              <a:t>Sadık</a:t>
+            </a:r>
+            <a:r>
+              <a:rPr lang="en-US" dirty="0"/>
+              <a:t> </a:t>
+            </a:r>
+            <a:r>
+              <a:rPr lang="en-US" dirty="0" err="1"/>
+              <a:t>Barış</a:t>
+            </a:r>
+            <a:r>
+              <a:rPr lang="en-US" dirty="0"/>
+              <a:t> MEMİŞ</a:t>
+            </a:r>
+          </a:p>
+          <a:p>
+            <a:r>
+              <a:rPr lang="en-TR" dirty="0"/>
+              <a:t>Türkçe Pdf Kitap için Özcan ACAR-&gt; </a:t>
+            </a:r>
+            <a:r>
+              <a:rPr lang="en-US" dirty="0">
+                <a:hlinkClick r:id="rId5"/>
+              </a:rPr>
+              <a:t>https://www.pratikprogramci.com/urun/design-patterns/</a:t>
+            </a:r>
+            <a:endParaRPr lang="en-US" dirty="0"/>
+          </a:p>
+          <a:p>
+            <a:r>
+              <a:rPr lang="en-US" dirty="0" err="1"/>
+              <a:t>Örneklerle</a:t>
+            </a:r>
+            <a:r>
+              <a:rPr lang="en-US" dirty="0"/>
+              <a:t> </a:t>
+            </a:r>
+            <a:r>
+              <a:rPr lang="en-US" dirty="0" err="1"/>
+              <a:t>ilgili</a:t>
+            </a:r>
+            <a:r>
+              <a:rPr lang="en-US" dirty="0"/>
+              <a:t> repo -&gt; https://</a:t>
+            </a:r>
+            <a:r>
+              <a:rPr lang="en-US" dirty="0" err="1"/>
+              <a:t>github.com</a:t>
+            </a:r>
+            <a:r>
+              <a:rPr lang="en-US" dirty="0"/>
+              <a:t>/</a:t>
+            </a:r>
+            <a:r>
+              <a:rPr lang="en-US" dirty="0" err="1"/>
+              <a:t>bethrobson</a:t>
+            </a:r>
+            <a:r>
+              <a:rPr lang="en-US" dirty="0"/>
+              <a:t>/Head-First-Design-Patterns</a:t>
+            </a:r>
+            <a:endParaRPr lang="en-TR" dirty="0"/>
+          </a:p>
+        </p:txBody>
+      </p:sp>
+    </p:spTree>
+    <p:extLst>
+      <p:ext uri="{BB962C8B-B14F-4D97-AF65-F5344CB8AC3E}">
+        <p14:creationId xmlns:p14="http://schemas.microsoft.com/office/powerpoint/2010/main" val="4229213251"/>
       </p:ext>
     </p:extLst>
   </p:cSld>
